--- a/ireklama.pptx
+++ b/ireklama.pptx
@@ -22,22 +22,22 @@
     <p:sldId id="278" r:id="rId13"/>
     <p:sldId id="274" r:id="rId14"/>
     <p:sldId id="275" r:id="rId15"/>
-    <p:sldId id="277" r:id="rId16"/>
-    <p:sldId id="279" r:id="rId17"/>
-    <p:sldId id="281" r:id="rId18"/>
-    <p:sldId id="261" r:id="rId19"/>
-    <p:sldId id="267" r:id="rId20"/>
-    <p:sldId id="264" r:id="rId21"/>
-    <p:sldId id="266" r:id="rId22"/>
-    <p:sldId id="270" r:id="rId23"/>
+    <p:sldId id="279" r:id="rId16"/>
+    <p:sldId id="281" r:id="rId17"/>
+    <p:sldId id="261" r:id="rId18"/>
+    <p:sldId id="267" r:id="rId19"/>
+    <p:sldId id="264" r:id="rId20"/>
+    <p:sldId id="266" r:id="rId21"/>
+    <p:sldId id="270" r:id="rId22"/>
+    <p:sldId id="283" r:id="rId23"/>
     <p:sldId id="280" r:id="rId24"/>
-    <p:sldId id="283" r:id="rId25"/>
-    <p:sldId id="284" r:id="rId26"/>
+    <p:sldId id="284" r:id="rId25"/>
+    <p:sldId id="289" r:id="rId26"/>
     <p:sldId id="268" r:id="rId27"/>
     <p:sldId id="269" r:id="rId28"/>
     <p:sldId id="272" r:id="rId29"/>
-    <p:sldId id="273" r:id="rId30"/>
-    <p:sldId id="285" r:id="rId31"/>
+    <p:sldId id="285" r:id="rId30"/>
+    <p:sldId id="288" r:id="rId31"/>
   </p:sldIdLst>
   <p:sldSz cx="9144000" cy="6858000" type="screen4x3"/>
   <p:notesSz cx="6858000" cy="9144000"/>
@@ -841,7 +841,7 @@
           <a:p>
             <a:fld id="{789B9C11-7FE0-4F3D-95B4-241F5B7B1950}" type="slidenum">
               <a:rPr lang="ru-RU" smtClean="0"/>
-              <a:t>20</a:t>
+              <a:t>19</a:t>
             </a:fld>
             <a:endParaRPr lang="ru-RU"/>
           </a:p>
@@ -4094,23 +4094,7 @@
                   <a:srgbClr val="005689"/>
                 </a:solidFill>
               </a:rPr>
-              <a:t>Внести </a:t>
-            </a:r>
-            <a:r>
-              <a:rPr lang="en-US" b="1" dirty="0" smtClean="0">
-                <a:solidFill>
-                  <a:srgbClr val="005689"/>
-                </a:solidFill>
-              </a:rPr>
-              <a:t>KPI </a:t>
-            </a:r>
-            <a:r>
-              <a:rPr lang="ru-RU" b="1" dirty="0" smtClean="0">
-                <a:solidFill>
-                  <a:srgbClr val="005689"/>
-                </a:solidFill>
-              </a:rPr>
-              <a:t>в документы</a:t>
+              <a:t>Документы</a:t>
             </a:r>
             <a:endParaRPr lang="ru-RU" b="1" dirty="0">
               <a:solidFill>
@@ -4143,12 +4127,60 @@
               <a:buAutoNum type="arabicPeriod"/>
             </a:pPr>
             <a:r>
+              <a:rPr lang="en-US" b="1" dirty="0" smtClean="0">
+                <a:solidFill>
+                  <a:srgbClr val="005689"/>
+                </a:solidFill>
+              </a:rPr>
+              <a:t>KPI </a:t>
+            </a:r>
+            <a:r>
               <a:rPr lang="ru-RU" b="1" dirty="0" smtClean="0">
                 <a:solidFill>
                   <a:srgbClr val="005689"/>
                 </a:solidFill>
               </a:rPr>
-              <a:t>Договор</a:t>
+              <a:t>в </a:t>
+            </a:r>
+            <a:r>
+              <a:rPr lang="ru-RU" b="1" dirty="0" smtClean="0">
+                <a:solidFill>
+                  <a:srgbClr val="005689"/>
+                </a:solidFill>
+              </a:rPr>
+              <a:t>Договоре</a:t>
+            </a:r>
+            <a:r>
+              <a:rPr lang="en-US" b="1" dirty="0" smtClean="0">
+                <a:solidFill>
+                  <a:srgbClr val="005689"/>
+                </a:solidFill>
+              </a:rPr>
+              <a:t>/</a:t>
+            </a:r>
+            <a:r>
+              <a:rPr lang="ru-RU" b="1" dirty="0" err="1" smtClean="0">
+                <a:solidFill>
+                  <a:srgbClr val="005689"/>
+                </a:solidFill>
+              </a:rPr>
+              <a:t>Медиаплане</a:t>
+            </a:r>
+            <a:r>
+              <a:rPr lang="en-US" b="1" dirty="0" smtClean="0">
+                <a:solidFill>
+                  <a:srgbClr val="005689"/>
+                </a:solidFill>
+              </a:rPr>
+              <a:t>/</a:t>
+            </a:r>
+            <a:r>
+              <a:rPr lang="ru-RU" b="1" dirty="0" smtClean="0">
+                <a:solidFill>
+                  <a:srgbClr val="005689"/>
+                </a:solidFill>
+              </a:rPr>
+              <a:t>Приложениях</a:t>
             </a:r>
           </a:p>
           <a:p>
@@ -4160,18 +4192,13 @@
               <a:buAutoNum type="arabicPeriod"/>
             </a:pPr>
             <a:r>
-              <a:rPr lang="ru-RU" b="1" dirty="0" err="1" smtClean="0">
-                <a:solidFill>
-                  <a:srgbClr val="005689"/>
-                </a:solidFill>
-              </a:rPr>
-              <a:t>Медиаплан</a:t>
-            </a:r>
-            <a:endParaRPr lang="ru-RU" b="1" dirty="0" smtClean="0">
-              <a:solidFill>
-                <a:srgbClr val="005689"/>
-              </a:solidFill>
-            </a:endParaRPr>
+              <a:rPr lang="ru-RU" b="1" dirty="0" smtClean="0">
+                <a:solidFill>
+                  <a:srgbClr val="005689"/>
+                </a:solidFill>
+              </a:rPr>
+              <a:t>Избегать слов «прогнозируемый», «приблизительно», «от»</a:t>
+            </a:r>
           </a:p>
           <a:p>
             <a:pPr marL="514350" indent="-514350">
@@ -4187,7 +4214,7 @@
                   <a:srgbClr val="005689"/>
                 </a:solidFill>
               </a:rPr>
-              <a:t>Приложения</a:t>
+              <a:t>Санкции</a:t>
             </a:r>
           </a:p>
           <a:p>
@@ -4262,7 +4289,7 @@
                   <a:srgbClr val="005689"/>
                 </a:solidFill>
               </a:rPr>
-              <a:t>Подготовить </a:t>
+              <a:t>Подготовить «</a:t>
             </a:r>
             <a:r>
               <a:rPr lang="ru-RU" b="1" dirty="0" err="1" smtClean="0">
@@ -4271,6 +4298,14 @@
                 </a:solidFill>
               </a:rPr>
               <a:t>креатив</a:t>
+            </a:r>
+            <a:r>
+              <a:rPr lang="ru-RU" b="1" dirty="0" smtClean="0">
+                <a:solidFill>
+                  <a:srgbClr val="005689"/>
+                </a:solidFill>
+              </a:rPr>
+              <a:t>»</a:t>
             </a:r>
             <a:endParaRPr lang="ru-RU" b="1" dirty="0">
               <a:solidFill>
@@ -4332,6 +4367,33 @@
               </a:rPr>
               <a:t>Баннеры</a:t>
             </a:r>
+            <a:endParaRPr lang="en-US" b="1" dirty="0" smtClean="0">
+              <a:solidFill>
+                <a:srgbClr val="005689"/>
+              </a:solidFill>
+            </a:endParaRPr>
+          </a:p>
+          <a:p>
+            <a:pPr marL="514350" indent="-514350">
+              <a:buClr>
+                <a:srgbClr val="EC4024"/>
+              </a:buClr>
+              <a:buFont typeface="+mj-lt"/>
+              <a:buAutoNum type="arabicPeriod"/>
+            </a:pPr>
+            <a:r>
+              <a:rPr lang="en-US" b="1" dirty="0" smtClean="0">
+                <a:solidFill>
+                  <a:srgbClr val="005689"/>
+                </a:solidFill>
+              </a:rPr>
+              <a:t>…</a:t>
+            </a:r>
+            <a:endParaRPr lang="ru-RU" b="1" dirty="0" smtClean="0">
+              <a:solidFill>
+                <a:srgbClr val="005689"/>
+              </a:solidFill>
+            </a:endParaRPr>
           </a:p>
           <a:p>
             <a:pPr marL="514350" indent="-514350">
@@ -4557,6 +4619,58 @@
               </a:rPr>
               <a:t>Настроить цели</a:t>
             </a:r>
+            <a:endParaRPr lang="en-US" b="1" dirty="0" smtClean="0">
+              <a:solidFill>
+                <a:srgbClr val="005689"/>
+              </a:solidFill>
+            </a:endParaRPr>
+          </a:p>
+          <a:p>
+            <a:pPr marL="514350" indent="-514350">
+              <a:buClr>
+                <a:srgbClr val="EC4024"/>
+              </a:buClr>
+              <a:buFont typeface="+mj-lt"/>
+              <a:buAutoNum type="arabicPeriod"/>
+            </a:pPr>
+            <a:r>
+              <a:rPr lang="en-US" b="1" dirty="0" smtClean="0">
+                <a:solidFill>
+                  <a:srgbClr val="005689"/>
+                </a:solidFill>
+              </a:rPr>
+              <a:t>UTM-</a:t>
+            </a:r>
+            <a:r>
+              <a:rPr lang="ru-RU" b="1" dirty="0" smtClean="0">
+                <a:solidFill>
+                  <a:srgbClr val="005689"/>
+                </a:solidFill>
+              </a:rPr>
+              <a:t>метки</a:t>
+            </a:r>
+          </a:p>
+          <a:p>
+            <a:pPr marL="514350" indent="-514350">
+              <a:buClr>
+                <a:srgbClr val="EC4024"/>
+              </a:buClr>
+              <a:buFont typeface="+mj-lt"/>
+              <a:buAutoNum type="arabicPeriod"/>
+            </a:pPr>
+            <a:r>
+              <a:rPr lang="en-US" b="1" smtClean="0">
+                <a:solidFill>
+                  <a:srgbClr val="005689"/>
+                </a:solidFill>
+              </a:rPr>
+              <a:t>Calltracking</a:t>
+            </a:r>
+            <a:endParaRPr lang="ru-RU" b="1" dirty="0" smtClean="0">
+              <a:solidFill>
+                <a:srgbClr val="005689"/>
+              </a:solidFill>
+            </a:endParaRPr>
           </a:p>
           <a:p>
             <a:pPr marL="514350" indent="-514350">
@@ -4785,15 +4899,10 @@
             <p:ph type="title"/>
           </p:nvPr>
         </p:nvSpPr>
-        <p:spPr>
-          <a:xfrm>
-            <a:off x="457200" y="274635"/>
-            <a:ext cx="8401080" cy="1143000"/>
-          </a:xfrm>
-        </p:spPr>
+        <p:spPr/>
         <p:txBody>
           <a:bodyPr>
-            <a:normAutofit fontScale="90000"/>
+            <a:normAutofit/>
           </a:bodyPr>
           <a:lstStyle/>
           <a:p>
@@ -4804,7 +4913,7 @@
                   <a:srgbClr val="005689"/>
                 </a:solidFill>
               </a:rPr>
-              <a:t>Согласовать площадки размещения</a:t>
+              <a:t>Согласование</a:t>
             </a:r>
             <a:endParaRPr lang="ru-RU" b="1" dirty="0">
               <a:solidFill>
@@ -4828,6 +4937,91 @@
         <p:txBody>
           <a:bodyPr/>
           <a:lstStyle/>
+          <a:p>
+            <a:pPr marL="514350" indent="-514350">
+              <a:buClr>
+                <a:srgbClr val="EC4024"/>
+              </a:buClr>
+              <a:buFont typeface="+mj-lt"/>
+              <a:buAutoNum type="arabicPeriod"/>
+            </a:pPr>
+            <a:r>
+              <a:rPr lang="ru-RU" b="1" dirty="0" smtClean="0">
+                <a:solidFill>
+                  <a:srgbClr val="005689"/>
+                </a:solidFill>
+              </a:rPr>
+              <a:t>Площадки</a:t>
+            </a:r>
+          </a:p>
+          <a:p>
+            <a:pPr marL="514350" indent="-514350">
+              <a:buClr>
+                <a:srgbClr val="EC4024"/>
+              </a:buClr>
+              <a:buFont typeface="+mj-lt"/>
+              <a:buAutoNum type="arabicPeriod"/>
+            </a:pPr>
+            <a:r>
+              <a:rPr lang="ru-RU" b="1" dirty="0" smtClean="0">
+                <a:solidFill>
+                  <a:srgbClr val="005689"/>
+                </a:solidFill>
+              </a:rPr>
+              <a:t>Рекламные объявления</a:t>
+            </a:r>
+          </a:p>
+          <a:p>
+            <a:pPr marL="514350" indent="-514350">
+              <a:buClr>
+                <a:srgbClr val="EC4024"/>
+              </a:buClr>
+              <a:buFont typeface="+mj-lt"/>
+              <a:buAutoNum type="arabicPeriod"/>
+            </a:pPr>
+            <a:r>
+              <a:rPr lang="ru-RU" b="1" dirty="0" smtClean="0">
+                <a:solidFill>
+                  <a:srgbClr val="005689"/>
+                </a:solidFill>
+              </a:rPr>
+              <a:t>Ключевые слова</a:t>
+            </a:r>
+          </a:p>
+          <a:p>
+            <a:pPr marL="514350" indent="-514350">
+              <a:buClr>
+                <a:srgbClr val="EC4024"/>
+              </a:buClr>
+              <a:buFont typeface="+mj-lt"/>
+              <a:buAutoNum type="arabicPeriod"/>
+            </a:pPr>
+            <a:r>
+              <a:rPr lang="ru-RU" b="1" dirty="0" smtClean="0">
+                <a:solidFill>
+                  <a:srgbClr val="005689"/>
+                </a:solidFill>
+              </a:rPr>
+              <a:t>Тексты</a:t>
+            </a:r>
+          </a:p>
+          <a:p>
+            <a:pPr marL="514350" indent="-514350">
+              <a:buClr>
+                <a:srgbClr val="EC4024"/>
+              </a:buClr>
+              <a:buFont typeface="+mj-lt"/>
+              <a:buAutoNum type="arabicPeriod"/>
+            </a:pPr>
+            <a:r>
+              <a:rPr lang="ru-RU" b="1" dirty="0" smtClean="0">
+                <a:solidFill>
+                  <a:srgbClr val="005689"/>
+                </a:solidFill>
+              </a:rPr>
+              <a:t>Баннеры</a:t>
+            </a:r>
+          </a:p>
           <a:p>
             <a:pPr marL="514350" indent="-514350">
               <a:buClr>
@@ -4889,7 +5083,7 @@
         <p:spPr/>
         <p:txBody>
           <a:bodyPr>
-            <a:normAutofit fontScale="90000"/>
+            <a:normAutofit/>
           </a:bodyPr>
           <a:lstStyle/>
           <a:p>
@@ -4900,23 +5094,7 @@
                   <a:srgbClr val="005689"/>
                 </a:solidFill>
               </a:rPr>
-              <a:t>Ключевые слова (</a:t>
-            </a:r>
-            <a:r>
-              <a:rPr lang="en-US" b="1" dirty="0" smtClean="0">
-                <a:solidFill>
-                  <a:srgbClr val="005689"/>
-                </a:solidFill>
-              </a:rPr>
-              <a:t>SEO/</a:t>
-            </a:r>
-            <a:r>
-              <a:rPr lang="ru-RU" b="1" dirty="0" smtClean="0">
-                <a:solidFill>
-                  <a:srgbClr val="005689"/>
-                </a:solidFill>
-              </a:rPr>
-              <a:t>Контекст)	</a:t>
+              <a:t>Время</a:t>
             </a:r>
             <a:endParaRPr lang="ru-RU" b="1" dirty="0">
               <a:solidFill>
@@ -4954,7 +5132,7 @@
                   <a:srgbClr val="005689"/>
                 </a:solidFill>
               </a:rPr>
-              <a:t>Обговорить вопрос мониторинга</a:t>
+              <a:t>Своему инструменту — свое время</a:t>
             </a:r>
           </a:p>
           <a:p>
@@ -4971,7 +5149,7 @@
                   <a:srgbClr val="005689"/>
                 </a:solidFill>
               </a:rPr>
-              <a:t>Сезонность</a:t>
+              <a:t>Накапливайте статистику</a:t>
             </a:r>
           </a:p>
           <a:p>
@@ -4988,17 +5166,8 @@
                   <a:srgbClr val="005689"/>
                 </a:solidFill>
               </a:rPr>
-              <a:t>Частотность</a:t>
-            </a:r>
-          </a:p>
-          <a:p>
-            <a:pPr marL="514350" indent="-514350">
-              <a:buClr>
-                <a:srgbClr val="EC4024"/>
-              </a:buClr>
-              <a:buFont typeface="+mj-lt"/>
-              <a:buAutoNum type="arabicPeriod"/>
-            </a:pPr>
+              <a:t>Учитывайте сезонность</a:t>
+            </a:r>
             <a:endParaRPr lang="ru-RU" b="1" dirty="0">
               <a:solidFill>
                 <a:srgbClr val="005689"/>
@@ -5023,141 +5192,6 @@
 </file>
 
 <file path=ppt/slides/slide17.xml><?xml version="1.0" encoding="utf-8"?>
-<p:sld xmlns:a="http://schemas.openxmlformats.org/drawingml/2006/main" xmlns:r="http://schemas.openxmlformats.org/officeDocument/2006/relationships" xmlns:p="http://schemas.openxmlformats.org/presentationml/2006/main">
-  <p:cSld>
-    <p:spTree>
-      <p:nvGrpSpPr>
-        <p:cNvPr id="1" name=""/>
-        <p:cNvGrpSpPr/>
-        <p:nvPr/>
-      </p:nvGrpSpPr>
-      <p:grpSpPr>
-        <a:xfrm>
-          <a:off x="0" y="0"/>
-          <a:ext cx="0" cy="0"/>
-          <a:chOff x="0" y="0"/>
-          <a:chExt cx="0" cy="0"/>
-        </a:xfrm>
-      </p:grpSpPr>
-      <p:sp>
-        <p:nvSpPr>
-          <p:cNvPr id="5" name="Заголовок 4"/>
-          <p:cNvSpPr>
-            <a:spLocks noGrp="1"/>
-          </p:cNvSpPr>
-          <p:nvPr>
-            <p:ph type="title"/>
-          </p:nvPr>
-        </p:nvSpPr>
-        <p:spPr/>
-        <p:txBody>
-          <a:bodyPr>
-            <a:normAutofit fontScale="90000"/>
-          </a:bodyPr>
-          <a:lstStyle/>
-          <a:p>
-            <a:pPr algn="l"/>
-            <a:r>
-              <a:rPr lang="ru-RU" b="1" dirty="0" smtClean="0">
-                <a:solidFill>
-                  <a:srgbClr val="005689"/>
-                </a:solidFill>
-              </a:rPr>
-              <a:t>Не планировать активность на одинаковый период</a:t>
-            </a:r>
-            <a:endParaRPr lang="ru-RU" b="1" dirty="0">
-              <a:solidFill>
-                <a:srgbClr val="005689"/>
-              </a:solidFill>
-            </a:endParaRPr>
-          </a:p>
-        </p:txBody>
-      </p:sp>
-      <p:sp>
-        <p:nvSpPr>
-          <p:cNvPr id="6" name="Содержимое 5"/>
-          <p:cNvSpPr>
-            <a:spLocks noGrp="1"/>
-          </p:cNvSpPr>
-          <p:nvPr>
-            <p:ph idx="1"/>
-          </p:nvPr>
-        </p:nvSpPr>
-        <p:spPr/>
-        <p:txBody>
-          <a:bodyPr/>
-          <a:lstStyle/>
-          <a:p>
-            <a:pPr marL="514350" indent="-514350">
-              <a:buClr>
-                <a:srgbClr val="EC4024"/>
-              </a:buClr>
-              <a:buFont typeface="+mj-lt"/>
-              <a:buAutoNum type="arabicPeriod"/>
-            </a:pPr>
-            <a:r>
-              <a:rPr lang="ru-RU" b="1" dirty="0" err="1" smtClean="0">
-                <a:solidFill>
-                  <a:srgbClr val="005689"/>
-                </a:solidFill>
-              </a:rPr>
-              <a:t>Лендинги</a:t>
-            </a:r>
-            <a:endParaRPr lang="ru-RU" b="1" dirty="0" smtClean="0">
-              <a:solidFill>
-                <a:srgbClr val="005689"/>
-              </a:solidFill>
-            </a:endParaRPr>
-          </a:p>
-          <a:p>
-            <a:pPr marL="514350" indent="-514350">
-              <a:buClr>
-                <a:srgbClr val="EC4024"/>
-              </a:buClr>
-              <a:buFont typeface="+mj-lt"/>
-              <a:buAutoNum type="arabicPeriod"/>
-            </a:pPr>
-            <a:r>
-              <a:rPr lang="ru-RU" b="1" dirty="0" smtClean="0">
-                <a:solidFill>
-                  <a:srgbClr val="005689"/>
-                </a:solidFill>
-              </a:rPr>
-              <a:t>Баннеры</a:t>
-            </a:r>
-          </a:p>
-          <a:p>
-            <a:pPr marL="514350" indent="-514350">
-              <a:buClr>
-                <a:srgbClr val="EC4024"/>
-              </a:buClr>
-              <a:buFont typeface="+mj-lt"/>
-              <a:buAutoNum type="arabicPeriod"/>
-            </a:pPr>
-            <a:endParaRPr lang="ru-RU" b="1" dirty="0">
-              <a:solidFill>
-                <a:srgbClr val="005689"/>
-              </a:solidFill>
-            </a:endParaRPr>
-          </a:p>
-        </p:txBody>
-      </p:sp>
-    </p:spTree>
-  </p:cSld>
-  <p:clrMapOvr>
-    <a:masterClrMapping/>
-  </p:clrMapOvr>
-  <p:timing>
-    <p:tnLst>
-      <p:par>
-        <p:cTn id="1" dur="indefinite" restart="never" nodeType="tmRoot"/>
-      </p:par>
-    </p:tnLst>
-  </p:timing>
-</p:sld>
-</file>
-
-<file path=ppt/slides/slide18.xml><?xml version="1.0" encoding="utf-8"?>
 <p:sld xmlns:a="http://schemas.openxmlformats.org/drawingml/2006/main" xmlns:r="http://schemas.openxmlformats.org/officeDocument/2006/relationships" xmlns:p="http://schemas.openxmlformats.org/presentationml/2006/main">
   <p:cSld>
     <p:bg>
@@ -5291,6 +5325,194 @@
               <a:latin typeface="Arial" pitchFamily="34" charset="0"/>
               <a:ea typeface="Tahoma" pitchFamily="34" charset="0"/>
               <a:cs typeface="Arial" pitchFamily="34" charset="0"/>
+            </a:endParaRPr>
+          </a:p>
+        </p:txBody>
+      </p:sp>
+    </p:spTree>
+  </p:cSld>
+  <p:clrMapOvr>
+    <a:masterClrMapping/>
+  </p:clrMapOvr>
+  <p:timing>
+    <p:tnLst>
+      <p:par>
+        <p:cTn id="1" dur="indefinite" restart="never" nodeType="tmRoot"/>
+      </p:par>
+    </p:tnLst>
+  </p:timing>
+</p:sld>
+</file>
+
+<file path=ppt/slides/slide18.xml><?xml version="1.0" encoding="utf-8"?>
+<p:sld xmlns:a="http://schemas.openxmlformats.org/drawingml/2006/main" xmlns:r="http://schemas.openxmlformats.org/officeDocument/2006/relationships" xmlns:p="http://schemas.openxmlformats.org/presentationml/2006/main">
+  <p:cSld>
+    <p:spTree>
+      <p:nvGrpSpPr>
+        <p:cNvPr id="1" name=""/>
+        <p:cNvGrpSpPr/>
+        <p:nvPr/>
+      </p:nvGrpSpPr>
+      <p:grpSpPr>
+        <a:xfrm>
+          <a:off x="0" y="0"/>
+          <a:ext cx="0" cy="0"/>
+          <a:chOff x="0" y="0"/>
+          <a:chExt cx="0" cy="0"/>
+        </a:xfrm>
+      </p:grpSpPr>
+      <p:sp>
+        <p:nvSpPr>
+          <p:cNvPr id="5" name="Заголовок 4"/>
+          <p:cNvSpPr>
+            <a:spLocks noGrp="1"/>
+          </p:cNvSpPr>
+          <p:nvPr>
+            <p:ph type="title"/>
+          </p:nvPr>
+        </p:nvSpPr>
+        <p:spPr/>
+        <p:txBody>
+          <a:bodyPr/>
+          <a:lstStyle/>
+          <a:p>
+            <a:pPr algn="l"/>
+            <a:r>
+              <a:rPr lang="ru-RU" b="1" dirty="0" smtClean="0">
+                <a:solidFill>
+                  <a:srgbClr val="005689"/>
+                </a:solidFill>
+              </a:rPr>
+              <a:t>Получить Доступы</a:t>
+            </a:r>
+            <a:endParaRPr lang="ru-RU" b="1" dirty="0">
+              <a:solidFill>
+                <a:srgbClr val="005689"/>
+              </a:solidFill>
+            </a:endParaRPr>
+          </a:p>
+        </p:txBody>
+      </p:sp>
+      <p:sp>
+        <p:nvSpPr>
+          <p:cNvPr id="6" name="Содержимое 5"/>
+          <p:cNvSpPr>
+            <a:spLocks noGrp="1"/>
+          </p:cNvSpPr>
+          <p:nvPr>
+            <p:ph idx="1"/>
+          </p:nvPr>
+        </p:nvSpPr>
+        <p:spPr/>
+        <p:txBody>
+          <a:bodyPr/>
+          <a:lstStyle/>
+          <a:p>
+            <a:pPr marL="514350" indent="-514350">
+              <a:buClr>
+                <a:srgbClr val="EC4024"/>
+              </a:buClr>
+              <a:buFont typeface="+mj-lt"/>
+              <a:buAutoNum type="arabicPeriod"/>
+            </a:pPr>
+            <a:r>
+              <a:rPr lang="ru-RU" b="1" dirty="0" smtClean="0">
+                <a:solidFill>
+                  <a:srgbClr val="005689"/>
+                </a:solidFill>
+              </a:rPr>
+              <a:t>Контекст</a:t>
+            </a:r>
+          </a:p>
+          <a:p>
+            <a:pPr marL="514350" indent="-514350">
+              <a:buClr>
+                <a:srgbClr val="EC4024"/>
+              </a:buClr>
+              <a:buFont typeface="+mj-lt"/>
+              <a:buAutoNum type="arabicPeriod"/>
+            </a:pPr>
+            <a:r>
+              <a:rPr lang="ru-RU" b="1" dirty="0" err="1" smtClean="0">
+                <a:solidFill>
+                  <a:srgbClr val="005689"/>
+                </a:solidFill>
+              </a:rPr>
+              <a:t>Медийка</a:t>
+            </a:r>
+            <a:endParaRPr lang="ru-RU" b="1" dirty="0" smtClean="0">
+              <a:solidFill>
+                <a:srgbClr val="005689"/>
+              </a:solidFill>
+            </a:endParaRPr>
+          </a:p>
+          <a:p>
+            <a:pPr marL="514350" indent="-514350">
+              <a:buClr>
+                <a:srgbClr val="EC4024"/>
+              </a:buClr>
+              <a:buFont typeface="+mj-lt"/>
+              <a:buAutoNum type="arabicPeriod"/>
+            </a:pPr>
+            <a:r>
+              <a:rPr lang="ru-RU" b="1" dirty="0" smtClean="0">
+                <a:solidFill>
+                  <a:srgbClr val="005689"/>
+                </a:solidFill>
+              </a:rPr>
+              <a:t>Социальные сети</a:t>
+            </a:r>
+            <a:endParaRPr lang="ru-RU" b="1" dirty="0">
+              <a:solidFill>
+                <a:srgbClr val="005689"/>
+              </a:solidFill>
+            </a:endParaRPr>
+          </a:p>
+          <a:p>
+            <a:pPr marL="514350" indent="-514350">
+              <a:buClr>
+                <a:srgbClr val="EC4024"/>
+              </a:buClr>
+              <a:buFont typeface="+mj-lt"/>
+              <a:buAutoNum type="arabicPeriod"/>
+            </a:pPr>
+            <a:r>
+              <a:rPr lang="ru-RU" b="1" dirty="0" smtClean="0">
+                <a:solidFill>
+                  <a:srgbClr val="005689"/>
+                </a:solidFill>
+              </a:rPr>
+              <a:t>Биржи ссылок</a:t>
+            </a:r>
+            <a:r>
+              <a:rPr lang="en-US" b="1" dirty="0" smtClean="0">
+                <a:solidFill>
+                  <a:srgbClr val="005689"/>
+                </a:solidFill>
+              </a:rPr>
+              <a:t>/</a:t>
+            </a:r>
+            <a:r>
+              <a:rPr lang="ru-RU" b="1" dirty="0" smtClean="0">
+                <a:solidFill>
+                  <a:srgbClr val="005689"/>
+                </a:solidFill>
+              </a:rPr>
+              <a:t>статей</a:t>
+            </a:r>
+          </a:p>
+          <a:p>
+            <a:pPr marL="514350" indent="-514350">
+              <a:buClr>
+                <a:srgbClr val="EC4024"/>
+              </a:buClr>
+              <a:buFont typeface="+mj-lt"/>
+              <a:buAutoNum type="arabicPeriod"/>
+            </a:pPr>
+            <a:endParaRPr lang="ru-RU" b="1" dirty="0">
+              <a:solidFill>
+                <a:srgbClr val="005689"/>
+              </a:solidFill>
             </a:endParaRPr>
           </a:p>
         </p:txBody>
@@ -5349,7 +5571,7 @@
                   <a:srgbClr val="005689"/>
                 </a:solidFill>
               </a:rPr>
-              <a:t>Получить Доступы</a:t>
+              <a:t>Отчеты агентства</a:t>
             </a:r>
             <a:endParaRPr lang="ru-RU" b="1" dirty="0">
               <a:solidFill>
@@ -5387,8 +5609,80 @@
                   <a:srgbClr val="005689"/>
                 </a:solidFill>
               </a:rPr>
-              <a:t>Контекстная</a:t>
-            </a:r>
+              <a:t>«</a:t>
+            </a:r>
+            <a:r>
+              <a:rPr lang="ru-RU" b="1" dirty="0" err="1" smtClean="0">
+                <a:solidFill>
+                  <a:srgbClr val="005689"/>
+                </a:solidFill>
+              </a:rPr>
+              <a:t>Скриншоты</a:t>
+            </a:r>
+            <a:r>
+              <a:rPr lang="ru-RU" b="1" dirty="0" smtClean="0">
+                <a:solidFill>
+                  <a:srgbClr val="005689"/>
+                </a:solidFill>
+              </a:rPr>
+              <a:t> запуска» кампании</a:t>
+            </a:r>
+            <a:r>
+              <a:rPr lang="ru-RU" b="1" dirty="0" smtClean="0">
+                <a:solidFill>
+                  <a:srgbClr val="EC4024"/>
+                </a:solidFill>
+              </a:rPr>
+              <a:t>?</a:t>
+            </a:r>
+          </a:p>
+          <a:p>
+            <a:pPr marL="514350" indent="-514350">
+              <a:buClr>
+                <a:srgbClr val="EC4024"/>
+              </a:buClr>
+              <a:buFont typeface="+mj-lt"/>
+              <a:buAutoNum type="arabicPeriod"/>
+            </a:pPr>
+            <a:r>
+              <a:rPr lang="ru-RU" b="1" dirty="0" smtClean="0">
+                <a:solidFill>
+                  <a:srgbClr val="005689"/>
+                </a:solidFill>
+              </a:rPr>
+              <a:t>Динамика изменения ключевых показателей</a:t>
+            </a:r>
+          </a:p>
+          <a:p>
+            <a:pPr marL="514350" indent="-514350">
+              <a:buClr>
+                <a:srgbClr val="EC4024"/>
+              </a:buClr>
+              <a:buFont typeface="+mj-lt"/>
+              <a:buAutoNum type="arabicPeriod"/>
+            </a:pPr>
+            <a:r>
+              <a:rPr lang="ru-RU" b="1" dirty="0" smtClean="0">
+                <a:solidFill>
+                  <a:srgbClr val="005689"/>
+                </a:solidFill>
+              </a:rPr>
+              <a:t>Качество</a:t>
+            </a:r>
+          </a:p>
+          <a:p>
+            <a:pPr marL="514350" indent="-514350">
+              <a:buClr>
+                <a:srgbClr val="EC4024"/>
+              </a:buClr>
+              <a:buFont typeface="+mj-lt"/>
+              <a:buAutoNum type="arabicPeriod"/>
+            </a:pPr>
+            <a:endParaRPr lang="ru-RU" b="1" dirty="0">
+              <a:solidFill>
+                <a:srgbClr val="005689"/>
+              </a:solidFill>
+            </a:endParaRPr>
           </a:p>
         </p:txBody>
       </p:sp>
@@ -5604,7 +5898,7 @@
                   <a:srgbClr val="005689"/>
                 </a:solidFill>
               </a:rPr>
-              <a:t>Отчеты агентства</a:t>
+              <a:t>Поведенческие факторы</a:t>
             </a:r>
             <a:endParaRPr lang="ru-RU" b="1" dirty="0">
               <a:solidFill>
@@ -5642,31 +5936,7 @@
                   <a:srgbClr val="005689"/>
                 </a:solidFill>
               </a:rPr>
-              <a:t>«</a:t>
-            </a:r>
-            <a:r>
-              <a:rPr lang="ru-RU" b="1" dirty="0" err="1" smtClean="0">
-                <a:solidFill>
-                  <a:srgbClr val="005689"/>
-                </a:solidFill>
-              </a:rPr>
-              <a:t>Скриншоты</a:t>
-            </a:r>
-            <a:r>
-              <a:rPr lang="ru-RU" b="1" dirty="0" smtClean="0">
-                <a:solidFill>
-                  <a:srgbClr val="005689"/>
-                </a:solidFill>
-              </a:rPr>
-              <a:t> запуска» кампании</a:t>
-            </a:r>
-            <a:r>
-              <a:rPr lang="ru-RU" b="1" dirty="0" smtClean="0">
-                <a:solidFill>
-                  <a:srgbClr val="EC4024"/>
-                </a:solidFill>
-              </a:rPr>
-              <a:t>?</a:t>
+              <a:t>Продолжительность визита</a:t>
             </a:r>
           </a:p>
           <a:p>
@@ -5683,7 +5953,7 @@
                   <a:srgbClr val="005689"/>
                 </a:solidFill>
               </a:rPr>
-              <a:t>Динамика изменения ключевых показателей</a:t>
+              <a:t>Глубина просмотра</a:t>
             </a:r>
           </a:p>
           <a:p>
@@ -5700,7 +5970,7 @@
                   <a:srgbClr val="005689"/>
                 </a:solidFill>
               </a:rPr>
-              <a:t>Качество</a:t>
+              <a:t>Показатель отказов</a:t>
             </a:r>
           </a:p>
           <a:p>
@@ -5719,6 +5989,39 @@
           </a:p>
         </p:txBody>
       </p:sp>
+      <p:pic>
+        <p:nvPicPr>
+          <p:cNvPr id="4099" name="Picture 3"/>
+          <p:cNvPicPr>
+            <a:picLocks noChangeAspect="1" noChangeArrowheads="1"/>
+          </p:cNvPicPr>
+          <p:nvPr/>
+        </p:nvPicPr>
+        <p:blipFill>
+          <a:blip r:embed="rId2"/>
+          <a:srcRect/>
+          <a:stretch>
+            <a:fillRect/>
+          </a:stretch>
+        </p:blipFill>
+        <p:spPr bwMode="auto">
+          <a:xfrm>
+            <a:off x="571472" y="3500438"/>
+            <a:ext cx="8113713" cy="2095500"/>
+          </a:xfrm>
+          <a:prstGeom prst="rect">
+            <a:avLst/>
+          </a:prstGeom>
+          <a:noFill/>
+          <a:ln w="9525">
+            <a:noFill/>
+            <a:miter lim="800000"/>
+            <a:headEnd/>
+            <a:tailEnd/>
+          </a:ln>
+          <a:effectLst/>
+        </p:spPr>
+      </p:pic>
     </p:spTree>
   </p:cSld>
   <p:clrMapOvr>
@@ -5735,151 +6038,6 @@
 </file>
 
 <file path=ppt/slides/slide21.xml><?xml version="1.0" encoding="utf-8"?>
-<p:sld xmlns:a="http://schemas.openxmlformats.org/drawingml/2006/main" xmlns:r="http://schemas.openxmlformats.org/officeDocument/2006/relationships" xmlns:p="http://schemas.openxmlformats.org/presentationml/2006/main">
-  <p:cSld>
-    <p:spTree>
-      <p:nvGrpSpPr>
-        <p:cNvPr id="1" name=""/>
-        <p:cNvGrpSpPr/>
-        <p:nvPr/>
-      </p:nvGrpSpPr>
-      <p:grpSpPr>
-        <a:xfrm>
-          <a:off x="0" y="0"/>
-          <a:ext cx="0" cy="0"/>
-          <a:chOff x="0" y="0"/>
-          <a:chExt cx="0" cy="0"/>
-        </a:xfrm>
-      </p:grpSpPr>
-      <p:sp>
-        <p:nvSpPr>
-          <p:cNvPr id="5" name="Заголовок 4"/>
-          <p:cNvSpPr>
-            <a:spLocks noGrp="1"/>
-          </p:cNvSpPr>
-          <p:nvPr>
-            <p:ph type="title"/>
-          </p:nvPr>
-        </p:nvSpPr>
-        <p:spPr/>
-        <p:txBody>
-          <a:bodyPr/>
-          <a:lstStyle/>
-          <a:p>
-            <a:pPr algn="l"/>
-            <a:r>
-              <a:rPr lang="ru-RU" b="1" dirty="0" smtClean="0">
-                <a:solidFill>
-                  <a:srgbClr val="005689"/>
-                </a:solidFill>
-              </a:rPr>
-              <a:t>Поведенческие факторы</a:t>
-            </a:r>
-            <a:endParaRPr lang="ru-RU" b="1" dirty="0">
-              <a:solidFill>
-                <a:srgbClr val="005689"/>
-              </a:solidFill>
-            </a:endParaRPr>
-          </a:p>
-        </p:txBody>
-      </p:sp>
-      <p:sp>
-        <p:nvSpPr>
-          <p:cNvPr id="6" name="Содержимое 5"/>
-          <p:cNvSpPr>
-            <a:spLocks noGrp="1"/>
-          </p:cNvSpPr>
-          <p:nvPr>
-            <p:ph idx="1"/>
-          </p:nvPr>
-        </p:nvSpPr>
-        <p:spPr/>
-        <p:txBody>
-          <a:bodyPr/>
-          <a:lstStyle/>
-          <a:p>
-            <a:pPr marL="514350" indent="-514350">
-              <a:buClr>
-                <a:srgbClr val="EC4024"/>
-              </a:buClr>
-              <a:buFont typeface="+mj-lt"/>
-              <a:buAutoNum type="arabicPeriod"/>
-            </a:pPr>
-            <a:r>
-              <a:rPr lang="ru-RU" b="1" dirty="0" smtClean="0">
-                <a:solidFill>
-                  <a:srgbClr val="005689"/>
-                </a:solidFill>
-              </a:rPr>
-              <a:t>Продолжительность визита</a:t>
-            </a:r>
-          </a:p>
-          <a:p>
-            <a:pPr marL="514350" indent="-514350">
-              <a:buClr>
-                <a:srgbClr val="EC4024"/>
-              </a:buClr>
-              <a:buFont typeface="+mj-lt"/>
-              <a:buAutoNum type="arabicPeriod"/>
-            </a:pPr>
-            <a:r>
-              <a:rPr lang="ru-RU" b="1" dirty="0" smtClean="0">
-                <a:solidFill>
-                  <a:srgbClr val="005689"/>
-                </a:solidFill>
-              </a:rPr>
-              <a:t>Глубина просмотра</a:t>
-            </a:r>
-          </a:p>
-          <a:p>
-            <a:pPr marL="514350" indent="-514350">
-              <a:buClr>
-                <a:srgbClr val="EC4024"/>
-              </a:buClr>
-              <a:buFont typeface="+mj-lt"/>
-              <a:buAutoNum type="arabicPeriod"/>
-            </a:pPr>
-            <a:r>
-              <a:rPr lang="ru-RU" b="1" dirty="0" smtClean="0">
-                <a:solidFill>
-                  <a:srgbClr val="005689"/>
-                </a:solidFill>
-              </a:rPr>
-              <a:t>Показатель отказов</a:t>
-            </a:r>
-          </a:p>
-          <a:p>
-            <a:pPr marL="514350" indent="-514350">
-              <a:buClr>
-                <a:srgbClr val="EC4024"/>
-              </a:buClr>
-              <a:buFont typeface="+mj-lt"/>
-              <a:buAutoNum type="arabicPeriod"/>
-            </a:pPr>
-            <a:endParaRPr lang="ru-RU" b="1" dirty="0">
-              <a:solidFill>
-                <a:srgbClr val="005689"/>
-              </a:solidFill>
-            </a:endParaRPr>
-          </a:p>
-        </p:txBody>
-      </p:sp>
-    </p:spTree>
-  </p:cSld>
-  <p:clrMapOvr>
-    <a:masterClrMapping/>
-  </p:clrMapOvr>
-  <p:timing>
-    <p:tnLst>
-      <p:par>
-        <p:cTn id="1" dur="indefinite" restart="never" nodeType="tmRoot"/>
-      </p:par>
-    </p:tnLst>
-  </p:timing>
-</p:sld>
-</file>
-
-<file path=ppt/slides/slide22.xml><?xml version="1.0" encoding="utf-8"?>
 <p:sld xmlns:a="http://schemas.openxmlformats.org/drawingml/2006/main" xmlns:r="http://schemas.openxmlformats.org/officeDocument/2006/relationships" xmlns:p="http://schemas.openxmlformats.org/presentationml/2006/main">
   <p:cSld>
     <p:spTree>
@@ -5978,6 +6136,165 @@
 </p:sld>
 </file>
 
+<file path=ppt/slides/slide22.xml><?xml version="1.0" encoding="utf-8"?>
+<p:sld xmlns:a="http://schemas.openxmlformats.org/drawingml/2006/main" xmlns:r="http://schemas.openxmlformats.org/officeDocument/2006/relationships" xmlns:p="http://schemas.openxmlformats.org/presentationml/2006/main">
+  <p:cSld>
+    <p:spTree>
+      <p:nvGrpSpPr>
+        <p:cNvPr id="1" name=""/>
+        <p:cNvGrpSpPr/>
+        <p:nvPr/>
+      </p:nvGrpSpPr>
+      <p:grpSpPr>
+        <a:xfrm>
+          <a:off x="0" y="0"/>
+          <a:ext cx="0" cy="0"/>
+          <a:chOff x="0" y="0"/>
+          <a:chExt cx="0" cy="0"/>
+        </a:xfrm>
+      </p:grpSpPr>
+      <p:sp>
+        <p:nvSpPr>
+          <p:cNvPr id="5" name="Заголовок 4"/>
+          <p:cNvSpPr>
+            <a:spLocks noGrp="1"/>
+          </p:cNvSpPr>
+          <p:nvPr>
+            <p:ph type="title"/>
+          </p:nvPr>
+        </p:nvSpPr>
+        <p:spPr/>
+        <p:txBody>
+          <a:bodyPr/>
+          <a:lstStyle/>
+          <a:p>
+            <a:pPr algn="l"/>
+            <a:r>
+              <a:rPr lang="ru-RU" b="1" dirty="0" smtClean="0">
+                <a:solidFill>
+                  <a:srgbClr val="005689"/>
+                </a:solidFill>
+              </a:rPr>
+              <a:t>Агенты влияния</a:t>
+            </a:r>
+            <a:endParaRPr lang="ru-RU" b="1" dirty="0">
+              <a:solidFill>
+                <a:srgbClr val="005689"/>
+              </a:solidFill>
+            </a:endParaRPr>
+          </a:p>
+        </p:txBody>
+      </p:sp>
+      <p:sp>
+        <p:nvSpPr>
+          <p:cNvPr id="6" name="Содержимое 5"/>
+          <p:cNvSpPr>
+            <a:spLocks noGrp="1"/>
+          </p:cNvSpPr>
+          <p:nvPr>
+            <p:ph idx="1"/>
+          </p:nvPr>
+        </p:nvSpPr>
+        <p:spPr/>
+        <p:txBody>
+          <a:bodyPr/>
+          <a:lstStyle/>
+          <a:p>
+            <a:pPr marL="514350" indent="-514350">
+              <a:buClr>
+                <a:srgbClr val="EC4024"/>
+              </a:buClr>
+              <a:buFont typeface="+mj-lt"/>
+              <a:buAutoNum type="arabicPeriod"/>
+            </a:pPr>
+            <a:r>
+              <a:rPr lang="ru-RU" b="1" dirty="0" smtClean="0">
+                <a:solidFill>
+                  <a:srgbClr val="005689"/>
+                </a:solidFill>
+              </a:rPr>
+              <a:t>Насколько «жива» площадка</a:t>
+            </a:r>
+          </a:p>
+          <a:p>
+            <a:pPr marL="514350" indent="-514350">
+              <a:buClr>
+                <a:srgbClr val="EC4024"/>
+              </a:buClr>
+              <a:buFont typeface="+mj-lt"/>
+              <a:buAutoNum type="arabicPeriod"/>
+            </a:pPr>
+            <a:r>
+              <a:rPr lang="ru-RU" b="1" dirty="0" smtClean="0">
+                <a:solidFill>
+                  <a:srgbClr val="005689"/>
+                </a:solidFill>
+              </a:rPr>
+              <a:t>Диалог с самим собой</a:t>
+            </a:r>
+          </a:p>
+          <a:p>
+            <a:pPr marL="514350" indent="-514350">
+              <a:buClr>
+                <a:srgbClr val="EC4024"/>
+              </a:buClr>
+              <a:buFont typeface="+mj-lt"/>
+              <a:buAutoNum type="arabicPeriod"/>
+            </a:pPr>
+            <a:r>
+              <a:rPr lang="ru-RU" b="1" dirty="0" smtClean="0">
+                <a:solidFill>
+                  <a:srgbClr val="005689"/>
+                </a:solidFill>
+              </a:rPr>
+              <a:t>Конкуренты рядом</a:t>
+            </a:r>
+          </a:p>
+          <a:p>
+            <a:pPr marL="514350" indent="-514350">
+              <a:buClr>
+                <a:srgbClr val="EC4024"/>
+              </a:buClr>
+              <a:buFont typeface="+mj-lt"/>
+              <a:buAutoNum type="arabicPeriod"/>
+            </a:pPr>
+            <a:endParaRPr lang="ru-RU" b="1" dirty="0" smtClean="0">
+              <a:solidFill>
+                <a:srgbClr val="005689"/>
+              </a:solidFill>
+            </a:endParaRPr>
+          </a:p>
+          <a:p>
+            <a:pPr marL="514350" indent="-514350">
+              <a:buClr>
+                <a:srgbClr val="EC4024"/>
+              </a:buClr>
+              <a:buFont typeface="+mj-lt"/>
+              <a:buAutoNum type="arabicPeriod"/>
+            </a:pPr>
+            <a:endParaRPr lang="ru-RU" b="1" dirty="0">
+              <a:solidFill>
+                <a:srgbClr val="005689"/>
+              </a:solidFill>
+            </a:endParaRPr>
+          </a:p>
+        </p:txBody>
+      </p:sp>
+    </p:spTree>
+  </p:cSld>
+  <p:clrMapOvr>
+    <a:masterClrMapping/>
+  </p:clrMapOvr>
+  <p:timing>
+    <p:tnLst>
+      <p:par>
+        <p:cTn id="1" dur="indefinite" restart="never" nodeType="tmRoot"/>
+      </p:par>
+    </p:tnLst>
+  </p:timing>
+</p:sld>
+</file>
+
 <file path=ppt/slides/slide23.xml><?xml version="1.0" encoding="utf-8"?>
 <p:sld xmlns:a="http://schemas.openxmlformats.org/drawingml/2006/main" xmlns:r="http://schemas.openxmlformats.org/officeDocument/2006/relationships" xmlns:p="http://schemas.openxmlformats.org/presentationml/2006/main">
   <p:cSld>
@@ -6063,8 +6380,56 @@
                   <a:srgbClr val="005689"/>
                 </a:solidFill>
               </a:rPr>
-              <a:t>делать</a:t>
-            </a:r>
+              <a:t>Выдвигать гипотезы</a:t>
+            </a:r>
+          </a:p>
+          <a:p>
+            <a:pPr marL="514350" indent="-514350">
+              <a:buClr>
+                <a:srgbClr val="EC4024"/>
+              </a:buClr>
+              <a:buFont typeface="+mj-lt"/>
+              <a:buAutoNum type="arabicPeriod"/>
+            </a:pPr>
+            <a:r>
+              <a:rPr lang="ru-RU" b="1" dirty="0" smtClean="0">
+                <a:solidFill>
+                  <a:srgbClr val="005689"/>
+                </a:solidFill>
+              </a:rPr>
+              <a:t>Проверять</a:t>
+            </a:r>
+          </a:p>
+          <a:p>
+            <a:pPr marL="514350" indent="-514350">
+              <a:buClr>
+                <a:srgbClr val="EC4024"/>
+              </a:buClr>
+              <a:buFont typeface="+mj-lt"/>
+              <a:buAutoNum type="arabicPeriod"/>
+            </a:pPr>
+            <a:r>
+              <a:rPr lang="ru-RU" b="1" dirty="0" smtClean="0">
+                <a:solidFill>
+                  <a:srgbClr val="005689"/>
+                </a:solidFill>
+              </a:rPr>
+              <a:t>Менять</a:t>
+            </a:r>
+          </a:p>
+          <a:p>
+            <a:pPr marL="514350" indent="-514350">
+              <a:buClr>
+                <a:srgbClr val="EC4024"/>
+              </a:buClr>
+              <a:buFont typeface="+mj-lt"/>
+              <a:buAutoNum type="arabicPeriod"/>
+            </a:pPr>
+            <a:endParaRPr lang="ru-RU" b="1" dirty="0" smtClean="0">
+              <a:solidFill>
+                <a:srgbClr val="005689"/>
+              </a:solidFill>
+            </a:endParaRPr>
           </a:p>
           <a:p>
             <a:pPr marL="514350" indent="-514350">
@@ -6126,7 +6491,9 @@
         </p:nvSpPr>
         <p:spPr/>
         <p:txBody>
-          <a:bodyPr/>
+          <a:bodyPr>
+            <a:normAutofit fontScale="90000"/>
+          </a:bodyPr>
           <a:lstStyle/>
           <a:p>
             <a:pPr algn="l"/>
@@ -6136,7 +6503,23 @@
                   <a:srgbClr val="005689"/>
                 </a:solidFill>
               </a:rPr>
-              <a:t>Агенты влияния</a:t>
+              <a:t>Уникальные посетители</a:t>
+            </a:r>
+            <a:r>
+              <a:rPr lang="en-US" b="1" dirty="0" smtClean="0">
+                <a:solidFill>
+                  <a:srgbClr val="005689"/>
+                </a:solidFill>
+              </a:rPr>
+              <a:t>/</a:t>
+            </a:r>
+            <a:r>
+              <a:rPr lang="ru-RU" b="1" dirty="0" smtClean="0">
+                <a:solidFill>
+                  <a:srgbClr val="005689"/>
+                </a:solidFill>
+              </a:rPr>
+              <a:t>показы</a:t>
             </a:r>
             <a:endParaRPr lang="ru-RU" b="1" dirty="0">
               <a:solidFill>
@@ -6160,40 +6543,6 @@
         <p:txBody>
           <a:bodyPr/>
           <a:lstStyle/>
-          <a:p>
-            <a:pPr marL="514350" indent="-514350">
-              <a:buClr>
-                <a:srgbClr val="EC4024"/>
-              </a:buClr>
-              <a:buFont typeface="+mj-lt"/>
-              <a:buAutoNum type="arabicPeriod"/>
-            </a:pPr>
-            <a:r>
-              <a:rPr lang="ru-RU" b="1" dirty="0" smtClean="0">
-                <a:solidFill>
-                  <a:srgbClr val="005689"/>
-                </a:solidFill>
-              </a:rPr>
-              <a:t>Насколько «жива» площадка</a:t>
-            </a:r>
-          </a:p>
-          <a:p>
-            <a:pPr marL="514350" indent="-514350">
-              <a:buClr>
-                <a:srgbClr val="EC4024"/>
-              </a:buClr>
-              <a:buFont typeface="+mj-lt"/>
-              <a:buAutoNum type="arabicPeriod"/>
-            </a:pPr>
-            <a:r>
-              <a:rPr lang="ru-RU" b="1" dirty="0" smtClean="0">
-                <a:solidFill>
-                  <a:srgbClr val="005689"/>
-                </a:solidFill>
-              </a:rPr>
-              <a:t>Диалог с самим собой</a:t>
-            </a:r>
-          </a:p>
           <a:p>
             <a:pPr marL="514350" indent="-514350">
               <a:buClr>
@@ -6220,6 +6569,97 @@
               <a:solidFill>
                 <a:srgbClr val="005689"/>
               </a:solidFill>
+            </a:endParaRPr>
+          </a:p>
+        </p:txBody>
+      </p:sp>
+      <p:sp>
+        <p:nvSpPr>
+          <p:cNvPr id="4" name="Заголовок 4"/>
+          <p:cNvSpPr txBox="1">
+            <a:spLocks/>
+          </p:cNvSpPr>
+          <p:nvPr/>
+        </p:nvSpPr>
+        <p:spPr>
+          <a:xfrm>
+            <a:off x="557242" y="1571612"/>
+            <a:ext cx="8229600" cy="1143000"/>
+          </a:xfrm>
+          <a:prstGeom prst="rect">
+            <a:avLst/>
+          </a:prstGeom>
+        </p:spPr>
+        <p:txBody>
+          <a:bodyPr vert="horz" lIns="91422" tIns="45711" rIns="91422" bIns="45711" rtlCol="0" anchor="ctr">
+            <a:normAutofit fontScale="97500"/>
+          </a:bodyPr>
+          <a:lstStyle/>
+          <a:p>
+            <a:pPr marL="0" marR="0" lvl="0" indent="0" algn="l" defTabSz="914226" rtl="0" eaLnBrk="1" fontAlgn="auto" latinLnBrk="0" hangingPunct="1">
+              <a:lnSpc>
+                <a:spcPct val="100000"/>
+              </a:lnSpc>
+              <a:spcBef>
+                <a:spcPct val="0"/>
+              </a:spcBef>
+              <a:spcAft>
+                <a:spcPts val="0"/>
+              </a:spcAft>
+              <a:buClrTx/>
+              <a:buSzTx/>
+              <a:buFontTx/>
+              <a:buNone/>
+              <a:tabLst/>
+              <a:defRPr/>
+            </a:pPr>
+            <a:r>
+              <a:rPr kumimoji="0" lang="ru-RU" sz="6000" b="1" i="0" u="none" strike="noStrike" kern="1200" cap="none" spc="0" normalizeH="0" baseline="0" noProof="0" dirty="0" smtClean="0">
+                <a:ln>
+                  <a:noFill/>
+                </a:ln>
+                <a:solidFill>
+                  <a:srgbClr val="005689"/>
+                </a:solidFill>
+                <a:effectLst/>
+                <a:uLnTx/>
+                <a:uFillTx/>
+                <a:latin typeface="+mj-lt"/>
+                <a:ea typeface="+mj-ea"/>
+                <a:cs typeface="+mj-cs"/>
+              </a:rPr>
+              <a:t>10000 в</a:t>
+            </a:r>
+            <a:r>
+              <a:rPr kumimoji="0" lang="ru-RU" sz="6000" b="1" i="0" u="none" strike="noStrike" kern="1200" cap="none" spc="0" normalizeH="0" noProof="0" dirty="0" smtClean="0">
+                <a:ln>
+                  <a:noFill/>
+                </a:ln>
+                <a:solidFill>
+                  <a:srgbClr val="005689"/>
+                </a:solidFill>
+                <a:effectLst/>
+                <a:uLnTx/>
+                <a:uFillTx/>
+                <a:latin typeface="+mj-lt"/>
+                <a:ea typeface="+mj-ea"/>
+                <a:cs typeface="+mj-cs"/>
+              </a:rPr>
+              <a:t> 1000</a:t>
+            </a:r>
+            <a:endParaRPr kumimoji="0" lang="ru-RU" sz="6000" b="1" i="0" u="none" strike="noStrike" kern="1200" cap="none" spc="0" normalizeH="0" baseline="0" noProof="0" dirty="0" smtClean="0">
+              <a:ln>
+                <a:noFill/>
+              </a:ln>
+              <a:solidFill>
+                <a:srgbClr val="005689"/>
+              </a:solidFill>
+              <a:effectLst/>
+              <a:uLnTx/>
+              <a:uFillTx/>
+              <a:latin typeface="+mj-lt"/>
+              <a:ea typeface="+mj-ea"/>
+              <a:cs typeface="+mj-cs"/>
             </a:endParaRPr>
           </a:p>
         </p:txBody>
@@ -6269,7 +6709,7 @@
         <p:spPr/>
         <p:txBody>
           <a:bodyPr>
-            <a:normAutofit fontScale="90000"/>
+            <a:normAutofit/>
           </a:bodyPr>
           <a:lstStyle/>
           <a:p>
@@ -6280,23 +6720,7 @@
                   <a:srgbClr val="005689"/>
                 </a:solidFill>
               </a:rPr>
-              <a:t>Уникальные посетители</a:t>
-            </a:r>
-            <a:r>
-              <a:rPr lang="en-US" b="1" dirty="0" smtClean="0">
-                <a:solidFill>
-                  <a:srgbClr val="005689"/>
-                </a:solidFill>
-              </a:rPr>
-              <a:t>/</a:t>
-            </a:r>
-            <a:r>
-              <a:rPr lang="ru-RU" b="1" dirty="0" smtClean="0">
-                <a:solidFill>
-                  <a:srgbClr val="005689"/>
-                </a:solidFill>
-              </a:rPr>
-              <a:t>показы</a:t>
+              <a:t>Конверсия</a:t>
             </a:r>
             <a:endParaRPr lang="ru-RU" b="1" dirty="0">
               <a:solidFill>
@@ -6328,11 +6752,14 @@
               <a:buFont typeface="+mj-lt"/>
               <a:buAutoNum type="arabicPeriod"/>
             </a:pPr>
-            <a:endParaRPr lang="ru-RU" b="1" dirty="0" smtClean="0">
-              <a:solidFill>
-                <a:srgbClr val="005689"/>
-              </a:solidFill>
-            </a:endParaRPr>
+            <a:r>
+              <a:rPr lang="ru-RU" b="1" dirty="0" smtClean="0">
+                <a:solidFill>
+                  <a:srgbClr val="005689"/>
+                </a:solidFill>
+              </a:rPr>
+              <a:t>Клики</a:t>
+            </a:r>
           </a:p>
           <a:p>
             <a:pPr marL="514350" indent="-514350">
@@ -6342,6 +6769,65 @@
               <a:buFont typeface="+mj-lt"/>
               <a:buAutoNum type="arabicPeriod"/>
             </a:pPr>
+            <a:r>
+              <a:rPr lang="ru-RU" b="1" dirty="0" smtClean="0">
+                <a:solidFill>
+                  <a:srgbClr val="005689"/>
+                </a:solidFill>
+              </a:rPr>
+              <a:t>Действия</a:t>
+            </a:r>
+          </a:p>
+          <a:p>
+            <a:pPr marL="514350" indent="-514350">
+              <a:buClr>
+                <a:srgbClr val="EC4024"/>
+              </a:buClr>
+              <a:buFont typeface="+mj-lt"/>
+              <a:buAutoNum type="arabicPeriod"/>
+            </a:pPr>
+            <a:r>
+              <a:rPr lang="ru-RU" b="1" dirty="0" smtClean="0">
+                <a:solidFill>
+                  <a:srgbClr val="005689"/>
+                </a:solidFill>
+              </a:rPr>
+              <a:t>Звонки</a:t>
+            </a:r>
+          </a:p>
+          <a:p>
+            <a:pPr marL="514350" indent="-514350">
+              <a:buClr>
+                <a:srgbClr val="EC4024"/>
+              </a:buClr>
+              <a:buFont typeface="+mj-lt"/>
+              <a:buAutoNum type="arabicPeriod"/>
+            </a:pPr>
+            <a:r>
+              <a:rPr lang="ru-RU" b="1" dirty="0" smtClean="0">
+                <a:solidFill>
+                  <a:srgbClr val="005689"/>
+                </a:solidFill>
+              </a:rPr>
+              <a:t>Продажи</a:t>
+            </a:r>
+          </a:p>
+          <a:p>
+            <a:pPr marL="514350" indent="-514350">
+              <a:buClr>
+                <a:srgbClr val="EC4024"/>
+              </a:buClr>
+              <a:buFont typeface="+mj-lt"/>
+              <a:buAutoNum type="arabicPeriod"/>
+            </a:pPr>
+            <a:r>
+              <a:rPr lang="ru-RU" b="1" dirty="0" smtClean="0">
+                <a:solidFill>
+                  <a:srgbClr val="005689"/>
+                </a:solidFill>
+              </a:rPr>
+              <a:t>Опросы</a:t>
+            </a:r>
             <a:endParaRPr lang="ru-RU" b="1" dirty="0">
               <a:solidFill>
                 <a:srgbClr val="005689"/>
@@ -6816,384 +7302,6 @@
 </file>
 
 <file path=ppt/slides/slide29.xml><?xml version="1.0" encoding="utf-8"?>
-<p:sld xmlns:a="http://schemas.openxmlformats.org/drawingml/2006/main" xmlns:r="http://schemas.openxmlformats.org/officeDocument/2006/relationships" xmlns:p="http://schemas.openxmlformats.org/presentationml/2006/main">
-  <p:cSld>
-    <p:spTree>
-      <p:nvGrpSpPr>
-        <p:cNvPr id="1" name=""/>
-        <p:cNvGrpSpPr/>
-        <p:nvPr/>
-      </p:nvGrpSpPr>
-      <p:grpSpPr>
-        <a:xfrm>
-          <a:off x="0" y="0"/>
-          <a:ext cx="0" cy="0"/>
-          <a:chOff x="0" y="0"/>
-          <a:chExt cx="0" cy="0"/>
-        </a:xfrm>
-      </p:grpSpPr>
-      <p:sp>
-        <p:nvSpPr>
-          <p:cNvPr id="5" name="Заголовок 4"/>
-          <p:cNvSpPr>
-            <a:spLocks noGrp="1"/>
-          </p:cNvSpPr>
-          <p:nvPr>
-            <p:ph type="title"/>
-          </p:nvPr>
-        </p:nvSpPr>
-        <p:spPr/>
-        <p:txBody>
-          <a:bodyPr/>
-          <a:lstStyle/>
-          <a:p>
-            <a:pPr algn="l"/>
-            <a:r>
-              <a:rPr lang="ru-RU" b="1" dirty="0" smtClean="0">
-                <a:solidFill>
-                  <a:srgbClr val="005689"/>
-                </a:solidFill>
-              </a:rPr>
-              <a:t>Документы</a:t>
-            </a:r>
-            <a:endParaRPr lang="ru-RU" b="1" dirty="0">
-              <a:solidFill>
-                <a:srgbClr val="005689"/>
-              </a:solidFill>
-            </a:endParaRPr>
-          </a:p>
-        </p:txBody>
-      </p:sp>
-      <p:sp>
-        <p:nvSpPr>
-          <p:cNvPr id="6" name="Содержимое 5"/>
-          <p:cNvSpPr>
-            <a:spLocks noGrp="1"/>
-          </p:cNvSpPr>
-          <p:nvPr>
-            <p:ph idx="1"/>
-          </p:nvPr>
-        </p:nvSpPr>
-        <p:spPr/>
-        <p:txBody>
-          <a:bodyPr/>
-          <a:lstStyle/>
-          <a:p>
-            <a:pPr marL="514350" indent="-514350">
-              <a:buClr>
-                <a:srgbClr val="EC4024"/>
-              </a:buClr>
-              <a:buFont typeface="+mj-lt"/>
-              <a:buAutoNum type="arabicPeriod"/>
-            </a:pPr>
-            <a:r>
-              <a:rPr lang="ru-RU" b="1" dirty="0" smtClean="0">
-                <a:solidFill>
-                  <a:srgbClr val="005689"/>
-                </a:solidFill>
-              </a:rPr>
-              <a:t>Агентство (в идеале)</a:t>
-            </a:r>
-          </a:p>
-          <a:p>
-            <a:pPr marL="514350" indent="-514350">
-              <a:buClr>
-                <a:srgbClr val="EC4024"/>
-              </a:buClr>
-              <a:buFont typeface="+mj-lt"/>
-              <a:buAutoNum type="arabicPeriod"/>
-            </a:pPr>
-            <a:r>
-              <a:rPr lang="ru-RU" b="1" dirty="0" smtClean="0">
-                <a:solidFill>
-                  <a:srgbClr val="005689"/>
-                </a:solidFill>
-              </a:rPr>
-              <a:t>Аналитик на стороне Заказчика</a:t>
-            </a:r>
-          </a:p>
-          <a:p>
-            <a:pPr marL="514350" indent="-514350">
-              <a:buClr>
-                <a:srgbClr val="EC4024"/>
-              </a:buClr>
-              <a:buFont typeface="+mj-lt"/>
-              <a:buAutoNum type="arabicPeriod"/>
-            </a:pPr>
-            <a:r>
-              <a:rPr lang="ru-RU" b="1" dirty="0" smtClean="0">
-                <a:solidFill>
-                  <a:srgbClr val="005689"/>
-                </a:solidFill>
-              </a:rPr>
-              <a:t>Третья сторона (в рамках аудита кампании)</a:t>
-            </a:r>
-          </a:p>
-          <a:p>
-            <a:pPr marL="514350" indent="-514350">
-              <a:buClr>
-                <a:srgbClr val="EC4024"/>
-              </a:buClr>
-              <a:buFont typeface="+mj-lt"/>
-              <a:buAutoNum type="arabicPeriod"/>
-            </a:pPr>
-            <a:endParaRPr lang="ru-RU" b="1" dirty="0">
-              <a:solidFill>
-                <a:srgbClr val="005689"/>
-              </a:solidFill>
-            </a:endParaRPr>
-          </a:p>
-        </p:txBody>
-      </p:sp>
-    </p:spTree>
-  </p:cSld>
-  <p:clrMapOvr>
-    <a:masterClrMapping/>
-  </p:clrMapOvr>
-  <p:timing>
-    <p:tnLst>
-      <p:par>
-        <p:cTn id="1" dur="indefinite" restart="never" nodeType="tmRoot"/>
-      </p:par>
-    </p:tnLst>
-  </p:timing>
-</p:sld>
-</file>
-
-<file path=ppt/slides/slide3.xml><?xml version="1.0" encoding="utf-8"?>
-<p:sld xmlns:a="http://schemas.openxmlformats.org/drawingml/2006/main" xmlns:r="http://schemas.openxmlformats.org/officeDocument/2006/relationships" xmlns:p="http://schemas.openxmlformats.org/presentationml/2006/main">
-  <p:cSld>
-    <p:spTree>
-      <p:nvGrpSpPr>
-        <p:cNvPr id="1" name=""/>
-        <p:cNvGrpSpPr/>
-        <p:nvPr/>
-      </p:nvGrpSpPr>
-      <p:grpSpPr>
-        <a:xfrm>
-          <a:off x="0" y="0"/>
-          <a:ext cx="0" cy="0"/>
-          <a:chOff x="0" y="0"/>
-          <a:chExt cx="0" cy="0"/>
-        </a:xfrm>
-      </p:grpSpPr>
-      <p:sp>
-        <p:nvSpPr>
-          <p:cNvPr id="2" name="Заголовок 1"/>
-          <p:cNvSpPr>
-            <a:spLocks noGrp="1"/>
-          </p:cNvSpPr>
-          <p:nvPr>
-            <p:ph type="title"/>
-          </p:nvPr>
-        </p:nvSpPr>
-        <p:spPr/>
-        <p:txBody>
-          <a:bodyPr/>
-          <a:lstStyle/>
-          <a:p>
-            <a:pPr algn="l"/>
-            <a:r>
-              <a:rPr lang="ru-RU" b="1" dirty="0" smtClean="0">
-                <a:solidFill>
-                  <a:srgbClr val="005689"/>
-                </a:solidFill>
-              </a:rPr>
-              <a:t>Интересы сторон</a:t>
-            </a:r>
-            <a:endParaRPr lang="ru-RU" b="1" dirty="0">
-              <a:solidFill>
-                <a:srgbClr val="005689"/>
-              </a:solidFill>
-            </a:endParaRPr>
-          </a:p>
-        </p:txBody>
-      </p:sp>
-      <p:sp>
-        <p:nvSpPr>
-          <p:cNvPr id="4" name="Содержимое 3"/>
-          <p:cNvSpPr>
-            <a:spLocks noGrp="1"/>
-          </p:cNvSpPr>
-          <p:nvPr>
-            <p:ph sz="half" idx="1"/>
-          </p:nvPr>
-        </p:nvSpPr>
-        <p:spPr/>
-        <p:txBody>
-          <a:bodyPr>
-            <a:normAutofit/>
-          </a:bodyPr>
-          <a:lstStyle/>
-          <a:p>
-            <a:pPr>
-              <a:buNone/>
-            </a:pPr>
-            <a:r>
-              <a:rPr lang="ru-RU" sz="3200" b="1" dirty="0" smtClean="0">
-                <a:solidFill>
-                  <a:srgbClr val="005689"/>
-                </a:solidFill>
-              </a:rPr>
-              <a:t>Заказчик</a:t>
-            </a:r>
-            <a:br>
-              <a:rPr lang="ru-RU" sz="3200" b="1" dirty="0" smtClean="0">
-                <a:solidFill>
-                  <a:srgbClr val="005689"/>
-                </a:solidFill>
-              </a:rPr>
-            </a:br>
-            <a:endParaRPr lang="en-US" sz="3200" b="1" dirty="0" smtClean="0">
-              <a:solidFill>
-                <a:srgbClr val="005689"/>
-              </a:solidFill>
-            </a:endParaRPr>
-          </a:p>
-          <a:p>
-            <a:pPr marL="514350" indent="-514350">
-              <a:buClr>
-                <a:srgbClr val="EC4024"/>
-              </a:buClr>
-              <a:buFont typeface="+mj-lt"/>
-              <a:buAutoNum type="arabicPeriod"/>
-            </a:pPr>
-            <a:r>
-              <a:rPr lang="ru-RU" sz="2800" b="1" dirty="0" smtClean="0">
-                <a:solidFill>
-                  <a:srgbClr val="005689"/>
-                </a:solidFill>
-              </a:rPr>
-              <a:t>Увеличение продаж</a:t>
-            </a:r>
-          </a:p>
-          <a:p>
-            <a:pPr marL="514350" indent="-514350">
-              <a:buClr>
-                <a:srgbClr val="EC4024"/>
-              </a:buClr>
-              <a:buFont typeface="+mj-lt"/>
-              <a:buAutoNum type="arabicPeriod"/>
-            </a:pPr>
-            <a:r>
-              <a:rPr lang="ru-RU" sz="2800" b="1" dirty="0" smtClean="0">
-                <a:solidFill>
-                  <a:srgbClr val="005689"/>
-                </a:solidFill>
-              </a:rPr>
-              <a:t>Эффективное расходование средств</a:t>
-            </a:r>
-          </a:p>
-          <a:p>
-            <a:pPr>
-              <a:buNone/>
-            </a:pPr>
-            <a:endParaRPr lang="ru-RU" sz="3200" b="1" dirty="0">
-              <a:solidFill>
-                <a:srgbClr val="005689"/>
-              </a:solidFill>
-            </a:endParaRPr>
-          </a:p>
-        </p:txBody>
-      </p:sp>
-      <p:sp>
-        <p:nvSpPr>
-          <p:cNvPr id="5" name="Содержимое 4"/>
-          <p:cNvSpPr>
-            <a:spLocks noGrp="1"/>
-          </p:cNvSpPr>
-          <p:nvPr>
-            <p:ph sz="half" idx="2"/>
-          </p:nvPr>
-        </p:nvSpPr>
-        <p:spPr/>
-        <p:txBody>
-          <a:bodyPr>
-            <a:normAutofit/>
-          </a:bodyPr>
-          <a:lstStyle/>
-          <a:p>
-            <a:pPr>
-              <a:buNone/>
-            </a:pPr>
-            <a:r>
-              <a:rPr lang="ru-RU" sz="3200" b="1" dirty="0" smtClean="0">
-                <a:solidFill>
-                  <a:srgbClr val="005689"/>
-                </a:solidFill>
-              </a:rPr>
-              <a:t>Агентство</a:t>
-            </a:r>
-            <a:br>
-              <a:rPr lang="ru-RU" sz="3200" b="1" dirty="0" smtClean="0">
-                <a:solidFill>
-                  <a:srgbClr val="005689"/>
-                </a:solidFill>
-              </a:rPr>
-            </a:br>
-            <a:endParaRPr lang="ru-RU" sz="3200" b="1" dirty="0" smtClean="0">
-              <a:solidFill>
-                <a:srgbClr val="005689"/>
-              </a:solidFill>
-            </a:endParaRPr>
-          </a:p>
-          <a:p>
-            <a:pPr marL="514350" indent="-514350">
-              <a:buClr>
-                <a:srgbClr val="EC4024"/>
-              </a:buClr>
-              <a:buFont typeface="+mj-lt"/>
-              <a:buAutoNum type="arabicPeriod"/>
-            </a:pPr>
-            <a:r>
-              <a:rPr lang="ru-RU" sz="2800" b="1" dirty="0" smtClean="0">
-                <a:solidFill>
-                  <a:srgbClr val="005689"/>
-                </a:solidFill>
-              </a:rPr>
-              <a:t>Получение комиссии</a:t>
-            </a:r>
-          </a:p>
-          <a:p>
-            <a:pPr marL="514350" indent="-514350">
-              <a:buClr>
-                <a:srgbClr val="EC4024"/>
-              </a:buClr>
-              <a:buFont typeface="+mj-lt"/>
-              <a:buAutoNum type="arabicPeriod"/>
-            </a:pPr>
-            <a:r>
-              <a:rPr lang="ru-RU" sz="2800" b="1" dirty="0" smtClean="0">
-                <a:solidFill>
-                  <a:srgbClr val="005689"/>
-                </a:solidFill>
-              </a:rPr>
-              <a:t>Увеличение оборота</a:t>
-            </a:r>
-            <a:endParaRPr lang="ru-RU" sz="2800" b="1" dirty="0">
-              <a:solidFill>
-                <a:srgbClr val="005689"/>
-              </a:solidFill>
-            </a:endParaRPr>
-          </a:p>
-        </p:txBody>
-      </p:sp>
-    </p:spTree>
-  </p:cSld>
-  <p:clrMapOvr>
-    <a:masterClrMapping/>
-  </p:clrMapOvr>
-  <p:timing>
-    <p:tnLst>
-      <p:par>
-        <p:cTn id="1" dur="indefinite" restart="never" nodeType="tmRoot"/>
-      </p:par>
-    </p:tnLst>
-  </p:timing>
-</p:sld>
-</file>
-
-<file path=ppt/slides/slide30.xml><?xml version="1.0" encoding="utf-8"?>
 <p:sld xmlns:a="http://schemas.openxmlformats.org/drawingml/2006/main" xmlns:r="http://schemas.openxmlformats.org/officeDocument/2006/relationships" xmlns:p="http://schemas.openxmlformats.org/presentationml/2006/main">
   <p:cSld>
     <p:bg>
@@ -7251,6 +7359,667 @@
           <a:effectLst/>
         </p:spPr>
       </p:pic>
+    </p:spTree>
+  </p:cSld>
+  <p:clrMapOvr>
+    <a:masterClrMapping/>
+  </p:clrMapOvr>
+  <p:timing>
+    <p:tnLst>
+      <p:par>
+        <p:cTn id="1" dur="indefinite" restart="never" nodeType="tmRoot"/>
+      </p:par>
+    </p:tnLst>
+  </p:timing>
+</p:sld>
+</file>
+
+<file path=ppt/slides/slide3.xml><?xml version="1.0" encoding="utf-8"?>
+<p:sld xmlns:a="http://schemas.openxmlformats.org/drawingml/2006/main" xmlns:r="http://schemas.openxmlformats.org/officeDocument/2006/relationships" xmlns:p="http://schemas.openxmlformats.org/presentationml/2006/main">
+  <p:cSld>
+    <p:spTree>
+      <p:nvGrpSpPr>
+        <p:cNvPr id="1" name=""/>
+        <p:cNvGrpSpPr/>
+        <p:nvPr/>
+      </p:nvGrpSpPr>
+      <p:grpSpPr>
+        <a:xfrm>
+          <a:off x="0" y="0"/>
+          <a:ext cx="0" cy="0"/>
+          <a:chOff x="0" y="0"/>
+          <a:chExt cx="0" cy="0"/>
+        </a:xfrm>
+      </p:grpSpPr>
+      <p:sp>
+        <p:nvSpPr>
+          <p:cNvPr id="2" name="Заголовок 1"/>
+          <p:cNvSpPr>
+            <a:spLocks noGrp="1"/>
+          </p:cNvSpPr>
+          <p:nvPr>
+            <p:ph type="title"/>
+          </p:nvPr>
+        </p:nvSpPr>
+        <p:spPr/>
+        <p:txBody>
+          <a:bodyPr/>
+          <a:lstStyle/>
+          <a:p>
+            <a:pPr algn="l"/>
+            <a:r>
+              <a:rPr lang="ru-RU" b="1" dirty="0" smtClean="0">
+                <a:solidFill>
+                  <a:srgbClr val="005689"/>
+                </a:solidFill>
+              </a:rPr>
+              <a:t>Интересы сторон</a:t>
+            </a:r>
+            <a:endParaRPr lang="ru-RU" b="1" dirty="0">
+              <a:solidFill>
+                <a:srgbClr val="005689"/>
+              </a:solidFill>
+            </a:endParaRPr>
+          </a:p>
+        </p:txBody>
+      </p:sp>
+      <p:sp>
+        <p:nvSpPr>
+          <p:cNvPr id="4" name="Содержимое 3"/>
+          <p:cNvSpPr>
+            <a:spLocks noGrp="1"/>
+          </p:cNvSpPr>
+          <p:nvPr>
+            <p:ph sz="half" idx="1"/>
+          </p:nvPr>
+        </p:nvSpPr>
+        <p:spPr/>
+        <p:txBody>
+          <a:bodyPr>
+            <a:normAutofit/>
+          </a:bodyPr>
+          <a:lstStyle/>
+          <a:p>
+            <a:pPr>
+              <a:buNone/>
+            </a:pPr>
+            <a:r>
+              <a:rPr lang="ru-RU" sz="3200" b="1" dirty="0" smtClean="0">
+                <a:solidFill>
+                  <a:srgbClr val="005689"/>
+                </a:solidFill>
+              </a:rPr>
+              <a:t>Заказчик</a:t>
+            </a:r>
+            <a:br>
+              <a:rPr lang="ru-RU" sz="3200" b="1" dirty="0" smtClean="0">
+                <a:solidFill>
+                  <a:srgbClr val="005689"/>
+                </a:solidFill>
+              </a:rPr>
+            </a:br>
+            <a:endParaRPr lang="en-US" sz="3200" b="1" dirty="0" smtClean="0">
+              <a:solidFill>
+                <a:srgbClr val="005689"/>
+              </a:solidFill>
+            </a:endParaRPr>
+          </a:p>
+          <a:p>
+            <a:pPr marL="514350" indent="-514350">
+              <a:buClr>
+                <a:srgbClr val="EC4024"/>
+              </a:buClr>
+              <a:buFont typeface="+mj-lt"/>
+              <a:buAutoNum type="arabicPeriod"/>
+            </a:pPr>
+            <a:r>
+              <a:rPr lang="ru-RU" sz="2800" b="1" dirty="0" smtClean="0">
+                <a:solidFill>
+                  <a:srgbClr val="005689"/>
+                </a:solidFill>
+              </a:rPr>
+              <a:t>Увеличение продаж</a:t>
+            </a:r>
+          </a:p>
+          <a:p>
+            <a:pPr marL="514350" indent="-514350">
+              <a:buClr>
+                <a:srgbClr val="EC4024"/>
+              </a:buClr>
+              <a:buFont typeface="+mj-lt"/>
+              <a:buAutoNum type="arabicPeriod"/>
+            </a:pPr>
+            <a:r>
+              <a:rPr lang="ru-RU" sz="2800" b="1" dirty="0" smtClean="0">
+                <a:solidFill>
+                  <a:srgbClr val="005689"/>
+                </a:solidFill>
+              </a:rPr>
+              <a:t>Эффективное расходование средств</a:t>
+            </a:r>
+          </a:p>
+          <a:p>
+            <a:pPr>
+              <a:buNone/>
+            </a:pPr>
+            <a:endParaRPr lang="ru-RU" sz="3200" b="1" dirty="0">
+              <a:solidFill>
+                <a:srgbClr val="005689"/>
+              </a:solidFill>
+            </a:endParaRPr>
+          </a:p>
+        </p:txBody>
+      </p:sp>
+      <p:sp>
+        <p:nvSpPr>
+          <p:cNvPr id="5" name="Содержимое 4"/>
+          <p:cNvSpPr>
+            <a:spLocks noGrp="1"/>
+          </p:cNvSpPr>
+          <p:nvPr>
+            <p:ph sz="half" idx="2"/>
+          </p:nvPr>
+        </p:nvSpPr>
+        <p:spPr/>
+        <p:txBody>
+          <a:bodyPr>
+            <a:normAutofit/>
+          </a:bodyPr>
+          <a:lstStyle/>
+          <a:p>
+            <a:pPr>
+              <a:buNone/>
+            </a:pPr>
+            <a:r>
+              <a:rPr lang="ru-RU" sz="3200" b="1" dirty="0" smtClean="0">
+                <a:solidFill>
+                  <a:srgbClr val="005689"/>
+                </a:solidFill>
+              </a:rPr>
+              <a:t>Агентство</a:t>
+            </a:r>
+            <a:br>
+              <a:rPr lang="ru-RU" sz="3200" b="1" dirty="0" smtClean="0">
+                <a:solidFill>
+                  <a:srgbClr val="005689"/>
+                </a:solidFill>
+              </a:rPr>
+            </a:br>
+            <a:endParaRPr lang="ru-RU" sz="3200" b="1" dirty="0" smtClean="0">
+              <a:solidFill>
+                <a:srgbClr val="005689"/>
+              </a:solidFill>
+            </a:endParaRPr>
+          </a:p>
+          <a:p>
+            <a:pPr marL="514350" indent="-514350">
+              <a:buClr>
+                <a:srgbClr val="EC4024"/>
+              </a:buClr>
+              <a:buFont typeface="+mj-lt"/>
+              <a:buAutoNum type="arabicPeriod"/>
+            </a:pPr>
+            <a:r>
+              <a:rPr lang="ru-RU" sz="2800" b="1" dirty="0" smtClean="0">
+                <a:solidFill>
+                  <a:srgbClr val="005689"/>
+                </a:solidFill>
+              </a:rPr>
+              <a:t>Получение комиссии</a:t>
+            </a:r>
+          </a:p>
+          <a:p>
+            <a:pPr marL="514350" indent="-514350">
+              <a:buClr>
+                <a:srgbClr val="EC4024"/>
+              </a:buClr>
+              <a:buFont typeface="+mj-lt"/>
+              <a:buAutoNum type="arabicPeriod"/>
+            </a:pPr>
+            <a:r>
+              <a:rPr lang="ru-RU" sz="2800" b="1" dirty="0" smtClean="0">
+                <a:solidFill>
+                  <a:srgbClr val="005689"/>
+                </a:solidFill>
+              </a:rPr>
+              <a:t>Увеличение оборота</a:t>
+            </a:r>
+            <a:endParaRPr lang="ru-RU" sz="2800" b="1" dirty="0">
+              <a:solidFill>
+                <a:srgbClr val="005689"/>
+              </a:solidFill>
+            </a:endParaRPr>
+          </a:p>
+        </p:txBody>
+      </p:sp>
+    </p:spTree>
+  </p:cSld>
+  <p:clrMapOvr>
+    <a:masterClrMapping/>
+  </p:clrMapOvr>
+  <p:timing>
+    <p:tnLst>
+      <p:par>
+        <p:cTn id="1" dur="indefinite" restart="never" nodeType="tmRoot"/>
+      </p:par>
+    </p:tnLst>
+  </p:timing>
+</p:sld>
+</file>
+
+<file path=ppt/slides/slide30.xml><?xml version="1.0" encoding="utf-8"?>
+<p:sld xmlns:a="http://schemas.openxmlformats.org/drawingml/2006/main" xmlns:r="http://schemas.openxmlformats.org/officeDocument/2006/relationships" xmlns:p="http://schemas.openxmlformats.org/presentationml/2006/main">
+  <p:cSld>
+    <p:bg>
+      <p:bgPr>
+        <a:solidFill>
+          <a:srgbClr val="005689"/>
+        </a:solidFill>
+        <a:effectLst/>
+      </p:bgPr>
+    </p:bg>
+    <p:spTree>
+      <p:nvGrpSpPr>
+        <p:cNvPr id="1" name=""/>
+        <p:cNvGrpSpPr/>
+        <p:nvPr/>
+      </p:nvGrpSpPr>
+      <p:grpSpPr>
+        <a:xfrm>
+          <a:off x="0" y="0"/>
+          <a:ext cx="0" cy="0"/>
+          <a:chOff x="0" y="0"/>
+          <a:chExt cx="0" cy="0"/>
+        </a:xfrm>
+      </p:grpSpPr>
+      <p:sp>
+        <p:nvSpPr>
+          <p:cNvPr id="2" name="Заголовок 1"/>
+          <p:cNvSpPr>
+            <a:spLocks noGrp="1"/>
+          </p:cNvSpPr>
+          <p:nvPr>
+            <p:ph type="ctrTitle"/>
+          </p:nvPr>
+        </p:nvSpPr>
+        <p:spPr>
+          <a:xfrm>
+            <a:off x="500034" y="4786322"/>
+            <a:ext cx="7772400" cy="1470023"/>
+          </a:xfrm>
+        </p:spPr>
+        <p:txBody>
+          <a:bodyPr>
+            <a:noAutofit/>
+          </a:bodyPr>
+          <a:lstStyle/>
+          <a:p>
+            <a:pPr algn="l"/>
+            <a:r>
+              <a:rPr lang="ru-RU" sz="3200" b="1" dirty="0" smtClean="0">
+                <a:solidFill>
+                  <a:schemeClr val="bg1"/>
+                </a:solidFill>
+              </a:rPr>
+              <a:t>Александр </a:t>
+            </a:r>
+            <a:r>
+              <a:rPr lang="ru-RU" sz="3200" b="1" dirty="0" err="1" smtClean="0">
+                <a:solidFill>
+                  <a:schemeClr val="bg1"/>
+                </a:solidFill>
+              </a:rPr>
+              <a:t>Недзельский</a:t>
+            </a:r>
+            <a:r>
+              <a:rPr lang="ru-RU" sz="3200" b="1" dirty="0">
+                <a:solidFill>
+                  <a:schemeClr val="bg1"/>
+                </a:solidFill>
+              </a:rPr>
+              <a:t/>
+            </a:r>
+            <a:br>
+              <a:rPr lang="ru-RU" sz="3200" b="1" dirty="0">
+                <a:solidFill>
+                  <a:schemeClr val="bg1"/>
+                </a:solidFill>
+              </a:rPr>
+            </a:br>
+            <a:r>
+              <a:rPr lang="ru-RU" sz="2400" dirty="0" smtClean="0">
+                <a:solidFill>
+                  <a:schemeClr val="bg1"/>
+                </a:solidFill>
+              </a:rPr>
+              <a:t>руководитель </a:t>
+            </a:r>
+            <a:r>
+              <a:rPr lang="ru-RU" sz="2400" dirty="0" err="1" smtClean="0">
+                <a:solidFill>
+                  <a:schemeClr val="bg1"/>
+                </a:solidFill>
+              </a:rPr>
+              <a:t>веб-студии</a:t>
+            </a:r>
+            <a:r>
+              <a:rPr lang="ru-RU" sz="2400" dirty="0" smtClean="0">
+                <a:solidFill>
+                  <a:schemeClr val="bg1"/>
+                </a:solidFill>
+              </a:rPr>
+              <a:t> </a:t>
+            </a:r>
+            <a:r>
+              <a:rPr lang="en-US" sz="2400" b="1" i="1" dirty="0" err="1" smtClean="0">
+                <a:solidFill>
+                  <a:schemeClr val="bg1"/>
+                </a:solidFill>
+              </a:rPr>
+              <a:t>itsoft</a:t>
+            </a:r>
+            <a:r>
+              <a:rPr lang="en-US" sz="2400" b="1" i="1" dirty="0" smtClean="0">
+                <a:solidFill>
+                  <a:schemeClr val="bg1"/>
+                </a:solidFill>
+              </a:rPr>
+              <a:t/>
+            </a:r>
+            <a:br>
+              <a:rPr lang="en-US" sz="2400" b="1" i="1" dirty="0" smtClean="0">
+                <a:solidFill>
+                  <a:schemeClr val="bg1"/>
+                </a:solidFill>
+              </a:rPr>
+            </a:br>
+            <a:r>
+              <a:rPr lang="en-US" sz="2400" dirty="0" smtClean="0">
+                <a:solidFill>
+                  <a:schemeClr val="bg1"/>
+                </a:solidFill>
+              </a:rPr>
+              <a:t/>
+            </a:r>
+            <a:br>
+              <a:rPr lang="en-US" sz="2400" dirty="0" smtClean="0">
+                <a:solidFill>
+                  <a:schemeClr val="bg1"/>
+                </a:solidFill>
+              </a:rPr>
+            </a:br>
+            <a:r>
+              <a:rPr lang="en-US" sz="2400" dirty="0" smtClean="0">
+                <a:solidFill>
+                  <a:schemeClr val="bg1"/>
+                </a:solidFill>
+              </a:rPr>
+              <a:t>itsoft.ru</a:t>
+            </a:r>
+            <a:r>
+              <a:rPr lang="ru-RU" sz="6000" b="1" dirty="0" smtClean="0">
+                <a:solidFill>
+                  <a:schemeClr val="bg1"/>
+                </a:solidFill>
+              </a:rPr>
+              <a:t/>
+            </a:r>
+            <a:br>
+              <a:rPr lang="ru-RU" sz="6000" b="1" dirty="0" smtClean="0">
+                <a:solidFill>
+                  <a:schemeClr val="bg1"/>
+                </a:solidFill>
+              </a:rPr>
+            </a:br>
+            <a:endParaRPr lang="ru-RU" sz="6000" b="1" dirty="0">
+              <a:solidFill>
+                <a:schemeClr val="bg1"/>
+              </a:solidFill>
+            </a:endParaRPr>
+          </a:p>
+        </p:txBody>
+      </p:sp>
+      <p:sp>
+        <p:nvSpPr>
+          <p:cNvPr id="4" name="Заголовок 1"/>
+          <p:cNvSpPr txBox="1">
+            <a:spLocks/>
+          </p:cNvSpPr>
+          <p:nvPr/>
+        </p:nvSpPr>
+        <p:spPr>
+          <a:xfrm>
+            <a:off x="357158" y="5072074"/>
+            <a:ext cx="7772400" cy="1928825"/>
+          </a:xfrm>
+          <a:prstGeom prst="rect">
+            <a:avLst/>
+          </a:prstGeom>
+        </p:spPr>
+        <p:txBody>
+          <a:bodyPr vert="horz" lIns="91422" tIns="45711" rIns="91422" bIns="45711" rtlCol="0" anchor="ctr">
+            <a:noAutofit/>
+          </a:bodyPr>
+          <a:lstStyle/>
+          <a:p>
+            <a:pPr marL="0" marR="0" lvl="0" indent="0" algn="l" defTabSz="914226" rtl="0" eaLnBrk="1" fontAlgn="auto" latinLnBrk="0" hangingPunct="1">
+              <a:lnSpc>
+                <a:spcPct val="100000"/>
+              </a:lnSpc>
+              <a:spcBef>
+                <a:spcPct val="0"/>
+              </a:spcBef>
+              <a:spcAft>
+                <a:spcPts val="0"/>
+              </a:spcAft>
+              <a:buClrTx/>
+              <a:buSzTx/>
+              <a:buFontTx/>
+              <a:buNone/>
+              <a:tabLst/>
+              <a:defRPr/>
+            </a:pPr>
+            <a:r>
+              <a:rPr kumimoji="0" lang="en-US" sz="2400" b="1" i="1" u="none" strike="noStrike" kern="1200" cap="none" spc="0" normalizeH="0" baseline="0" noProof="0" dirty="0" smtClean="0">
+                <a:ln>
+                  <a:noFill/>
+                </a:ln>
+                <a:solidFill>
+                  <a:schemeClr val="bg1"/>
+                </a:solidFill>
+                <a:effectLst/>
+                <a:uLnTx/>
+                <a:uFillTx/>
+                <a:latin typeface="+mj-lt"/>
+                <a:ea typeface="+mj-ea"/>
+                <a:cs typeface="+mj-cs"/>
+              </a:rPr>
+              <a:t/>
+            </a:r>
+            <a:br>
+              <a:rPr kumimoji="0" lang="en-US" sz="2400" b="1" i="1" u="none" strike="noStrike" kern="1200" cap="none" spc="0" normalizeH="0" baseline="0" noProof="0" dirty="0" smtClean="0">
+                <a:ln>
+                  <a:noFill/>
+                </a:ln>
+                <a:solidFill>
+                  <a:schemeClr val="bg1"/>
+                </a:solidFill>
+                <a:effectLst/>
+                <a:uLnTx/>
+                <a:uFillTx/>
+                <a:latin typeface="+mj-lt"/>
+                <a:ea typeface="+mj-ea"/>
+                <a:cs typeface="+mj-cs"/>
+              </a:rPr>
+            </a:br>
+            <a:r>
+              <a:rPr kumimoji="0" lang="en-US" sz="2400" b="0" i="0" u="none" strike="noStrike" kern="1200" cap="none" spc="0" normalizeH="0" baseline="0" noProof="0" dirty="0" smtClean="0">
+                <a:ln>
+                  <a:noFill/>
+                </a:ln>
+                <a:solidFill>
+                  <a:schemeClr val="bg1"/>
+                </a:solidFill>
+                <a:effectLst/>
+                <a:uLnTx/>
+                <a:uFillTx/>
+                <a:latin typeface="+mj-lt"/>
+                <a:ea typeface="+mj-ea"/>
+                <a:cs typeface="+mj-cs"/>
+              </a:rPr>
+              <a:t>+7 495 988 30 40</a:t>
+            </a:r>
+            <a:br>
+              <a:rPr kumimoji="0" lang="en-US" sz="2400" b="0" i="0" u="none" strike="noStrike" kern="1200" cap="none" spc="0" normalizeH="0" baseline="0" noProof="0" dirty="0" smtClean="0">
+                <a:ln>
+                  <a:noFill/>
+                </a:ln>
+                <a:solidFill>
+                  <a:schemeClr val="bg1"/>
+                </a:solidFill>
+                <a:effectLst/>
+                <a:uLnTx/>
+                <a:uFillTx/>
+                <a:latin typeface="+mj-lt"/>
+                <a:ea typeface="+mj-ea"/>
+                <a:cs typeface="+mj-cs"/>
+              </a:rPr>
+            </a:br>
+            <a:r>
+              <a:rPr kumimoji="0" lang="ru-RU" sz="6000" b="1" i="0" u="none" strike="noStrike" kern="1200" cap="none" spc="0" normalizeH="0" baseline="0" noProof="0" dirty="0" smtClean="0">
+                <a:ln>
+                  <a:noFill/>
+                </a:ln>
+                <a:solidFill>
+                  <a:schemeClr val="bg1"/>
+                </a:solidFill>
+                <a:effectLst/>
+                <a:uLnTx/>
+                <a:uFillTx/>
+                <a:latin typeface="+mj-lt"/>
+                <a:ea typeface="+mj-ea"/>
+                <a:cs typeface="+mj-cs"/>
+              </a:rPr>
+              <a:t/>
+            </a:r>
+            <a:br>
+              <a:rPr kumimoji="0" lang="ru-RU" sz="6000" b="1" i="0" u="none" strike="noStrike" kern="1200" cap="none" spc="0" normalizeH="0" baseline="0" noProof="0" dirty="0" smtClean="0">
+                <a:ln>
+                  <a:noFill/>
+                </a:ln>
+                <a:solidFill>
+                  <a:schemeClr val="bg1"/>
+                </a:solidFill>
+                <a:effectLst/>
+                <a:uLnTx/>
+                <a:uFillTx/>
+                <a:latin typeface="+mj-lt"/>
+                <a:ea typeface="+mj-ea"/>
+                <a:cs typeface="+mj-cs"/>
+              </a:rPr>
+            </a:br>
+            <a:endParaRPr kumimoji="0" lang="ru-RU" sz="6000" b="1" i="0" u="none" strike="noStrike" kern="1200" cap="none" spc="0" normalizeH="0" baseline="0" noProof="0" dirty="0" smtClean="0">
+              <a:ln>
+                <a:noFill/>
+              </a:ln>
+              <a:solidFill>
+                <a:schemeClr val="bg1"/>
+              </a:solidFill>
+              <a:effectLst/>
+              <a:uLnTx/>
+              <a:uFillTx/>
+              <a:latin typeface="+mj-lt"/>
+              <a:ea typeface="+mj-ea"/>
+              <a:cs typeface="+mj-cs"/>
+            </a:endParaRPr>
+          </a:p>
+        </p:txBody>
+      </p:sp>
+      <p:sp>
+        <p:nvSpPr>
+          <p:cNvPr id="7" name="Заголовок 1"/>
+          <p:cNvSpPr txBox="1">
+            <a:spLocks/>
+          </p:cNvSpPr>
+          <p:nvPr/>
+        </p:nvSpPr>
+        <p:spPr>
+          <a:xfrm>
+            <a:off x="428596" y="214291"/>
+            <a:ext cx="7772400" cy="1928825"/>
+          </a:xfrm>
+          <a:prstGeom prst="rect">
+            <a:avLst/>
+          </a:prstGeom>
+        </p:spPr>
+        <p:txBody>
+          <a:bodyPr vert="horz" lIns="91422" tIns="45711" rIns="91422" bIns="45711" rtlCol="0" anchor="ctr">
+            <a:noAutofit/>
+          </a:bodyPr>
+          <a:lstStyle/>
+          <a:p>
+            <a:pPr marL="0" marR="0" lvl="0" indent="0" algn="l" defTabSz="914226" rtl="0" eaLnBrk="1" fontAlgn="auto" latinLnBrk="0" hangingPunct="1">
+              <a:lnSpc>
+                <a:spcPct val="100000"/>
+              </a:lnSpc>
+              <a:spcBef>
+                <a:spcPct val="0"/>
+              </a:spcBef>
+              <a:spcAft>
+                <a:spcPts val="0"/>
+              </a:spcAft>
+              <a:buClrTx/>
+              <a:buSzTx/>
+              <a:buFontTx/>
+              <a:buNone/>
+              <a:tabLst/>
+              <a:defRPr/>
+            </a:pPr>
+            <a:r>
+              <a:rPr kumimoji="0" lang="en-US" sz="4800" b="1" u="none" strike="noStrike" kern="1200" cap="none" spc="0" normalizeH="0" baseline="0" noProof="0" dirty="0" err="1" smtClean="0">
+                <a:ln>
+                  <a:noFill/>
+                </a:ln>
+                <a:solidFill>
+                  <a:schemeClr val="bg1"/>
+                </a:solidFill>
+                <a:effectLst/>
+                <a:uLnTx/>
+                <a:uFillTx/>
+                <a:latin typeface="+mj-lt"/>
+                <a:ea typeface="+mj-ea"/>
+                <a:cs typeface="+mj-cs"/>
+              </a:rPr>
+              <a:t>nedzelsky</a:t>
+            </a:r>
+            <a:r>
+              <a:rPr lang="en-US" sz="4800" b="1" dirty="0" smtClean="0">
+                <a:solidFill>
+                  <a:schemeClr val="bg1"/>
+                </a:solidFill>
+                <a:latin typeface="+mj-lt"/>
+                <a:ea typeface="+mj-ea"/>
+                <a:cs typeface="+mj-cs"/>
+              </a:rPr>
+              <a:t>.pro/ireklama.pptx</a:t>
+            </a:r>
+            <a:endParaRPr kumimoji="0" lang="ru-RU" sz="4800" b="1" u="none" strike="noStrike" kern="1200" cap="none" spc="0" normalizeH="0" baseline="0" noProof="0" dirty="0" smtClean="0">
+              <a:ln>
+                <a:noFill/>
+              </a:ln>
+              <a:solidFill>
+                <a:schemeClr val="bg1"/>
+              </a:solidFill>
+              <a:effectLst/>
+              <a:uLnTx/>
+              <a:uFillTx/>
+              <a:latin typeface="+mj-lt"/>
+              <a:ea typeface="+mj-ea"/>
+              <a:cs typeface="+mj-cs"/>
+            </a:endParaRPr>
+          </a:p>
+        </p:txBody>
+      </p:sp>
     </p:spTree>
   </p:cSld>
   <p:clrMapOvr>

--- a/ireklama.pptx
+++ b/ireklama.pptx
@@ -5,7 +5,7 @@
     <p:sldMasterId id="2147483648" r:id="rId1"/>
   </p:sldMasterIdLst>
   <p:notesMasterIdLst>
-    <p:notesMasterId r:id="rId32"/>
+    <p:notesMasterId r:id="rId35"/>
   </p:notesMasterIdLst>
   <p:sldIdLst>
     <p:sldId id="256" r:id="rId2"/>
@@ -28,16 +28,19 @@
     <p:sldId id="267" r:id="rId19"/>
     <p:sldId id="264" r:id="rId20"/>
     <p:sldId id="266" r:id="rId21"/>
-    <p:sldId id="270" r:id="rId22"/>
-    <p:sldId id="283" r:id="rId23"/>
-    <p:sldId id="280" r:id="rId24"/>
-    <p:sldId id="284" r:id="rId25"/>
-    <p:sldId id="289" r:id="rId26"/>
-    <p:sldId id="268" r:id="rId27"/>
-    <p:sldId id="269" r:id="rId28"/>
-    <p:sldId id="272" r:id="rId29"/>
-    <p:sldId id="285" r:id="rId30"/>
-    <p:sldId id="288" r:id="rId31"/>
+    <p:sldId id="291" r:id="rId22"/>
+    <p:sldId id="270" r:id="rId23"/>
+    <p:sldId id="290" r:id="rId24"/>
+    <p:sldId id="292" r:id="rId25"/>
+    <p:sldId id="283" r:id="rId26"/>
+    <p:sldId id="280" r:id="rId27"/>
+    <p:sldId id="284" r:id="rId28"/>
+    <p:sldId id="289" r:id="rId29"/>
+    <p:sldId id="268" r:id="rId30"/>
+    <p:sldId id="269" r:id="rId31"/>
+    <p:sldId id="272" r:id="rId32"/>
+    <p:sldId id="285" r:id="rId33"/>
+    <p:sldId id="288" r:id="rId34"/>
   </p:sldIdLst>
   <p:sldSz cx="9144000" cy="6858000" type="screen4x3"/>
   <p:notesSz cx="6858000" cy="9144000"/>
@@ -45,94 +48,124 @@
     <a:defPPr>
       <a:defRPr lang="ru-RU"/>
     </a:defPPr>
-    <a:lvl1pPr marL="0" algn="l" defTabSz="914226" rtl="0" eaLnBrk="1" latinLnBrk="0" hangingPunct="1">
+    <a:lvl1pPr algn="l" defTabSz="912813" rtl="0" fontAlgn="base">
+      <a:spcBef>
+        <a:spcPct val="0"/>
+      </a:spcBef>
+      <a:spcAft>
+        <a:spcPct val="0"/>
+      </a:spcAft>
       <a:defRPr sz="1700" kern="1200">
         <a:solidFill>
           <a:schemeClr val="tx1"/>
         </a:solidFill>
-        <a:latin typeface="+mn-lt"/>
+        <a:latin typeface="Arial" charset="0"/>
         <a:ea typeface="+mn-ea"/>
-        <a:cs typeface="+mn-cs"/>
+        <a:cs typeface="Arial" charset="0"/>
       </a:defRPr>
     </a:lvl1pPr>
-    <a:lvl2pPr marL="457113" algn="l" defTabSz="914226" rtl="0" eaLnBrk="1" latinLnBrk="0" hangingPunct="1">
+    <a:lvl2pPr marL="455613" indent="1588" algn="l" defTabSz="912813" rtl="0" fontAlgn="base">
+      <a:spcBef>
+        <a:spcPct val="0"/>
+      </a:spcBef>
+      <a:spcAft>
+        <a:spcPct val="0"/>
+      </a:spcAft>
       <a:defRPr sz="1700" kern="1200">
         <a:solidFill>
           <a:schemeClr val="tx1"/>
         </a:solidFill>
-        <a:latin typeface="+mn-lt"/>
+        <a:latin typeface="Arial" charset="0"/>
         <a:ea typeface="+mn-ea"/>
-        <a:cs typeface="+mn-cs"/>
+        <a:cs typeface="Arial" charset="0"/>
       </a:defRPr>
     </a:lvl2pPr>
-    <a:lvl3pPr marL="914226" algn="l" defTabSz="914226" rtl="0" eaLnBrk="1" latinLnBrk="0" hangingPunct="1">
+    <a:lvl3pPr marL="912813" indent="1588" algn="l" defTabSz="912813" rtl="0" fontAlgn="base">
+      <a:spcBef>
+        <a:spcPct val="0"/>
+      </a:spcBef>
+      <a:spcAft>
+        <a:spcPct val="0"/>
+      </a:spcAft>
       <a:defRPr sz="1700" kern="1200">
         <a:solidFill>
           <a:schemeClr val="tx1"/>
         </a:solidFill>
-        <a:latin typeface="+mn-lt"/>
+        <a:latin typeface="Arial" charset="0"/>
         <a:ea typeface="+mn-ea"/>
-        <a:cs typeface="+mn-cs"/>
+        <a:cs typeface="Arial" charset="0"/>
       </a:defRPr>
     </a:lvl3pPr>
-    <a:lvl4pPr marL="1371341" algn="l" defTabSz="914226" rtl="0" eaLnBrk="1" latinLnBrk="0" hangingPunct="1">
+    <a:lvl4pPr marL="1370013" indent="1588" algn="l" defTabSz="912813" rtl="0" fontAlgn="base">
+      <a:spcBef>
+        <a:spcPct val="0"/>
+      </a:spcBef>
+      <a:spcAft>
+        <a:spcPct val="0"/>
+      </a:spcAft>
       <a:defRPr sz="1700" kern="1200">
         <a:solidFill>
           <a:schemeClr val="tx1"/>
         </a:solidFill>
-        <a:latin typeface="+mn-lt"/>
+        <a:latin typeface="Arial" charset="0"/>
         <a:ea typeface="+mn-ea"/>
-        <a:cs typeface="+mn-cs"/>
+        <a:cs typeface="Arial" charset="0"/>
       </a:defRPr>
     </a:lvl4pPr>
-    <a:lvl5pPr marL="1828453" algn="l" defTabSz="914226" rtl="0" eaLnBrk="1" latinLnBrk="0" hangingPunct="1">
+    <a:lvl5pPr marL="1827213" indent="1588" algn="l" defTabSz="912813" rtl="0" fontAlgn="base">
+      <a:spcBef>
+        <a:spcPct val="0"/>
+      </a:spcBef>
+      <a:spcAft>
+        <a:spcPct val="0"/>
+      </a:spcAft>
       <a:defRPr sz="1700" kern="1200">
         <a:solidFill>
           <a:schemeClr val="tx1"/>
         </a:solidFill>
-        <a:latin typeface="+mn-lt"/>
+        <a:latin typeface="Arial" charset="0"/>
         <a:ea typeface="+mn-ea"/>
-        <a:cs typeface="+mn-cs"/>
+        <a:cs typeface="Arial" charset="0"/>
       </a:defRPr>
     </a:lvl5pPr>
-    <a:lvl6pPr marL="2285566" algn="l" defTabSz="914226" rtl="0" eaLnBrk="1" latinLnBrk="0" hangingPunct="1">
+    <a:lvl6pPr marL="2286000" algn="l" defTabSz="914400" rtl="0" eaLnBrk="1" latinLnBrk="0" hangingPunct="1">
       <a:defRPr sz="1700" kern="1200">
         <a:solidFill>
           <a:schemeClr val="tx1"/>
         </a:solidFill>
-        <a:latin typeface="+mn-lt"/>
+        <a:latin typeface="Arial" charset="0"/>
         <a:ea typeface="+mn-ea"/>
-        <a:cs typeface="+mn-cs"/>
+        <a:cs typeface="Arial" charset="0"/>
       </a:defRPr>
     </a:lvl6pPr>
-    <a:lvl7pPr marL="2742679" algn="l" defTabSz="914226" rtl="0" eaLnBrk="1" latinLnBrk="0" hangingPunct="1">
+    <a:lvl7pPr marL="2743200" algn="l" defTabSz="914400" rtl="0" eaLnBrk="1" latinLnBrk="0" hangingPunct="1">
       <a:defRPr sz="1700" kern="1200">
         <a:solidFill>
           <a:schemeClr val="tx1"/>
         </a:solidFill>
-        <a:latin typeface="+mn-lt"/>
+        <a:latin typeface="Arial" charset="0"/>
         <a:ea typeface="+mn-ea"/>
-        <a:cs typeface="+mn-cs"/>
+        <a:cs typeface="Arial" charset="0"/>
       </a:defRPr>
     </a:lvl7pPr>
-    <a:lvl8pPr marL="3199794" algn="l" defTabSz="914226" rtl="0" eaLnBrk="1" latinLnBrk="0" hangingPunct="1">
+    <a:lvl8pPr marL="3200400" algn="l" defTabSz="914400" rtl="0" eaLnBrk="1" latinLnBrk="0" hangingPunct="1">
       <a:defRPr sz="1700" kern="1200">
         <a:solidFill>
           <a:schemeClr val="tx1"/>
         </a:solidFill>
-        <a:latin typeface="+mn-lt"/>
+        <a:latin typeface="Arial" charset="0"/>
         <a:ea typeface="+mn-ea"/>
-        <a:cs typeface="+mn-cs"/>
+        <a:cs typeface="Arial" charset="0"/>
       </a:defRPr>
     </a:lvl8pPr>
-    <a:lvl9pPr marL="3656907" algn="l" defTabSz="914226" rtl="0" eaLnBrk="1" latinLnBrk="0" hangingPunct="1">
+    <a:lvl9pPr marL="3657600" algn="l" defTabSz="914400" rtl="0" eaLnBrk="1" latinLnBrk="0" hangingPunct="1">
       <a:defRPr sz="1700" kern="1200">
         <a:solidFill>
           <a:schemeClr val="tx1"/>
         </a:solidFill>
-        <a:latin typeface="+mn-lt"/>
+        <a:latin typeface="Arial" charset="0"/>
         <a:ea typeface="+mn-ea"/>
-        <a:cs typeface="+mn-cs"/>
+        <a:cs typeface="Arial" charset="0"/>
       </a:defRPr>
     </a:lvl9pPr>
   </p:defaultTextStyle>
@@ -183,11 +216,23 @@
         <p:txBody>
           <a:bodyPr vert="horz" lIns="91440" tIns="45720" rIns="91440" bIns="45720" rtlCol="0"/>
           <a:lstStyle>
-            <a:lvl1pPr algn="l">
-              <a:defRPr sz="1200"/>
+            <a:lvl1pPr algn="l" defTabSz="914226" fontAlgn="auto">
+              <a:spcBef>
+                <a:spcPts val="0"/>
+              </a:spcBef>
+              <a:spcAft>
+                <a:spcPts val="0"/>
+              </a:spcAft>
+              <a:defRPr sz="1200" smtClean="0">
+                <a:latin typeface="+mn-lt"/>
+                <a:cs typeface="+mn-cs"/>
+              </a:defRPr>
             </a:lvl1pPr>
           </a:lstStyle>
           <a:p>
+            <a:pPr>
+              <a:defRPr/>
+            </a:pPr>
             <a:endParaRPr lang="ru-RU"/>
           </a:p>
         </p:txBody>
@@ -214,13 +259,28 @@
         <p:txBody>
           <a:bodyPr vert="horz" lIns="91440" tIns="45720" rIns="91440" bIns="45720" rtlCol="0"/>
           <a:lstStyle>
-            <a:lvl1pPr algn="r">
-              <a:defRPr sz="1200"/>
+            <a:lvl1pPr algn="r" defTabSz="914226" fontAlgn="auto">
+              <a:spcBef>
+                <a:spcPts val="0"/>
+              </a:spcBef>
+              <a:spcAft>
+                <a:spcPts val="0"/>
+              </a:spcAft>
+              <a:defRPr sz="1200" smtClean="0">
+                <a:latin typeface="+mn-lt"/>
+                <a:cs typeface="+mn-cs"/>
+              </a:defRPr>
             </a:lvl1pPr>
           </a:lstStyle>
           <a:p>
-            <a:fld id="{9D0DFFF1-CCAE-4211-8D86-AFBA3FC1A579}" type="datetimeFigureOut">
-              <a:rPr lang="ru-RU" smtClean="0"/>
+            <a:pPr>
+              <a:defRPr/>
+            </a:pPr>
+            <a:fld id="{D5EB95A0-68F2-4413-8D44-A530FB62EC83}" type="datetimeFigureOut">
+              <a:rPr lang="ru-RU"/>
+              <a:pPr>
+                <a:defRPr/>
+              </a:pPr>
               <a:t>24.09.2014</a:t>
             </a:fld>
             <a:endParaRPr lang="ru-RU"/>
@@ -256,7 +316,8 @@
           <a:bodyPr vert="horz" lIns="91440" tIns="45720" rIns="91440" bIns="45720" rtlCol="0" anchor="ctr"/>
           <a:lstStyle/>
           <a:p>
-            <a:endParaRPr lang="ru-RU"/>
+            <a:pPr lvl="0"/>
+            <a:endParaRPr lang="ru-RU" noProof="0" smtClean="0"/>
           </a:p>
         </p:txBody>
       </p:sp>
@@ -287,38 +348,37 @@
           <a:p>
             <a:pPr lvl="0"/>
             <a:r>
-              <a:rPr lang="ru-RU" smtClean="0"/>
+              <a:rPr lang="ru-RU" noProof="0" smtClean="0"/>
               <a:t>Образец текста</a:t>
             </a:r>
           </a:p>
           <a:p>
             <a:pPr lvl="1"/>
             <a:r>
-              <a:rPr lang="ru-RU" smtClean="0"/>
+              <a:rPr lang="ru-RU" noProof="0" smtClean="0"/>
               <a:t>Второй уровень</a:t>
             </a:r>
           </a:p>
           <a:p>
             <a:pPr lvl="2"/>
             <a:r>
-              <a:rPr lang="ru-RU" smtClean="0"/>
+              <a:rPr lang="ru-RU" noProof="0" smtClean="0"/>
               <a:t>Третий уровень</a:t>
             </a:r>
           </a:p>
           <a:p>
             <a:pPr lvl="3"/>
             <a:r>
-              <a:rPr lang="ru-RU" smtClean="0"/>
+              <a:rPr lang="ru-RU" noProof="0" smtClean="0"/>
               <a:t>Четвертый уровень</a:t>
             </a:r>
           </a:p>
           <a:p>
             <a:pPr lvl="4"/>
             <a:r>
-              <a:rPr lang="ru-RU" smtClean="0"/>
+              <a:rPr lang="ru-RU" noProof="0" smtClean="0"/>
               <a:t>Пятый уровень</a:t>
             </a:r>
-            <a:endParaRPr lang="ru-RU"/>
           </a:p>
         </p:txBody>
       </p:sp>
@@ -344,11 +404,23 @@
         <p:txBody>
           <a:bodyPr vert="horz" lIns="91440" tIns="45720" rIns="91440" bIns="45720" rtlCol="0" anchor="b"/>
           <a:lstStyle>
-            <a:lvl1pPr algn="l">
-              <a:defRPr sz="1200"/>
+            <a:lvl1pPr algn="l" defTabSz="914226" fontAlgn="auto">
+              <a:spcBef>
+                <a:spcPts val="0"/>
+              </a:spcBef>
+              <a:spcAft>
+                <a:spcPts val="0"/>
+              </a:spcAft>
+              <a:defRPr sz="1200" smtClean="0">
+                <a:latin typeface="+mn-lt"/>
+                <a:cs typeface="+mn-cs"/>
+              </a:defRPr>
             </a:lvl1pPr>
           </a:lstStyle>
           <a:p>
+            <a:pPr>
+              <a:defRPr/>
+            </a:pPr>
             <a:endParaRPr lang="ru-RU"/>
           </a:p>
         </p:txBody>
@@ -375,13 +447,28 @@
         <p:txBody>
           <a:bodyPr vert="horz" lIns="91440" tIns="45720" rIns="91440" bIns="45720" rtlCol="0" anchor="b"/>
           <a:lstStyle>
-            <a:lvl1pPr algn="r">
-              <a:defRPr sz="1200"/>
+            <a:lvl1pPr algn="r" defTabSz="914226" fontAlgn="auto">
+              <a:spcBef>
+                <a:spcPts val="0"/>
+              </a:spcBef>
+              <a:spcAft>
+                <a:spcPts val="0"/>
+              </a:spcAft>
+              <a:defRPr sz="1200" smtClean="0">
+                <a:latin typeface="+mn-lt"/>
+                <a:cs typeface="+mn-cs"/>
+              </a:defRPr>
             </a:lvl1pPr>
           </a:lstStyle>
           <a:p>
-            <a:fld id="{789B9C11-7FE0-4F3D-95B4-241F5B7B1950}" type="slidenum">
-              <a:rPr lang="ru-RU" smtClean="0"/>
+            <a:pPr>
+              <a:defRPr/>
+            </a:pPr>
+            <a:fld id="{EA3FD2F7-ED14-4C13-9C07-66DAE1E49189}" type="slidenum">
+              <a:rPr lang="ru-RU"/>
+              <a:pPr>
+                <a:defRPr/>
+              </a:pPr>
               <a:t>‹#›</a:t>
             </a:fld>
             <a:endParaRPr lang="ru-RU"/>
@@ -392,7 +479,13 @@
   </p:cSld>
   <p:clrMap bg1="lt1" tx1="dk1" bg2="lt2" tx2="dk2" accent1="accent1" accent2="accent2" accent3="accent3" accent4="accent4" accent5="accent5" accent6="accent6" hlink="hlink" folHlink="folHlink"/>
   <p:notesStyle>
-    <a:lvl1pPr marL="0" algn="l" defTabSz="914226" rtl="0" eaLnBrk="1" latinLnBrk="0" hangingPunct="1">
+    <a:lvl1pPr algn="l" defTabSz="912813" rtl="0" fontAlgn="base">
+      <a:spcBef>
+        <a:spcPct val="30000"/>
+      </a:spcBef>
+      <a:spcAft>
+        <a:spcPct val="0"/>
+      </a:spcAft>
       <a:defRPr sz="1200" kern="1200">
         <a:solidFill>
           <a:schemeClr val="tx1"/>
@@ -402,7 +495,13 @@
         <a:cs typeface="+mn-cs"/>
       </a:defRPr>
     </a:lvl1pPr>
-    <a:lvl2pPr marL="457113" algn="l" defTabSz="914226" rtl="0" eaLnBrk="1" latinLnBrk="0" hangingPunct="1">
+    <a:lvl2pPr marL="455613" algn="l" defTabSz="912813" rtl="0" fontAlgn="base">
+      <a:spcBef>
+        <a:spcPct val="30000"/>
+      </a:spcBef>
+      <a:spcAft>
+        <a:spcPct val="0"/>
+      </a:spcAft>
       <a:defRPr sz="1200" kern="1200">
         <a:solidFill>
           <a:schemeClr val="tx1"/>
@@ -412,7 +511,13 @@
         <a:cs typeface="+mn-cs"/>
       </a:defRPr>
     </a:lvl2pPr>
-    <a:lvl3pPr marL="914226" algn="l" defTabSz="914226" rtl="0" eaLnBrk="1" latinLnBrk="0" hangingPunct="1">
+    <a:lvl3pPr marL="912813" algn="l" defTabSz="912813" rtl="0" fontAlgn="base">
+      <a:spcBef>
+        <a:spcPct val="30000"/>
+      </a:spcBef>
+      <a:spcAft>
+        <a:spcPct val="0"/>
+      </a:spcAft>
       <a:defRPr sz="1200" kern="1200">
         <a:solidFill>
           <a:schemeClr val="tx1"/>
@@ -422,7 +527,13 @@
         <a:cs typeface="+mn-cs"/>
       </a:defRPr>
     </a:lvl3pPr>
-    <a:lvl4pPr marL="1371341" algn="l" defTabSz="914226" rtl="0" eaLnBrk="1" latinLnBrk="0" hangingPunct="1">
+    <a:lvl4pPr marL="1370013" algn="l" defTabSz="912813" rtl="0" fontAlgn="base">
+      <a:spcBef>
+        <a:spcPct val="30000"/>
+      </a:spcBef>
+      <a:spcAft>
+        <a:spcPct val="0"/>
+      </a:spcAft>
       <a:defRPr sz="1200" kern="1200">
         <a:solidFill>
           <a:schemeClr val="tx1"/>
@@ -432,7 +543,13 @@
         <a:cs typeface="+mn-cs"/>
       </a:defRPr>
     </a:lvl4pPr>
-    <a:lvl5pPr marL="1828453" algn="l" defTabSz="914226" rtl="0" eaLnBrk="1" latinLnBrk="0" hangingPunct="1">
+    <a:lvl5pPr marL="1827213" algn="l" defTabSz="912813" rtl="0" fontAlgn="base">
+      <a:spcBef>
+        <a:spcPct val="30000"/>
+      </a:spcBef>
+      <a:spcAft>
+        <a:spcPct val="0"/>
+      </a:spcAft>
       <a:defRPr sz="1200" kern="1200">
         <a:solidFill>
           <a:schemeClr val="tx1"/>
@@ -505,19 +622,29 @@
       </p:grpSpPr>
       <p:sp>
         <p:nvSpPr>
-          <p:cNvPr id="2" name="Образ слайда 1"/>
-          <p:cNvSpPr>
-            <a:spLocks noGrp="1" noRot="1" noChangeAspect="1"/>
+          <p:cNvPr id="33794" name="Образ слайда 1"/>
+          <p:cNvSpPr>
+            <a:spLocks noGrp="1" noRot="1" noChangeAspect="1" noTextEdit="1"/>
           </p:cNvSpPr>
           <p:nvPr>
             <p:ph type="sldImg"/>
           </p:nvPr>
         </p:nvSpPr>
-        <p:spPr/>
-      </p:sp>
-      <p:sp>
-        <p:nvSpPr>
-          <p:cNvPr id="3" name="Заметки 2"/>
+        <p:spPr bwMode="auto">
+          <a:noFill/>
+          <a:ln>
+            <a:solidFill>
+              <a:srgbClr val="000000"/>
+            </a:solidFill>
+            <a:miter lim="800000"/>
+            <a:headEnd/>
+            <a:tailEnd/>
+          </a:ln>
+        </p:spPr>
+      </p:sp>
+      <p:sp>
+        <p:nvSpPr>
+          <p:cNvPr id="33795" name="Заметки 2"/>
           <p:cNvSpPr>
             <a:spLocks noGrp="1"/>
           </p:cNvSpPr>
@@ -525,52 +652,84 @@
             <p:ph type="body" idx="1"/>
           </p:nvPr>
         </p:nvSpPr>
-        <p:spPr/>
-        <p:txBody>
-          <a:bodyPr>
-            <a:normAutofit/>
+        <p:spPr bwMode="auto">
+          <a:noFill/>
+        </p:spPr>
+        <p:txBody>
+          <a:bodyPr wrap="square" numCol="1" anchor="t" anchorCtr="0" compatLnSpc="1">
+            <a:prstTxWarp prst="textNoShape">
+              <a:avLst/>
+            </a:prstTxWarp>
           </a:bodyPr>
           <a:lstStyle/>
           <a:p>
-            <a:r>
-              <a:rPr lang="ru-RU" dirty="0" smtClean="0"/>
+            <a:pPr>
+              <a:spcBef>
+                <a:spcPct val="0"/>
+              </a:spcBef>
+            </a:pPr>
+            <a:r>
+              <a:rPr lang="ru-RU" smtClean="0"/>
               <a:t>Продажи — клики</a:t>
             </a:r>
           </a:p>
           <a:p>
-            <a:r>
-              <a:rPr lang="ru-RU" dirty="0" smtClean="0"/>
-              <a:t>Сокращение</a:t>
-            </a:r>
-            <a:r>
-              <a:rPr lang="ru-RU" baseline="0" dirty="0" smtClean="0"/>
-              <a:t> расходов </a:t>
-            </a:r>
-            <a:r>
-              <a:rPr lang="ru-RU" dirty="0" smtClean="0"/>
-              <a:t>— увеличение объемов</a:t>
-            </a:r>
-            <a:endParaRPr lang="ru-RU" dirty="0"/>
-          </a:p>
-        </p:txBody>
-      </p:sp>
-      <p:sp>
-        <p:nvSpPr>
-          <p:cNvPr id="4" name="Номер слайда 3"/>
-          <p:cNvSpPr>
-            <a:spLocks noGrp="1"/>
-          </p:cNvSpPr>
-          <p:nvPr>
-            <p:ph type="sldNum" sz="quarter" idx="10"/>
-          </p:nvPr>
-        </p:nvSpPr>
-        <p:spPr/>
-        <p:txBody>
-          <a:bodyPr/>
+            <a:pPr>
+              <a:spcBef>
+                <a:spcPct val="0"/>
+              </a:spcBef>
+            </a:pPr>
+            <a:r>
+              <a:rPr lang="ru-RU" smtClean="0"/>
+              <a:t>Сокращение расходов — увеличение объемов</a:t>
+            </a:r>
+          </a:p>
+        </p:txBody>
+      </p:sp>
+      <p:sp>
+        <p:nvSpPr>
+          <p:cNvPr id="33796" name="Номер слайда 3"/>
+          <p:cNvSpPr>
+            <a:spLocks noGrp="1"/>
+          </p:cNvSpPr>
+          <p:nvPr>
+            <p:ph type="sldNum" sz="quarter" idx="5"/>
+          </p:nvPr>
+        </p:nvSpPr>
+        <p:spPr bwMode="auto">
+          <a:noFill/>
+          <a:ln>
+            <a:miter lim="800000"/>
+            <a:headEnd/>
+            <a:tailEnd/>
+          </a:ln>
+        </p:spPr>
+        <p:txBody>
+          <a:bodyPr wrap="square" numCol="1" anchorCtr="0" compatLnSpc="1">
+            <a:prstTxWarp prst="textNoShape">
+              <a:avLst/>
+            </a:prstTxWarp>
+          </a:bodyPr>
           <a:lstStyle/>
           <a:p>
-            <a:fld id="{789B9C11-7FE0-4F3D-95B4-241F5B7B1950}" type="slidenum">
-              <a:rPr lang="ru-RU" smtClean="0"/>
+            <a:pPr defTabSz="912813" fontAlgn="base">
+              <a:spcBef>
+                <a:spcPct val="0"/>
+              </a:spcBef>
+              <a:spcAft>
+                <a:spcPct val="0"/>
+              </a:spcAft>
+            </a:pPr>
+            <a:fld id="{44BBF950-9945-4D1E-AE77-86ED139D042E}" type="slidenum">
+              <a:rPr lang="ru-RU"/>
+              <a:pPr defTabSz="912813" fontAlgn="base">
+                <a:spcBef>
+                  <a:spcPct val="0"/>
+                </a:spcBef>
+                <a:spcAft>
+                  <a:spcPct val="0"/>
+                </a:spcAft>
+              </a:pPr>
               <a:t>3</a:t>
             </a:fld>
             <a:endParaRPr lang="ru-RU"/>
@@ -604,19 +763,29 @@
       </p:grpSpPr>
       <p:sp>
         <p:nvSpPr>
-          <p:cNvPr id="2" name="Образ слайда 1"/>
-          <p:cNvSpPr>
-            <a:spLocks noGrp="1" noRot="1" noChangeAspect="1"/>
+          <p:cNvPr id="34818" name="Образ слайда 1"/>
+          <p:cNvSpPr>
+            <a:spLocks noGrp="1" noRot="1" noChangeAspect="1" noTextEdit="1"/>
           </p:cNvSpPr>
           <p:nvPr>
             <p:ph type="sldImg"/>
           </p:nvPr>
         </p:nvSpPr>
-        <p:spPr/>
-      </p:sp>
-      <p:sp>
-        <p:nvSpPr>
-          <p:cNvPr id="3" name="Заметки 2"/>
+        <p:spPr bwMode="auto">
+          <a:noFill/>
+          <a:ln>
+            <a:solidFill>
+              <a:srgbClr val="000000"/>
+            </a:solidFill>
+            <a:miter lim="800000"/>
+            <a:headEnd/>
+            <a:tailEnd/>
+          </a:ln>
+        </p:spPr>
+      </p:sp>
+      <p:sp>
+        <p:nvSpPr>
+          <p:cNvPr id="34819" name="Заметки 2"/>
           <p:cNvSpPr>
             <a:spLocks noGrp="1"/>
           </p:cNvSpPr>
@@ -624,42 +793,73 @@
             <p:ph type="body" idx="1"/>
           </p:nvPr>
         </p:nvSpPr>
-        <p:spPr/>
-        <p:txBody>
-          <a:bodyPr>
-            <a:normAutofit/>
+        <p:spPr bwMode="auto">
+          <a:noFill/>
+        </p:spPr>
+        <p:txBody>
+          <a:bodyPr wrap="square" numCol="1" anchor="t" anchorCtr="0" compatLnSpc="1">
+            <a:prstTxWarp prst="textNoShape">
+              <a:avLst/>
+            </a:prstTxWarp>
           </a:bodyPr>
           <a:lstStyle/>
           <a:p>
-            <a:r>
-              <a:rPr lang="ru-RU" dirty="0" smtClean="0"/>
-              <a:t>Стоит</a:t>
-            </a:r>
-            <a:r>
-              <a:rPr lang="ru-RU" baseline="0" dirty="0" smtClean="0"/>
-              <a:t> ли в первую очередь смотреть на стоимость? Может на стратегию?</a:t>
-            </a:r>
-            <a:endParaRPr lang="ru-RU" dirty="0" smtClean="0"/>
-          </a:p>
-        </p:txBody>
-      </p:sp>
-      <p:sp>
-        <p:nvSpPr>
-          <p:cNvPr id="4" name="Номер слайда 3"/>
-          <p:cNvSpPr>
-            <a:spLocks noGrp="1"/>
-          </p:cNvSpPr>
-          <p:nvPr>
-            <p:ph type="sldNum" sz="quarter" idx="10"/>
-          </p:nvPr>
-        </p:nvSpPr>
-        <p:spPr/>
-        <p:txBody>
-          <a:bodyPr/>
+            <a:pPr>
+              <a:spcBef>
+                <a:spcPct val="0"/>
+              </a:spcBef>
+            </a:pPr>
+            <a:r>
+              <a:rPr lang="ru-RU" smtClean="0"/>
+              <a:t>Стоит ли в первую очередь смотреть на стоимость? Может на стратегию?</a:t>
+            </a:r>
+          </a:p>
+        </p:txBody>
+      </p:sp>
+      <p:sp>
+        <p:nvSpPr>
+          <p:cNvPr id="34820" name="Номер слайда 3"/>
+          <p:cNvSpPr>
+            <a:spLocks noGrp="1"/>
+          </p:cNvSpPr>
+          <p:nvPr>
+            <p:ph type="sldNum" sz="quarter" idx="5"/>
+          </p:nvPr>
+        </p:nvSpPr>
+        <p:spPr bwMode="auto">
+          <a:noFill/>
+          <a:ln>
+            <a:miter lim="800000"/>
+            <a:headEnd/>
+            <a:tailEnd/>
+          </a:ln>
+        </p:spPr>
+        <p:txBody>
+          <a:bodyPr wrap="square" numCol="1" anchorCtr="0" compatLnSpc="1">
+            <a:prstTxWarp prst="textNoShape">
+              <a:avLst/>
+            </a:prstTxWarp>
+          </a:bodyPr>
           <a:lstStyle/>
           <a:p>
-            <a:fld id="{789B9C11-7FE0-4F3D-95B4-241F5B7B1950}" type="slidenum">
-              <a:rPr lang="ru-RU" smtClean="0"/>
+            <a:pPr defTabSz="912813" fontAlgn="base">
+              <a:spcBef>
+                <a:spcPct val="0"/>
+              </a:spcBef>
+              <a:spcAft>
+                <a:spcPct val="0"/>
+              </a:spcAft>
+            </a:pPr>
+            <a:fld id="{6B2AF7F4-798D-40FF-B36C-DA298DED9708}" type="slidenum">
+              <a:rPr lang="ru-RU"/>
+              <a:pPr defTabSz="912813" fontAlgn="base">
+                <a:spcBef>
+                  <a:spcPct val="0"/>
+                </a:spcBef>
+                <a:spcAft>
+                  <a:spcPct val="0"/>
+                </a:spcAft>
+              </a:pPr>
               <a:t>8</a:t>
             </a:fld>
             <a:endParaRPr lang="ru-RU"/>
@@ -693,19 +893,29 @@
       </p:grpSpPr>
       <p:sp>
         <p:nvSpPr>
-          <p:cNvPr id="2" name="Образ слайда 1"/>
-          <p:cNvSpPr>
-            <a:spLocks noGrp="1" noRot="1" noChangeAspect="1"/>
+          <p:cNvPr id="35842" name="Образ слайда 1"/>
+          <p:cNvSpPr>
+            <a:spLocks noGrp="1" noRot="1" noChangeAspect="1" noTextEdit="1"/>
           </p:cNvSpPr>
           <p:nvPr>
             <p:ph type="sldImg"/>
           </p:nvPr>
         </p:nvSpPr>
-        <p:spPr/>
-      </p:sp>
-      <p:sp>
-        <p:nvSpPr>
-          <p:cNvPr id="3" name="Заметки 2"/>
+        <p:spPr bwMode="auto">
+          <a:noFill/>
+          <a:ln>
+            <a:solidFill>
+              <a:srgbClr val="000000"/>
+            </a:solidFill>
+            <a:miter lim="800000"/>
+            <a:headEnd/>
+            <a:tailEnd/>
+          </a:ln>
+        </p:spPr>
+      </p:sp>
+      <p:sp>
+        <p:nvSpPr>
+          <p:cNvPr id="35843" name="Заметки 2"/>
           <p:cNvSpPr>
             <a:spLocks noGrp="1"/>
           </p:cNvSpPr>
@@ -713,15 +923,24 @@
             <p:ph type="body" idx="1"/>
           </p:nvPr>
         </p:nvSpPr>
-        <p:spPr/>
-        <p:txBody>
-          <a:bodyPr>
-            <a:normAutofit/>
+        <p:spPr bwMode="auto">
+          <a:noFill/>
+        </p:spPr>
+        <p:txBody>
+          <a:bodyPr wrap="square" numCol="1" anchor="t" anchorCtr="0" compatLnSpc="1">
+            <a:prstTxWarp prst="textNoShape">
+              <a:avLst/>
+            </a:prstTxWarp>
           </a:bodyPr>
           <a:lstStyle/>
           <a:p>
-            <a:r>
-              <a:rPr lang="ru-RU" dirty="0" smtClean="0"/>
+            <a:pPr>
+              <a:spcBef>
+                <a:spcPct val="0"/>
+              </a:spcBef>
+            </a:pPr>
+            <a:r>
+              <a:rPr lang="ru-RU" smtClean="0"/>
               <a:t>Баннеры посредственно рисуют площадки, агентства включают их в счет</a:t>
             </a:r>
           </a:p>
@@ -729,21 +948,48 @@
       </p:sp>
       <p:sp>
         <p:nvSpPr>
-          <p:cNvPr id="4" name="Номер слайда 3"/>
-          <p:cNvSpPr>
-            <a:spLocks noGrp="1"/>
-          </p:cNvSpPr>
-          <p:nvPr>
-            <p:ph type="sldNum" sz="quarter" idx="10"/>
-          </p:nvPr>
-        </p:nvSpPr>
-        <p:spPr/>
-        <p:txBody>
-          <a:bodyPr/>
+          <p:cNvPr id="35844" name="Номер слайда 3"/>
+          <p:cNvSpPr>
+            <a:spLocks noGrp="1"/>
+          </p:cNvSpPr>
+          <p:nvPr>
+            <p:ph type="sldNum" sz="quarter" idx="5"/>
+          </p:nvPr>
+        </p:nvSpPr>
+        <p:spPr bwMode="auto">
+          <a:noFill/>
+          <a:ln>
+            <a:miter lim="800000"/>
+            <a:headEnd/>
+            <a:tailEnd/>
+          </a:ln>
+        </p:spPr>
+        <p:txBody>
+          <a:bodyPr wrap="square" numCol="1" anchorCtr="0" compatLnSpc="1">
+            <a:prstTxWarp prst="textNoShape">
+              <a:avLst/>
+            </a:prstTxWarp>
+          </a:bodyPr>
           <a:lstStyle/>
           <a:p>
-            <a:fld id="{789B9C11-7FE0-4F3D-95B4-241F5B7B1950}" type="slidenum">
-              <a:rPr lang="ru-RU" smtClean="0"/>
+            <a:pPr defTabSz="912813" fontAlgn="base">
+              <a:spcBef>
+                <a:spcPct val="0"/>
+              </a:spcBef>
+              <a:spcAft>
+                <a:spcPct val="0"/>
+              </a:spcAft>
+            </a:pPr>
+            <a:fld id="{959CE069-6218-401D-B320-53975B26E001}" type="slidenum">
+              <a:rPr lang="ru-RU"/>
+              <a:pPr defTabSz="912813" fontAlgn="base">
+                <a:spcBef>
+                  <a:spcPct val="0"/>
+                </a:spcBef>
+                <a:spcAft>
+                  <a:spcPct val="0"/>
+                </a:spcAft>
+              </a:pPr>
               <a:t>9</a:t>
             </a:fld>
             <a:endParaRPr lang="ru-RU"/>
@@ -777,19 +1023,29 @@
       </p:grpSpPr>
       <p:sp>
         <p:nvSpPr>
-          <p:cNvPr id="2" name="Образ слайда 1"/>
-          <p:cNvSpPr>
-            <a:spLocks noGrp="1" noRot="1" noChangeAspect="1"/>
+          <p:cNvPr id="36866" name="Образ слайда 1"/>
+          <p:cNvSpPr>
+            <a:spLocks noGrp="1" noRot="1" noChangeAspect="1" noTextEdit="1"/>
           </p:cNvSpPr>
           <p:nvPr>
             <p:ph type="sldImg"/>
           </p:nvPr>
         </p:nvSpPr>
-        <p:spPr/>
-      </p:sp>
-      <p:sp>
-        <p:nvSpPr>
-          <p:cNvPr id="3" name="Заметки 2"/>
+        <p:spPr bwMode="auto">
+          <a:noFill/>
+          <a:ln>
+            <a:solidFill>
+              <a:srgbClr val="000000"/>
+            </a:solidFill>
+            <a:miter lim="800000"/>
+            <a:headEnd/>
+            <a:tailEnd/>
+          </a:ln>
+        </p:spPr>
+      </p:sp>
+      <p:sp>
+        <p:nvSpPr>
+          <p:cNvPr id="36867" name="Заметки 2"/>
           <p:cNvSpPr>
             <a:spLocks noGrp="1"/>
           </p:cNvSpPr>
@@ -797,50 +1053,73 @@
             <p:ph type="body" idx="1"/>
           </p:nvPr>
         </p:nvSpPr>
-        <p:spPr/>
-        <p:txBody>
-          <a:bodyPr>
-            <a:normAutofit/>
+        <p:spPr bwMode="auto">
+          <a:noFill/>
+        </p:spPr>
+        <p:txBody>
+          <a:bodyPr wrap="square" numCol="1" anchor="t" anchorCtr="0" compatLnSpc="1">
+            <a:prstTxWarp prst="textNoShape">
+              <a:avLst/>
+            </a:prstTxWarp>
           </a:bodyPr>
           <a:lstStyle/>
           <a:p>
-            <a:r>
-              <a:rPr lang="ru-RU" dirty="0" smtClean="0"/>
-              <a:t>Зачастую, единственное, что предоставляют агентства</a:t>
-            </a:r>
-            <a:r>
-              <a:rPr lang="ru-RU" baseline="0" dirty="0" smtClean="0"/>
-              <a:t> во время проведения РК — это лишь «</a:t>
-            </a:r>
-            <a:r>
-              <a:rPr lang="ru-RU" baseline="0" dirty="0" err="1" smtClean="0"/>
-              <a:t>скриншоты</a:t>
-            </a:r>
-            <a:r>
-              <a:rPr lang="ru-RU" baseline="0" dirty="0" smtClean="0"/>
-              <a:t> запуска». Но что они дают Заказчику?</a:t>
-            </a:r>
-            <a:endParaRPr lang="ru-RU" dirty="0"/>
-          </a:p>
-        </p:txBody>
-      </p:sp>
-      <p:sp>
-        <p:nvSpPr>
-          <p:cNvPr id="4" name="Номер слайда 3"/>
-          <p:cNvSpPr>
-            <a:spLocks noGrp="1"/>
-          </p:cNvSpPr>
-          <p:nvPr>
-            <p:ph type="sldNum" sz="quarter" idx="10"/>
-          </p:nvPr>
-        </p:nvSpPr>
-        <p:spPr/>
-        <p:txBody>
-          <a:bodyPr/>
+            <a:pPr>
+              <a:spcBef>
+                <a:spcPct val="0"/>
+              </a:spcBef>
+            </a:pPr>
+            <a:r>
+              <a:rPr lang="ru-RU" smtClean="0"/>
+              <a:t>Зачастую, единственное, что предоставляют агентства во время проведения РК — это лишь «скриншоты запуска». Но что они дают Заказчику?</a:t>
+            </a:r>
+          </a:p>
+        </p:txBody>
+      </p:sp>
+      <p:sp>
+        <p:nvSpPr>
+          <p:cNvPr id="36868" name="Номер слайда 3"/>
+          <p:cNvSpPr>
+            <a:spLocks noGrp="1"/>
+          </p:cNvSpPr>
+          <p:nvPr>
+            <p:ph type="sldNum" sz="quarter" idx="5"/>
+          </p:nvPr>
+        </p:nvSpPr>
+        <p:spPr bwMode="auto">
+          <a:noFill/>
+          <a:ln>
+            <a:miter lim="800000"/>
+            <a:headEnd/>
+            <a:tailEnd/>
+          </a:ln>
+        </p:spPr>
+        <p:txBody>
+          <a:bodyPr wrap="square" numCol="1" anchorCtr="0" compatLnSpc="1">
+            <a:prstTxWarp prst="textNoShape">
+              <a:avLst/>
+            </a:prstTxWarp>
+          </a:bodyPr>
           <a:lstStyle/>
           <a:p>
-            <a:fld id="{789B9C11-7FE0-4F3D-95B4-241F5B7B1950}" type="slidenum">
-              <a:rPr lang="ru-RU" smtClean="0"/>
+            <a:pPr defTabSz="912813" fontAlgn="base">
+              <a:spcBef>
+                <a:spcPct val="0"/>
+              </a:spcBef>
+              <a:spcAft>
+                <a:spcPct val="0"/>
+              </a:spcAft>
+            </a:pPr>
+            <a:fld id="{38A05FCB-342C-4594-8B6D-B84488E8A298}" type="slidenum">
+              <a:rPr lang="ru-RU"/>
+              <a:pPr defTabSz="912813" fontAlgn="base">
+                <a:spcBef>
+                  <a:spcPct val="0"/>
+                </a:spcBef>
+                <a:spcAft>
+                  <a:spcPct val="0"/>
+                </a:spcAft>
+              </a:pPr>
               <a:t>19</a:t>
             </a:fld>
             <a:endParaRPr lang="ru-RU"/>
@@ -1032,11 +1311,21 @@
         <p:spPr/>
         <p:txBody>
           <a:bodyPr/>
-          <a:lstStyle/>
-          <a:p>
-            <a:fld id="{677DCE83-7644-40B3-AD6E-0DEA5E329225}" type="datetimeFigureOut">
-              <a:rPr lang="ru-RU" smtClean="0"/>
-              <a:t>23.09.2014</a:t>
+          <a:lstStyle>
+            <a:lvl1pPr>
+              <a:defRPr/>
+            </a:lvl1pPr>
+          </a:lstStyle>
+          <a:p>
+            <a:pPr>
+              <a:defRPr/>
+            </a:pPr>
+            <a:fld id="{EB1D6830-7748-4E7C-8A48-2617C2029385}" type="datetimeFigureOut">
+              <a:rPr lang="ru-RU"/>
+              <a:pPr>
+                <a:defRPr/>
+              </a:pPr>
+              <a:t>24.09.2014</a:t>
             </a:fld>
             <a:endParaRPr lang="ru-RU"/>
           </a:p>
@@ -1055,8 +1344,15 @@
         <p:spPr/>
         <p:txBody>
           <a:bodyPr/>
-          <a:lstStyle/>
-          <a:p>
+          <a:lstStyle>
+            <a:lvl1pPr>
+              <a:defRPr/>
+            </a:lvl1pPr>
+          </a:lstStyle>
+          <a:p>
+            <a:pPr>
+              <a:defRPr/>
+            </a:pPr>
             <a:endParaRPr lang="ru-RU"/>
           </a:p>
         </p:txBody>
@@ -1074,10 +1370,20 @@
         <p:spPr/>
         <p:txBody>
           <a:bodyPr/>
-          <a:lstStyle/>
-          <a:p>
-            <a:fld id="{93C83857-55B5-4596-A3A4-26742E255845}" type="slidenum">
-              <a:rPr lang="ru-RU" smtClean="0"/>
+          <a:lstStyle>
+            <a:lvl1pPr>
+              <a:defRPr/>
+            </a:lvl1pPr>
+          </a:lstStyle>
+          <a:p>
+            <a:pPr>
+              <a:defRPr/>
+            </a:pPr>
+            <a:fld id="{60183BB0-9093-404C-AC80-7EFA22B32020}" type="slidenum">
+              <a:rPr lang="ru-RU"/>
+              <a:pPr>
+                <a:defRPr/>
+              </a:pPr>
               <a:t>‹#›</a:t>
             </a:fld>
             <a:endParaRPr lang="ru-RU"/>
@@ -1197,11 +1503,21 @@
         <p:spPr/>
         <p:txBody>
           <a:bodyPr/>
-          <a:lstStyle/>
-          <a:p>
-            <a:fld id="{677DCE83-7644-40B3-AD6E-0DEA5E329225}" type="datetimeFigureOut">
-              <a:rPr lang="ru-RU" smtClean="0"/>
-              <a:t>23.09.2014</a:t>
+          <a:lstStyle>
+            <a:lvl1pPr>
+              <a:defRPr/>
+            </a:lvl1pPr>
+          </a:lstStyle>
+          <a:p>
+            <a:pPr>
+              <a:defRPr/>
+            </a:pPr>
+            <a:fld id="{CDC0AAA3-4784-4636-A878-76A9AA787EE7}" type="datetimeFigureOut">
+              <a:rPr lang="ru-RU"/>
+              <a:pPr>
+                <a:defRPr/>
+              </a:pPr>
+              <a:t>24.09.2014</a:t>
             </a:fld>
             <a:endParaRPr lang="ru-RU"/>
           </a:p>
@@ -1220,8 +1536,15 @@
         <p:spPr/>
         <p:txBody>
           <a:bodyPr/>
-          <a:lstStyle/>
-          <a:p>
+          <a:lstStyle>
+            <a:lvl1pPr>
+              <a:defRPr/>
+            </a:lvl1pPr>
+          </a:lstStyle>
+          <a:p>
+            <a:pPr>
+              <a:defRPr/>
+            </a:pPr>
             <a:endParaRPr lang="ru-RU"/>
           </a:p>
         </p:txBody>
@@ -1239,10 +1562,20 @@
         <p:spPr/>
         <p:txBody>
           <a:bodyPr/>
-          <a:lstStyle/>
-          <a:p>
-            <a:fld id="{93C83857-55B5-4596-A3A4-26742E255845}" type="slidenum">
-              <a:rPr lang="ru-RU" smtClean="0"/>
+          <a:lstStyle>
+            <a:lvl1pPr>
+              <a:defRPr/>
+            </a:lvl1pPr>
+          </a:lstStyle>
+          <a:p>
+            <a:pPr>
+              <a:defRPr/>
+            </a:pPr>
+            <a:fld id="{69A68D5B-0444-4F49-8044-CD323740A416}" type="slidenum">
+              <a:rPr lang="ru-RU"/>
+              <a:pPr>
+                <a:defRPr/>
+              </a:pPr>
               <a:t>‹#›</a:t>
             </a:fld>
             <a:endParaRPr lang="ru-RU"/>
@@ -1372,11 +1705,21 @@
         <p:spPr/>
         <p:txBody>
           <a:bodyPr/>
-          <a:lstStyle/>
-          <a:p>
-            <a:fld id="{677DCE83-7644-40B3-AD6E-0DEA5E329225}" type="datetimeFigureOut">
-              <a:rPr lang="ru-RU" smtClean="0"/>
-              <a:t>23.09.2014</a:t>
+          <a:lstStyle>
+            <a:lvl1pPr>
+              <a:defRPr/>
+            </a:lvl1pPr>
+          </a:lstStyle>
+          <a:p>
+            <a:pPr>
+              <a:defRPr/>
+            </a:pPr>
+            <a:fld id="{4CDA3113-FB05-41D7-B314-0B5E3009433A}" type="datetimeFigureOut">
+              <a:rPr lang="ru-RU"/>
+              <a:pPr>
+                <a:defRPr/>
+              </a:pPr>
+              <a:t>24.09.2014</a:t>
             </a:fld>
             <a:endParaRPr lang="ru-RU"/>
           </a:p>
@@ -1395,8 +1738,15 @@
         <p:spPr/>
         <p:txBody>
           <a:bodyPr/>
-          <a:lstStyle/>
-          <a:p>
+          <a:lstStyle>
+            <a:lvl1pPr>
+              <a:defRPr/>
+            </a:lvl1pPr>
+          </a:lstStyle>
+          <a:p>
+            <a:pPr>
+              <a:defRPr/>
+            </a:pPr>
             <a:endParaRPr lang="ru-RU"/>
           </a:p>
         </p:txBody>
@@ -1414,10 +1764,20 @@
         <p:spPr/>
         <p:txBody>
           <a:bodyPr/>
-          <a:lstStyle/>
-          <a:p>
-            <a:fld id="{93C83857-55B5-4596-A3A4-26742E255845}" type="slidenum">
-              <a:rPr lang="ru-RU" smtClean="0"/>
+          <a:lstStyle>
+            <a:lvl1pPr>
+              <a:defRPr/>
+            </a:lvl1pPr>
+          </a:lstStyle>
+          <a:p>
+            <a:pPr>
+              <a:defRPr/>
+            </a:pPr>
+            <a:fld id="{C624971D-538D-4B8C-A314-01CDEA0703E4}" type="slidenum">
+              <a:rPr lang="ru-RU"/>
+              <a:pPr>
+                <a:defRPr/>
+              </a:pPr>
               <a:t>‹#›</a:t>
             </a:fld>
             <a:endParaRPr lang="ru-RU"/>
@@ -1537,11 +1897,21 @@
         <p:spPr/>
         <p:txBody>
           <a:bodyPr/>
-          <a:lstStyle/>
-          <a:p>
-            <a:fld id="{677DCE83-7644-40B3-AD6E-0DEA5E329225}" type="datetimeFigureOut">
-              <a:rPr lang="ru-RU" smtClean="0"/>
-              <a:t>23.09.2014</a:t>
+          <a:lstStyle>
+            <a:lvl1pPr>
+              <a:defRPr/>
+            </a:lvl1pPr>
+          </a:lstStyle>
+          <a:p>
+            <a:pPr>
+              <a:defRPr/>
+            </a:pPr>
+            <a:fld id="{49C257CD-C97D-4BC9-84AD-022C0D610EB6}" type="datetimeFigureOut">
+              <a:rPr lang="ru-RU"/>
+              <a:pPr>
+                <a:defRPr/>
+              </a:pPr>
+              <a:t>24.09.2014</a:t>
             </a:fld>
             <a:endParaRPr lang="ru-RU"/>
           </a:p>
@@ -1560,8 +1930,15 @@
         <p:spPr/>
         <p:txBody>
           <a:bodyPr/>
-          <a:lstStyle/>
-          <a:p>
+          <a:lstStyle>
+            <a:lvl1pPr>
+              <a:defRPr/>
+            </a:lvl1pPr>
+          </a:lstStyle>
+          <a:p>
+            <a:pPr>
+              <a:defRPr/>
+            </a:pPr>
             <a:endParaRPr lang="ru-RU"/>
           </a:p>
         </p:txBody>
@@ -1579,10 +1956,20 @@
         <p:spPr/>
         <p:txBody>
           <a:bodyPr/>
-          <a:lstStyle/>
-          <a:p>
-            <a:fld id="{93C83857-55B5-4596-A3A4-26742E255845}" type="slidenum">
-              <a:rPr lang="ru-RU" smtClean="0"/>
+          <a:lstStyle>
+            <a:lvl1pPr>
+              <a:defRPr/>
+            </a:lvl1pPr>
+          </a:lstStyle>
+          <a:p>
+            <a:pPr>
+              <a:defRPr/>
+            </a:pPr>
+            <a:fld id="{B4260BE0-B980-4A87-8F73-BB66C37737D1}" type="slidenum">
+              <a:rPr lang="ru-RU"/>
+              <a:pPr>
+                <a:defRPr/>
+              </a:pPr>
               <a:t>‹#›</a:t>
             </a:fld>
             <a:endParaRPr lang="ru-RU"/>
@@ -1778,11 +2165,21 @@
         <p:spPr/>
         <p:txBody>
           <a:bodyPr/>
-          <a:lstStyle/>
-          <a:p>
-            <a:fld id="{677DCE83-7644-40B3-AD6E-0DEA5E329225}" type="datetimeFigureOut">
-              <a:rPr lang="ru-RU" smtClean="0"/>
-              <a:t>23.09.2014</a:t>
+          <a:lstStyle>
+            <a:lvl1pPr>
+              <a:defRPr/>
+            </a:lvl1pPr>
+          </a:lstStyle>
+          <a:p>
+            <a:pPr>
+              <a:defRPr/>
+            </a:pPr>
+            <a:fld id="{23BC6297-904F-4BA5-A4C6-AABDDAC5BBD8}" type="datetimeFigureOut">
+              <a:rPr lang="ru-RU"/>
+              <a:pPr>
+                <a:defRPr/>
+              </a:pPr>
+              <a:t>24.09.2014</a:t>
             </a:fld>
             <a:endParaRPr lang="ru-RU"/>
           </a:p>
@@ -1801,8 +2198,15 @@
         <p:spPr/>
         <p:txBody>
           <a:bodyPr/>
-          <a:lstStyle/>
-          <a:p>
+          <a:lstStyle>
+            <a:lvl1pPr>
+              <a:defRPr/>
+            </a:lvl1pPr>
+          </a:lstStyle>
+          <a:p>
+            <a:pPr>
+              <a:defRPr/>
+            </a:pPr>
             <a:endParaRPr lang="ru-RU"/>
           </a:p>
         </p:txBody>
@@ -1820,10 +2224,20 @@
         <p:spPr/>
         <p:txBody>
           <a:bodyPr/>
-          <a:lstStyle/>
-          <a:p>
-            <a:fld id="{93C83857-55B5-4596-A3A4-26742E255845}" type="slidenum">
-              <a:rPr lang="ru-RU" smtClean="0"/>
+          <a:lstStyle>
+            <a:lvl1pPr>
+              <a:defRPr/>
+            </a:lvl1pPr>
+          </a:lstStyle>
+          <a:p>
+            <a:pPr>
+              <a:defRPr/>
+            </a:pPr>
+            <a:fld id="{783FD4FB-5BE5-4A2F-BBD3-FB5104CE0CA3}" type="slidenum">
+              <a:rPr lang="ru-RU"/>
+              <a:pPr>
+                <a:defRPr/>
+              </a:pPr>
               <a:t>‹#›</a:t>
             </a:fld>
             <a:endParaRPr lang="ru-RU"/>
@@ -2050,7 +2464,7 @@
       </p:sp>
       <p:sp>
         <p:nvSpPr>
-          <p:cNvPr id="5" name="Дата 4"/>
+          <p:cNvPr id="5" name="Дата 3"/>
           <p:cNvSpPr>
             <a:spLocks noGrp="1"/>
           </p:cNvSpPr>
@@ -2061,11 +2475,21 @@
         <p:spPr/>
         <p:txBody>
           <a:bodyPr/>
-          <a:lstStyle/>
-          <a:p>
-            <a:fld id="{677DCE83-7644-40B3-AD6E-0DEA5E329225}" type="datetimeFigureOut">
-              <a:rPr lang="ru-RU" smtClean="0"/>
-              <a:t>23.09.2014</a:t>
+          <a:lstStyle>
+            <a:lvl1pPr>
+              <a:defRPr/>
+            </a:lvl1pPr>
+          </a:lstStyle>
+          <a:p>
+            <a:pPr>
+              <a:defRPr/>
+            </a:pPr>
+            <a:fld id="{C047BD61-E340-4325-872A-F769314908EF}" type="datetimeFigureOut">
+              <a:rPr lang="ru-RU"/>
+              <a:pPr>
+                <a:defRPr/>
+              </a:pPr>
+              <a:t>24.09.2014</a:t>
             </a:fld>
             <a:endParaRPr lang="ru-RU"/>
           </a:p>
@@ -2073,7 +2497,7 @@
       </p:sp>
       <p:sp>
         <p:nvSpPr>
-          <p:cNvPr id="6" name="Нижний колонтитул 5"/>
+          <p:cNvPr id="6" name="Нижний колонтитул 4"/>
           <p:cNvSpPr>
             <a:spLocks noGrp="1"/>
           </p:cNvSpPr>
@@ -2084,15 +2508,22 @@
         <p:spPr/>
         <p:txBody>
           <a:bodyPr/>
-          <a:lstStyle/>
-          <a:p>
+          <a:lstStyle>
+            <a:lvl1pPr>
+              <a:defRPr/>
+            </a:lvl1pPr>
+          </a:lstStyle>
+          <a:p>
+            <a:pPr>
+              <a:defRPr/>
+            </a:pPr>
             <a:endParaRPr lang="ru-RU"/>
           </a:p>
         </p:txBody>
       </p:sp>
       <p:sp>
         <p:nvSpPr>
-          <p:cNvPr id="7" name="Номер слайда 6"/>
+          <p:cNvPr id="7" name="Номер слайда 5"/>
           <p:cNvSpPr>
             <a:spLocks noGrp="1"/>
           </p:cNvSpPr>
@@ -2103,10 +2534,20 @@
         <p:spPr/>
         <p:txBody>
           <a:bodyPr/>
-          <a:lstStyle/>
-          <a:p>
-            <a:fld id="{93C83857-55B5-4596-A3A4-26742E255845}" type="slidenum">
-              <a:rPr lang="ru-RU" smtClean="0"/>
+          <a:lstStyle>
+            <a:lvl1pPr>
+              <a:defRPr/>
+            </a:lvl1pPr>
+          </a:lstStyle>
+          <a:p>
+            <a:pPr>
+              <a:defRPr/>
+            </a:pPr>
+            <a:fld id="{05F908CC-6545-4E91-BD8D-6CAFC22BEDE7}" type="slidenum">
+              <a:rPr lang="ru-RU"/>
+              <a:pPr>
+                <a:defRPr/>
+              </a:pPr>
               <a:t>‹#›</a:t>
             </a:fld>
             <a:endParaRPr lang="ru-RU"/>
@@ -2467,7 +2908,7 @@
       </p:sp>
       <p:sp>
         <p:nvSpPr>
-          <p:cNvPr id="7" name="Дата 6"/>
+          <p:cNvPr id="7" name="Дата 3"/>
           <p:cNvSpPr>
             <a:spLocks noGrp="1"/>
           </p:cNvSpPr>
@@ -2478,11 +2919,21 @@
         <p:spPr/>
         <p:txBody>
           <a:bodyPr/>
-          <a:lstStyle/>
-          <a:p>
-            <a:fld id="{677DCE83-7644-40B3-AD6E-0DEA5E329225}" type="datetimeFigureOut">
-              <a:rPr lang="ru-RU" smtClean="0"/>
-              <a:t>23.09.2014</a:t>
+          <a:lstStyle>
+            <a:lvl1pPr>
+              <a:defRPr/>
+            </a:lvl1pPr>
+          </a:lstStyle>
+          <a:p>
+            <a:pPr>
+              <a:defRPr/>
+            </a:pPr>
+            <a:fld id="{F98756F4-DD3D-4D54-8B35-45B5CDEFB269}" type="datetimeFigureOut">
+              <a:rPr lang="ru-RU"/>
+              <a:pPr>
+                <a:defRPr/>
+              </a:pPr>
+              <a:t>24.09.2014</a:t>
             </a:fld>
             <a:endParaRPr lang="ru-RU"/>
           </a:p>
@@ -2490,7 +2941,7 @@
       </p:sp>
       <p:sp>
         <p:nvSpPr>
-          <p:cNvPr id="8" name="Нижний колонтитул 7"/>
+          <p:cNvPr id="8" name="Нижний колонтитул 4"/>
           <p:cNvSpPr>
             <a:spLocks noGrp="1"/>
           </p:cNvSpPr>
@@ -2501,15 +2952,22 @@
         <p:spPr/>
         <p:txBody>
           <a:bodyPr/>
-          <a:lstStyle/>
-          <a:p>
+          <a:lstStyle>
+            <a:lvl1pPr>
+              <a:defRPr/>
+            </a:lvl1pPr>
+          </a:lstStyle>
+          <a:p>
+            <a:pPr>
+              <a:defRPr/>
+            </a:pPr>
             <a:endParaRPr lang="ru-RU"/>
           </a:p>
         </p:txBody>
       </p:sp>
       <p:sp>
         <p:nvSpPr>
-          <p:cNvPr id="9" name="Номер слайда 8"/>
+          <p:cNvPr id="9" name="Номер слайда 5"/>
           <p:cNvSpPr>
             <a:spLocks noGrp="1"/>
           </p:cNvSpPr>
@@ -2520,10 +2978,20 @@
         <p:spPr/>
         <p:txBody>
           <a:bodyPr/>
-          <a:lstStyle/>
-          <a:p>
-            <a:fld id="{93C83857-55B5-4596-A3A4-26742E255845}" type="slidenum">
-              <a:rPr lang="ru-RU" smtClean="0"/>
+          <a:lstStyle>
+            <a:lvl1pPr>
+              <a:defRPr/>
+            </a:lvl1pPr>
+          </a:lstStyle>
+          <a:p>
+            <a:pPr>
+              <a:defRPr/>
+            </a:pPr>
+            <a:fld id="{A2F7CAE7-FA5A-4C9E-A396-891C9625666F}" type="slidenum">
+              <a:rPr lang="ru-RU"/>
+              <a:pPr>
+                <a:defRPr/>
+              </a:pPr>
               <a:t>‹#›</a:t>
             </a:fld>
             <a:endParaRPr lang="ru-RU"/>
@@ -2580,7 +3048,7 @@
       </p:sp>
       <p:sp>
         <p:nvSpPr>
-          <p:cNvPr id="3" name="Дата 2"/>
+          <p:cNvPr id="3" name="Дата 3"/>
           <p:cNvSpPr>
             <a:spLocks noGrp="1"/>
           </p:cNvSpPr>
@@ -2591,11 +3059,21 @@
         <p:spPr/>
         <p:txBody>
           <a:bodyPr/>
-          <a:lstStyle/>
-          <a:p>
-            <a:fld id="{677DCE83-7644-40B3-AD6E-0DEA5E329225}" type="datetimeFigureOut">
-              <a:rPr lang="ru-RU" smtClean="0"/>
-              <a:t>23.09.2014</a:t>
+          <a:lstStyle>
+            <a:lvl1pPr>
+              <a:defRPr/>
+            </a:lvl1pPr>
+          </a:lstStyle>
+          <a:p>
+            <a:pPr>
+              <a:defRPr/>
+            </a:pPr>
+            <a:fld id="{79AB0ED1-3B1D-416F-83E7-6212F94F90A0}" type="datetimeFigureOut">
+              <a:rPr lang="ru-RU"/>
+              <a:pPr>
+                <a:defRPr/>
+              </a:pPr>
+              <a:t>24.09.2014</a:t>
             </a:fld>
             <a:endParaRPr lang="ru-RU"/>
           </a:p>
@@ -2603,7 +3081,7 @@
       </p:sp>
       <p:sp>
         <p:nvSpPr>
-          <p:cNvPr id="4" name="Нижний колонтитул 3"/>
+          <p:cNvPr id="4" name="Нижний колонтитул 4"/>
           <p:cNvSpPr>
             <a:spLocks noGrp="1"/>
           </p:cNvSpPr>
@@ -2614,15 +3092,22 @@
         <p:spPr/>
         <p:txBody>
           <a:bodyPr/>
-          <a:lstStyle/>
-          <a:p>
+          <a:lstStyle>
+            <a:lvl1pPr>
+              <a:defRPr/>
+            </a:lvl1pPr>
+          </a:lstStyle>
+          <a:p>
+            <a:pPr>
+              <a:defRPr/>
+            </a:pPr>
             <a:endParaRPr lang="ru-RU"/>
           </a:p>
         </p:txBody>
       </p:sp>
       <p:sp>
         <p:nvSpPr>
-          <p:cNvPr id="5" name="Номер слайда 4"/>
+          <p:cNvPr id="5" name="Номер слайда 5"/>
           <p:cNvSpPr>
             <a:spLocks noGrp="1"/>
           </p:cNvSpPr>
@@ -2633,10 +3118,20 @@
         <p:spPr/>
         <p:txBody>
           <a:bodyPr/>
-          <a:lstStyle/>
-          <a:p>
-            <a:fld id="{93C83857-55B5-4596-A3A4-26742E255845}" type="slidenum">
-              <a:rPr lang="ru-RU" smtClean="0"/>
+          <a:lstStyle>
+            <a:lvl1pPr>
+              <a:defRPr/>
+            </a:lvl1pPr>
+          </a:lstStyle>
+          <a:p>
+            <a:pPr>
+              <a:defRPr/>
+            </a:pPr>
+            <a:fld id="{3A507B28-C208-43E4-B7DD-A2925DAE9A13}" type="slidenum">
+              <a:rPr lang="ru-RU"/>
+              <a:pPr>
+                <a:defRPr/>
+              </a:pPr>
               <a:t>‹#›</a:t>
             </a:fld>
             <a:endParaRPr lang="ru-RU"/>
@@ -2670,7 +3165,7 @@
       </p:grpSpPr>
       <p:sp>
         <p:nvSpPr>
-          <p:cNvPr id="2" name="Дата 1"/>
+          <p:cNvPr id="2" name="Дата 3"/>
           <p:cNvSpPr>
             <a:spLocks noGrp="1"/>
           </p:cNvSpPr>
@@ -2681,11 +3176,21 @@
         <p:spPr/>
         <p:txBody>
           <a:bodyPr/>
-          <a:lstStyle/>
-          <a:p>
-            <a:fld id="{677DCE83-7644-40B3-AD6E-0DEA5E329225}" type="datetimeFigureOut">
-              <a:rPr lang="ru-RU" smtClean="0"/>
-              <a:t>23.09.2014</a:t>
+          <a:lstStyle>
+            <a:lvl1pPr>
+              <a:defRPr/>
+            </a:lvl1pPr>
+          </a:lstStyle>
+          <a:p>
+            <a:pPr>
+              <a:defRPr/>
+            </a:pPr>
+            <a:fld id="{2118F361-1DA3-41D4-B5E4-D368608213F4}" type="datetimeFigureOut">
+              <a:rPr lang="ru-RU"/>
+              <a:pPr>
+                <a:defRPr/>
+              </a:pPr>
+              <a:t>24.09.2014</a:t>
             </a:fld>
             <a:endParaRPr lang="ru-RU"/>
           </a:p>
@@ -2693,7 +3198,7 @@
       </p:sp>
       <p:sp>
         <p:nvSpPr>
-          <p:cNvPr id="3" name="Нижний колонтитул 2"/>
+          <p:cNvPr id="3" name="Нижний колонтитул 4"/>
           <p:cNvSpPr>
             <a:spLocks noGrp="1"/>
           </p:cNvSpPr>
@@ -2704,15 +3209,22 @@
         <p:spPr/>
         <p:txBody>
           <a:bodyPr/>
-          <a:lstStyle/>
-          <a:p>
+          <a:lstStyle>
+            <a:lvl1pPr>
+              <a:defRPr/>
+            </a:lvl1pPr>
+          </a:lstStyle>
+          <a:p>
+            <a:pPr>
+              <a:defRPr/>
+            </a:pPr>
             <a:endParaRPr lang="ru-RU"/>
           </a:p>
         </p:txBody>
       </p:sp>
       <p:sp>
         <p:nvSpPr>
-          <p:cNvPr id="4" name="Номер слайда 3"/>
+          <p:cNvPr id="4" name="Номер слайда 5"/>
           <p:cNvSpPr>
             <a:spLocks noGrp="1"/>
           </p:cNvSpPr>
@@ -2723,10 +3235,20 @@
         <p:spPr/>
         <p:txBody>
           <a:bodyPr/>
-          <a:lstStyle/>
-          <a:p>
-            <a:fld id="{93C83857-55B5-4596-A3A4-26742E255845}" type="slidenum">
-              <a:rPr lang="ru-RU" smtClean="0"/>
+          <a:lstStyle>
+            <a:lvl1pPr>
+              <a:defRPr/>
+            </a:lvl1pPr>
+          </a:lstStyle>
+          <a:p>
+            <a:pPr>
+              <a:defRPr/>
+            </a:pPr>
+            <a:fld id="{28BBA7ED-5183-4C60-B4CC-193E04B79DDF}" type="slidenum">
+              <a:rPr lang="ru-RU"/>
+              <a:pPr>
+                <a:defRPr/>
+              </a:pPr>
               <a:t>‹#›</a:t>
             </a:fld>
             <a:endParaRPr lang="ru-RU"/>
@@ -2942,7 +3464,7 @@
       </p:sp>
       <p:sp>
         <p:nvSpPr>
-          <p:cNvPr id="5" name="Дата 4"/>
+          <p:cNvPr id="5" name="Дата 3"/>
           <p:cNvSpPr>
             <a:spLocks noGrp="1"/>
           </p:cNvSpPr>
@@ -2953,11 +3475,21 @@
         <p:spPr/>
         <p:txBody>
           <a:bodyPr/>
-          <a:lstStyle/>
-          <a:p>
-            <a:fld id="{677DCE83-7644-40B3-AD6E-0DEA5E329225}" type="datetimeFigureOut">
-              <a:rPr lang="ru-RU" smtClean="0"/>
-              <a:t>23.09.2014</a:t>
+          <a:lstStyle>
+            <a:lvl1pPr>
+              <a:defRPr/>
+            </a:lvl1pPr>
+          </a:lstStyle>
+          <a:p>
+            <a:pPr>
+              <a:defRPr/>
+            </a:pPr>
+            <a:fld id="{E3C188B5-99E0-4B2E-8323-FC8CCB244994}" type="datetimeFigureOut">
+              <a:rPr lang="ru-RU"/>
+              <a:pPr>
+                <a:defRPr/>
+              </a:pPr>
+              <a:t>24.09.2014</a:t>
             </a:fld>
             <a:endParaRPr lang="ru-RU"/>
           </a:p>
@@ -2965,7 +3497,7 @@
       </p:sp>
       <p:sp>
         <p:nvSpPr>
-          <p:cNvPr id="6" name="Нижний колонтитул 5"/>
+          <p:cNvPr id="6" name="Нижний колонтитул 4"/>
           <p:cNvSpPr>
             <a:spLocks noGrp="1"/>
           </p:cNvSpPr>
@@ -2976,15 +3508,22 @@
         <p:spPr/>
         <p:txBody>
           <a:bodyPr/>
-          <a:lstStyle/>
-          <a:p>
+          <a:lstStyle>
+            <a:lvl1pPr>
+              <a:defRPr/>
+            </a:lvl1pPr>
+          </a:lstStyle>
+          <a:p>
+            <a:pPr>
+              <a:defRPr/>
+            </a:pPr>
             <a:endParaRPr lang="ru-RU"/>
           </a:p>
         </p:txBody>
       </p:sp>
       <p:sp>
         <p:nvSpPr>
-          <p:cNvPr id="7" name="Номер слайда 6"/>
+          <p:cNvPr id="7" name="Номер слайда 5"/>
           <p:cNvSpPr>
             <a:spLocks noGrp="1"/>
           </p:cNvSpPr>
@@ -2995,10 +3534,20 @@
         <p:spPr/>
         <p:txBody>
           <a:bodyPr/>
-          <a:lstStyle/>
-          <a:p>
-            <a:fld id="{93C83857-55B5-4596-A3A4-26742E255845}" type="slidenum">
-              <a:rPr lang="ru-RU" smtClean="0"/>
+          <a:lstStyle>
+            <a:lvl1pPr>
+              <a:defRPr/>
+            </a:lvl1pPr>
+          </a:lstStyle>
+          <a:p>
+            <a:pPr>
+              <a:defRPr/>
+            </a:pPr>
+            <a:fld id="{DEA6E1E4-0E44-40C8-A906-4DFCE446C397}" type="slidenum">
+              <a:rPr lang="ru-RU"/>
+              <a:pPr>
+                <a:defRPr/>
+              </a:pPr>
               <a:t>‹#›</a:t>
             </a:fld>
             <a:endParaRPr lang="ru-RU"/>
@@ -3079,7 +3628,9 @@
           </a:xfrm>
         </p:spPr>
         <p:txBody>
-          <a:bodyPr/>
+          <a:bodyPr rtlCol="0">
+            <a:normAutofit/>
+          </a:bodyPr>
           <a:lstStyle>
             <a:lvl1pPr marL="0" indent="0">
               <a:buNone/>
@@ -3119,7 +3670,8 @@
             </a:lvl9pPr>
           </a:lstStyle>
           <a:p>
-            <a:endParaRPr lang="ru-RU"/>
+            <a:pPr lvl="0"/>
+            <a:endParaRPr lang="ru-RU" noProof="0" smtClean="0"/>
           </a:p>
         </p:txBody>
       </p:sp>
@@ -3190,7 +3742,7 @@
       </p:sp>
       <p:sp>
         <p:nvSpPr>
-          <p:cNvPr id="5" name="Дата 4"/>
+          <p:cNvPr id="5" name="Дата 3"/>
           <p:cNvSpPr>
             <a:spLocks noGrp="1"/>
           </p:cNvSpPr>
@@ -3201,11 +3753,21 @@
         <p:spPr/>
         <p:txBody>
           <a:bodyPr/>
-          <a:lstStyle/>
-          <a:p>
-            <a:fld id="{677DCE83-7644-40B3-AD6E-0DEA5E329225}" type="datetimeFigureOut">
-              <a:rPr lang="ru-RU" smtClean="0"/>
-              <a:t>23.09.2014</a:t>
+          <a:lstStyle>
+            <a:lvl1pPr>
+              <a:defRPr/>
+            </a:lvl1pPr>
+          </a:lstStyle>
+          <a:p>
+            <a:pPr>
+              <a:defRPr/>
+            </a:pPr>
+            <a:fld id="{20EB196C-CE98-4D86-A646-49509EAA70C9}" type="datetimeFigureOut">
+              <a:rPr lang="ru-RU"/>
+              <a:pPr>
+                <a:defRPr/>
+              </a:pPr>
+              <a:t>24.09.2014</a:t>
             </a:fld>
             <a:endParaRPr lang="ru-RU"/>
           </a:p>
@@ -3213,7 +3775,7 @@
       </p:sp>
       <p:sp>
         <p:nvSpPr>
-          <p:cNvPr id="6" name="Нижний колонтитул 5"/>
+          <p:cNvPr id="6" name="Нижний колонтитул 4"/>
           <p:cNvSpPr>
             <a:spLocks noGrp="1"/>
           </p:cNvSpPr>
@@ -3224,15 +3786,22 @@
         <p:spPr/>
         <p:txBody>
           <a:bodyPr/>
-          <a:lstStyle/>
-          <a:p>
+          <a:lstStyle>
+            <a:lvl1pPr>
+              <a:defRPr/>
+            </a:lvl1pPr>
+          </a:lstStyle>
+          <a:p>
+            <a:pPr>
+              <a:defRPr/>
+            </a:pPr>
             <a:endParaRPr lang="ru-RU"/>
           </a:p>
         </p:txBody>
       </p:sp>
       <p:sp>
         <p:nvSpPr>
-          <p:cNvPr id="7" name="Номер слайда 6"/>
+          <p:cNvPr id="7" name="Номер слайда 5"/>
           <p:cNvSpPr>
             <a:spLocks noGrp="1"/>
           </p:cNvSpPr>
@@ -3243,10 +3812,20 @@
         <p:spPr/>
         <p:txBody>
           <a:bodyPr/>
-          <a:lstStyle/>
-          <a:p>
-            <a:fld id="{93C83857-55B5-4596-A3A4-26742E255845}" type="slidenum">
-              <a:rPr lang="ru-RU" smtClean="0"/>
+          <a:lstStyle>
+            <a:lvl1pPr>
+              <a:defRPr/>
+            </a:lvl1pPr>
+          </a:lstStyle>
+          <a:p>
+            <a:pPr>
+              <a:defRPr/>
+            </a:pPr>
+            <a:fld id="{A969E156-AB4C-4F62-8007-7328EF853C66}" type="slidenum">
+              <a:rPr lang="ru-RU"/>
+              <a:pPr>
+                <a:defRPr/>
+              </a:pPr>
               <a:t>‹#›</a:t>
             </a:fld>
             <a:endParaRPr lang="ru-RU"/>
@@ -3290,7 +3869,7 @@
       </p:grpSpPr>
       <p:sp>
         <p:nvSpPr>
-          <p:cNvPr id="2" name="Заголовок 1"/>
+          <p:cNvPr id="1026" name="Заголовок 1"/>
           <p:cNvSpPr>
             <a:spLocks noGrp="1"/>
           </p:cNvSpPr>
@@ -3298,105 +3877,177 @@
             <p:ph type="title"/>
           </p:nvPr>
         </p:nvSpPr>
-        <p:spPr>
+        <p:spPr bwMode="auto">
           <a:xfrm>
-            <a:off x="457200" y="274635"/>
+            <a:off x="457200" y="274638"/>
             <a:ext cx="8229600" cy="1143000"/>
           </a:xfrm>
           <a:prstGeom prst="rect">
             <a:avLst/>
           </a:prstGeom>
+          <a:noFill/>
+          <a:ln w="9525">
+            <a:noFill/>
+            <a:miter lim="800000"/>
+            <a:headEnd/>
+            <a:tailEnd/>
+          </a:ln>
         </p:spPr>
         <p:txBody>
-          <a:bodyPr vert="horz" lIns="91422" tIns="45711" rIns="91422" bIns="45711" rtlCol="0" anchor="ctr">
-            <a:normAutofit/>
+          <a:bodyPr vert="horz" wrap="square" lIns="91422" tIns="45711" rIns="91422" bIns="45711" numCol="1" anchor="ctr" anchorCtr="0" compatLnSpc="1">
+            <a:prstTxWarp prst="textNoShape">
+              <a:avLst/>
+            </a:prstTxWarp>
           </a:bodyPr>
           <a:lstStyle/>
           <a:p>
+            <a:pPr lvl="0"/>
             <a:r>
               <a:rPr lang="ru-RU" smtClean="0"/>
               <a:t>Образец заголовка</a:t>
             </a:r>
-            <a:endParaRPr lang="ru-RU"/>
-          </a:p>
-        </p:txBody>
-      </p:sp>
-      <p:sp>
-        <p:nvSpPr>
-          <p:cNvPr id="3" name="Текст 2"/>
+          </a:p>
+        </p:txBody>
+      </p:sp>
+      <p:sp>
+        <p:nvSpPr>
+          <p:cNvPr id="1027" name="Текст 2"/>
           <p:cNvSpPr>
             <a:spLocks noGrp="1"/>
           </p:cNvSpPr>
           <p:nvPr>
             <p:ph type="body" idx="1"/>
+          </p:nvPr>
+        </p:nvSpPr>
+        <p:spPr bwMode="auto">
+          <a:xfrm>
+            <a:off x="457200" y="1600200"/>
+            <a:ext cx="8229600" cy="4525963"/>
+          </a:xfrm>
+          <a:prstGeom prst="rect">
+            <a:avLst/>
+          </a:prstGeom>
+          <a:noFill/>
+          <a:ln w="9525">
+            <a:noFill/>
+            <a:miter lim="800000"/>
+            <a:headEnd/>
+            <a:tailEnd/>
+          </a:ln>
+        </p:spPr>
+        <p:txBody>
+          <a:bodyPr vert="horz" wrap="square" lIns="91422" tIns="45711" rIns="91422" bIns="45711" numCol="1" anchor="t" anchorCtr="0" compatLnSpc="1">
+            <a:prstTxWarp prst="textNoShape">
+              <a:avLst/>
+            </a:prstTxWarp>
+          </a:bodyPr>
+          <a:lstStyle/>
+          <a:p>
+            <a:pPr lvl="0"/>
+            <a:r>
+              <a:rPr lang="ru-RU" smtClean="0"/>
+              <a:t>Образец текста</a:t>
+            </a:r>
+          </a:p>
+          <a:p>
+            <a:pPr lvl="1"/>
+            <a:r>
+              <a:rPr lang="ru-RU" smtClean="0"/>
+              <a:t>Второй уровень</a:t>
+            </a:r>
+          </a:p>
+          <a:p>
+            <a:pPr lvl="2"/>
+            <a:r>
+              <a:rPr lang="ru-RU" smtClean="0"/>
+              <a:t>Третий уровень</a:t>
+            </a:r>
+          </a:p>
+          <a:p>
+            <a:pPr lvl="3"/>
+            <a:r>
+              <a:rPr lang="ru-RU" smtClean="0"/>
+              <a:t>Четвертый уровень</a:t>
+            </a:r>
+          </a:p>
+          <a:p>
+            <a:pPr lvl="4"/>
+            <a:r>
+              <a:rPr lang="ru-RU" smtClean="0"/>
+              <a:t>Пятый уровень</a:t>
+            </a:r>
+          </a:p>
+        </p:txBody>
+      </p:sp>
+      <p:sp>
+        <p:nvSpPr>
+          <p:cNvPr id="4" name="Дата 3"/>
+          <p:cNvSpPr>
+            <a:spLocks noGrp="1"/>
+          </p:cNvSpPr>
+          <p:nvPr>
+            <p:ph type="dt" sz="half" idx="2"/>
           </p:nvPr>
         </p:nvSpPr>
         <p:spPr>
           <a:xfrm>
-            <a:off x="457200" y="1600200"/>
-            <a:ext cx="8229600" cy="4525965"/>
+            <a:off x="457200" y="6356350"/>
+            <a:ext cx="2133600" cy="365125"/>
           </a:xfrm>
           <a:prstGeom prst="rect">
             <a:avLst/>
           </a:prstGeom>
         </p:spPr>
         <p:txBody>
-          <a:bodyPr vert="horz" lIns="91422" tIns="45711" rIns="91422" bIns="45711" rtlCol="0">
-            <a:normAutofit/>
-          </a:bodyPr>
-          <a:lstStyle/>
-          <a:p>
-            <a:pPr lvl="0"/>
-            <a:r>
-              <a:rPr lang="ru-RU" smtClean="0"/>
-              <a:t>Образец текста</a:t>
-            </a:r>
-          </a:p>
-          <a:p>
-            <a:pPr lvl="1"/>
-            <a:r>
-              <a:rPr lang="ru-RU" smtClean="0"/>
-              <a:t>Второй уровень</a:t>
-            </a:r>
-          </a:p>
-          <a:p>
-            <a:pPr lvl="2"/>
-            <a:r>
-              <a:rPr lang="ru-RU" smtClean="0"/>
-              <a:t>Третий уровень</a:t>
-            </a:r>
-          </a:p>
-          <a:p>
-            <a:pPr lvl="3"/>
-            <a:r>
-              <a:rPr lang="ru-RU" smtClean="0"/>
-              <a:t>Четвертый уровень</a:t>
-            </a:r>
-          </a:p>
-          <a:p>
-            <a:pPr lvl="4"/>
-            <a:r>
-              <a:rPr lang="ru-RU" smtClean="0"/>
-              <a:t>Пятый уровень</a:t>
-            </a:r>
+          <a:bodyPr vert="horz" lIns="91422" tIns="45711" rIns="91422" bIns="45711" rtlCol="0" anchor="ctr"/>
+          <a:lstStyle>
+            <a:lvl1pPr algn="l" defTabSz="914226" fontAlgn="auto">
+              <a:spcBef>
+                <a:spcPts val="0"/>
+              </a:spcBef>
+              <a:spcAft>
+                <a:spcPts val="0"/>
+              </a:spcAft>
+              <a:defRPr sz="1200" smtClean="0">
+                <a:solidFill>
+                  <a:schemeClr val="tx1">
+                    <a:tint val="75000"/>
+                  </a:schemeClr>
+                </a:solidFill>
+                <a:latin typeface="+mn-lt"/>
+                <a:cs typeface="+mn-cs"/>
+              </a:defRPr>
+            </a:lvl1pPr>
+          </a:lstStyle>
+          <a:p>
+            <a:pPr>
+              <a:defRPr/>
+            </a:pPr>
+            <a:fld id="{98AC458E-0063-469A-B851-796246112574}" type="datetimeFigureOut">
+              <a:rPr lang="ru-RU"/>
+              <a:pPr>
+                <a:defRPr/>
+              </a:pPr>
+              <a:t>24.09.2014</a:t>
+            </a:fld>
             <a:endParaRPr lang="ru-RU"/>
           </a:p>
         </p:txBody>
       </p:sp>
       <p:sp>
         <p:nvSpPr>
-          <p:cNvPr id="4" name="Дата 3"/>
-          <p:cNvSpPr>
-            <a:spLocks noGrp="1"/>
-          </p:cNvSpPr>
-          <p:nvPr>
-            <p:ph type="dt" sz="half" idx="2"/>
+          <p:cNvPr id="5" name="Нижний колонтитул 4"/>
+          <p:cNvSpPr>
+            <a:spLocks noGrp="1"/>
+          </p:cNvSpPr>
+          <p:nvPr>
+            <p:ph type="ftr" sz="quarter" idx="3"/>
           </p:nvPr>
         </p:nvSpPr>
         <p:spPr>
           <a:xfrm>
-            <a:off x="457200" y="6356359"/>
-            <a:ext cx="2133600" cy="365123"/>
+            <a:off x="3124200" y="6356350"/>
+            <a:ext cx="2895600" cy="365125"/>
           </a:xfrm>
           <a:prstGeom prst="rect">
             <a:avLst/>
@@ -3405,39 +4056,46 @@
         <p:txBody>
           <a:bodyPr vert="horz" lIns="91422" tIns="45711" rIns="91422" bIns="45711" rtlCol="0" anchor="ctr"/>
           <a:lstStyle>
-            <a:lvl1pPr algn="l">
-              <a:defRPr sz="1200">
+            <a:lvl1pPr algn="ctr" defTabSz="914226" fontAlgn="auto">
+              <a:spcBef>
+                <a:spcPts val="0"/>
+              </a:spcBef>
+              <a:spcAft>
+                <a:spcPts val="0"/>
+              </a:spcAft>
+              <a:defRPr sz="1200" smtClean="0">
                 <a:solidFill>
                   <a:schemeClr val="tx1">
                     <a:tint val="75000"/>
                   </a:schemeClr>
                 </a:solidFill>
+                <a:latin typeface="+mn-lt"/>
+                <a:cs typeface="+mn-cs"/>
               </a:defRPr>
             </a:lvl1pPr>
           </a:lstStyle>
           <a:p>
-            <a:fld id="{677DCE83-7644-40B3-AD6E-0DEA5E329225}" type="datetimeFigureOut">
-              <a:rPr lang="ru-RU" smtClean="0"/>
-              <a:t>23.09.2014</a:t>
-            </a:fld>
+            <a:pPr>
+              <a:defRPr/>
+            </a:pPr>
             <a:endParaRPr lang="ru-RU"/>
           </a:p>
         </p:txBody>
       </p:sp>
       <p:sp>
         <p:nvSpPr>
-          <p:cNvPr id="5" name="Нижний колонтитул 4"/>
-          <p:cNvSpPr>
-            <a:spLocks noGrp="1"/>
-          </p:cNvSpPr>
-          <p:nvPr>
-            <p:ph type="ftr" sz="quarter" idx="3"/>
+          <p:cNvPr id="6" name="Номер слайда 5"/>
+          <p:cNvSpPr>
+            <a:spLocks noGrp="1"/>
+          </p:cNvSpPr>
+          <p:nvPr>
+            <p:ph type="sldNum" sz="quarter" idx="4"/>
           </p:nvPr>
         </p:nvSpPr>
         <p:spPr>
           <a:xfrm>
-            <a:off x="3124200" y="6356359"/>
-            <a:ext cx="2895600" cy="365123"/>
+            <a:off x="6553200" y="6356350"/>
+            <a:ext cx="2133600" cy="365125"/>
           </a:xfrm>
           <a:prstGeom prst="rect">
             <a:avLst/>
@@ -3446,56 +4104,33 @@
         <p:txBody>
           <a:bodyPr vert="horz" lIns="91422" tIns="45711" rIns="91422" bIns="45711" rtlCol="0" anchor="ctr"/>
           <a:lstStyle>
-            <a:lvl1pPr algn="ctr">
-              <a:defRPr sz="1200">
+            <a:lvl1pPr algn="r" defTabSz="914226" fontAlgn="auto">
+              <a:spcBef>
+                <a:spcPts val="0"/>
+              </a:spcBef>
+              <a:spcAft>
+                <a:spcPts val="0"/>
+              </a:spcAft>
+              <a:defRPr sz="1200" smtClean="0">
                 <a:solidFill>
                   <a:schemeClr val="tx1">
                     <a:tint val="75000"/>
                   </a:schemeClr>
                 </a:solidFill>
+                <a:latin typeface="+mn-lt"/>
+                <a:cs typeface="+mn-cs"/>
               </a:defRPr>
             </a:lvl1pPr>
           </a:lstStyle>
           <a:p>
-            <a:endParaRPr lang="ru-RU"/>
-          </a:p>
-        </p:txBody>
-      </p:sp>
-      <p:sp>
-        <p:nvSpPr>
-          <p:cNvPr id="6" name="Номер слайда 5"/>
-          <p:cNvSpPr>
-            <a:spLocks noGrp="1"/>
-          </p:cNvSpPr>
-          <p:nvPr>
-            <p:ph type="sldNum" sz="quarter" idx="4"/>
-          </p:nvPr>
-        </p:nvSpPr>
-        <p:spPr>
-          <a:xfrm>
-            <a:off x="6553200" y="6356359"/>
-            <a:ext cx="2133600" cy="365123"/>
-          </a:xfrm>
-          <a:prstGeom prst="rect">
-            <a:avLst/>
-          </a:prstGeom>
-        </p:spPr>
-        <p:txBody>
-          <a:bodyPr vert="horz" lIns="91422" tIns="45711" rIns="91422" bIns="45711" rtlCol="0" anchor="ctr"/>
-          <a:lstStyle>
-            <a:lvl1pPr algn="r">
-              <a:defRPr sz="1200">
-                <a:solidFill>
-                  <a:schemeClr val="tx1">
-                    <a:tint val="75000"/>
-                  </a:schemeClr>
-                </a:solidFill>
-              </a:defRPr>
-            </a:lvl1pPr>
-          </a:lstStyle>
-          <a:p>
-            <a:fld id="{93C83857-55B5-4596-A3A4-26742E255845}" type="slidenum">
-              <a:rPr lang="ru-RU" smtClean="0"/>
+            <a:pPr>
+              <a:defRPr/>
+            </a:pPr>
+            <a:fld id="{505861CB-5C5F-48F0-8541-600F10D51EDD}" type="slidenum">
+              <a:rPr lang="ru-RU"/>
+              <a:pPr>
+                <a:defRPr/>
+              </a:pPr>
               <a:t>‹#›</a:t>
             </a:fld>
             <a:endParaRPr lang="ru-RU"/>
@@ -3520,11 +4155,13 @@
   </p:sldLayoutIdLst>
   <p:txStyles>
     <p:titleStyle>
-      <a:lvl1pPr algn="ctr" defTabSz="914226" rtl="0" eaLnBrk="1" latinLnBrk="0" hangingPunct="1">
+      <a:lvl1pPr algn="ctr" defTabSz="912813" rtl="0" fontAlgn="base">
         <a:spcBef>
           <a:spcPct val="0"/>
         </a:spcBef>
-        <a:buNone/>
+        <a:spcAft>
+          <a:spcPct val="0"/>
+        </a:spcAft>
         <a:defRPr sz="4500" kern="1200">
           <a:solidFill>
             <a:schemeClr val="tx1"/>
@@ -3534,13 +4171,128 @@
           <a:cs typeface="+mj-cs"/>
         </a:defRPr>
       </a:lvl1pPr>
+      <a:lvl2pPr algn="ctr" defTabSz="912813" rtl="0" fontAlgn="base">
+        <a:spcBef>
+          <a:spcPct val="0"/>
+        </a:spcBef>
+        <a:spcAft>
+          <a:spcPct val="0"/>
+        </a:spcAft>
+        <a:defRPr sz="4500">
+          <a:solidFill>
+            <a:schemeClr val="tx1"/>
+          </a:solidFill>
+          <a:latin typeface="Calibri" pitchFamily="34" charset="0"/>
+        </a:defRPr>
+      </a:lvl2pPr>
+      <a:lvl3pPr algn="ctr" defTabSz="912813" rtl="0" fontAlgn="base">
+        <a:spcBef>
+          <a:spcPct val="0"/>
+        </a:spcBef>
+        <a:spcAft>
+          <a:spcPct val="0"/>
+        </a:spcAft>
+        <a:defRPr sz="4500">
+          <a:solidFill>
+            <a:schemeClr val="tx1"/>
+          </a:solidFill>
+          <a:latin typeface="Calibri" pitchFamily="34" charset="0"/>
+        </a:defRPr>
+      </a:lvl3pPr>
+      <a:lvl4pPr algn="ctr" defTabSz="912813" rtl="0" fontAlgn="base">
+        <a:spcBef>
+          <a:spcPct val="0"/>
+        </a:spcBef>
+        <a:spcAft>
+          <a:spcPct val="0"/>
+        </a:spcAft>
+        <a:defRPr sz="4500">
+          <a:solidFill>
+            <a:schemeClr val="tx1"/>
+          </a:solidFill>
+          <a:latin typeface="Calibri" pitchFamily="34" charset="0"/>
+        </a:defRPr>
+      </a:lvl4pPr>
+      <a:lvl5pPr algn="ctr" defTabSz="912813" rtl="0" fontAlgn="base">
+        <a:spcBef>
+          <a:spcPct val="0"/>
+        </a:spcBef>
+        <a:spcAft>
+          <a:spcPct val="0"/>
+        </a:spcAft>
+        <a:defRPr sz="4500">
+          <a:solidFill>
+            <a:schemeClr val="tx1"/>
+          </a:solidFill>
+          <a:latin typeface="Calibri" pitchFamily="34" charset="0"/>
+        </a:defRPr>
+      </a:lvl5pPr>
+      <a:lvl6pPr marL="457200" algn="ctr" defTabSz="912813" rtl="0" fontAlgn="base">
+        <a:spcBef>
+          <a:spcPct val="0"/>
+        </a:spcBef>
+        <a:spcAft>
+          <a:spcPct val="0"/>
+        </a:spcAft>
+        <a:defRPr sz="4500">
+          <a:solidFill>
+            <a:schemeClr val="tx1"/>
+          </a:solidFill>
+          <a:latin typeface="Calibri" pitchFamily="34" charset="0"/>
+        </a:defRPr>
+      </a:lvl6pPr>
+      <a:lvl7pPr marL="914400" algn="ctr" defTabSz="912813" rtl="0" fontAlgn="base">
+        <a:spcBef>
+          <a:spcPct val="0"/>
+        </a:spcBef>
+        <a:spcAft>
+          <a:spcPct val="0"/>
+        </a:spcAft>
+        <a:defRPr sz="4500">
+          <a:solidFill>
+            <a:schemeClr val="tx1"/>
+          </a:solidFill>
+          <a:latin typeface="Calibri" pitchFamily="34" charset="0"/>
+        </a:defRPr>
+      </a:lvl7pPr>
+      <a:lvl8pPr marL="1371600" algn="ctr" defTabSz="912813" rtl="0" fontAlgn="base">
+        <a:spcBef>
+          <a:spcPct val="0"/>
+        </a:spcBef>
+        <a:spcAft>
+          <a:spcPct val="0"/>
+        </a:spcAft>
+        <a:defRPr sz="4500">
+          <a:solidFill>
+            <a:schemeClr val="tx1"/>
+          </a:solidFill>
+          <a:latin typeface="Calibri" pitchFamily="34" charset="0"/>
+        </a:defRPr>
+      </a:lvl8pPr>
+      <a:lvl9pPr marL="1828800" algn="ctr" defTabSz="912813" rtl="0" fontAlgn="base">
+        <a:spcBef>
+          <a:spcPct val="0"/>
+        </a:spcBef>
+        <a:spcAft>
+          <a:spcPct val="0"/>
+        </a:spcAft>
+        <a:defRPr sz="4500">
+          <a:solidFill>
+            <a:schemeClr val="tx1"/>
+          </a:solidFill>
+          <a:latin typeface="Calibri" pitchFamily="34" charset="0"/>
+        </a:defRPr>
+      </a:lvl9pPr>
     </p:titleStyle>
     <p:bodyStyle>
-      <a:lvl1pPr marL="342835" indent="-342835" algn="l" defTabSz="914226" rtl="0" eaLnBrk="1" latinLnBrk="0" hangingPunct="1">
+      <a:lvl1pPr marL="341313" indent="-341313" algn="l" defTabSz="912813" rtl="0" fontAlgn="base">
         <a:spcBef>
           <a:spcPct val="20000"/>
         </a:spcBef>
-        <a:buFont typeface="Arial" pitchFamily="34" charset="0"/>
+        <a:spcAft>
+          <a:spcPct val="0"/>
+        </a:spcAft>
+        <a:buFont typeface="Arial" charset="0"/>
         <a:buChar char="•"/>
         <a:defRPr sz="3100" kern="1200">
           <a:solidFill>
@@ -3551,11 +4303,14 @@
           <a:cs typeface="+mn-cs"/>
         </a:defRPr>
       </a:lvl1pPr>
-      <a:lvl2pPr marL="742809" indent="-285697" algn="l" defTabSz="914226" rtl="0" eaLnBrk="1" latinLnBrk="0" hangingPunct="1">
+      <a:lvl2pPr marL="741363" indent="-284163" algn="l" defTabSz="912813" rtl="0" fontAlgn="base">
         <a:spcBef>
           <a:spcPct val="20000"/>
         </a:spcBef>
-        <a:buFont typeface="Arial" pitchFamily="34" charset="0"/>
+        <a:spcAft>
+          <a:spcPct val="0"/>
+        </a:spcAft>
+        <a:buFont typeface="Arial" charset="0"/>
         <a:buChar char="–"/>
         <a:defRPr sz="2700" kern="1200">
           <a:solidFill>
@@ -3566,11 +4321,14 @@
           <a:cs typeface="+mn-cs"/>
         </a:defRPr>
       </a:lvl2pPr>
-      <a:lvl3pPr marL="1142784" indent="-228556" algn="l" defTabSz="914226" rtl="0" eaLnBrk="1" latinLnBrk="0" hangingPunct="1">
+      <a:lvl3pPr marL="1141413" indent="-227013" algn="l" defTabSz="912813" rtl="0" fontAlgn="base">
         <a:spcBef>
           <a:spcPct val="20000"/>
         </a:spcBef>
-        <a:buFont typeface="Arial" pitchFamily="34" charset="0"/>
+        <a:spcAft>
+          <a:spcPct val="0"/>
+        </a:spcAft>
+        <a:buFont typeface="Arial" charset="0"/>
         <a:buChar char="•"/>
         <a:defRPr sz="2300" kern="1200">
           <a:solidFill>
@@ -3581,11 +4339,14 @@
           <a:cs typeface="+mn-cs"/>
         </a:defRPr>
       </a:lvl3pPr>
-      <a:lvl4pPr marL="1599897" indent="-228556" algn="l" defTabSz="914226" rtl="0" eaLnBrk="1" latinLnBrk="0" hangingPunct="1">
+      <a:lvl4pPr marL="1598613" indent="-227013" algn="l" defTabSz="912813" rtl="0" fontAlgn="base">
         <a:spcBef>
           <a:spcPct val="20000"/>
         </a:spcBef>
-        <a:buFont typeface="Arial" pitchFamily="34" charset="0"/>
+        <a:spcAft>
+          <a:spcPct val="0"/>
+        </a:spcAft>
+        <a:buFont typeface="Arial" charset="0"/>
         <a:buChar char="–"/>
         <a:defRPr sz="1900" kern="1200">
           <a:solidFill>
@@ -3596,11 +4357,14 @@
           <a:cs typeface="+mn-cs"/>
         </a:defRPr>
       </a:lvl4pPr>
-      <a:lvl5pPr marL="2057010" indent="-228556" algn="l" defTabSz="914226" rtl="0" eaLnBrk="1" latinLnBrk="0" hangingPunct="1">
+      <a:lvl5pPr marL="2055813" indent="-227013" algn="l" defTabSz="912813" rtl="0" fontAlgn="base">
         <a:spcBef>
           <a:spcPct val="20000"/>
         </a:spcBef>
-        <a:buFont typeface="Arial" pitchFamily="34" charset="0"/>
+        <a:spcAft>
+          <a:spcPct val="0"/>
+        </a:spcAft>
+        <a:buFont typeface="Arial" charset="0"/>
         <a:buChar char="»"/>
         <a:defRPr sz="1900" kern="1200">
           <a:solidFill>
@@ -3798,7 +4562,7 @@
       </p:grpSpPr>
       <p:pic>
         <p:nvPicPr>
-          <p:cNvPr id="1026" name="Picture 2"/>
+          <p:cNvPr id="2050" name="Picture 2"/>
           <p:cNvPicPr>
             <a:picLocks noChangeAspect="1" noChangeArrowheads="1"/>
           </p:cNvPicPr>
@@ -3813,8 +4577,8 @@
         </p:blipFill>
         <p:spPr bwMode="auto">
           <a:xfrm>
-            <a:off x="32" y="214290"/>
-            <a:ext cx="9143968" cy="6462690"/>
+            <a:off x="0" y="214313"/>
+            <a:ext cx="9144000" cy="6462712"/>
           </a:xfrm>
           <a:prstGeom prst="rect">
             <a:avLst/>
@@ -3826,7 +4590,6 @@
             <a:headEnd/>
             <a:tailEnd/>
           </a:ln>
-          <a:effectLst/>
         </p:spPr>
       </p:pic>
     </p:spTree>
@@ -3863,7 +4626,7 @@
       </p:grpSpPr>
       <p:sp>
         <p:nvSpPr>
-          <p:cNvPr id="5" name="Заголовок 4"/>
+          <p:cNvPr id="11266" name="Заголовок 4"/>
           <p:cNvSpPr>
             <a:spLocks noGrp="1"/>
           </p:cNvSpPr>
@@ -3873,65 +4636,123 @@
         </p:nvSpPr>
         <p:spPr/>
         <p:txBody>
-          <a:bodyPr>
-            <a:normAutofit/>
-          </a:bodyPr>
+          <a:bodyPr/>
           <a:lstStyle/>
           <a:p>
             <a:pPr algn="l"/>
             <a:r>
-              <a:rPr lang="ru-RU" b="1" dirty="0" smtClean="0">
+              <a:rPr lang="ru-RU" b="1" smtClean="0">
                 <a:solidFill>
                   <a:srgbClr val="005689"/>
                 </a:solidFill>
               </a:rPr>
               <a:t>Выбрать инструменты</a:t>
             </a:r>
-            <a:endParaRPr lang="ru-RU" b="1" dirty="0">
+          </a:p>
+        </p:txBody>
+      </p:sp>
+      <p:sp>
+        <p:nvSpPr>
+          <p:cNvPr id="11267" name="Содержимое 5"/>
+          <p:cNvSpPr>
+            <a:spLocks noGrp="1"/>
+          </p:cNvSpPr>
+          <p:nvPr>
+            <p:ph idx="1"/>
+          </p:nvPr>
+        </p:nvSpPr>
+        <p:spPr/>
+        <p:txBody>
+          <a:bodyPr/>
+          <a:lstStyle/>
+          <a:p>
+            <a:pPr marL="514350" indent="-514350">
+              <a:buClr>
+                <a:srgbClr val="EC4024"/>
+              </a:buClr>
+              <a:buFont typeface="Calibri" pitchFamily="34" charset="0"/>
+              <a:buAutoNum type="arabicPeriod"/>
+            </a:pPr>
+            <a:r>
+              <a:rPr lang="ru-RU" b="1" smtClean="0">
+                <a:solidFill>
+                  <a:srgbClr val="005689"/>
+                </a:solidFill>
+              </a:rPr>
+              <a:t>Медийная реклама</a:t>
+            </a:r>
+          </a:p>
+          <a:p>
+            <a:pPr marL="514350" indent="-514350">
+              <a:buClr>
+                <a:srgbClr val="EC4024"/>
+              </a:buClr>
+              <a:buFont typeface="Calibri" pitchFamily="34" charset="0"/>
+              <a:buAutoNum type="arabicPeriod"/>
+            </a:pPr>
+            <a:r>
+              <a:rPr lang="ru-RU" b="1" smtClean="0">
+                <a:solidFill>
+                  <a:srgbClr val="005689"/>
+                </a:solidFill>
+              </a:rPr>
+              <a:t>Контекстная реклама</a:t>
+            </a:r>
+          </a:p>
+          <a:p>
+            <a:pPr marL="514350" indent="-514350">
+              <a:buClr>
+                <a:srgbClr val="EC4024"/>
+              </a:buClr>
+              <a:buFont typeface="Calibri" pitchFamily="34" charset="0"/>
+              <a:buAutoNum type="arabicPeriod"/>
+            </a:pPr>
+            <a:r>
+              <a:rPr lang="en-US" b="1" smtClean="0">
+                <a:solidFill>
+                  <a:srgbClr val="005689"/>
+                </a:solidFill>
+              </a:rPr>
+              <a:t>SEO</a:t>
+            </a:r>
+          </a:p>
+          <a:p>
+            <a:pPr marL="514350" indent="-514350">
+              <a:buClr>
+                <a:srgbClr val="EC4024"/>
+              </a:buClr>
+              <a:buFont typeface="Calibri" pitchFamily="34" charset="0"/>
+              <a:buAutoNum type="arabicPeriod"/>
+            </a:pPr>
+            <a:r>
+              <a:rPr lang="en-US" b="1" smtClean="0">
+                <a:solidFill>
+                  <a:srgbClr val="005689"/>
+                </a:solidFill>
+              </a:rPr>
+              <a:t>SMM</a:t>
+            </a:r>
+            <a:endParaRPr lang="ru-RU" b="1" smtClean="0">
               <a:solidFill>
                 <a:srgbClr val="005689"/>
               </a:solidFill>
             </a:endParaRPr>
           </a:p>
-        </p:txBody>
-      </p:sp>
-      <p:sp>
-        <p:nvSpPr>
-          <p:cNvPr id="6" name="Содержимое 5"/>
-          <p:cNvSpPr>
-            <a:spLocks noGrp="1"/>
-          </p:cNvSpPr>
-          <p:nvPr>
-            <p:ph idx="1"/>
-          </p:nvPr>
-        </p:nvSpPr>
-        <p:spPr/>
-        <p:txBody>
-          <a:bodyPr/>
-          <a:lstStyle/>
           <a:p>
             <a:pPr marL="514350" indent="-514350">
               <a:buClr>
                 <a:srgbClr val="EC4024"/>
               </a:buClr>
-              <a:buFont typeface="+mj-lt"/>
+              <a:buFont typeface="Calibri" pitchFamily="34" charset="0"/>
               <a:buAutoNum type="arabicPeriod"/>
             </a:pPr>
             <a:r>
-              <a:rPr lang="ru-RU" b="1" dirty="0" err="1" smtClean="0">
-                <a:solidFill>
-                  <a:srgbClr val="005689"/>
-                </a:solidFill>
-              </a:rPr>
-              <a:t>Медийная</a:t>
-            </a:r>
-            <a:r>
-              <a:rPr lang="ru-RU" b="1" dirty="0" smtClean="0">
-                <a:solidFill>
-                  <a:srgbClr val="005689"/>
-                </a:solidFill>
-              </a:rPr>
-              <a:t> реклама</a:t>
+              <a:rPr lang="ru-RU" b="1" smtClean="0">
+                <a:solidFill>
+                  <a:srgbClr val="005689"/>
+                </a:solidFill>
+              </a:rPr>
+              <a:t>Агенты влияния</a:t>
             </a:r>
           </a:p>
           <a:p>
@@ -3939,16 +4760,16 @@
               <a:buClr>
                 <a:srgbClr val="EC4024"/>
               </a:buClr>
-              <a:buFont typeface="+mj-lt"/>
+              <a:buFont typeface="Calibri" pitchFamily="34" charset="0"/>
               <a:buAutoNum type="arabicPeriod"/>
             </a:pPr>
             <a:r>
-              <a:rPr lang="ru-RU" b="1" dirty="0" smtClean="0">
-                <a:solidFill>
-                  <a:srgbClr val="005689"/>
-                </a:solidFill>
-              </a:rPr>
-              <a:t>Контекстная реклама</a:t>
+              <a:rPr lang="ru-RU" b="1" smtClean="0">
+                <a:solidFill>
+                  <a:srgbClr val="005689"/>
+                </a:solidFill>
+              </a:rPr>
+              <a:t>Спецпроекты</a:t>
             </a:r>
           </a:p>
           <a:p>
@@ -3956,83 +4777,10 @@
               <a:buClr>
                 <a:srgbClr val="EC4024"/>
               </a:buClr>
-              <a:buFont typeface="+mj-lt"/>
+              <a:buFont typeface="Calibri" pitchFamily="34" charset="0"/>
               <a:buAutoNum type="arabicPeriod"/>
             </a:pPr>
-            <a:r>
-              <a:rPr lang="en-US" b="1" dirty="0" smtClean="0">
-                <a:solidFill>
-                  <a:srgbClr val="005689"/>
-                </a:solidFill>
-              </a:rPr>
-              <a:t>SEO</a:t>
-            </a:r>
-          </a:p>
-          <a:p>
-            <a:pPr marL="514350" indent="-514350">
-              <a:buClr>
-                <a:srgbClr val="EC4024"/>
-              </a:buClr>
-              <a:buFont typeface="+mj-lt"/>
-              <a:buAutoNum type="arabicPeriod"/>
-            </a:pPr>
-            <a:r>
-              <a:rPr lang="en-US" b="1" dirty="0" smtClean="0">
-                <a:solidFill>
-                  <a:srgbClr val="005689"/>
-                </a:solidFill>
-              </a:rPr>
-              <a:t>SMM</a:t>
-            </a:r>
-            <a:endParaRPr lang="ru-RU" b="1" dirty="0" smtClean="0">
-              <a:solidFill>
-                <a:srgbClr val="005689"/>
-              </a:solidFill>
-            </a:endParaRPr>
-          </a:p>
-          <a:p>
-            <a:pPr marL="514350" indent="-514350">
-              <a:buClr>
-                <a:srgbClr val="EC4024"/>
-              </a:buClr>
-              <a:buFont typeface="+mj-lt"/>
-              <a:buAutoNum type="arabicPeriod"/>
-            </a:pPr>
-            <a:r>
-              <a:rPr lang="ru-RU" b="1" dirty="0" smtClean="0">
-                <a:solidFill>
-                  <a:srgbClr val="005689"/>
-                </a:solidFill>
-              </a:rPr>
-              <a:t>Агенты влияния</a:t>
-            </a:r>
-          </a:p>
-          <a:p>
-            <a:pPr marL="514350" indent="-514350">
-              <a:buClr>
-                <a:srgbClr val="EC4024"/>
-              </a:buClr>
-              <a:buFont typeface="+mj-lt"/>
-              <a:buAutoNum type="arabicPeriod"/>
-            </a:pPr>
-            <a:r>
-              <a:rPr lang="ru-RU" b="1" dirty="0" smtClean="0">
-                <a:solidFill>
-                  <a:srgbClr val="005689"/>
-                </a:solidFill>
-              </a:rPr>
-              <a:t>Спецпроекты</a:t>
-            </a:r>
-          </a:p>
-          <a:p>
-            <a:pPr marL="514350" indent="-514350">
-              <a:buClr>
-                <a:srgbClr val="EC4024"/>
-              </a:buClr>
-              <a:buFont typeface="+mj-lt"/>
-              <a:buAutoNum type="arabicPeriod"/>
-            </a:pPr>
-            <a:endParaRPr lang="ru-RU" b="1" dirty="0">
+            <a:endParaRPr lang="ru-RU" b="1" smtClean="0">
               <a:solidFill>
                 <a:srgbClr val="005689"/>
               </a:solidFill>
@@ -4074,7 +4822,7 @@
       </p:grpSpPr>
       <p:sp>
         <p:nvSpPr>
-          <p:cNvPr id="5" name="Заголовок 4"/>
+          <p:cNvPr id="12290" name="Заголовок 4"/>
           <p:cNvSpPr>
             <a:spLocks noGrp="1"/>
           </p:cNvSpPr>
@@ -4089,24 +4837,19 @@
           <a:p>
             <a:pPr algn="l"/>
             <a:r>
-              <a:rPr lang="ru-RU" b="1" dirty="0" smtClean="0">
+              <a:rPr lang="ru-RU" b="1" smtClean="0">
                 <a:solidFill>
                   <a:srgbClr val="005689"/>
                 </a:solidFill>
               </a:rPr>
               <a:t>Документы</a:t>
             </a:r>
-            <a:endParaRPr lang="ru-RU" b="1" dirty="0">
-              <a:solidFill>
-                <a:srgbClr val="005689"/>
-              </a:solidFill>
-            </a:endParaRPr>
-          </a:p>
-        </p:txBody>
-      </p:sp>
-      <p:sp>
-        <p:nvSpPr>
-          <p:cNvPr id="6" name="Содержимое 5"/>
+          </a:p>
+        </p:txBody>
+      </p:sp>
+      <p:sp>
+        <p:nvSpPr>
+          <p:cNvPr id="12291" name="Содержимое 5"/>
           <p:cNvSpPr>
             <a:spLocks noGrp="1"/>
           </p:cNvSpPr>
@@ -4123,11 +4866,11 @@
               <a:buClr>
                 <a:srgbClr val="EC4024"/>
               </a:buClr>
-              <a:buFont typeface="+mj-lt"/>
+              <a:buFont typeface="Calibri" pitchFamily="34" charset="0"/>
               <a:buAutoNum type="arabicPeriod"/>
             </a:pPr>
             <a:r>
-              <a:rPr lang="en-US" b="1" dirty="0" smtClean="0">
+              <a:rPr lang="en-US" b="1" smtClean="0">
                 <a:solidFill>
                   <a:srgbClr val="005689"/>
                 </a:solidFill>
@@ -4135,23 +4878,15 @@
               <a:t>KPI </a:t>
             </a:r>
             <a:r>
-              <a:rPr lang="ru-RU" b="1" dirty="0" smtClean="0">
-                <a:solidFill>
-                  <a:srgbClr val="005689"/>
-                </a:solidFill>
-              </a:rPr>
-              <a:t>в </a:t>
-            </a:r>
-            <a:r>
-              <a:rPr lang="ru-RU" b="1" dirty="0" smtClean="0">
-                <a:solidFill>
-                  <a:srgbClr val="005689"/>
-                </a:solidFill>
-              </a:rPr>
-              <a:t>Договоре</a:t>
-            </a:r>
-            <a:r>
-              <a:rPr lang="en-US" b="1" dirty="0" smtClean="0">
+              <a:rPr lang="ru-RU" b="1" smtClean="0">
+                <a:solidFill>
+                  <a:srgbClr val="005689"/>
+                </a:solidFill>
+              </a:rPr>
+              <a:t>в Договоре</a:t>
+            </a:r>
+            <a:r>
+              <a:rPr lang="en-US" b="1" smtClean="0">
                 <a:solidFill>
                   <a:srgbClr val="005689"/>
                 </a:solidFill>
@@ -4159,7 +4894,7 @@
               <a:t>/</a:t>
             </a:r>
             <a:r>
-              <a:rPr lang="ru-RU" b="1" dirty="0" err="1" smtClean="0">
+              <a:rPr lang="ru-RU" b="1" smtClean="0">
                 <a:solidFill>
                   <a:srgbClr val="005689"/>
                 </a:solidFill>
@@ -4167,7 +4902,7 @@
               <a:t>Медиаплане</a:t>
             </a:r>
             <a:r>
-              <a:rPr lang="en-US" b="1" dirty="0" smtClean="0">
+              <a:rPr lang="en-US" b="1" smtClean="0">
                 <a:solidFill>
                   <a:srgbClr val="005689"/>
                 </a:solidFill>
@@ -4175,7 +4910,7 @@
               <a:t>/</a:t>
             </a:r>
             <a:r>
-              <a:rPr lang="ru-RU" b="1" dirty="0" smtClean="0">
+              <a:rPr lang="ru-RU" b="1" smtClean="0">
                 <a:solidFill>
                   <a:srgbClr val="005689"/>
                 </a:solidFill>
@@ -4188,11 +4923,11 @@
               <a:buClr>
                 <a:srgbClr val="EC4024"/>
               </a:buClr>
-              <a:buFont typeface="+mj-lt"/>
+              <a:buFont typeface="Calibri" pitchFamily="34" charset="0"/>
               <a:buAutoNum type="arabicPeriod"/>
             </a:pPr>
             <a:r>
-              <a:rPr lang="ru-RU" b="1" dirty="0" smtClean="0">
+              <a:rPr lang="ru-RU" b="1" smtClean="0">
                 <a:solidFill>
                   <a:srgbClr val="005689"/>
                 </a:solidFill>
@@ -4205,11 +4940,11 @@
               <a:buClr>
                 <a:srgbClr val="EC4024"/>
               </a:buClr>
-              <a:buFont typeface="+mj-lt"/>
+              <a:buFont typeface="Calibri" pitchFamily="34" charset="0"/>
               <a:buAutoNum type="arabicPeriod"/>
             </a:pPr>
             <a:r>
-              <a:rPr lang="ru-RU" b="1" dirty="0" smtClean="0">
+              <a:rPr lang="ru-RU" b="1" smtClean="0">
                 <a:solidFill>
                   <a:srgbClr val="005689"/>
                 </a:solidFill>
@@ -4222,10 +4957,10 @@
               <a:buClr>
                 <a:srgbClr val="EC4024"/>
               </a:buClr>
-              <a:buFont typeface="+mj-lt"/>
+              <a:buFont typeface="Calibri" pitchFamily="34" charset="0"/>
               <a:buAutoNum type="arabicPeriod"/>
             </a:pPr>
-            <a:endParaRPr lang="ru-RU" b="1" dirty="0">
+            <a:endParaRPr lang="ru-RU" b="1" smtClean="0">
               <a:solidFill>
                 <a:srgbClr val="005689"/>
               </a:solidFill>
@@ -4267,7 +5002,7 @@
       </p:grpSpPr>
       <p:sp>
         <p:nvSpPr>
-          <p:cNvPr id="5" name="Заголовок 4"/>
+          <p:cNvPr id="13314" name="Заголовок 4"/>
           <p:cNvSpPr>
             <a:spLocks noGrp="1"/>
           </p:cNvSpPr>
@@ -4277,75 +5012,91 @@
         </p:nvSpPr>
         <p:spPr/>
         <p:txBody>
-          <a:bodyPr>
-            <a:normAutofit/>
-          </a:bodyPr>
+          <a:bodyPr/>
           <a:lstStyle/>
           <a:p>
             <a:pPr algn="l"/>
             <a:r>
-              <a:rPr lang="ru-RU" b="1" dirty="0" smtClean="0">
-                <a:solidFill>
-                  <a:srgbClr val="005689"/>
-                </a:solidFill>
-              </a:rPr>
-              <a:t>Подготовить «</a:t>
-            </a:r>
-            <a:r>
-              <a:rPr lang="ru-RU" b="1" dirty="0" err="1" smtClean="0">
-                <a:solidFill>
-                  <a:srgbClr val="005689"/>
-                </a:solidFill>
-              </a:rPr>
-              <a:t>креатив</a:t>
-            </a:r>
-            <a:r>
-              <a:rPr lang="ru-RU" b="1" dirty="0" smtClean="0">
-                <a:solidFill>
-                  <a:srgbClr val="005689"/>
-                </a:solidFill>
-              </a:rPr>
-              <a:t>»</a:t>
-            </a:r>
-            <a:endParaRPr lang="ru-RU" b="1" dirty="0">
+              <a:rPr lang="ru-RU" b="1" smtClean="0">
+                <a:solidFill>
+                  <a:srgbClr val="005689"/>
+                </a:solidFill>
+              </a:rPr>
+              <a:t>Подготовить «креатив»</a:t>
+            </a:r>
+          </a:p>
+        </p:txBody>
+      </p:sp>
+      <p:sp>
+        <p:nvSpPr>
+          <p:cNvPr id="13315" name="Содержимое 5"/>
+          <p:cNvSpPr>
+            <a:spLocks noGrp="1"/>
+          </p:cNvSpPr>
+          <p:nvPr>
+            <p:ph idx="1"/>
+          </p:nvPr>
+        </p:nvSpPr>
+        <p:spPr/>
+        <p:txBody>
+          <a:bodyPr/>
+          <a:lstStyle/>
+          <a:p>
+            <a:pPr marL="514350" indent="-514350">
+              <a:buClr>
+                <a:srgbClr val="EC4024"/>
+              </a:buClr>
+              <a:buFont typeface="Calibri" pitchFamily="34" charset="0"/>
+              <a:buAutoNum type="arabicPeriod"/>
+            </a:pPr>
+            <a:r>
+              <a:rPr lang="ru-RU" b="1" smtClean="0">
+                <a:solidFill>
+                  <a:srgbClr val="005689"/>
+                </a:solidFill>
+              </a:rPr>
+              <a:t>Лендинги</a:t>
+            </a:r>
+          </a:p>
+          <a:p>
+            <a:pPr marL="514350" indent="-514350">
+              <a:buClr>
+                <a:srgbClr val="EC4024"/>
+              </a:buClr>
+              <a:buFont typeface="Calibri" pitchFamily="34" charset="0"/>
+              <a:buAutoNum type="arabicPeriod"/>
+            </a:pPr>
+            <a:r>
+              <a:rPr lang="ru-RU" b="1" smtClean="0">
+                <a:solidFill>
+                  <a:srgbClr val="005689"/>
+                </a:solidFill>
+              </a:rPr>
+              <a:t>Баннеры</a:t>
+            </a:r>
+            <a:endParaRPr lang="en-US" b="1" smtClean="0">
               <a:solidFill>
                 <a:srgbClr val="005689"/>
               </a:solidFill>
             </a:endParaRPr>
           </a:p>
-        </p:txBody>
-      </p:sp>
-      <p:sp>
-        <p:nvSpPr>
-          <p:cNvPr id="6" name="Содержимое 5"/>
-          <p:cNvSpPr>
-            <a:spLocks noGrp="1"/>
-          </p:cNvSpPr>
-          <p:nvPr>
-            <p:ph idx="1"/>
-          </p:nvPr>
-        </p:nvSpPr>
-        <p:spPr/>
-        <p:txBody>
-          <a:bodyPr/>
-          <a:lstStyle/>
           <a:p>
             <a:pPr marL="514350" indent="-514350">
               <a:buClr>
                 <a:srgbClr val="EC4024"/>
               </a:buClr>
-              <a:buFont typeface="+mj-lt"/>
+              <a:buFont typeface="Calibri" pitchFamily="34" charset="0"/>
               <a:buAutoNum type="arabicPeriod"/>
             </a:pPr>
             <a:r>
-              <a:rPr lang="ru-RU" b="1" dirty="0" err="1" smtClean="0">
-                <a:solidFill>
-                  <a:srgbClr val="005689"/>
-                </a:solidFill>
-              </a:rPr>
-              <a:t>Лендинги</a:t>
-            </a:r>
-            <a:endParaRPr lang="ru-RU" b="1" dirty="0" smtClean="0">
+              <a:rPr lang="en-US" b="1" smtClean="0">
+                <a:solidFill>
+                  <a:srgbClr val="005689"/>
+                </a:solidFill>
+              </a:rPr>
+              <a:t>…</a:t>
+            </a:r>
+            <a:endParaRPr lang="ru-RU" b="1" smtClean="0">
               <a:solidFill>
                 <a:srgbClr val="005689"/>
               </a:solidFill>
@@ -4356,54 +5107,10 @@
               <a:buClr>
                 <a:srgbClr val="EC4024"/>
               </a:buClr>
-              <a:buFont typeface="+mj-lt"/>
+              <a:buFont typeface="Calibri" pitchFamily="34" charset="0"/>
               <a:buAutoNum type="arabicPeriod"/>
             </a:pPr>
-            <a:r>
-              <a:rPr lang="ru-RU" b="1" dirty="0" smtClean="0">
-                <a:solidFill>
-                  <a:srgbClr val="005689"/>
-                </a:solidFill>
-              </a:rPr>
-              <a:t>Баннеры</a:t>
-            </a:r>
-            <a:endParaRPr lang="en-US" b="1" dirty="0" smtClean="0">
-              <a:solidFill>
-                <a:srgbClr val="005689"/>
-              </a:solidFill>
-            </a:endParaRPr>
-          </a:p>
-          <a:p>
-            <a:pPr marL="514350" indent="-514350">
-              <a:buClr>
-                <a:srgbClr val="EC4024"/>
-              </a:buClr>
-              <a:buFont typeface="+mj-lt"/>
-              <a:buAutoNum type="arabicPeriod"/>
-            </a:pPr>
-            <a:r>
-              <a:rPr lang="en-US" b="1" dirty="0" smtClean="0">
-                <a:solidFill>
-                  <a:srgbClr val="005689"/>
-                </a:solidFill>
-              </a:rPr>
-              <a:t>…</a:t>
-            </a:r>
-            <a:endParaRPr lang="ru-RU" b="1" dirty="0" smtClean="0">
-              <a:solidFill>
-                <a:srgbClr val="005689"/>
-              </a:solidFill>
-            </a:endParaRPr>
-          </a:p>
-          <a:p>
-            <a:pPr marL="514350" indent="-514350">
-              <a:buClr>
-                <a:srgbClr val="EC4024"/>
-              </a:buClr>
-              <a:buFont typeface="+mj-lt"/>
-              <a:buAutoNum type="arabicPeriod"/>
-            </a:pPr>
-            <a:endParaRPr lang="ru-RU" b="1" dirty="0">
+            <a:endParaRPr lang="ru-RU" b="1" smtClean="0">
               <a:solidFill>
                 <a:srgbClr val="005689"/>
               </a:solidFill>
@@ -4445,7 +5152,7 @@
       </p:grpSpPr>
       <p:sp>
         <p:nvSpPr>
-          <p:cNvPr id="5" name="Заголовок 4"/>
+          <p:cNvPr id="14338" name="Заголовок 4"/>
           <p:cNvSpPr>
             <a:spLocks noGrp="1"/>
           </p:cNvSpPr>
@@ -4455,65 +5162,113 @@
         </p:nvSpPr>
         <p:spPr/>
         <p:txBody>
-          <a:bodyPr>
-            <a:normAutofit/>
-          </a:bodyPr>
+          <a:bodyPr/>
           <a:lstStyle/>
           <a:p>
             <a:pPr algn="l"/>
             <a:r>
-              <a:rPr lang="ru-RU" b="1" dirty="0" smtClean="0">
-                <a:solidFill>
-                  <a:srgbClr val="005689"/>
-                </a:solidFill>
-              </a:rPr>
-              <a:t>Системы </a:t>
-            </a:r>
-            <a:r>
-              <a:rPr lang="ru-RU" b="1" dirty="0" err="1" smtClean="0">
-                <a:solidFill>
-                  <a:srgbClr val="005689"/>
-                </a:solidFill>
-              </a:rPr>
-              <a:t>веб-аналитики</a:t>
-            </a:r>
-            <a:endParaRPr lang="ru-RU" b="1" dirty="0">
+              <a:rPr lang="ru-RU" b="1" smtClean="0">
+                <a:solidFill>
+                  <a:srgbClr val="005689"/>
+                </a:solidFill>
+              </a:rPr>
+              <a:t>Системы веб-аналитики</a:t>
+            </a:r>
+          </a:p>
+        </p:txBody>
+      </p:sp>
+      <p:sp>
+        <p:nvSpPr>
+          <p:cNvPr id="14339" name="Содержимое 5"/>
+          <p:cNvSpPr>
+            <a:spLocks noGrp="1"/>
+          </p:cNvSpPr>
+          <p:nvPr>
+            <p:ph idx="1"/>
+          </p:nvPr>
+        </p:nvSpPr>
+        <p:spPr/>
+        <p:txBody>
+          <a:bodyPr/>
+          <a:lstStyle/>
+          <a:p>
+            <a:pPr marL="514350" indent="-514350">
+              <a:buClr>
+                <a:srgbClr val="EC4024"/>
+              </a:buClr>
+              <a:buFont typeface="Calibri" pitchFamily="34" charset="0"/>
+              <a:buAutoNum type="arabicPeriod"/>
+            </a:pPr>
+            <a:r>
+              <a:rPr lang="en-US" b="1" smtClean="0">
+                <a:solidFill>
+                  <a:srgbClr val="005689"/>
+                </a:solidFill>
+              </a:rPr>
+              <a:t>Google Analytics / Universal Analytics</a:t>
+            </a:r>
+          </a:p>
+          <a:p>
+            <a:pPr marL="514350" indent="-514350">
+              <a:buClr>
+                <a:srgbClr val="EC4024"/>
+              </a:buClr>
+              <a:buFont typeface="Calibri" pitchFamily="34" charset="0"/>
+              <a:buAutoNum type="arabicPeriod"/>
+            </a:pPr>
+            <a:r>
+              <a:rPr lang="ru-RU" b="1" smtClean="0">
+                <a:solidFill>
+                  <a:srgbClr val="005689"/>
+                </a:solidFill>
+              </a:rPr>
+              <a:t>Яндекс.Метрика </a:t>
+            </a:r>
+            <a:r>
+              <a:rPr lang="en-US" b="1" smtClean="0">
+                <a:solidFill>
+                  <a:srgbClr val="005689"/>
+                </a:solidFill>
+              </a:rPr>
+              <a:t>/</a:t>
+            </a:r>
+            <a:r>
+              <a:rPr lang="ru-RU" b="1" smtClean="0">
+                <a:solidFill>
+                  <a:srgbClr val="005689"/>
+                </a:solidFill>
+              </a:rPr>
+              <a:t> Метрика 2.0 </a:t>
+            </a:r>
+            <a:r>
+              <a:rPr lang="en-US" b="1" smtClean="0">
+                <a:solidFill>
+                  <a:srgbClr val="005689"/>
+                </a:solidFill>
+              </a:rPr>
+              <a:t>Beta</a:t>
+            </a:r>
+            <a:endParaRPr lang="ru-RU" b="1" smtClean="0">
               <a:solidFill>
                 <a:srgbClr val="005689"/>
               </a:solidFill>
             </a:endParaRPr>
           </a:p>
-        </p:txBody>
-      </p:sp>
-      <p:sp>
-        <p:nvSpPr>
-          <p:cNvPr id="6" name="Содержимое 5"/>
-          <p:cNvSpPr>
-            <a:spLocks noGrp="1"/>
-          </p:cNvSpPr>
-          <p:nvPr>
-            <p:ph idx="1"/>
-          </p:nvPr>
-        </p:nvSpPr>
-        <p:spPr/>
-        <p:txBody>
-          <a:bodyPr/>
-          <a:lstStyle/>
           <a:p>
             <a:pPr marL="514350" indent="-514350">
               <a:buClr>
                 <a:srgbClr val="EC4024"/>
               </a:buClr>
-              <a:buFont typeface="+mj-lt"/>
+              <a:buFont typeface="Calibri" pitchFamily="34" charset="0"/>
               <a:buAutoNum type="arabicPeriod"/>
             </a:pPr>
             <a:r>
-              <a:rPr lang="en-US" b="1" dirty="0" smtClean="0">
-                <a:solidFill>
-                  <a:srgbClr val="005689"/>
-                </a:solidFill>
-              </a:rPr>
-              <a:t>Google Analytics / Universal Analytics</a:t>
+              <a:rPr lang="ru-RU" b="1" smtClean="0">
+                <a:solidFill>
+                  <a:srgbClr val="005689"/>
+                </a:solidFill>
+              </a:rPr>
+              <a:t>Связать Директ и Метрику</a:t>
             </a:r>
           </a:p>
           <a:p>
@@ -4521,50 +5276,18 @@
               <a:buClr>
                 <a:srgbClr val="EC4024"/>
               </a:buClr>
-              <a:buFont typeface="+mj-lt"/>
+              <a:buFont typeface="Calibri" pitchFamily="34" charset="0"/>
               <a:buAutoNum type="arabicPeriod"/>
             </a:pPr>
             <a:r>
-              <a:rPr lang="ru-RU" b="1" dirty="0" err="1" smtClean="0">
-                <a:solidFill>
-                  <a:srgbClr val="005689"/>
-                </a:solidFill>
-              </a:rPr>
-              <a:t>Яндекс.Метрика</a:t>
-            </a:r>
-            <a:r>
-              <a:rPr lang="ru-RU" b="1" dirty="0" smtClean="0">
-                <a:solidFill>
-                  <a:srgbClr val="005689"/>
-                </a:solidFill>
-              </a:rPr>
-              <a:t> </a:t>
-            </a:r>
-            <a:r>
-              <a:rPr lang="en-US" b="1" dirty="0" smtClean="0">
-                <a:solidFill>
-                  <a:srgbClr val="005689"/>
-                </a:solidFill>
-              </a:rPr>
-              <a:t>/</a:t>
-            </a:r>
-            <a:r>
-              <a:rPr lang="ru-RU" b="1" dirty="0" smtClean="0">
-                <a:solidFill>
-                  <a:srgbClr val="005689"/>
-                </a:solidFill>
-              </a:rPr>
-              <a:t> Метрика 2.0 </a:t>
-            </a:r>
-            <a:r>
-              <a:rPr lang="en-US" b="1" dirty="0" smtClean="0">
-                <a:solidFill>
-                  <a:srgbClr val="005689"/>
-                </a:solidFill>
-              </a:rPr>
-              <a:t>Beta</a:t>
-            </a:r>
-            <a:endParaRPr lang="ru-RU" b="1" dirty="0" smtClean="0">
+              <a:rPr lang="ru-RU" b="1" smtClean="0">
+                <a:solidFill>
+                  <a:srgbClr val="005689"/>
+                </a:solidFill>
+              </a:rPr>
+              <a:t>Настроить цели</a:t>
+            </a:r>
+            <a:endParaRPr lang="en-US" b="1" smtClean="0">
               <a:solidFill>
                 <a:srgbClr val="005689"/>
               </a:solidFill>
@@ -4575,32 +5298,24 @@
               <a:buClr>
                 <a:srgbClr val="EC4024"/>
               </a:buClr>
-              <a:buFont typeface="+mj-lt"/>
+              <a:buFont typeface="Calibri" pitchFamily="34" charset="0"/>
               <a:buAutoNum type="arabicPeriod"/>
             </a:pPr>
             <a:r>
-              <a:rPr lang="ru-RU" b="1" dirty="0" smtClean="0">
-                <a:solidFill>
-                  <a:srgbClr val="005689"/>
-                </a:solidFill>
-              </a:rPr>
-              <a:t>Связать </a:t>
-            </a:r>
-            <a:r>
-              <a:rPr lang="ru-RU" b="1" dirty="0" err="1" smtClean="0">
-                <a:solidFill>
-                  <a:srgbClr val="005689"/>
-                </a:solidFill>
-              </a:rPr>
-              <a:t>Директ</a:t>
-            </a:r>
-            <a:r>
-              <a:rPr lang="ru-RU" b="1" dirty="0" smtClean="0">
-                <a:solidFill>
-                  <a:srgbClr val="005689"/>
-                </a:solidFill>
-              </a:rPr>
-              <a:t> и Метрику</a:t>
+              <a:rPr lang="en-US" b="1" smtClean="0">
+                <a:solidFill>
+                  <a:srgbClr val="005689"/>
+                </a:solidFill>
+              </a:rPr>
+              <a:t>UTM-</a:t>
+            </a:r>
+            <a:r>
+              <a:rPr lang="ru-RU" b="1" smtClean="0">
+                <a:solidFill>
+                  <a:srgbClr val="005689"/>
+                </a:solidFill>
+              </a:rPr>
+              <a:t>метки</a:t>
             </a:r>
           </a:p>
           <a:p>
@@ -4608,18 +5323,18 @@
               <a:buClr>
                 <a:srgbClr val="EC4024"/>
               </a:buClr>
-              <a:buFont typeface="+mj-lt"/>
+              <a:buFont typeface="Calibri" pitchFamily="34" charset="0"/>
               <a:buAutoNum type="arabicPeriod"/>
             </a:pPr>
             <a:r>
-              <a:rPr lang="ru-RU" b="1" dirty="0" smtClean="0">
-                <a:solidFill>
-                  <a:srgbClr val="005689"/>
-                </a:solidFill>
-              </a:rPr>
-              <a:t>Настроить цели</a:t>
-            </a:r>
-            <a:endParaRPr lang="en-US" b="1" dirty="0" smtClean="0">
+              <a:rPr lang="en-US" b="1" smtClean="0">
+                <a:solidFill>
+                  <a:srgbClr val="005689"/>
+                </a:solidFill>
+              </a:rPr>
+              <a:t>Calltracking</a:t>
+            </a:r>
+            <a:endParaRPr lang="ru-RU" b="1" smtClean="0">
               <a:solidFill>
                 <a:srgbClr val="005689"/>
               </a:solidFill>
@@ -4630,57 +5345,10 @@
               <a:buClr>
                 <a:srgbClr val="EC4024"/>
               </a:buClr>
-              <a:buFont typeface="+mj-lt"/>
+              <a:buFont typeface="Calibri" pitchFamily="34" charset="0"/>
               <a:buAutoNum type="arabicPeriod"/>
             </a:pPr>
-            <a:r>
-              <a:rPr lang="en-US" b="1" dirty="0" smtClean="0">
-                <a:solidFill>
-                  <a:srgbClr val="005689"/>
-                </a:solidFill>
-              </a:rPr>
-              <a:t>UTM-</a:t>
-            </a:r>
-            <a:r>
-              <a:rPr lang="ru-RU" b="1" dirty="0" smtClean="0">
-                <a:solidFill>
-                  <a:srgbClr val="005689"/>
-                </a:solidFill>
-              </a:rPr>
-              <a:t>метки</a:t>
-            </a:r>
-          </a:p>
-          <a:p>
-            <a:pPr marL="514350" indent="-514350">
-              <a:buClr>
-                <a:srgbClr val="EC4024"/>
-              </a:buClr>
-              <a:buFont typeface="+mj-lt"/>
-              <a:buAutoNum type="arabicPeriod"/>
-            </a:pPr>
-            <a:r>
-              <a:rPr lang="en-US" b="1" smtClean="0">
-                <a:solidFill>
-                  <a:srgbClr val="005689"/>
-                </a:solidFill>
-              </a:rPr>
-              <a:t>Calltracking</a:t>
-            </a:r>
-            <a:endParaRPr lang="ru-RU" b="1" dirty="0" smtClean="0">
-              <a:solidFill>
-                <a:srgbClr val="005689"/>
-              </a:solidFill>
-            </a:endParaRPr>
-          </a:p>
-          <a:p>
-            <a:pPr marL="514350" indent="-514350">
-              <a:buClr>
-                <a:srgbClr val="EC4024"/>
-              </a:buClr>
-              <a:buFont typeface="+mj-lt"/>
-              <a:buAutoNum type="arabicPeriod"/>
-            </a:pPr>
-            <a:endParaRPr lang="ru-RU" b="1" dirty="0">
+            <a:endParaRPr lang="ru-RU" b="1" smtClean="0">
               <a:solidFill>
                 <a:srgbClr val="005689"/>
               </a:solidFill>
@@ -4722,46 +5390,12 @@
       </p:grpSpPr>
       <p:sp>
         <p:nvSpPr>
-          <p:cNvPr id="5" name="Заголовок 4"/>
+          <p:cNvPr id="15362" name="Заголовок 4"/>
           <p:cNvSpPr>
             <a:spLocks noGrp="1"/>
           </p:cNvSpPr>
           <p:nvPr>
             <p:ph type="title"/>
-          </p:nvPr>
-        </p:nvSpPr>
-        <p:spPr/>
-        <p:txBody>
-          <a:bodyPr>
-            <a:normAutofit/>
-          </a:bodyPr>
-          <a:lstStyle/>
-          <a:p>
-            <a:pPr algn="l"/>
-            <a:r>
-              <a:rPr lang="ru-RU" b="1" dirty="0" smtClean="0">
-                <a:solidFill>
-                  <a:srgbClr val="005689"/>
-                </a:solidFill>
-              </a:rPr>
-              <a:t>Подготовить площадку</a:t>
-            </a:r>
-            <a:endParaRPr lang="ru-RU" b="1" dirty="0">
-              <a:solidFill>
-                <a:srgbClr val="005689"/>
-              </a:solidFill>
-            </a:endParaRPr>
-          </a:p>
-        </p:txBody>
-      </p:sp>
-      <p:sp>
-        <p:nvSpPr>
-          <p:cNvPr id="6" name="Содержимое 5"/>
-          <p:cNvSpPr>
-            <a:spLocks noGrp="1"/>
-          </p:cNvSpPr>
-          <p:nvPr>
-            <p:ph idx="1"/>
           </p:nvPr>
         </p:nvSpPr>
         <p:spPr/>
@@ -4769,11 +5403,38 @@
           <a:bodyPr/>
           <a:lstStyle/>
           <a:p>
+            <a:pPr algn="l"/>
+            <a:r>
+              <a:rPr lang="ru-RU" b="1" smtClean="0">
+                <a:solidFill>
+                  <a:srgbClr val="005689"/>
+                </a:solidFill>
+              </a:rPr>
+              <a:t>Подготовить площадку</a:t>
+            </a:r>
+          </a:p>
+        </p:txBody>
+      </p:sp>
+      <p:sp>
+        <p:nvSpPr>
+          <p:cNvPr id="15363" name="Содержимое 5"/>
+          <p:cNvSpPr>
+            <a:spLocks noGrp="1"/>
+          </p:cNvSpPr>
+          <p:nvPr>
+            <p:ph idx="1"/>
+          </p:nvPr>
+        </p:nvSpPr>
+        <p:spPr/>
+        <p:txBody>
+          <a:bodyPr/>
+          <a:lstStyle/>
+          <a:p>
             <a:pPr marL="514350" indent="-514350">
               <a:buClr>
                 <a:srgbClr val="EC4024"/>
               </a:buClr>
-              <a:buFont typeface="+mj-lt"/>
+              <a:buFont typeface="Calibri" pitchFamily="34" charset="0"/>
               <a:buAutoNum type="arabicPeriod"/>
             </a:pPr>
             <a:r>
@@ -4790,7 +5451,7 @@
               <a:buClr>
                 <a:srgbClr val="EC4024"/>
               </a:buClr>
-              <a:buFont typeface="+mj-lt"/>
+              <a:buFont typeface="Calibri" pitchFamily="34" charset="0"/>
               <a:buAutoNum type="arabicPeriod"/>
             </a:pPr>
             <a:r>
@@ -4799,7 +5460,7 @@
                   <a:srgbClr val="005689"/>
                 </a:solidFill>
               </a:rPr>
-              <a:t>Обеспечить бесперебойность работы</a:t>
+              <a:t>Оптимизировать </a:t>
             </a:r>
           </a:p>
           <a:p>
@@ -4807,24 +5468,7 @@
               <a:buClr>
                 <a:srgbClr val="EC4024"/>
               </a:buClr>
-              <a:buFont typeface="+mj-lt"/>
-              <a:buAutoNum type="arabicPeriod"/>
-            </a:pPr>
-            <a:r>
-              <a:rPr lang="ru-RU" b="1" dirty="0" smtClean="0">
-                <a:solidFill>
-                  <a:srgbClr val="005689"/>
-                </a:solidFill>
-              </a:rPr>
-              <a:t>Оптимизировать </a:t>
-            </a:r>
-          </a:p>
-          <a:p>
-            <a:pPr marL="514350" indent="-514350">
-              <a:buClr>
-                <a:srgbClr val="EC4024"/>
-              </a:buClr>
-              <a:buFont typeface="+mj-lt"/>
+              <a:buFont typeface="Calibri" pitchFamily="34" charset="0"/>
               <a:buAutoNum type="arabicPeriod"/>
             </a:pPr>
             <a:r>
@@ -4846,10 +5490,32 @@
               <a:buClr>
                 <a:srgbClr val="EC4024"/>
               </a:buClr>
-              <a:buFont typeface="+mj-lt"/>
+              <a:buFont typeface="Calibri" pitchFamily="34" charset="0"/>
               <a:buAutoNum type="arabicPeriod"/>
             </a:pPr>
-            <a:endParaRPr lang="ru-RU" b="1" dirty="0">
+            <a:r>
+              <a:rPr lang="ru-RU" b="1" dirty="0" smtClean="0">
+                <a:solidFill>
+                  <a:srgbClr val="005689"/>
+                </a:solidFill>
+              </a:rPr>
+              <a:t>Обеспечить бесперебойность работы</a:t>
+            </a:r>
+            <a:endParaRPr lang="en-US" b="1" dirty="0" smtClean="0">
+              <a:solidFill>
+                <a:srgbClr val="005689"/>
+              </a:solidFill>
+            </a:endParaRPr>
+          </a:p>
+          <a:p>
+            <a:pPr marL="514350" indent="-514350">
+              <a:buClr>
+                <a:srgbClr val="EC4024"/>
+              </a:buClr>
+              <a:buFont typeface="Calibri" pitchFamily="34" charset="0"/>
+              <a:buAutoNum type="arabicPeriod"/>
+            </a:pPr>
+            <a:endParaRPr lang="ru-RU" b="1" dirty="0" smtClean="0">
               <a:solidFill>
                 <a:srgbClr val="005689"/>
               </a:solidFill>
@@ -4891,46 +5557,12 @@
       </p:grpSpPr>
       <p:sp>
         <p:nvSpPr>
-          <p:cNvPr id="5" name="Заголовок 4"/>
+          <p:cNvPr id="16386" name="Заголовок 4"/>
           <p:cNvSpPr>
             <a:spLocks noGrp="1"/>
           </p:cNvSpPr>
           <p:nvPr>
             <p:ph type="title"/>
-          </p:nvPr>
-        </p:nvSpPr>
-        <p:spPr/>
-        <p:txBody>
-          <a:bodyPr>
-            <a:normAutofit/>
-          </a:bodyPr>
-          <a:lstStyle/>
-          <a:p>
-            <a:pPr algn="l"/>
-            <a:r>
-              <a:rPr lang="ru-RU" b="1" dirty="0" smtClean="0">
-                <a:solidFill>
-                  <a:srgbClr val="005689"/>
-                </a:solidFill>
-              </a:rPr>
-              <a:t>Согласование</a:t>
-            </a:r>
-            <a:endParaRPr lang="ru-RU" b="1" dirty="0">
-              <a:solidFill>
-                <a:srgbClr val="005689"/>
-              </a:solidFill>
-            </a:endParaRPr>
-          </a:p>
-        </p:txBody>
-      </p:sp>
-      <p:sp>
-        <p:nvSpPr>
-          <p:cNvPr id="6" name="Содержимое 5"/>
-          <p:cNvSpPr>
-            <a:spLocks noGrp="1"/>
-          </p:cNvSpPr>
-          <p:nvPr>
-            <p:ph idx="1"/>
           </p:nvPr>
         </p:nvSpPr>
         <p:spPr/>
@@ -4938,15 +5570,42 @@
           <a:bodyPr/>
           <a:lstStyle/>
           <a:p>
+            <a:pPr algn="l"/>
+            <a:r>
+              <a:rPr lang="ru-RU" b="1" smtClean="0">
+                <a:solidFill>
+                  <a:srgbClr val="005689"/>
+                </a:solidFill>
+              </a:rPr>
+              <a:t>Согласование</a:t>
+            </a:r>
+          </a:p>
+        </p:txBody>
+      </p:sp>
+      <p:sp>
+        <p:nvSpPr>
+          <p:cNvPr id="16387" name="Содержимое 5"/>
+          <p:cNvSpPr>
+            <a:spLocks noGrp="1"/>
+          </p:cNvSpPr>
+          <p:nvPr>
+            <p:ph idx="1"/>
+          </p:nvPr>
+        </p:nvSpPr>
+        <p:spPr/>
+        <p:txBody>
+          <a:bodyPr/>
+          <a:lstStyle/>
+          <a:p>
             <a:pPr marL="514350" indent="-514350">
               <a:buClr>
                 <a:srgbClr val="EC4024"/>
               </a:buClr>
-              <a:buFont typeface="+mj-lt"/>
+              <a:buFont typeface="Calibri" pitchFamily="34" charset="0"/>
               <a:buAutoNum type="arabicPeriod"/>
             </a:pPr>
             <a:r>
-              <a:rPr lang="ru-RU" b="1" dirty="0" smtClean="0">
+              <a:rPr lang="ru-RU" b="1" smtClean="0">
                 <a:solidFill>
                   <a:srgbClr val="005689"/>
                 </a:solidFill>
@@ -4959,11 +5618,11 @@
               <a:buClr>
                 <a:srgbClr val="EC4024"/>
               </a:buClr>
-              <a:buFont typeface="+mj-lt"/>
+              <a:buFont typeface="Calibri" pitchFamily="34" charset="0"/>
               <a:buAutoNum type="arabicPeriod"/>
             </a:pPr>
             <a:r>
-              <a:rPr lang="ru-RU" b="1" dirty="0" smtClean="0">
+              <a:rPr lang="ru-RU" b="1" smtClean="0">
                 <a:solidFill>
                   <a:srgbClr val="005689"/>
                 </a:solidFill>
@@ -4976,11 +5635,11 @@
               <a:buClr>
                 <a:srgbClr val="EC4024"/>
               </a:buClr>
-              <a:buFont typeface="+mj-lt"/>
+              <a:buFont typeface="Calibri" pitchFamily="34" charset="0"/>
               <a:buAutoNum type="arabicPeriod"/>
             </a:pPr>
             <a:r>
-              <a:rPr lang="ru-RU" b="1" dirty="0" smtClean="0">
+              <a:rPr lang="ru-RU" b="1" smtClean="0">
                 <a:solidFill>
                   <a:srgbClr val="005689"/>
                 </a:solidFill>
@@ -4993,11 +5652,11 @@
               <a:buClr>
                 <a:srgbClr val="EC4024"/>
               </a:buClr>
-              <a:buFont typeface="+mj-lt"/>
+              <a:buFont typeface="Calibri" pitchFamily="34" charset="0"/>
               <a:buAutoNum type="arabicPeriod"/>
             </a:pPr>
             <a:r>
-              <a:rPr lang="ru-RU" b="1" dirty="0" smtClean="0">
+              <a:rPr lang="ru-RU" b="1" smtClean="0">
                 <a:solidFill>
                   <a:srgbClr val="005689"/>
                 </a:solidFill>
@@ -5010,11 +5669,11 @@
               <a:buClr>
                 <a:srgbClr val="EC4024"/>
               </a:buClr>
-              <a:buFont typeface="+mj-lt"/>
+              <a:buFont typeface="Calibri" pitchFamily="34" charset="0"/>
               <a:buAutoNum type="arabicPeriod"/>
             </a:pPr>
             <a:r>
-              <a:rPr lang="ru-RU" b="1" dirty="0" smtClean="0">
+              <a:rPr lang="ru-RU" b="1" smtClean="0">
                 <a:solidFill>
                   <a:srgbClr val="005689"/>
                 </a:solidFill>
@@ -5027,10 +5686,10 @@
               <a:buClr>
                 <a:srgbClr val="EC4024"/>
               </a:buClr>
-              <a:buFont typeface="+mj-lt"/>
+              <a:buFont typeface="Calibri" pitchFamily="34" charset="0"/>
               <a:buAutoNum type="arabicPeriod"/>
             </a:pPr>
-            <a:endParaRPr lang="ru-RU" b="1" dirty="0">
+            <a:endParaRPr lang="ru-RU" b="1" smtClean="0">
               <a:solidFill>
                 <a:srgbClr val="005689"/>
               </a:solidFill>
@@ -5072,46 +5731,12 @@
       </p:grpSpPr>
       <p:sp>
         <p:nvSpPr>
-          <p:cNvPr id="5" name="Заголовок 4"/>
+          <p:cNvPr id="17410" name="Заголовок 4"/>
           <p:cNvSpPr>
             <a:spLocks noGrp="1"/>
           </p:cNvSpPr>
           <p:nvPr>
             <p:ph type="title"/>
-          </p:nvPr>
-        </p:nvSpPr>
-        <p:spPr/>
-        <p:txBody>
-          <a:bodyPr>
-            <a:normAutofit/>
-          </a:bodyPr>
-          <a:lstStyle/>
-          <a:p>
-            <a:pPr algn="l"/>
-            <a:r>
-              <a:rPr lang="ru-RU" b="1" dirty="0" smtClean="0">
-                <a:solidFill>
-                  <a:srgbClr val="005689"/>
-                </a:solidFill>
-              </a:rPr>
-              <a:t>Время</a:t>
-            </a:r>
-            <a:endParaRPr lang="ru-RU" b="1" dirty="0">
-              <a:solidFill>
-                <a:srgbClr val="005689"/>
-              </a:solidFill>
-            </a:endParaRPr>
-          </a:p>
-        </p:txBody>
-      </p:sp>
-      <p:sp>
-        <p:nvSpPr>
-          <p:cNvPr id="6" name="Содержимое 5"/>
-          <p:cNvSpPr>
-            <a:spLocks noGrp="1"/>
-          </p:cNvSpPr>
-          <p:nvPr>
-            <p:ph idx="1"/>
           </p:nvPr>
         </p:nvSpPr>
         <p:spPr/>
@@ -5119,15 +5744,42 @@
           <a:bodyPr/>
           <a:lstStyle/>
           <a:p>
+            <a:pPr algn="l"/>
+            <a:r>
+              <a:rPr lang="ru-RU" b="1" smtClean="0">
+                <a:solidFill>
+                  <a:srgbClr val="005689"/>
+                </a:solidFill>
+              </a:rPr>
+              <a:t>Время</a:t>
+            </a:r>
+          </a:p>
+        </p:txBody>
+      </p:sp>
+      <p:sp>
+        <p:nvSpPr>
+          <p:cNvPr id="17411" name="Содержимое 5"/>
+          <p:cNvSpPr>
+            <a:spLocks noGrp="1"/>
+          </p:cNvSpPr>
+          <p:nvPr>
+            <p:ph idx="1"/>
+          </p:nvPr>
+        </p:nvSpPr>
+        <p:spPr/>
+        <p:txBody>
+          <a:bodyPr/>
+          <a:lstStyle/>
+          <a:p>
             <a:pPr marL="514350" indent="-514350">
               <a:buClr>
                 <a:srgbClr val="EC4024"/>
               </a:buClr>
-              <a:buFont typeface="+mj-lt"/>
+              <a:buFont typeface="Calibri" pitchFamily="34" charset="0"/>
               <a:buAutoNum type="arabicPeriod"/>
             </a:pPr>
             <a:r>
-              <a:rPr lang="ru-RU" b="1" dirty="0" smtClean="0">
+              <a:rPr lang="ru-RU" b="1" smtClean="0">
                 <a:solidFill>
                   <a:srgbClr val="005689"/>
                 </a:solidFill>
@@ -5140,11 +5792,11 @@
               <a:buClr>
                 <a:srgbClr val="EC4024"/>
               </a:buClr>
-              <a:buFont typeface="+mj-lt"/>
+              <a:buFont typeface="Calibri" pitchFamily="34" charset="0"/>
               <a:buAutoNum type="arabicPeriod"/>
             </a:pPr>
             <a:r>
-              <a:rPr lang="ru-RU" b="1" dirty="0" smtClean="0">
+              <a:rPr lang="ru-RU" b="1" smtClean="0">
                 <a:solidFill>
                   <a:srgbClr val="005689"/>
                 </a:solidFill>
@@ -5157,22 +5809,17 @@
               <a:buClr>
                 <a:srgbClr val="EC4024"/>
               </a:buClr>
-              <a:buFont typeface="+mj-lt"/>
+              <a:buFont typeface="Calibri" pitchFamily="34" charset="0"/>
               <a:buAutoNum type="arabicPeriod"/>
             </a:pPr>
             <a:r>
-              <a:rPr lang="ru-RU" b="1" dirty="0" smtClean="0">
+              <a:rPr lang="ru-RU" b="1" smtClean="0">
                 <a:solidFill>
                   <a:srgbClr val="005689"/>
                 </a:solidFill>
               </a:rPr>
               <a:t>Учитывайте сезонность</a:t>
             </a:r>
-            <a:endParaRPr lang="ru-RU" b="1" dirty="0">
-              <a:solidFill>
-                <a:srgbClr val="005689"/>
-              </a:solidFill>
-            </a:endParaRPr>
           </a:p>
         </p:txBody>
       </p:sp>
@@ -5218,7 +5865,7 @@
       </p:grpSpPr>
       <p:sp>
         <p:nvSpPr>
-          <p:cNvPr id="2" name="Заголовок 1"/>
+          <p:cNvPr id="18434" name="Заголовок 1"/>
           <p:cNvSpPr>
             <a:spLocks noGrp="1"/>
           </p:cNvSpPr>
@@ -5228,19 +5875,17 @@
         </p:nvSpPr>
         <p:spPr>
           <a:xfrm>
-            <a:off x="642910" y="1428736"/>
-            <a:ext cx="7772400" cy="1470023"/>
+            <a:off x="642938" y="1428750"/>
+            <a:ext cx="7772400" cy="1470025"/>
           </a:xfrm>
         </p:spPr>
         <p:txBody>
-          <a:bodyPr>
-            <a:noAutofit/>
-          </a:bodyPr>
+          <a:bodyPr/>
           <a:lstStyle/>
           <a:p>
             <a:pPr algn="l"/>
             <a:r>
-              <a:rPr lang="ru-RU" sz="6000" b="1" dirty="0" smtClean="0">
+              <a:rPr lang="ru-RU" sz="6000" b="1" smtClean="0">
                 <a:solidFill>
                   <a:schemeClr val="bg1"/>
                 </a:solidFill>
@@ -5248,14 +5893,14 @@
               <a:t>На что обращать</a:t>
             </a:r>
             <a:br>
-              <a:rPr lang="ru-RU" sz="6000" b="1" dirty="0" smtClean="0">
+              <a:rPr lang="ru-RU" sz="6000" b="1" smtClean="0">
                 <a:solidFill>
                   <a:schemeClr val="bg1"/>
                 </a:solidFill>
               </a:rPr>
             </a:br>
             <a:r>
-              <a:rPr lang="ru-RU" sz="6000" b="1" dirty="0" smtClean="0">
+              <a:rPr lang="ru-RU" sz="6000" b="1" smtClean="0">
                 <a:solidFill>
                   <a:schemeClr val="bg1"/>
                 </a:solidFill>
@@ -5263,68 +5908,67 @@
               <a:t>внимание</a:t>
             </a:r>
             <a:br>
-              <a:rPr lang="ru-RU" sz="6000" b="1" dirty="0" smtClean="0">
+              <a:rPr lang="ru-RU" sz="6000" b="1" smtClean="0">
                 <a:solidFill>
                   <a:schemeClr val="bg1"/>
                 </a:solidFill>
               </a:rPr>
             </a:br>
             <a:r>
-              <a:rPr lang="ru-RU" sz="6000" b="1" dirty="0" smtClean="0">
+              <a:rPr lang="ru-RU" sz="6000" b="1" smtClean="0">
                 <a:solidFill>
                   <a:schemeClr val="bg1"/>
                 </a:solidFill>
               </a:rPr>
               <a:t>в процессе</a:t>
             </a:r>
-            <a:endParaRPr lang="ru-RU" sz="6000" b="1" dirty="0">
-              <a:solidFill>
-                <a:schemeClr val="bg1"/>
-              </a:solidFill>
-            </a:endParaRPr>
-          </a:p>
-        </p:txBody>
-      </p:sp>
-      <p:sp>
-        <p:nvSpPr>
-          <p:cNvPr id="5" name="TextBox 4"/>
-          <p:cNvSpPr txBox="1"/>
+          </a:p>
+        </p:txBody>
+      </p:sp>
+      <p:sp>
+        <p:nvSpPr>
+          <p:cNvPr id="18435" name="TextBox 4"/>
+          <p:cNvSpPr txBox="1">
+            <a:spLocks noChangeArrowheads="1"/>
+          </p:cNvSpPr>
           <p:nvPr/>
         </p:nvSpPr>
-        <p:spPr>
+        <p:spPr bwMode="auto">
           <a:xfrm>
-            <a:off x="6143636" y="1571612"/>
-            <a:ext cx="2714644" cy="6247864"/>
+            <a:off x="6143625" y="1571625"/>
+            <a:ext cx="2714625" cy="6248400"/>
           </a:xfrm>
           <a:prstGeom prst="rect">
             <a:avLst/>
           </a:prstGeom>
           <a:noFill/>
+          <a:ln w="9525">
+            <a:noFill/>
+            <a:miter lim="800000"/>
+            <a:headEnd/>
+            <a:tailEnd/>
+          </a:ln>
         </p:spPr>
         <p:txBody>
-          <a:bodyPr wrap="square" rtlCol="0">
+          <a:bodyPr>
             <a:spAutoFit/>
           </a:bodyPr>
           <a:lstStyle/>
           <a:p>
             <a:r>
-              <a:rPr lang="en-US" sz="40000" dirty="0" smtClean="0">
+              <a:rPr lang="en-US" sz="40000">
                 <a:solidFill>
                   <a:srgbClr val="EC4024"/>
                 </a:solidFill>
-                <a:latin typeface="Arial" pitchFamily="34" charset="0"/>
                 <a:ea typeface="Tahoma" pitchFamily="34" charset="0"/>
-                <a:cs typeface="Arial" pitchFamily="34" charset="0"/>
               </a:rPr>
               <a:t>?</a:t>
             </a:r>
-            <a:endParaRPr lang="ru-RU" sz="40000" dirty="0">
+            <a:endParaRPr lang="ru-RU" sz="40000">
               <a:solidFill>
                 <a:srgbClr val="EC4024"/>
               </a:solidFill>
-              <a:latin typeface="Arial" pitchFamily="34" charset="0"/>
               <a:ea typeface="Tahoma" pitchFamily="34" charset="0"/>
-              <a:cs typeface="Arial" pitchFamily="34" charset="0"/>
             </a:endParaRPr>
           </a:p>
         </p:txBody>
@@ -5363,7 +6007,7 @@
       </p:grpSpPr>
       <p:sp>
         <p:nvSpPr>
-          <p:cNvPr id="5" name="Заголовок 4"/>
+          <p:cNvPr id="19458" name="Заголовок 4"/>
           <p:cNvSpPr>
             <a:spLocks noGrp="1"/>
           </p:cNvSpPr>
@@ -5378,24 +6022,19 @@
           <a:p>
             <a:pPr algn="l"/>
             <a:r>
-              <a:rPr lang="ru-RU" b="1" dirty="0" smtClean="0">
+              <a:rPr lang="ru-RU" b="1" smtClean="0">
                 <a:solidFill>
                   <a:srgbClr val="005689"/>
                 </a:solidFill>
               </a:rPr>
               <a:t>Получить Доступы</a:t>
             </a:r>
-            <a:endParaRPr lang="ru-RU" b="1" dirty="0">
-              <a:solidFill>
-                <a:srgbClr val="005689"/>
-              </a:solidFill>
-            </a:endParaRPr>
-          </a:p>
-        </p:txBody>
-      </p:sp>
-      <p:sp>
-        <p:nvSpPr>
-          <p:cNvPr id="6" name="Содержимое 5"/>
+          </a:p>
+        </p:txBody>
+      </p:sp>
+      <p:sp>
+        <p:nvSpPr>
+          <p:cNvPr id="19459" name="Содержимое 5"/>
           <p:cNvSpPr>
             <a:spLocks noGrp="1"/>
           </p:cNvSpPr>
@@ -5412,11 +6051,11 @@
               <a:buClr>
                 <a:srgbClr val="EC4024"/>
               </a:buClr>
-              <a:buFont typeface="+mj-lt"/>
+              <a:buFont typeface="Calibri" pitchFamily="34" charset="0"/>
               <a:buAutoNum type="arabicPeriod"/>
             </a:pPr>
             <a:r>
-              <a:rPr lang="ru-RU" b="1" dirty="0" smtClean="0">
+              <a:rPr lang="ru-RU" b="1" smtClean="0">
                 <a:solidFill>
                   <a:srgbClr val="005689"/>
                 </a:solidFill>
@@ -5429,55 +6068,45 @@
               <a:buClr>
                 <a:srgbClr val="EC4024"/>
               </a:buClr>
-              <a:buFont typeface="+mj-lt"/>
+              <a:buFont typeface="Calibri" pitchFamily="34" charset="0"/>
               <a:buAutoNum type="arabicPeriod"/>
             </a:pPr>
             <a:r>
-              <a:rPr lang="ru-RU" b="1" dirty="0" err="1" smtClean="0">
+              <a:rPr lang="ru-RU" b="1" smtClean="0">
                 <a:solidFill>
                   <a:srgbClr val="005689"/>
                 </a:solidFill>
               </a:rPr>
               <a:t>Медийка</a:t>
             </a:r>
-            <a:endParaRPr lang="ru-RU" b="1" dirty="0" smtClean="0">
-              <a:solidFill>
-                <a:srgbClr val="005689"/>
-              </a:solidFill>
-            </a:endParaRPr>
           </a:p>
           <a:p>
             <a:pPr marL="514350" indent="-514350">
               <a:buClr>
                 <a:srgbClr val="EC4024"/>
               </a:buClr>
-              <a:buFont typeface="+mj-lt"/>
+              <a:buFont typeface="Calibri" pitchFamily="34" charset="0"/>
               <a:buAutoNum type="arabicPeriod"/>
             </a:pPr>
             <a:r>
-              <a:rPr lang="ru-RU" b="1" dirty="0" smtClean="0">
+              <a:rPr lang="ru-RU" b="1" smtClean="0">
                 <a:solidFill>
                   <a:srgbClr val="005689"/>
                 </a:solidFill>
               </a:rPr>
               <a:t>Социальные сети</a:t>
             </a:r>
-            <a:endParaRPr lang="ru-RU" b="1" dirty="0">
-              <a:solidFill>
-                <a:srgbClr val="005689"/>
-              </a:solidFill>
-            </a:endParaRPr>
           </a:p>
           <a:p>
             <a:pPr marL="514350" indent="-514350">
               <a:buClr>
                 <a:srgbClr val="EC4024"/>
               </a:buClr>
-              <a:buFont typeface="+mj-lt"/>
+              <a:buFont typeface="Calibri" pitchFamily="34" charset="0"/>
               <a:buAutoNum type="arabicPeriod"/>
             </a:pPr>
             <a:r>
-              <a:rPr lang="ru-RU" b="1" dirty="0" smtClean="0">
+              <a:rPr lang="ru-RU" b="1" smtClean="0">
                 <a:solidFill>
                   <a:srgbClr val="005689"/>
                 </a:solidFill>
@@ -5485,7 +6114,7 @@
               <a:t>Биржи ссылок</a:t>
             </a:r>
             <a:r>
-              <a:rPr lang="en-US" b="1" dirty="0" smtClean="0">
+              <a:rPr lang="en-US" b="1" smtClean="0">
                 <a:solidFill>
                   <a:srgbClr val="005689"/>
                 </a:solidFill>
@@ -5493,7 +6122,7 @@
               <a:t>/</a:t>
             </a:r>
             <a:r>
-              <a:rPr lang="ru-RU" b="1" dirty="0" smtClean="0">
+              <a:rPr lang="ru-RU" b="1" smtClean="0">
                 <a:solidFill>
                   <a:srgbClr val="005689"/>
                 </a:solidFill>
@@ -5506,10 +6135,10 @@
               <a:buClr>
                 <a:srgbClr val="EC4024"/>
               </a:buClr>
-              <a:buFont typeface="+mj-lt"/>
+              <a:buFont typeface="Calibri" pitchFamily="34" charset="0"/>
               <a:buAutoNum type="arabicPeriod"/>
             </a:pPr>
-            <a:endParaRPr lang="ru-RU" b="1" dirty="0">
+            <a:endParaRPr lang="ru-RU" b="1" smtClean="0">
               <a:solidFill>
                 <a:srgbClr val="005689"/>
               </a:solidFill>
@@ -5551,7 +6180,7 @@
       </p:grpSpPr>
       <p:sp>
         <p:nvSpPr>
-          <p:cNvPr id="5" name="Заголовок 4"/>
+          <p:cNvPr id="20482" name="Заголовок 4"/>
           <p:cNvSpPr>
             <a:spLocks noGrp="1"/>
           </p:cNvSpPr>
@@ -5566,41 +6195,116 @@
           <a:p>
             <a:pPr algn="l"/>
             <a:r>
+              <a:rPr lang="ru-RU" b="1" smtClean="0">
+                <a:solidFill>
+                  <a:srgbClr val="005689"/>
+                </a:solidFill>
+              </a:rPr>
+              <a:t>Отчеты агентства</a:t>
+            </a:r>
+          </a:p>
+        </p:txBody>
+      </p:sp>
+      <p:sp>
+        <p:nvSpPr>
+          <p:cNvPr id="20483" name="Содержимое 5"/>
+          <p:cNvSpPr>
+            <a:spLocks noGrp="1"/>
+          </p:cNvSpPr>
+          <p:nvPr>
+            <p:ph idx="1"/>
+          </p:nvPr>
+        </p:nvSpPr>
+        <p:spPr/>
+        <p:txBody>
+          <a:bodyPr/>
+          <a:lstStyle/>
+          <a:p>
+            <a:pPr marL="514350" indent="-514350">
+              <a:buClr>
+                <a:srgbClr val="EC4024"/>
+              </a:buClr>
+              <a:buFont typeface="Calibri" pitchFamily="34" charset="0"/>
+              <a:buAutoNum type="arabicPeriod"/>
+            </a:pPr>
+            <a:r>
               <a:rPr lang="ru-RU" b="1" dirty="0" smtClean="0">
                 <a:solidFill>
                   <a:srgbClr val="005689"/>
                 </a:solidFill>
               </a:rPr>
-              <a:t>Отчеты агентства</a:t>
-            </a:r>
-            <a:endParaRPr lang="ru-RU" b="1" dirty="0">
+              <a:t>«</a:t>
+            </a:r>
+            <a:r>
+              <a:rPr lang="ru-RU" b="1" dirty="0" err="1" smtClean="0">
+                <a:solidFill>
+                  <a:srgbClr val="005689"/>
+                </a:solidFill>
+              </a:rPr>
+              <a:t>Скриншоты</a:t>
+            </a:r>
+            <a:r>
+              <a:rPr lang="ru-RU" b="1" dirty="0" smtClean="0">
+                <a:solidFill>
+                  <a:srgbClr val="005689"/>
+                </a:solidFill>
+              </a:rPr>
+              <a:t> запуска» кампании</a:t>
+            </a:r>
+            <a:r>
+              <a:rPr lang="ru-RU" b="1" dirty="0" smtClean="0">
+                <a:solidFill>
+                  <a:srgbClr val="EC4024"/>
+                </a:solidFill>
+              </a:rPr>
+              <a:t>?</a:t>
+            </a:r>
+          </a:p>
+          <a:p>
+            <a:pPr marL="514350" indent="-514350">
+              <a:buClr>
+                <a:srgbClr val="EC4024"/>
+              </a:buClr>
+              <a:buFont typeface="Calibri" pitchFamily="34" charset="0"/>
+              <a:buAutoNum type="arabicPeriod"/>
+            </a:pPr>
+            <a:r>
+              <a:rPr lang="ru-RU" b="1" dirty="0" smtClean="0">
+                <a:solidFill>
+                  <a:srgbClr val="005689"/>
+                </a:solidFill>
+              </a:rPr>
+              <a:t>Динамика изменения ключевых показателей</a:t>
+            </a:r>
+          </a:p>
+          <a:p>
+            <a:pPr marL="514350" indent="-514350">
+              <a:buClr>
+                <a:srgbClr val="EC4024"/>
+              </a:buClr>
+              <a:buFont typeface="Calibri" pitchFamily="34" charset="0"/>
+              <a:buAutoNum type="arabicPeriod"/>
+            </a:pPr>
+            <a:r>
+              <a:rPr lang="ru-RU" b="1" dirty="0" smtClean="0">
+                <a:solidFill>
+                  <a:srgbClr val="005689"/>
+                </a:solidFill>
+              </a:rPr>
+              <a:t>Качество</a:t>
+            </a:r>
+            <a:endParaRPr lang="en-US" b="1" dirty="0" smtClean="0">
               <a:solidFill>
                 <a:srgbClr val="005689"/>
               </a:solidFill>
             </a:endParaRPr>
           </a:p>
-        </p:txBody>
-      </p:sp>
-      <p:sp>
-        <p:nvSpPr>
-          <p:cNvPr id="6" name="Содержимое 5"/>
-          <p:cNvSpPr>
-            <a:spLocks noGrp="1"/>
-          </p:cNvSpPr>
-          <p:nvPr>
-            <p:ph idx="1"/>
-          </p:nvPr>
-        </p:nvSpPr>
-        <p:spPr/>
-        <p:txBody>
-          <a:bodyPr/>
-          <a:lstStyle/>
           <a:p>
             <a:pPr marL="514350" indent="-514350">
               <a:buClr>
                 <a:srgbClr val="EC4024"/>
               </a:buClr>
-              <a:buFont typeface="+mj-lt"/>
+              <a:buFont typeface="Calibri" pitchFamily="34" charset="0"/>
               <a:buAutoNum type="arabicPeriod"/>
             </a:pPr>
             <a:r>
@@ -5609,76 +6313,31 @@
                   <a:srgbClr val="005689"/>
                 </a:solidFill>
               </a:rPr>
-              <a:t>«</a:t>
-            </a:r>
-            <a:r>
-              <a:rPr lang="ru-RU" b="1" dirty="0" err="1" smtClean="0">
-                <a:solidFill>
-                  <a:srgbClr val="005689"/>
-                </a:solidFill>
-              </a:rPr>
-              <a:t>Скриншоты</a:t>
-            </a:r>
-            <a:r>
-              <a:rPr lang="ru-RU" b="1" dirty="0" smtClean="0">
-                <a:solidFill>
-                  <a:srgbClr val="005689"/>
-                </a:solidFill>
-              </a:rPr>
-              <a:t> запуска» кампании</a:t>
-            </a:r>
-            <a:r>
-              <a:rPr lang="ru-RU" b="1" dirty="0" smtClean="0">
-                <a:solidFill>
-                  <a:srgbClr val="EC4024"/>
-                </a:solidFill>
-              </a:rPr>
-              <a:t>?</a:t>
-            </a:r>
+              <a:t>Соответствие </a:t>
+            </a:r>
+            <a:r>
+              <a:rPr lang="ru-RU" b="1" smtClean="0">
+                <a:solidFill>
+                  <a:srgbClr val="005689"/>
+                </a:solidFill>
+              </a:rPr>
+              <a:t>медиаплану</a:t>
+            </a:r>
+            <a:endParaRPr lang="ru-RU" b="1" dirty="0" smtClean="0">
+              <a:solidFill>
+                <a:srgbClr val="005689"/>
+              </a:solidFill>
+            </a:endParaRPr>
           </a:p>
           <a:p>
             <a:pPr marL="514350" indent="-514350">
               <a:buClr>
                 <a:srgbClr val="EC4024"/>
               </a:buClr>
-              <a:buFont typeface="+mj-lt"/>
+              <a:buFont typeface="Calibri" pitchFamily="34" charset="0"/>
               <a:buAutoNum type="arabicPeriod"/>
             </a:pPr>
-            <a:r>
-              <a:rPr lang="ru-RU" b="1" dirty="0" smtClean="0">
-                <a:solidFill>
-                  <a:srgbClr val="005689"/>
-                </a:solidFill>
-              </a:rPr>
-              <a:t>Динамика изменения ключевых показателей</a:t>
-            </a:r>
-          </a:p>
-          <a:p>
-            <a:pPr marL="514350" indent="-514350">
-              <a:buClr>
-                <a:srgbClr val="EC4024"/>
-              </a:buClr>
-              <a:buFont typeface="+mj-lt"/>
-              <a:buAutoNum type="arabicPeriod"/>
-            </a:pPr>
-            <a:r>
-              <a:rPr lang="ru-RU" b="1" dirty="0" smtClean="0">
-                <a:solidFill>
-                  <a:srgbClr val="005689"/>
-                </a:solidFill>
-              </a:rPr>
-              <a:t>Качество</a:t>
-            </a:r>
-          </a:p>
-          <a:p>
-            <a:pPr marL="514350" indent="-514350">
-              <a:buClr>
-                <a:srgbClr val="EC4024"/>
-              </a:buClr>
-              <a:buFont typeface="+mj-lt"/>
-              <a:buAutoNum type="arabicPeriod"/>
-            </a:pPr>
-            <a:endParaRPr lang="ru-RU" b="1" dirty="0">
+            <a:endParaRPr lang="ru-RU" b="1" dirty="0" smtClean="0">
               <a:solidFill>
                 <a:srgbClr val="005689"/>
               </a:solidFill>
@@ -5728,7 +6387,7 @@
       </p:grpSpPr>
       <p:sp>
         <p:nvSpPr>
-          <p:cNvPr id="2" name="Заголовок 1"/>
+          <p:cNvPr id="3074" name="Заголовок 1"/>
           <p:cNvSpPr>
             <a:spLocks noGrp="1"/>
           </p:cNvSpPr>
@@ -5738,73 +6397,70 @@
         </p:nvSpPr>
         <p:spPr>
           <a:xfrm>
-            <a:off x="642910" y="1428736"/>
-            <a:ext cx="7772400" cy="1470023"/>
+            <a:off x="642938" y="1428750"/>
+            <a:ext cx="7772400" cy="1470025"/>
           </a:xfrm>
         </p:spPr>
         <p:txBody>
-          <a:bodyPr>
-            <a:noAutofit/>
-          </a:bodyPr>
+          <a:bodyPr/>
           <a:lstStyle/>
           <a:p>
             <a:pPr algn="l"/>
             <a:r>
-              <a:rPr lang="ru-RU" sz="6000" b="1" dirty="0" smtClean="0">
+              <a:rPr lang="ru-RU" sz="6000" b="1" smtClean="0">
                 <a:solidFill>
                   <a:schemeClr val="bg1"/>
                 </a:solidFill>
               </a:rPr>
               <a:t>Как не потратить рекламный бюджет впустую</a:t>
             </a:r>
-            <a:endParaRPr lang="ru-RU" sz="6000" b="1" dirty="0">
-              <a:solidFill>
-                <a:schemeClr val="bg1"/>
-              </a:solidFill>
-            </a:endParaRPr>
-          </a:p>
-        </p:txBody>
-      </p:sp>
-      <p:sp>
-        <p:nvSpPr>
-          <p:cNvPr id="5" name="TextBox 4"/>
-          <p:cNvSpPr txBox="1"/>
+          </a:p>
+        </p:txBody>
+      </p:sp>
+      <p:sp>
+        <p:nvSpPr>
+          <p:cNvPr id="3075" name="TextBox 4"/>
+          <p:cNvSpPr txBox="1">
+            <a:spLocks noChangeArrowheads="1"/>
+          </p:cNvSpPr>
           <p:nvPr/>
         </p:nvSpPr>
-        <p:spPr>
+        <p:spPr bwMode="auto">
           <a:xfrm>
-            <a:off x="6143636" y="1571612"/>
-            <a:ext cx="2714644" cy="6247864"/>
+            <a:off x="6143625" y="1571625"/>
+            <a:ext cx="2714625" cy="6248400"/>
           </a:xfrm>
           <a:prstGeom prst="rect">
             <a:avLst/>
           </a:prstGeom>
           <a:noFill/>
+          <a:ln w="9525">
+            <a:noFill/>
+            <a:miter lim="800000"/>
+            <a:headEnd/>
+            <a:tailEnd/>
+          </a:ln>
         </p:spPr>
         <p:txBody>
-          <a:bodyPr wrap="square" rtlCol="0">
+          <a:bodyPr>
             <a:spAutoFit/>
           </a:bodyPr>
           <a:lstStyle/>
           <a:p>
             <a:r>
-              <a:rPr lang="en-US" sz="40000" dirty="0" smtClean="0">
+              <a:rPr lang="en-US" sz="40000">
                 <a:solidFill>
                   <a:srgbClr val="EC4024"/>
                 </a:solidFill>
-                <a:latin typeface="Arial" pitchFamily="34" charset="0"/>
                 <a:ea typeface="Tahoma" pitchFamily="34" charset="0"/>
-                <a:cs typeface="Arial" pitchFamily="34" charset="0"/>
               </a:rPr>
               <a:t>?</a:t>
             </a:r>
-            <a:endParaRPr lang="ru-RU" sz="40000" dirty="0">
+            <a:endParaRPr lang="ru-RU" sz="40000">
               <a:solidFill>
                 <a:srgbClr val="EC4024"/>
               </a:solidFill>
-              <a:latin typeface="Arial" pitchFamily="34" charset="0"/>
               <a:ea typeface="Tahoma" pitchFamily="34" charset="0"/>
-              <a:cs typeface="Arial" pitchFamily="34" charset="0"/>
             </a:endParaRPr>
           </a:p>
         </p:txBody>
@@ -5817,8 +6473,8 @@
         </p:nvCxnSpPr>
         <p:spPr>
           <a:xfrm flipV="1">
-            <a:off x="2071670" y="1071546"/>
-            <a:ext cx="785818" cy="500066"/>
+            <a:off x="2071688" y="1071563"/>
+            <a:ext cx="785812" cy="500062"/>
           </a:xfrm>
           <a:prstGeom prst="line">
             <a:avLst/>
@@ -5878,7 +6534,7 @@
       </p:grpSpPr>
       <p:sp>
         <p:nvSpPr>
-          <p:cNvPr id="5" name="Заголовок 4"/>
+          <p:cNvPr id="21506" name="Заголовок 4"/>
           <p:cNvSpPr>
             <a:spLocks noGrp="1"/>
           </p:cNvSpPr>
@@ -5893,14 +6549,90 @@
           <a:p>
             <a:pPr algn="l"/>
             <a:r>
+              <a:rPr lang="ru-RU" b="1" smtClean="0">
+                <a:solidFill>
+                  <a:srgbClr val="005689"/>
+                </a:solidFill>
+              </a:rPr>
+              <a:t>Поведенческие факторы</a:t>
+            </a:r>
+          </a:p>
+        </p:txBody>
+      </p:sp>
+      <p:sp>
+        <p:nvSpPr>
+          <p:cNvPr id="21507" name="Содержимое 5"/>
+          <p:cNvSpPr>
+            <a:spLocks noGrp="1"/>
+          </p:cNvSpPr>
+          <p:nvPr>
+            <p:ph idx="1"/>
+          </p:nvPr>
+        </p:nvSpPr>
+        <p:spPr/>
+        <p:txBody>
+          <a:bodyPr/>
+          <a:lstStyle/>
+          <a:p>
+            <a:pPr marL="514350" indent="-514350">
+              <a:buClr>
+                <a:srgbClr val="EC4024"/>
+              </a:buClr>
+              <a:buFont typeface="Calibri" pitchFamily="34" charset="0"/>
+              <a:buAutoNum type="arabicPeriod"/>
+            </a:pPr>
+            <a:r>
               <a:rPr lang="ru-RU" b="1" dirty="0" smtClean="0">
                 <a:solidFill>
                   <a:srgbClr val="005689"/>
                 </a:solidFill>
               </a:rPr>
-              <a:t>Поведенческие факторы</a:t>
-            </a:r>
-            <a:endParaRPr lang="ru-RU" b="1" dirty="0">
+              <a:t>Продолжительность визита</a:t>
+            </a:r>
+          </a:p>
+          <a:p>
+            <a:pPr marL="514350" indent="-514350">
+              <a:buClr>
+                <a:srgbClr val="EC4024"/>
+              </a:buClr>
+              <a:buFont typeface="Calibri" pitchFamily="34" charset="0"/>
+              <a:buAutoNum type="arabicPeriod"/>
+            </a:pPr>
+            <a:r>
+              <a:rPr lang="ru-RU" b="1" dirty="0" smtClean="0">
+                <a:solidFill>
+                  <a:srgbClr val="005689"/>
+                </a:solidFill>
+              </a:rPr>
+              <a:t>Глубина просмотра</a:t>
+            </a:r>
+          </a:p>
+          <a:p>
+            <a:pPr marL="514350" indent="-514350">
+              <a:buClr>
+                <a:srgbClr val="EC4024"/>
+              </a:buClr>
+              <a:buFont typeface="Calibri" pitchFamily="34" charset="0"/>
+              <a:buAutoNum type="arabicPeriod"/>
+            </a:pPr>
+            <a:r>
+              <a:rPr lang="ru-RU" b="1" dirty="0" smtClean="0">
+                <a:solidFill>
+                  <a:srgbClr val="005689"/>
+                </a:solidFill>
+              </a:rPr>
+              <a:t>Показатель отказов</a:t>
+            </a:r>
+          </a:p>
+          <a:p>
+            <a:pPr marL="514350" indent="-514350">
+              <a:buClr>
+                <a:srgbClr val="EC4024"/>
+              </a:buClr>
+              <a:buFont typeface="Calibri" pitchFamily="34" charset="0"/>
+              <a:buAutoNum type="arabicPeriod"/>
+            </a:pPr>
+            <a:endParaRPr lang="ru-RU" b="1" dirty="0" smtClean="0">
               <a:solidFill>
                 <a:srgbClr val="005689"/>
               </a:solidFill>
@@ -5908,90 +6640,9 @@
           </a:p>
         </p:txBody>
       </p:sp>
-      <p:sp>
-        <p:nvSpPr>
-          <p:cNvPr id="6" name="Содержимое 5"/>
-          <p:cNvSpPr>
-            <a:spLocks noGrp="1"/>
-          </p:cNvSpPr>
-          <p:nvPr>
-            <p:ph idx="1"/>
-          </p:nvPr>
-        </p:nvSpPr>
-        <p:spPr/>
-        <p:txBody>
-          <a:bodyPr/>
-          <a:lstStyle/>
-          <a:p>
-            <a:pPr marL="514350" indent="-514350">
-              <a:buClr>
-                <a:srgbClr val="EC4024"/>
-              </a:buClr>
-              <a:buFont typeface="+mj-lt"/>
-              <a:buAutoNum type="arabicPeriod"/>
-            </a:pPr>
-            <a:r>
-              <a:rPr lang="ru-RU" b="1" dirty="0" smtClean="0">
-                <a:solidFill>
-                  <a:srgbClr val="005689"/>
-                </a:solidFill>
-              </a:rPr>
-              <a:t>Продолжительность визита</a:t>
-            </a:r>
-          </a:p>
-          <a:p>
-            <a:pPr marL="514350" indent="-514350">
-              <a:buClr>
-                <a:srgbClr val="EC4024"/>
-              </a:buClr>
-              <a:buFont typeface="+mj-lt"/>
-              <a:buAutoNum type="arabicPeriod"/>
-            </a:pPr>
-            <a:r>
-              <a:rPr lang="ru-RU" b="1" dirty="0" smtClean="0">
-                <a:solidFill>
-                  <a:srgbClr val="005689"/>
-                </a:solidFill>
-              </a:rPr>
-              <a:t>Глубина просмотра</a:t>
-            </a:r>
-          </a:p>
-          <a:p>
-            <a:pPr marL="514350" indent="-514350">
-              <a:buClr>
-                <a:srgbClr val="EC4024"/>
-              </a:buClr>
-              <a:buFont typeface="+mj-lt"/>
-              <a:buAutoNum type="arabicPeriod"/>
-            </a:pPr>
-            <a:r>
-              <a:rPr lang="ru-RU" b="1" dirty="0" smtClean="0">
-                <a:solidFill>
-                  <a:srgbClr val="005689"/>
-                </a:solidFill>
-              </a:rPr>
-              <a:t>Показатель отказов</a:t>
-            </a:r>
-          </a:p>
-          <a:p>
-            <a:pPr marL="514350" indent="-514350">
-              <a:buClr>
-                <a:srgbClr val="EC4024"/>
-              </a:buClr>
-              <a:buFont typeface="+mj-lt"/>
-              <a:buAutoNum type="arabicPeriod"/>
-            </a:pPr>
-            <a:endParaRPr lang="ru-RU" b="1" dirty="0">
-              <a:solidFill>
-                <a:srgbClr val="005689"/>
-              </a:solidFill>
-            </a:endParaRPr>
-          </a:p>
-        </p:txBody>
-      </p:sp>
       <p:pic>
         <p:nvPicPr>
-          <p:cNvPr id="4099" name="Picture 3"/>
+          <p:cNvPr id="21508" name="Picture 3"/>
           <p:cNvPicPr>
             <a:picLocks noChangeAspect="1" noChangeArrowheads="1"/>
           </p:cNvPicPr>
@@ -6006,7 +6657,7 @@
         </p:blipFill>
         <p:spPr bwMode="auto">
           <a:xfrm>
-            <a:off x="571472" y="3500438"/>
+            <a:off x="571500" y="3548078"/>
             <a:ext cx="8113713" cy="2095500"/>
           </a:xfrm>
           <a:prstGeom prst="rect">
@@ -6019,7 +6670,6 @@
             <a:headEnd/>
             <a:tailEnd/>
           </a:ln>
-          <a:effectLst/>
         </p:spPr>
       </p:pic>
     </p:spTree>
@@ -6056,7 +6706,7 @@
       </p:grpSpPr>
       <p:sp>
         <p:nvSpPr>
-          <p:cNvPr id="5" name="Заголовок 4"/>
+          <p:cNvPr id="21506" name="Заголовок 4"/>
           <p:cNvSpPr>
             <a:spLocks noGrp="1"/>
           </p:cNvSpPr>
@@ -6071,14 +6721,106 @@
           <a:p>
             <a:pPr algn="l"/>
             <a:r>
+              <a:rPr lang="ru-RU" b="1" smtClean="0">
+                <a:solidFill>
+                  <a:srgbClr val="005689"/>
+                </a:solidFill>
+              </a:rPr>
+              <a:t>Поведенческие факторы</a:t>
+            </a:r>
+          </a:p>
+        </p:txBody>
+      </p:sp>
+      <p:sp>
+        <p:nvSpPr>
+          <p:cNvPr id="21507" name="Содержимое 5"/>
+          <p:cNvSpPr>
+            <a:spLocks noGrp="1"/>
+          </p:cNvSpPr>
+          <p:nvPr>
+            <p:ph idx="1"/>
+          </p:nvPr>
+        </p:nvSpPr>
+        <p:spPr/>
+        <p:txBody>
+          <a:bodyPr/>
+          <a:lstStyle/>
+          <a:p>
+            <a:pPr marL="514350" indent="-514350">
+              <a:buClr>
+                <a:srgbClr val="EC4024"/>
+              </a:buClr>
+              <a:buFont typeface="Calibri" pitchFamily="34" charset="0"/>
+              <a:buAutoNum type="arabicPeriod"/>
+            </a:pPr>
+            <a:r>
               <a:rPr lang="ru-RU" b="1" dirty="0" smtClean="0">
                 <a:solidFill>
                   <a:srgbClr val="005689"/>
                 </a:solidFill>
               </a:rPr>
-              <a:t>Равномерность</a:t>
-            </a:r>
-            <a:endParaRPr lang="ru-RU" b="1" dirty="0">
+              <a:t>«</a:t>
+            </a:r>
+            <a:r>
+              <a:rPr lang="ru-RU" b="1" dirty="0" err="1" smtClean="0">
+                <a:solidFill>
+                  <a:srgbClr val="005689"/>
+                </a:solidFill>
+              </a:rPr>
+              <a:t>Вебвизор</a:t>
+            </a:r>
+            <a:r>
+              <a:rPr lang="ru-RU" b="1" dirty="0" smtClean="0">
+                <a:solidFill>
+                  <a:srgbClr val="005689"/>
+                </a:solidFill>
+              </a:rPr>
+              <a:t>»</a:t>
+            </a:r>
+          </a:p>
+          <a:p>
+            <a:pPr marL="514350" indent="-514350">
+              <a:buClr>
+                <a:srgbClr val="EC4024"/>
+              </a:buClr>
+              <a:buFont typeface="Calibri" pitchFamily="34" charset="0"/>
+              <a:buAutoNum type="arabicPeriod"/>
+            </a:pPr>
+            <a:r>
+              <a:rPr lang="ru-RU" b="1" dirty="0" smtClean="0">
+                <a:solidFill>
+                  <a:srgbClr val="005689"/>
+                </a:solidFill>
+              </a:rPr>
+              <a:t>Аналитика форм</a:t>
+            </a:r>
+          </a:p>
+          <a:p>
+            <a:pPr marL="514350" indent="-514350">
+              <a:buClr>
+                <a:srgbClr val="EC4024"/>
+              </a:buClr>
+              <a:buFont typeface="Calibri" pitchFamily="34" charset="0"/>
+              <a:buAutoNum type="arabicPeriod"/>
+            </a:pPr>
+            <a:r>
+              <a:rPr lang="ru-RU" b="1" dirty="0" smtClean="0">
+                <a:solidFill>
+                  <a:srgbClr val="005689"/>
+                </a:solidFill>
+              </a:rPr>
+              <a:t>Пути по сайту</a:t>
+            </a:r>
+          </a:p>
+          <a:p>
+            <a:pPr marL="514350" indent="-514350">
+              <a:buClr>
+                <a:srgbClr val="EC4024"/>
+              </a:buClr>
+              <a:buFont typeface="Calibri" pitchFamily="34" charset="0"/>
+              <a:buAutoNum type="arabicPeriod"/>
+            </a:pPr>
+            <a:endParaRPr lang="ru-RU" b="1" dirty="0" smtClean="0">
               <a:solidFill>
                 <a:srgbClr val="005689"/>
               </a:solidFill>
@@ -6086,41 +6828,6 @@
           </a:p>
         </p:txBody>
       </p:sp>
-      <p:pic>
-        <p:nvPicPr>
-          <p:cNvPr id="2050" name="Picture 2"/>
-          <p:cNvPicPr>
-            <a:picLocks noGrp="1" noChangeAspect="1" noChangeArrowheads="1"/>
-          </p:cNvPicPr>
-          <p:nvPr>
-            <p:ph idx="1"/>
-          </p:nvPr>
-        </p:nvPicPr>
-        <p:blipFill>
-          <a:blip r:embed="rId2"/>
-          <a:srcRect/>
-          <a:stretch>
-            <a:fillRect/>
-          </a:stretch>
-        </p:blipFill>
-        <p:spPr bwMode="auto">
-          <a:xfrm>
-            <a:off x="590565" y="1871672"/>
-            <a:ext cx="6124575" cy="2914650"/>
-          </a:xfrm>
-          <a:prstGeom prst="rect">
-            <a:avLst/>
-          </a:prstGeom>
-          <a:noFill/>
-          <a:ln w="9525">
-            <a:noFill/>
-            <a:miter lim="800000"/>
-            <a:headEnd/>
-            <a:tailEnd/>
-          </a:ln>
-          <a:effectLst/>
-        </p:spPr>
-      </p:pic>
     </p:spTree>
   </p:cSld>
   <p:clrMapOvr>
@@ -6155,7 +6862,7 @@
       </p:grpSpPr>
       <p:sp>
         <p:nvSpPr>
-          <p:cNvPr id="5" name="Заголовок 4"/>
+          <p:cNvPr id="22530" name="Заголовок 4"/>
           <p:cNvSpPr>
             <a:spLocks noGrp="1"/>
           </p:cNvSpPr>
@@ -6170,116 +6877,41 @@
           <a:p>
             <a:pPr algn="l"/>
             <a:r>
-              <a:rPr lang="ru-RU" b="1" dirty="0" smtClean="0">
-                <a:solidFill>
-                  <a:srgbClr val="005689"/>
-                </a:solidFill>
-              </a:rPr>
-              <a:t>Агенты влияния</a:t>
-            </a:r>
-            <a:endParaRPr lang="ru-RU" b="1" dirty="0">
-              <a:solidFill>
-                <a:srgbClr val="005689"/>
-              </a:solidFill>
-            </a:endParaRPr>
-          </a:p>
-        </p:txBody>
-      </p:sp>
-      <p:sp>
-        <p:nvSpPr>
-          <p:cNvPr id="6" name="Содержимое 5"/>
-          <p:cNvSpPr>
-            <a:spLocks noGrp="1"/>
-          </p:cNvSpPr>
+              <a:rPr lang="ru-RU" b="1" smtClean="0">
+                <a:solidFill>
+                  <a:srgbClr val="005689"/>
+                </a:solidFill>
+              </a:rPr>
+              <a:t>Равномерность</a:t>
+            </a:r>
+          </a:p>
+        </p:txBody>
+      </p:sp>
+      <p:pic>
+        <p:nvPicPr>
+          <p:cNvPr id="22531" name="Picture 2"/>
+          <p:cNvPicPr>
+            <a:picLocks noGrp="1" noChangeAspect="1" noChangeArrowheads="1"/>
+          </p:cNvPicPr>
           <p:nvPr>
             <p:ph idx="1"/>
           </p:nvPr>
-        </p:nvSpPr>
-        <p:spPr/>
-        <p:txBody>
-          <a:bodyPr/>
-          <a:lstStyle/>
-          <a:p>
-            <a:pPr marL="514350" indent="-514350">
-              <a:buClr>
-                <a:srgbClr val="EC4024"/>
-              </a:buClr>
-              <a:buFont typeface="+mj-lt"/>
-              <a:buAutoNum type="arabicPeriod"/>
-            </a:pPr>
-            <a:r>
-              <a:rPr lang="ru-RU" b="1" dirty="0" smtClean="0">
-                <a:solidFill>
-                  <a:srgbClr val="005689"/>
-                </a:solidFill>
-              </a:rPr>
-              <a:t>Насколько «жива» площадка</a:t>
-            </a:r>
-          </a:p>
-          <a:p>
-            <a:pPr marL="514350" indent="-514350">
-              <a:buClr>
-                <a:srgbClr val="EC4024"/>
-              </a:buClr>
-              <a:buFont typeface="+mj-lt"/>
-              <a:buAutoNum type="arabicPeriod"/>
-            </a:pPr>
-            <a:r>
-              <a:rPr lang="ru-RU" b="1" dirty="0" smtClean="0">
-                <a:solidFill>
-                  <a:srgbClr val="005689"/>
-                </a:solidFill>
-              </a:rPr>
-              <a:t>Диалог с самим собой</a:t>
-            </a:r>
-          </a:p>
-          <a:p>
-            <a:pPr marL="514350" indent="-514350">
-              <a:buClr>
-                <a:srgbClr val="EC4024"/>
-              </a:buClr>
-              <a:buFont typeface="+mj-lt"/>
-              <a:buAutoNum type="arabicPeriod"/>
-            </a:pPr>
-            <a:r>
-              <a:rPr lang="ru-RU" b="1" dirty="0" smtClean="0">
-                <a:solidFill>
-                  <a:srgbClr val="005689"/>
-                </a:solidFill>
-              </a:rPr>
-              <a:t>Конкуренты рядом</a:t>
-            </a:r>
-          </a:p>
-          <a:p>
-            <a:pPr marL="514350" indent="-514350">
-              <a:buClr>
-                <a:srgbClr val="EC4024"/>
-              </a:buClr>
-              <a:buFont typeface="+mj-lt"/>
-              <a:buAutoNum type="arabicPeriod"/>
-            </a:pPr>
-            <a:endParaRPr lang="ru-RU" b="1" dirty="0" smtClean="0">
-              <a:solidFill>
-                <a:srgbClr val="005689"/>
-              </a:solidFill>
-            </a:endParaRPr>
-          </a:p>
-          <a:p>
-            <a:pPr marL="514350" indent="-514350">
-              <a:buClr>
-                <a:srgbClr val="EC4024"/>
-              </a:buClr>
-              <a:buFont typeface="+mj-lt"/>
-              <a:buAutoNum type="arabicPeriod"/>
-            </a:pPr>
-            <a:endParaRPr lang="ru-RU" b="1" dirty="0">
-              <a:solidFill>
-                <a:srgbClr val="005689"/>
-              </a:solidFill>
-            </a:endParaRPr>
-          </a:p>
-        </p:txBody>
-      </p:sp>
+        </p:nvPicPr>
+        <p:blipFill>
+          <a:blip r:embed="rId2"/>
+          <a:srcRect/>
+          <a:stretch>
+            <a:fillRect/>
+          </a:stretch>
+        </p:blipFill>
+        <p:spPr>
+          <a:xfrm>
+            <a:off x="590550" y="1871663"/>
+            <a:ext cx="6124575" cy="2914650"/>
+          </a:xfrm>
+          <a:noFill/>
+        </p:spPr>
+      </p:pic>
     </p:spTree>
   </p:cSld>
   <p:clrMapOvr>
@@ -6314,7 +6946,7 @@
       </p:grpSpPr>
       <p:sp>
         <p:nvSpPr>
-          <p:cNvPr id="5" name="Заголовок 4"/>
+          <p:cNvPr id="23554" name="Заголовок 4"/>
           <p:cNvSpPr>
             <a:spLocks noGrp="1"/>
           </p:cNvSpPr>
@@ -6329,117 +6961,117 @@
           <a:p>
             <a:pPr algn="l"/>
             <a:r>
-              <a:rPr lang="en-US" b="1" dirty="0" smtClean="0">
-                <a:solidFill>
-                  <a:srgbClr val="005689"/>
-                </a:solidFill>
-              </a:rPr>
-              <a:t>A/B</a:t>
-            </a:r>
-            <a:r>
               <a:rPr lang="ru-RU" b="1" dirty="0" smtClean="0">
                 <a:solidFill>
                   <a:srgbClr val="005689"/>
                 </a:solidFill>
               </a:rPr>
-              <a:t> тестирование</a:t>
-            </a:r>
-            <a:endParaRPr lang="ru-RU" b="1" dirty="0">
-              <a:solidFill>
-                <a:srgbClr val="005689"/>
-              </a:solidFill>
-            </a:endParaRPr>
-          </a:p>
-        </p:txBody>
-      </p:sp>
-      <p:sp>
-        <p:nvSpPr>
-          <p:cNvPr id="6" name="Содержимое 5"/>
-          <p:cNvSpPr>
-            <a:spLocks noGrp="1"/>
-          </p:cNvSpPr>
-          <p:nvPr>
-            <p:ph idx="1"/>
-          </p:nvPr>
-        </p:nvSpPr>
-        <p:spPr/>
-        <p:txBody>
-          <a:bodyPr/>
-          <a:lstStyle/>
-          <a:p>
-            <a:pPr marL="514350" indent="-514350">
-              <a:buClr>
-                <a:srgbClr val="EC4024"/>
-              </a:buClr>
-              <a:buFont typeface="+mj-lt"/>
-              <a:buAutoNum type="arabicPeriod"/>
-            </a:pPr>
-            <a:r>
-              <a:rPr lang="ru-RU" b="1" dirty="0" smtClean="0">
-                <a:solidFill>
-                  <a:srgbClr val="005689"/>
-                </a:solidFill>
-              </a:rPr>
-              <a:t>Выдвигать гипотезы</a:t>
-            </a:r>
-          </a:p>
-          <a:p>
-            <a:pPr marL="514350" indent="-514350">
-              <a:buClr>
-                <a:srgbClr val="EC4024"/>
-              </a:buClr>
-              <a:buFont typeface="+mj-lt"/>
-              <a:buAutoNum type="arabicPeriod"/>
-            </a:pPr>
-            <a:r>
-              <a:rPr lang="ru-RU" b="1" dirty="0" smtClean="0">
-                <a:solidFill>
-                  <a:srgbClr val="005689"/>
-                </a:solidFill>
-              </a:rPr>
-              <a:t>Проверять</a:t>
-            </a:r>
-          </a:p>
-          <a:p>
-            <a:pPr marL="514350" indent="-514350">
-              <a:buClr>
-                <a:srgbClr val="EC4024"/>
-              </a:buClr>
-              <a:buFont typeface="+mj-lt"/>
-              <a:buAutoNum type="arabicPeriod"/>
-            </a:pPr>
-            <a:r>
-              <a:rPr lang="ru-RU" b="1" dirty="0" smtClean="0">
-                <a:solidFill>
-                  <a:srgbClr val="005689"/>
-                </a:solidFill>
-              </a:rPr>
-              <a:t>Менять</a:t>
-            </a:r>
-          </a:p>
-          <a:p>
-            <a:pPr marL="514350" indent="-514350">
-              <a:buClr>
-                <a:srgbClr val="EC4024"/>
-              </a:buClr>
-              <a:buFont typeface="+mj-lt"/>
-              <a:buAutoNum type="arabicPeriod"/>
-            </a:pPr>
+              <a:t>Источники </a:t>
+            </a:r>
+            <a:r>
+              <a:rPr lang="ru-RU" b="1" dirty="0" err="1" smtClean="0">
+                <a:solidFill>
+                  <a:srgbClr val="005689"/>
+                </a:solidFill>
+              </a:rPr>
+              <a:t>траффика</a:t>
+            </a:r>
             <a:endParaRPr lang="ru-RU" b="1" dirty="0" smtClean="0">
               <a:solidFill>
                 <a:srgbClr val="005689"/>
               </a:solidFill>
             </a:endParaRPr>
           </a:p>
+        </p:txBody>
+      </p:sp>
+      <p:sp>
+        <p:nvSpPr>
+          <p:cNvPr id="23555" name="Содержимое 5"/>
+          <p:cNvSpPr>
+            <a:spLocks noGrp="1"/>
+          </p:cNvSpPr>
+          <p:nvPr>
+            <p:ph idx="1"/>
+          </p:nvPr>
+        </p:nvSpPr>
+        <p:spPr/>
+        <p:txBody>
+          <a:bodyPr/>
+          <a:lstStyle/>
           <a:p>
             <a:pPr marL="514350" indent="-514350">
               <a:buClr>
                 <a:srgbClr val="EC4024"/>
               </a:buClr>
-              <a:buFont typeface="+mj-lt"/>
+              <a:buFont typeface="Calibri" pitchFamily="34" charset="0"/>
               <a:buAutoNum type="arabicPeriod"/>
             </a:pPr>
-            <a:endParaRPr lang="ru-RU" b="1" dirty="0">
+            <a:r>
+              <a:rPr lang="ru-RU" b="1" dirty="0" smtClean="0">
+                <a:solidFill>
+                  <a:srgbClr val="005689"/>
+                </a:solidFill>
+              </a:rPr>
+              <a:t>Ключевые слова</a:t>
+            </a:r>
+          </a:p>
+          <a:p>
+            <a:pPr marL="514350" indent="-514350">
+              <a:buClr>
+                <a:srgbClr val="EC4024"/>
+              </a:buClr>
+              <a:buFont typeface="Calibri" pitchFamily="34" charset="0"/>
+              <a:buAutoNum type="arabicPeriod"/>
+            </a:pPr>
+            <a:r>
+              <a:rPr lang="ru-RU" b="1" dirty="0" smtClean="0">
+                <a:solidFill>
+                  <a:srgbClr val="005689"/>
+                </a:solidFill>
+              </a:rPr>
+              <a:t>Дополнительные релевантные фразы</a:t>
+            </a:r>
+          </a:p>
+          <a:p>
+            <a:pPr marL="514350" indent="-514350">
+              <a:buClr>
+                <a:srgbClr val="EC4024"/>
+              </a:buClr>
+              <a:buFont typeface="Calibri" pitchFamily="34" charset="0"/>
+              <a:buAutoNum type="arabicPeriod"/>
+            </a:pPr>
+            <a:r>
+              <a:rPr lang="ru-RU" b="1" dirty="0" smtClean="0">
+                <a:solidFill>
+                  <a:srgbClr val="005689"/>
+                </a:solidFill>
+              </a:rPr>
+              <a:t>Прямые заходы</a:t>
+            </a:r>
+          </a:p>
+          <a:p>
+            <a:pPr marL="514350" indent="-514350">
+              <a:buClr>
+                <a:srgbClr val="EC4024"/>
+              </a:buClr>
+              <a:buFont typeface="Calibri" pitchFamily="34" charset="0"/>
+              <a:buAutoNum type="arabicPeriod"/>
+            </a:pPr>
+            <a:endParaRPr lang="ru-RU" b="1" dirty="0" smtClean="0">
+              <a:solidFill>
+                <a:srgbClr val="005689"/>
+              </a:solidFill>
+            </a:endParaRPr>
+          </a:p>
+          <a:p>
+            <a:pPr marL="514350" indent="-514350">
+              <a:buClr>
+                <a:srgbClr val="EC4024"/>
+              </a:buClr>
+              <a:buFont typeface="Calibri" pitchFamily="34" charset="0"/>
+              <a:buAutoNum type="arabicPeriod"/>
+            </a:pPr>
+            <a:endParaRPr lang="ru-RU" b="1" dirty="0" smtClean="0">
               <a:solidFill>
                 <a:srgbClr val="005689"/>
               </a:solidFill>
@@ -6481,62 +7113,12 @@
       </p:grpSpPr>
       <p:sp>
         <p:nvSpPr>
-          <p:cNvPr id="5" name="Заголовок 4"/>
+          <p:cNvPr id="23554" name="Заголовок 4"/>
           <p:cNvSpPr>
             <a:spLocks noGrp="1"/>
           </p:cNvSpPr>
           <p:nvPr>
             <p:ph type="title"/>
-          </p:nvPr>
-        </p:nvSpPr>
-        <p:spPr/>
-        <p:txBody>
-          <a:bodyPr>
-            <a:normAutofit fontScale="90000"/>
-          </a:bodyPr>
-          <a:lstStyle/>
-          <a:p>
-            <a:pPr algn="l"/>
-            <a:r>
-              <a:rPr lang="ru-RU" b="1" dirty="0" smtClean="0">
-                <a:solidFill>
-                  <a:srgbClr val="005689"/>
-                </a:solidFill>
-              </a:rPr>
-              <a:t>Уникальные посетители</a:t>
-            </a:r>
-            <a:r>
-              <a:rPr lang="en-US" b="1" dirty="0" smtClean="0">
-                <a:solidFill>
-                  <a:srgbClr val="005689"/>
-                </a:solidFill>
-              </a:rPr>
-              <a:t>/</a:t>
-            </a:r>
-            <a:r>
-              <a:rPr lang="ru-RU" b="1" dirty="0" smtClean="0">
-                <a:solidFill>
-                  <a:srgbClr val="005689"/>
-                </a:solidFill>
-              </a:rPr>
-              <a:t>показы</a:t>
-            </a:r>
-            <a:endParaRPr lang="ru-RU" b="1" dirty="0">
-              <a:solidFill>
-                <a:srgbClr val="005689"/>
-              </a:solidFill>
-            </a:endParaRPr>
-          </a:p>
-        </p:txBody>
-      </p:sp>
-      <p:sp>
-        <p:nvSpPr>
-          <p:cNvPr id="6" name="Содержимое 5"/>
-          <p:cNvSpPr>
-            <a:spLocks noGrp="1"/>
-          </p:cNvSpPr>
-          <p:nvPr>
-            <p:ph idx="1"/>
           </p:nvPr>
         </p:nvSpPr>
         <p:spPr/>
@@ -6544,122 +7126,119 @@
           <a:bodyPr/>
           <a:lstStyle/>
           <a:p>
-            <a:pPr marL="514350" indent="-514350">
-              <a:buClr>
-                <a:srgbClr val="EC4024"/>
-              </a:buClr>
-              <a:buFont typeface="+mj-lt"/>
-              <a:buAutoNum type="arabicPeriod"/>
-            </a:pPr>
+            <a:pPr algn="l"/>
+            <a:r>
+              <a:rPr lang="en-US" b="1" dirty="0" smtClean="0">
+                <a:solidFill>
+                  <a:srgbClr val="005689"/>
+                </a:solidFill>
+              </a:rPr>
+              <a:t>SEO</a:t>
+            </a:r>
             <a:endParaRPr lang="ru-RU" b="1" dirty="0" smtClean="0">
               <a:solidFill>
                 <a:srgbClr val="005689"/>
               </a:solidFill>
             </a:endParaRPr>
           </a:p>
+        </p:txBody>
+      </p:sp>
+      <p:sp>
+        <p:nvSpPr>
+          <p:cNvPr id="23555" name="Содержимое 5"/>
+          <p:cNvSpPr>
+            <a:spLocks noGrp="1"/>
+          </p:cNvSpPr>
+          <p:nvPr>
+            <p:ph idx="1"/>
+          </p:nvPr>
+        </p:nvSpPr>
+        <p:spPr/>
+        <p:txBody>
+          <a:bodyPr/>
+          <a:lstStyle/>
           <a:p>
             <a:pPr marL="514350" indent="-514350">
               <a:buClr>
                 <a:srgbClr val="EC4024"/>
               </a:buClr>
-              <a:buFont typeface="+mj-lt"/>
+              <a:buFont typeface="Calibri" pitchFamily="34" charset="0"/>
               <a:buAutoNum type="arabicPeriod"/>
             </a:pPr>
-            <a:endParaRPr lang="ru-RU" b="1" dirty="0">
+            <a:r>
+              <a:rPr lang="ru-RU" b="1" dirty="0" smtClean="0">
+                <a:solidFill>
+                  <a:srgbClr val="005689"/>
+                </a:solidFill>
+              </a:rPr>
+              <a:t>Какие действия дают эффект</a:t>
+            </a:r>
+          </a:p>
+          <a:p>
+            <a:pPr marL="514350" indent="-514350">
+              <a:buClr>
+                <a:srgbClr val="EC4024"/>
+              </a:buClr>
+              <a:buFont typeface="Calibri" pitchFamily="34" charset="0"/>
+              <a:buAutoNum type="arabicPeriod"/>
+            </a:pPr>
+            <a:r>
+              <a:rPr lang="ru-RU" b="1" dirty="0" smtClean="0">
+                <a:solidFill>
+                  <a:srgbClr val="005689"/>
+                </a:solidFill>
+              </a:rPr>
+              <a:t>Не «портить» сайт, а улучшать</a:t>
+            </a:r>
+          </a:p>
+          <a:p>
+            <a:pPr marL="514350" indent="-514350">
+              <a:buClr>
+                <a:srgbClr val="EC4024"/>
+              </a:buClr>
+              <a:buFont typeface="Calibri" pitchFamily="34" charset="0"/>
+              <a:buAutoNum type="arabicPeriod"/>
+            </a:pPr>
+            <a:r>
+              <a:rPr lang="ru-RU" b="1" smtClean="0">
+                <a:solidFill>
+                  <a:srgbClr val="005689"/>
+                </a:solidFill>
+              </a:rPr>
+              <a:t>Качество ссылок</a:t>
+            </a:r>
+            <a:endParaRPr lang="ru-RU" b="1" dirty="0" smtClean="0">
               <a:solidFill>
                 <a:srgbClr val="005689"/>
               </a:solidFill>
             </a:endParaRPr>
           </a:p>
-        </p:txBody>
-      </p:sp>
-      <p:sp>
-        <p:nvSpPr>
-          <p:cNvPr id="4" name="Заголовок 4"/>
-          <p:cNvSpPr txBox="1">
-            <a:spLocks/>
-          </p:cNvSpPr>
-          <p:nvPr/>
-        </p:nvSpPr>
-        <p:spPr>
-          <a:xfrm>
-            <a:off x="557242" y="1571612"/>
-            <a:ext cx="8229600" cy="1143000"/>
-          </a:xfrm>
-          <a:prstGeom prst="rect">
-            <a:avLst/>
-          </a:prstGeom>
-        </p:spPr>
-        <p:txBody>
-          <a:bodyPr vert="horz" lIns="91422" tIns="45711" rIns="91422" bIns="45711" rtlCol="0" anchor="ctr">
-            <a:normAutofit fontScale="97500"/>
-          </a:bodyPr>
-          <a:lstStyle/>
-          <a:p>
-            <a:pPr marL="0" marR="0" lvl="0" indent="0" algn="l" defTabSz="914226" rtl="0" eaLnBrk="1" fontAlgn="auto" latinLnBrk="0" hangingPunct="1">
-              <a:lnSpc>
-                <a:spcPct val="100000"/>
-              </a:lnSpc>
-              <a:spcBef>
-                <a:spcPct val="0"/>
-              </a:spcBef>
-              <a:spcAft>
-                <a:spcPts val="0"/>
-              </a:spcAft>
-              <a:buClrTx/>
-              <a:buSzTx/>
-              <a:buFontTx/>
-              <a:buNone/>
-              <a:tabLst/>
-              <a:defRPr/>
-            </a:pPr>
-            <a:r>
-              <a:rPr kumimoji="0" lang="ru-RU" sz="6000" b="1" i="0" u="none" strike="noStrike" kern="1200" cap="none" spc="0" normalizeH="0" baseline="0" noProof="0" dirty="0" smtClean="0">
-                <a:ln>
-                  <a:noFill/>
-                </a:ln>
-                <a:solidFill>
-                  <a:srgbClr val="005689"/>
-                </a:solidFill>
-                <a:effectLst/>
-                <a:uLnTx/>
-                <a:uFillTx/>
-                <a:latin typeface="+mj-lt"/>
-                <a:ea typeface="+mj-ea"/>
-                <a:cs typeface="+mj-cs"/>
-              </a:rPr>
-              <a:t>10000 в</a:t>
-            </a:r>
-            <a:r>
-              <a:rPr kumimoji="0" lang="ru-RU" sz="6000" b="1" i="0" u="none" strike="noStrike" kern="1200" cap="none" spc="0" normalizeH="0" noProof="0" dirty="0" smtClean="0">
-                <a:ln>
-                  <a:noFill/>
-                </a:ln>
-                <a:solidFill>
-                  <a:srgbClr val="005689"/>
-                </a:solidFill>
-                <a:effectLst/>
-                <a:uLnTx/>
-                <a:uFillTx/>
-                <a:latin typeface="+mj-lt"/>
-                <a:ea typeface="+mj-ea"/>
-                <a:cs typeface="+mj-cs"/>
-              </a:rPr>
-              <a:t> 1000</a:t>
-            </a:r>
-            <a:endParaRPr kumimoji="0" lang="ru-RU" sz="6000" b="1" i="0" u="none" strike="noStrike" kern="1200" cap="none" spc="0" normalizeH="0" baseline="0" noProof="0" dirty="0" smtClean="0">
-              <a:ln>
-                <a:noFill/>
-              </a:ln>
+          <a:p>
+            <a:pPr marL="514350" indent="-514350">
+              <a:buClr>
+                <a:srgbClr val="EC4024"/>
+              </a:buClr>
+              <a:buFont typeface="Calibri" pitchFamily="34" charset="0"/>
+              <a:buAutoNum type="arabicPeriod"/>
+            </a:pPr>
+            <a:endParaRPr lang="ru-RU" b="1" dirty="0" smtClean="0">
               <a:solidFill>
                 <a:srgbClr val="005689"/>
               </a:solidFill>
-              <a:effectLst/>
-              <a:uLnTx/>
-              <a:uFillTx/>
-              <a:latin typeface="+mj-lt"/>
-              <a:ea typeface="+mj-ea"/>
-              <a:cs typeface="+mj-cs"/>
+            </a:endParaRPr>
+          </a:p>
+          <a:p>
+            <a:pPr marL="514350" indent="-514350">
+              <a:buClr>
+                <a:srgbClr val="EC4024"/>
+              </a:buClr>
+              <a:buFont typeface="Calibri" pitchFamily="34" charset="0"/>
+              <a:buAutoNum type="arabicPeriod"/>
+            </a:pPr>
+            <a:endParaRPr lang="ru-RU" b="1" dirty="0" smtClean="0">
+              <a:solidFill>
+                <a:srgbClr val="005689"/>
+              </a:solidFill>
             </a:endParaRPr>
           </a:p>
         </p:txBody>
@@ -6698,7 +7277,7 @@
       </p:grpSpPr>
       <p:sp>
         <p:nvSpPr>
-          <p:cNvPr id="5" name="Заголовок 4"/>
+          <p:cNvPr id="23554" name="Заголовок 4"/>
           <p:cNvSpPr>
             <a:spLocks noGrp="1"/>
           </p:cNvSpPr>
@@ -6708,127 +7287,109 @@
         </p:nvSpPr>
         <p:spPr/>
         <p:txBody>
-          <a:bodyPr>
-            <a:normAutofit/>
-          </a:bodyPr>
+          <a:bodyPr/>
           <a:lstStyle/>
           <a:p>
             <a:pPr algn="l"/>
             <a:r>
-              <a:rPr lang="ru-RU" b="1" dirty="0" smtClean="0">
-                <a:solidFill>
-                  <a:srgbClr val="005689"/>
-                </a:solidFill>
-              </a:rPr>
-              <a:t>Конверсия</a:t>
-            </a:r>
-            <a:endParaRPr lang="ru-RU" b="1" dirty="0">
+              <a:rPr lang="ru-RU" b="1" smtClean="0">
+                <a:solidFill>
+                  <a:srgbClr val="005689"/>
+                </a:solidFill>
+              </a:rPr>
+              <a:t>Агенты влияния</a:t>
+            </a:r>
+          </a:p>
+        </p:txBody>
+      </p:sp>
+      <p:sp>
+        <p:nvSpPr>
+          <p:cNvPr id="23555" name="Содержимое 5"/>
+          <p:cNvSpPr>
+            <a:spLocks noGrp="1"/>
+          </p:cNvSpPr>
+          <p:nvPr>
+            <p:ph idx="1"/>
+          </p:nvPr>
+        </p:nvSpPr>
+        <p:spPr/>
+        <p:txBody>
+          <a:bodyPr/>
+          <a:lstStyle/>
+          <a:p>
+            <a:pPr marL="514350" indent="-514350">
+              <a:buClr>
+                <a:srgbClr val="EC4024"/>
+              </a:buClr>
+              <a:buFont typeface="Calibri" pitchFamily="34" charset="0"/>
+              <a:buAutoNum type="arabicPeriod"/>
+            </a:pPr>
+            <a:r>
+              <a:rPr lang="ru-RU" b="1" smtClean="0">
+                <a:solidFill>
+                  <a:srgbClr val="005689"/>
+                </a:solidFill>
+              </a:rPr>
+              <a:t>Насколько «жива» площадка</a:t>
+            </a:r>
+          </a:p>
+          <a:p>
+            <a:pPr marL="514350" indent="-514350">
+              <a:buClr>
+                <a:srgbClr val="EC4024"/>
+              </a:buClr>
+              <a:buFont typeface="Calibri" pitchFamily="34" charset="0"/>
+              <a:buAutoNum type="arabicPeriod"/>
+            </a:pPr>
+            <a:r>
+              <a:rPr lang="ru-RU" b="1" smtClean="0">
+                <a:solidFill>
+                  <a:srgbClr val="005689"/>
+                </a:solidFill>
+              </a:rPr>
+              <a:t>Диалог с самим собой</a:t>
+            </a:r>
+          </a:p>
+          <a:p>
+            <a:pPr marL="514350" indent="-514350">
+              <a:buClr>
+                <a:srgbClr val="EC4024"/>
+              </a:buClr>
+              <a:buFont typeface="Calibri" pitchFamily="34" charset="0"/>
+              <a:buAutoNum type="arabicPeriod"/>
+            </a:pPr>
+            <a:r>
+              <a:rPr lang="ru-RU" b="1" smtClean="0">
+                <a:solidFill>
+                  <a:srgbClr val="005689"/>
+                </a:solidFill>
+              </a:rPr>
+              <a:t>Конкуренты рядом</a:t>
+            </a:r>
+          </a:p>
+          <a:p>
+            <a:pPr marL="514350" indent="-514350">
+              <a:buClr>
+                <a:srgbClr val="EC4024"/>
+              </a:buClr>
+              <a:buFont typeface="Calibri" pitchFamily="34" charset="0"/>
+              <a:buAutoNum type="arabicPeriod"/>
+            </a:pPr>
+            <a:endParaRPr lang="ru-RU" b="1" smtClean="0">
               <a:solidFill>
                 <a:srgbClr val="005689"/>
               </a:solidFill>
             </a:endParaRPr>
           </a:p>
-        </p:txBody>
-      </p:sp>
-      <p:sp>
-        <p:nvSpPr>
-          <p:cNvPr id="6" name="Содержимое 5"/>
-          <p:cNvSpPr>
-            <a:spLocks noGrp="1"/>
-          </p:cNvSpPr>
-          <p:nvPr>
-            <p:ph idx="1"/>
-          </p:nvPr>
-        </p:nvSpPr>
-        <p:spPr/>
-        <p:txBody>
-          <a:bodyPr/>
-          <a:lstStyle/>
           <a:p>
             <a:pPr marL="514350" indent="-514350">
               <a:buClr>
                 <a:srgbClr val="EC4024"/>
               </a:buClr>
-              <a:buFont typeface="+mj-lt"/>
+              <a:buFont typeface="Calibri" pitchFamily="34" charset="0"/>
               <a:buAutoNum type="arabicPeriod"/>
             </a:pPr>
-            <a:r>
-              <a:rPr lang="ru-RU" b="1" dirty="0" smtClean="0">
-                <a:solidFill>
-                  <a:srgbClr val="005689"/>
-                </a:solidFill>
-              </a:rPr>
-              <a:t>Клики</a:t>
-            </a:r>
-          </a:p>
-          <a:p>
-            <a:pPr marL="514350" indent="-514350">
-              <a:buClr>
-                <a:srgbClr val="EC4024"/>
-              </a:buClr>
-              <a:buFont typeface="+mj-lt"/>
-              <a:buAutoNum type="arabicPeriod"/>
-            </a:pPr>
-            <a:r>
-              <a:rPr lang="ru-RU" b="1" dirty="0" smtClean="0">
-                <a:solidFill>
-                  <a:srgbClr val="005689"/>
-                </a:solidFill>
-              </a:rPr>
-              <a:t>Действия</a:t>
-            </a:r>
-          </a:p>
-          <a:p>
-            <a:pPr marL="514350" indent="-514350">
-              <a:buClr>
-                <a:srgbClr val="EC4024"/>
-              </a:buClr>
-              <a:buFont typeface="+mj-lt"/>
-              <a:buAutoNum type="arabicPeriod"/>
-            </a:pPr>
-            <a:r>
-              <a:rPr lang="ru-RU" b="1" dirty="0" smtClean="0">
-                <a:solidFill>
-                  <a:srgbClr val="005689"/>
-                </a:solidFill>
-              </a:rPr>
-              <a:t>Звонки</a:t>
-            </a:r>
-          </a:p>
-          <a:p>
-            <a:pPr marL="514350" indent="-514350">
-              <a:buClr>
-                <a:srgbClr val="EC4024"/>
-              </a:buClr>
-              <a:buFont typeface="+mj-lt"/>
-              <a:buAutoNum type="arabicPeriod"/>
-            </a:pPr>
-            <a:r>
-              <a:rPr lang="ru-RU" b="1" dirty="0" smtClean="0">
-                <a:solidFill>
-                  <a:srgbClr val="005689"/>
-                </a:solidFill>
-              </a:rPr>
-              <a:t>Продажи</a:t>
-            </a:r>
-          </a:p>
-          <a:p>
-            <a:pPr marL="514350" indent="-514350">
-              <a:buClr>
-                <a:srgbClr val="EC4024"/>
-              </a:buClr>
-              <a:buFont typeface="+mj-lt"/>
-              <a:buAutoNum type="arabicPeriod"/>
-            </a:pPr>
-            <a:r>
-              <a:rPr lang="ru-RU" b="1" dirty="0" smtClean="0">
-                <a:solidFill>
-                  <a:srgbClr val="005689"/>
-                </a:solidFill>
-              </a:rPr>
-              <a:t>Опросы</a:t>
-            </a:r>
-            <a:endParaRPr lang="ru-RU" b="1" dirty="0">
+            <a:endParaRPr lang="ru-RU" b="1" smtClean="0">
               <a:solidFill>
                 <a:srgbClr val="005689"/>
               </a:solidFill>
@@ -6854,14 +7415,6 @@
 <file path=ppt/slides/slide26.xml><?xml version="1.0" encoding="utf-8"?>
 <p:sld xmlns:a="http://schemas.openxmlformats.org/drawingml/2006/main" xmlns:r="http://schemas.openxmlformats.org/officeDocument/2006/relationships" xmlns:p="http://schemas.openxmlformats.org/presentationml/2006/main">
   <p:cSld>
-    <p:bg>
-      <p:bgPr>
-        <a:solidFill>
-          <a:srgbClr val="005689"/>
-        </a:solidFill>
-        <a:effectLst/>
-      </p:bgPr>
-    </p:bg>
     <p:spTree>
       <p:nvGrpSpPr>
         <p:cNvPr id="1" name=""/>
@@ -6878,105 +7431,130 @@
       </p:grpSpPr>
       <p:sp>
         <p:nvSpPr>
-          <p:cNvPr id="2" name="Заголовок 1"/>
-          <p:cNvSpPr>
-            <a:spLocks noGrp="1"/>
-          </p:cNvSpPr>
-          <p:nvPr>
-            <p:ph type="ctrTitle"/>
-          </p:nvPr>
-        </p:nvSpPr>
-        <p:spPr>
-          <a:xfrm>
-            <a:off x="642910" y="1428736"/>
-            <a:ext cx="7772400" cy="1470023"/>
-          </a:xfrm>
-        </p:spPr>
-        <p:txBody>
-          <a:bodyPr>
-            <a:noAutofit/>
-          </a:bodyPr>
+          <p:cNvPr id="24578" name="Заголовок 4"/>
+          <p:cNvSpPr>
+            <a:spLocks noGrp="1"/>
+          </p:cNvSpPr>
+          <p:nvPr>
+            <p:ph type="title"/>
+          </p:nvPr>
+        </p:nvSpPr>
+        <p:spPr/>
+        <p:txBody>
+          <a:bodyPr/>
           <a:lstStyle/>
           <a:p>
             <a:pPr algn="l"/>
             <a:r>
-              <a:rPr lang="ru-RU" sz="6000" b="1" dirty="0" smtClean="0">
-                <a:solidFill>
-                  <a:schemeClr val="bg1"/>
-                </a:solidFill>
-              </a:rPr>
-              <a:t>Кто за всем этим</a:t>
-            </a:r>
-            <a:br>
-              <a:rPr lang="ru-RU" sz="6000" b="1" dirty="0" smtClean="0">
-                <a:solidFill>
-                  <a:schemeClr val="bg1"/>
-                </a:solidFill>
-              </a:rPr>
-            </a:br>
-            <a:r>
-              <a:rPr lang="ru-RU" sz="6000" b="1" dirty="0" smtClean="0">
-                <a:solidFill>
-                  <a:schemeClr val="bg1"/>
-                </a:solidFill>
-              </a:rPr>
-              <a:t>должен следить</a:t>
-            </a:r>
-            <a:br>
-              <a:rPr lang="ru-RU" sz="6000" b="1" dirty="0" smtClean="0">
-                <a:solidFill>
-                  <a:schemeClr val="bg1"/>
-                </a:solidFill>
-              </a:rPr>
-            </a:br>
-            <a:endParaRPr lang="ru-RU" sz="6000" b="1" dirty="0">
+              <a:rPr lang="en-US" b="1" smtClean="0">
+                <a:solidFill>
+                  <a:srgbClr val="005689"/>
+                </a:solidFill>
+              </a:rPr>
+              <a:t>A/B</a:t>
+            </a:r>
+            <a:r>
+              <a:rPr lang="ru-RU" b="1" smtClean="0">
+                <a:solidFill>
+                  <a:srgbClr val="005689"/>
+                </a:solidFill>
+              </a:rPr>
+              <a:t> тестирование</a:t>
+            </a:r>
+          </a:p>
+        </p:txBody>
+      </p:sp>
+      <p:sp>
+        <p:nvSpPr>
+          <p:cNvPr id="24579" name="Содержимое 5"/>
+          <p:cNvSpPr>
+            <a:spLocks noGrp="1"/>
+          </p:cNvSpPr>
+          <p:nvPr>
+            <p:ph idx="1"/>
+          </p:nvPr>
+        </p:nvSpPr>
+        <p:spPr/>
+        <p:txBody>
+          <a:bodyPr/>
+          <a:lstStyle/>
+          <a:p>
+            <a:pPr marL="514350" indent="-514350">
+              <a:buClr>
+                <a:srgbClr val="EC4024"/>
+              </a:buClr>
+              <a:buFont typeface="Calibri" pitchFamily="34" charset="0"/>
+              <a:buAutoNum type="arabicPeriod"/>
+            </a:pPr>
+            <a:r>
+              <a:rPr lang="ru-RU" b="1" smtClean="0">
+                <a:solidFill>
+                  <a:srgbClr val="005689"/>
+                </a:solidFill>
+              </a:rPr>
+              <a:t>Выдвигать гипотезы</a:t>
+            </a:r>
+          </a:p>
+          <a:p>
+            <a:pPr marL="514350" indent="-514350">
+              <a:buClr>
+                <a:srgbClr val="EC4024"/>
+              </a:buClr>
+              <a:buFont typeface="Calibri" pitchFamily="34" charset="0"/>
+              <a:buAutoNum type="arabicPeriod"/>
+            </a:pPr>
+            <a:r>
+              <a:rPr lang="ru-RU" b="1" smtClean="0">
+                <a:solidFill>
+                  <a:srgbClr val="005689"/>
+                </a:solidFill>
+              </a:rPr>
+              <a:t>Проверять</a:t>
+            </a:r>
+          </a:p>
+          <a:p>
+            <a:pPr marL="514350" indent="-514350">
+              <a:buClr>
+                <a:srgbClr val="EC4024"/>
+              </a:buClr>
+              <a:buFont typeface="Calibri" pitchFamily="34" charset="0"/>
+              <a:buAutoNum type="arabicPeriod"/>
+            </a:pPr>
+            <a:r>
+              <a:rPr lang="ru-RU" b="1" smtClean="0">
+                <a:solidFill>
+                  <a:srgbClr val="005689"/>
+                </a:solidFill>
+              </a:rPr>
+              <a:t>Менять</a:t>
+            </a:r>
+          </a:p>
+          <a:p>
+            <a:pPr marL="514350" indent="-514350">
+              <a:buClr>
+                <a:srgbClr val="EC4024"/>
+              </a:buClr>
+              <a:buFont typeface="Calibri" pitchFamily="34" charset="0"/>
+              <a:buAutoNum type="arabicPeriod"/>
+            </a:pPr>
+            <a:endParaRPr lang="ru-RU" b="1" smtClean="0">
               <a:solidFill>
-                <a:schemeClr val="bg1"/>
+                <a:srgbClr val="005689"/>
               </a:solidFill>
             </a:endParaRPr>
           </a:p>
-        </p:txBody>
-      </p:sp>
-      <p:sp>
-        <p:nvSpPr>
-          <p:cNvPr id="5" name="TextBox 4"/>
-          <p:cNvSpPr txBox="1"/>
-          <p:nvPr/>
-        </p:nvSpPr>
-        <p:spPr>
-          <a:xfrm>
-            <a:off x="6143636" y="1571612"/>
-            <a:ext cx="2714644" cy="6247864"/>
-          </a:xfrm>
-          <a:prstGeom prst="rect">
-            <a:avLst/>
-          </a:prstGeom>
-          <a:noFill/>
-        </p:spPr>
-        <p:txBody>
-          <a:bodyPr wrap="square" rtlCol="0">
-            <a:spAutoFit/>
-          </a:bodyPr>
-          <a:lstStyle/>
-          <a:p>
-            <a:r>
-              <a:rPr lang="en-US" sz="40000" dirty="0" smtClean="0">
-                <a:solidFill>
-                  <a:srgbClr val="EC4024"/>
-                </a:solidFill>
-                <a:latin typeface="Arial" pitchFamily="34" charset="0"/>
-                <a:ea typeface="Tahoma" pitchFamily="34" charset="0"/>
-                <a:cs typeface="Arial" pitchFamily="34" charset="0"/>
-              </a:rPr>
-              <a:t>?</a:t>
-            </a:r>
-            <a:endParaRPr lang="ru-RU" sz="40000" dirty="0">
+          <a:p>
+            <a:pPr marL="514350" indent="-514350">
+              <a:buClr>
+                <a:srgbClr val="EC4024"/>
+              </a:buClr>
+              <a:buFont typeface="Calibri" pitchFamily="34" charset="0"/>
+              <a:buAutoNum type="arabicPeriod"/>
+            </a:pPr>
+            <a:endParaRPr lang="ru-RU" b="1" smtClean="0">
               <a:solidFill>
-                <a:srgbClr val="EC4024"/>
+                <a:srgbClr val="005689"/>
               </a:solidFill>
-              <a:latin typeface="Arial" pitchFamily="34" charset="0"/>
-              <a:ea typeface="Tahoma" pitchFamily="34" charset="0"/>
-              <a:cs typeface="Arial" pitchFamily="34" charset="0"/>
             </a:endParaRPr>
           </a:p>
         </p:txBody>
@@ -7025,104 +7603,128 @@
         </p:nvSpPr>
         <p:spPr/>
         <p:txBody>
+          <a:bodyPr rtlCol="0">
+            <a:normAutofit fontScale="90000"/>
+          </a:bodyPr>
+          <a:lstStyle/>
+          <a:p>
+            <a:pPr algn="l" defTabSz="914226" fontAlgn="auto">
+              <a:spcAft>
+                <a:spcPts val="0"/>
+              </a:spcAft>
+              <a:defRPr/>
+            </a:pPr>
+            <a:r>
+              <a:rPr lang="ru-RU" b="1" dirty="0" smtClean="0">
+                <a:solidFill>
+                  <a:srgbClr val="005689"/>
+                </a:solidFill>
+              </a:rPr>
+              <a:t>Уникальные посетители</a:t>
+            </a:r>
+            <a:r>
+              <a:rPr lang="en-US" b="1" dirty="0" smtClean="0">
+                <a:solidFill>
+                  <a:srgbClr val="005689"/>
+                </a:solidFill>
+              </a:rPr>
+              <a:t>/</a:t>
+            </a:r>
+            <a:r>
+              <a:rPr lang="ru-RU" b="1" dirty="0" smtClean="0">
+                <a:solidFill>
+                  <a:srgbClr val="005689"/>
+                </a:solidFill>
+              </a:rPr>
+              <a:t>показы</a:t>
+            </a:r>
+          </a:p>
+        </p:txBody>
+      </p:sp>
+      <p:sp>
+        <p:nvSpPr>
+          <p:cNvPr id="25603" name="Содержимое 5"/>
+          <p:cNvSpPr>
+            <a:spLocks noGrp="1"/>
+          </p:cNvSpPr>
+          <p:nvPr>
+            <p:ph idx="1"/>
+          </p:nvPr>
+        </p:nvSpPr>
+        <p:spPr/>
+        <p:txBody>
           <a:bodyPr/>
           <a:lstStyle/>
           <a:p>
-            <a:pPr algn="l"/>
-            <a:r>
-              <a:rPr lang="ru-RU" b="1" dirty="0" smtClean="0">
-                <a:solidFill>
-                  <a:srgbClr val="005689"/>
-                </a:solidFill>
-              </a:rPr>
-              <a:t>Вариантов немного</a:t>
-            </a:r>
-            <a:endParaRPr lang="ru-RU" b="1" dirty="0">
+            <a:pPr marL="514350" indent="-514350">
+              <a:buClr>
+                <a:srgbClr val="EC4024"/>
+              </a:buClr>
+              <a:buFont typeface="Calibri" pitchFamily="34" charset="0"/>
+              <a:buAutoNum type="arabicPeriod"/>
+            </a:pPr>
+            <a:endParaRPr lang="ru-RU" b="1" smtClean="0">
               <a:solidFill>
                 <a:srgbClr val="005689"/>
               </a:solidFill>
             </a:endParaRPr>
           </a:p>
-        </p:txBody>
-      </p:sp>
-      <p:sp>
-        <p:nvSpPr>
-          <p:cNvPr id="6" name="Содержимое 5"/>
-          <p:cNvSpPr>
-            <a:spLocks noGrp="1"/>
-          </p:cNvSpPr>
-          <p:nvPr>
-            <p:ph idx="1"/>
-          </p:nvPr>
-        </p:nvSpPr>
-        <p:spPr/>
-        <p:txBody>
-          <a:bodyPr/>
-          <a:lstStyle/>
           <a:p>
             <a:pPr marL="514350" indent="-514350">
               <a:buClr>
                 <a:srgbClr val="EC4024"/>
               </a:buClr>
-              <a:buFont typeface="+mj-lt"/>
+              <a:buFont typeface="Calibri" pitchFamily="34" charset="0"/>
               <a:buAutoNum type="arabicPeriod"/>
             </a:pPr>
-            <a:r>
-              <a:rPr lang="ru-RU" b="1" dirty="0" smtClean="0">
-                <a:solidFill>
-                  <a:srgbClr val="005689"/>
-                </a:solidFill>
-              </a:rPr>
-              <a:t>Агентство (в идеале)</a:t>
-            </a:r>
-          </a:p>
-          <a:p>
-            <a:pPr marL="514350" indent="-514350">
-              <a:buClr>
-                <a:srgbClr val="EC4024"/>
-              </a:buClr>
-              <a:buFont typeface="+mj-lt"/>
-              <a:buAutoNum type="arabicPeriod"/>
-            </a:pPr>
-            <a:r>
-              <a:rPr lang="ru-RU" b="1" dirty="0" smtClean="0">
-                <a:solidFill>
-                  <a:srgbClr val="005689"/>
-                </a:solidFill>
-              </a:rPr>
-              <a:t>Аналитик на стороне Заказчика</a:t>
-            </a:r>
-          </a:p>
-          <a:p>
-            <a:pPr marL="514350" indent="-514350">
-              <a:buClr>
-                <a:srgbClr val="EC4024"/>
-              </a:buClr>
-              <a:buFont typeface="+mj-lt"/>
-              <a:buAutoNum type="arabicPeriod"/>
-            </a:pPr>
-            <a:r>
-              <a:rPr lang="ru-RU" b="1" dirty="0" smtClean="0">
-                <a:solidFill>
-                  <a:srgbClr val="005689"/>
-                </a:solidFill>
-              </a:rPr>
-              <a:t>Третья сторона (в рамках аудита кампании)</a:t>
-            </a:r>
-          </a:p>
-          <a:p>
-            <a:pPr marL="514350" indent="-514350">
-              <a:buClr>
-                <a:srgbClr val="EC4024"/>
-              </a:buClr>
-              <a:buFont typeface="+mj-lt"/>
-              <a:buAutoNum type="arabicPeriod"/>
-            </a:pPr>
-            <a:endParaRPr lang="ru-RU" b="1" dirty="0">
+            <a:endParaRPr lang="ru-RU" b="1" smtClean="0">
               <a:solidFill>
                 <a:srgbClr val="005689"/>
               </a:solidFill>
             </a:endParaRPr>
+          </a:p>
+        </p:txBody>
+      </p:sp>
+      <p:sp>
+        <p:nvSpPr>
+          <p:cNvPr id="4" name="Заголовок 4"/>
+          <p:cNvSpPr txBox="1">
+            <a:spLocks/>
+          </p:cNvSpPr>
+          <p:nvPr/>
+        </p:nvSpPr>
+        <p:spPr>
+          <a:xfrm>
+            <a:off x="557213" y="1571625"/>
+            <a:ext cx="8229600" cy="1143000"/>
+          </a:xfrm>
+          <a:prstGeom prst="rect">
+            <a:avLst/>
+          </a:prstGeom>
+        </p:spPr>
+        <p:txBody>
+          <a:bodyPr lIns="91422" tIns="45711" rIns="91422" bIns="45711" anchor="ctr">
+            <a:normAutofit fontScale="97500"/>
+          </a:bodyPr>
+          <a:lstStyle/>
+          <a:p>
+            <a:pPr defTabSz="914226" fontAlgn="auto">
+              <a:spcAft>
+                <a:spcPts val="0"/>
+              </a:spcAft>
+              <a:defRPr/>
+            </a:pPr>
+            <a:r>
+              <a:rPr lang="ru-RU" sz="6000" b="1" dirty="0">
+                <a:solidFill>
+                  <a:srgbClr val="005689"/>
+                </a:solidFill>
+                <a:latin typeface="+mj-lt"/>
+                <a:ea typeface="+mj-ea"/>
+                <a:cs typeface="+mj-cs"/>
+              </a:rPr>
+              <a:t>10000 в 1000</a:t>
+            </a:r>
           </a:p>
         </p:txBody>
       </p:sp>
@@ -7144,14 +7746,6 @@
 <file path=ppt/slides/slide28.xml><?xml version="1.0" encoding="utf-8"?>
 <p:sld xmlns:a="http://schemas.openxmlformats.org/drawingml/2006/main" xmlns:r="http://schemas.openxmlformats.org/officeDocument/2006/relationships" xmlns:p="http://schemas.openxmlformats.org/presentationml/2006/main">
   <p:cSld>
-    <p:bg>
-      <p:bgPr>
-        <a:solidFill>
-          <a:srgbClr val="005689"/>
-        </a:solidFill>
-        <a:effectLst/>
-      </p:bgPr>
-    </p:bg>
     <p:spTree>
       <p:nvGrpSpPr>
         <p:cNvPr id="1" name=""/>
@@ -7168,121 +7762,129 @@
       </p:grpSpPr>
       <p:sp>
         <p:nvSpPr>
-          <p:cNvPr id="2" name="Заголовок 1"/>
-          <p:cNvSpPr>
-            <a:spLocks noGrp="1"/>
-          </p:cNvSpPr>
-          <p:nvPr>
-            <p:ph type="ctrTitle"/>
-          </p:nvPr>
-        </p:nvSpPr>
-        <p:spPr>
-          <a:xfrm>
-            <a:off x="642910" y="1428736"/>
-            <a:ext cx="7772400" cy="1470023"/>
-          </a:xfrm>
-        </p:spPr>
-        <p:txBody>
-          <a:bodyPr>
-            <a:noAutofit/>
-          </a:bodyPr>
+          <p:cNvPr id="26626" name="Заголовок 4"/>
+          <p:cNvSpPr>
+            <a:spLocks noGrp="1"/>
+          </p:cNvSpPr>
+          <p:nvPr>
+            <p:ph type="title"/>
+          </p:nvPr>
+        </p:nvSpPr>
+        <p:spPr/>
+        <p:txBody>
+          <a:bodyPr/>
           <a:lstStyle/>
           <a:p>
             <a:pPr algn="l"/>
             <a:r>
-              <a:rPr lang="ru-RU" sz="6000" b="1" dirty="0" smtClean="0">
-                <a:solidFill>
-                  <a:schemeClr val="bg1"/>
-                </a:solidFill>
-              </a:rPr>
-              <a:t>Как обстоят дела</a:t>
-            </a:r>
-            <a:br>
-              <a:rPr lang="ru-RU" sz="6000" b="1" dirty="0" smtClean="0">
-                <a:solidFill>
-                  <a:schemeClr val="bg1"/>
-                </a:solidFill>
-              </a:rPr>
-            </a:br>
-            <a:r>
-              <a:rPr lang="ru-RU" sz="6000" b="1" dirty="0" smtClean="0">
-                <a:solidFill>
-                  <a:schemeClr val="bg1"/>
-                </a:solidFill>
-              </a:rPr>
-              <a:t>в жизни</a:t>
-            </a:r>
-            <a:br>
-              <a:rPr lang="ru-RU" sz="6000" b="1" dirty="0" smtClean="0">
-                <a:solidFill>
-                  <a:schemeClr val="bg1"/>
-                </a:solidFill>
-              </a:rPr>
-            </a:br>
-            <a:r>
-              <a:rPr lang="ru-RU" sz="6000" b="1" dirty="0" smtClean="0">
-                <a:solidFill>
-                  <a:schemeClr val="bg1"/>
-                </a:solidFill>
-              </a:rPr>
-              <a:t>(из опыта)</a:t>
-            </a:r>
-            <a:br>
-              <a:rPr lang="ru-RU" sz="6000" b="1" dirty="0" smtClean="0">
-                <a:solidFill>
-                  <a:schemeClr val="bg1"/>
-                </a:solidFill>
-              </a:rPr>
-            </a:br>
-            <a:endParaRPr lang="ru-RU" sz="6000" b="1" dirty="0">
-              <a:solidFill>
-                <a:schemeClr val="bg1"/>
-              </a:solidFill>
-            </a:endParaRPr>
-          </a:p>
-        </p:txBody>
-      </p:sp>
-      <p:sp>
-        <p:nvSpPr>
-          <p:cNvPr id="5" name="TextBox 4"/>
-          <p:cNvSpPr txBox="1"/>
-          <p:nvPr/>
-        </p:nvSpPr>
-        <p:spPr>
-          <a:xfrm>
-            <a:off x="6143636" y="1571612"/>
-            <a:ext cx="2714644" cy="6247864"/>
-          </a:xfrm>
-          <a:prstGeom prst="rect">
-            <a:avLst/>
-          </a:prstGeom>
-          <a:noFill/>
-        </p:spPr>
-        <p:txBody>
-          <a:bodyPr wrap="square" rtlCol="0">
-            <a:spAutoFit/>
-          </a:bodyPr>
+              <a:rPr lang="ru-RU" b="1" smtClean="0">
+                <a:solidFill>
+                  <a:srgbClr val="005689"/>
+                </a:solidFill>
+              </a:rPr>
+              <a:t>Конверсия</a:t>
+            </a:r>
+          </a:p>
+        </p:txBody>
+      </p:sp>
+      <p:sp>
+        <p:nvSpPr>
+          <p:cNvPr id="26627" name="Содержимое 5"/>
+          <p:cNvSpPr>
+            <a:spLocks noGrp="1"/>
+          </p:cNvSpPr>
+          <p:nvPr>
+            <p:ph idx="1"/>
+          </p:nvPr>
+        </p:nvSpPr>
+        <p:spPr/>
+        <p:txBody>
+          <a:bodyPr/>
           <a:lstStyle/>
           <a:p>
-            <a:r>
-              <a:rPr lang="en-US" sz="40000" dirty="0" smtClean="0">
-                <a:solidFill>
-                  <a:srgbClr val="EC4024"/>
-                </a:solidFill>
-                <a:latin typeface="Arial" pitchFamily="34" charset="0"/>
-                <a:ea typeface="Tahoma" pitchFamily="34" charset="0"/>
-                <a:cs typeface="Arial" pitchFamily="34" charset="0"/>
-              </a:rPr>
-              <a:t>?</a:t>
-            </a:r>
-            <a:endParaRPr lang="ru-RU" sz="40000" dirty="0">
-              <a:solidFill>
-                <a:srgbClr val="EC4024"/>
-              </a:solidFill>
-              <a:latin typeface="Arial" pitchFamily="34" charset="0"/>
-              <a:ea typeface="Tahoma" pitchFamily="34" charset="0"/>
-              <a:cs typeface="Arial" pitchFamily="34" charset="0"/>
-            </a:endParaRPr>
+            <a:pPr marL="514350" indent="-514350">
+              <a:buClr>
+                <a:srgbClr val="EC4024"/>
+              </a:buClr>
+              <a:buFont typeface="Calibri" pitchFamily="34" charset="0"/>
+              <a:buAutoNum type="arabicPeriod"/>
+            </a:pPr>
+            <a:r>
+              <a:rPr lang="ru-RU" b="1" smtClean="0">
+                <a:solidFill>
+                  <a:srgbClr val="005689"/>
+                </a:solidFill>
+              </a:rPr>
+              <a:t>Клики</a:t>
+            </a:r>
+          </a:p>
+          <a:p>
+            <a:pPr marL="514350" indent="-514350">
+              <a:buClr>
+                <a:srgbClr val="EC4024"/>
+              </a:buClr>
+              <a:buFont typeface="Calibri" pitchFamily="34" charset="0"/>
+              <a:buAutoNum type="arabicPeriod"/>
+            </a:pPr>
+            <a:r>
+              <a:rPr lang="ru-RU" b="1" smtClean="0">
+                <a:solidFill>
+                  <a:srgbClr val="005689"/>
+                </a:solidFill>
+              </a:rPr>
+              <a:t>Действия</a:t>
+            </a:r>
+          </a:p>
+          <a:p>
+            <a:pPr marL="514350" indent="-514350">
+              <a:buClr>
+                <a:srgbClr val="EC4024"/>
+              </a:buClr>
+              <a:buFont typeface="Calibri" pitchFamily="34" charset="0"/>
+              <a:buAutoNum type="arabicPeriod"/>
+            </a:pPr>
+            <a:r>
+              <a:rPr lang="ru-RU" b="1" smtClean="0">
+                <a:solidFill>
+                  <a:srgbClr val="005689"/>
+                </a:solidFill>
+              </a:rPr>
+              <a:t>Звонки</a:t>
+            </a:r>
+          </a:p>
+          <a:p>
+            <a:pPr marL="514350" indent="-514350">
+              <a:buClr>
+                <a:srgbClr val="EC4024"/>
+              </a:buClr>
+              <a:buFont typeface="Calibri" pitchFamily="34" charset="0"/>
+              <a:buAutoNum type="arabicPeriod"/>
+            </a:pPr>
+            <a:r>
+              <a:rPr lang="ru-RU" b="1" smtClean="0">
+                <a:solidFill>
+                  <a:srgbClr val="005689"/>
+                </a:solidFill>
+              </a:rPr>
+              <a:t>Продажи</a:t>
+            </a:r>
+          </a:p>
+          <a:p>
+            <a:pPr marL="514350" indent="-514350">
+              <a:buClr>
+                <a:srgbClr val="EC4024"/>
+              </a:buClr>
+              <a:buFont typeface="Calibri" pitchFamily="34" charset="0"/>
+              <a:buAutoNum type="arabicPeriod"/>
+            </a:pPr>
+            <a:r>
+              <a:rPr lang="ru-RU" b="1" smtClean="0">
+                <a:solidFill>
+                  <a:srgbClr val="005689"/>
+                </a:solidFill>
+              </a:rPr>
+              <a:t>Опросы</a:t>
+            </a:r>
           </a:p>
         </p:txBody>
       </p:sp>
@@ -7326,25 +7928,77 @@
           <a:chExt cx="0" cy="0"/>
         </a:xfrm>
       </p:grpSpPr>
-      <p:pic>
-        <p:nvPicPr>
-          <p:cNvPr id="3074" name="Picture 2"/>
-          <p:cNvPicPr>
-            <a:picLocks noChangeAspect="1" noChangeArrowheads="1"/>
-          </p:cNvPicPr>
+      <p:sp>
+        <p:nvSpPr>
+          <p:cNvPr id="27650" name="Заголовок 1"/>
+          <p:cNvSpPr>
+            <a:spLocks noGrp="1"/>
+          </p:cNvSpPr>
+          <p:nvPr>
+            <p:ph type="ctrTitle"/>
+          </p:nvPr>
+        </p:nvSpPr>
+        <p:spPr>
+          <a:xfrm>
+            <a:off x="642938" y="1428750"/>
+            <a:ext cx="7772400" cy="1470025"/>
+          </a:xfrm>
+        </p:spPr>
+        <p:txBody>
+          <a:bodyPr/>
+          <a:lstStyle/>
+          <a:p>
+            <a:pPr algn="l"/>
+            <a:r>
+              <a:rPr lang="ru-RU" sz="6000" b="1" smtClean="0">
+                <a:solidFill>
+                  <a:schemeClr val="bg1"/>
+                </a:solidFill>
+              </a:rPr>
+              <a:t>Кто за всем этим</a:t>
+            </a:r>
+            <a:br>
+              <a:rPr lang="ru-RU" sz="6000" b="1" smtClean="0">
+                <a:solidFill>
+                  <a:schemeClr val="bg1"/>
+                </a:solidFill>
+              </a:rPr>
+            </a:br>
+            <a:r>
+              <a:rPr lang="ru-RU" sz="6000" b="1" smtClean="0">
+                <a:solidFill>
+                  <a:schemeClr val="bg1"/>
+                </a:solidFill>
+              </a:rPr>
+              <a:t>должен следить</a:t>
+            </a:r>
+            <a:br>
+              <a:rPr lang="ru-RU" sz="6000" b="1" smtClean="0">
+                <a:solidFill>
+                  <a:schemeClr val="bg1"/>
+                </a:solidFill>
+              </a:rPr>
+            </a:br>
+            <a:endParaRPr lang="ru-RU" sz="6000" b="1" smtClean="0">
+              <a:solidFill>
+                <a:schemeClr val="bg1"/>
+              </a:solidFill>
+            </a:endParaRPr>
+          </a:p>
+        </p:txBody>
+      </p:sp>
+      <p:sp>
+        <p:nvSpPr>
+          <p:cNvPr id="27651" name="TextBox 4"/>
+          <p:cNvSpPr txBox="1">
+            <a:spLocks noChangeArrowheads="1"/>
+          </p:cNvSpPr>
           <p:nvPr/>
-        </p:nvPicPr>
-        <p:blipFill>
-          <a:blip r:embed="rId2"/>
-          <a:srcRect/>
-          <a:stretch>
-            <a:fillRect/>
-          </a:stretch>
-        </p:blipFill>
+        </p:nvSpPr>
         <p:spPr bwMode="auto">
           <a:xfrm>
-            <a:off x="-32" y="252435"/>
-            <a:ext cx="9144000" cy="6462713"/>
+            <a:off x="6143625" y="1571625"/>
+            <a:ext cx="2714625" cy="6248400"/>
           </a:xfrm>
           <a:prstGeom prst="rect">
             <a:avLst/>
@@ -7356,9 +8010,31 @@
             <a:headEnd/>
             <a:tailEnd/>
           </a:ln>
-          <a:effectLst/>
         </p:spPr>
-      </p:pic>
+        <p:txBody>
+          <a:bodyPr>
+            <a:spAutoFit/>
+          </a:bodyPr>
+          <a:lstStyle/>
+          <a:p>
+            <a:r>
+              <a:rPr lang="en-US" sz="40000">
+                <a:solidFill>
+                  <a:srgbClr val="EC4024"/>
+                </a:solidFill>
+                <a:ea typeface="Tahoma" pitchFamily="34" charset="0"/>
+              </a:rPr>
+              <a:t>?</a:t>
+            </a:r>
+            <a:endParaRPr lang="ru-RU" sz="40000">
+              <a:solidFill>
+                <a:srgbClr val="EC4024"/>
+              </a:solidFill>
+              <a:ea typeface="Tahoma" pitchFamily="34" charset="0"/>
+            </a:endParaRPr>
+          </a:p>
+        </p:txBody>
+      </p:sp>
     </p:spTree>
   </p:cSld>
   <p:clrMapOvr>
@@ -7393,7 +8069,7 @@
       </p:grpSpPr>
       <p:sp>
         <p:nvSpPr>
-          <p:cNvPr id="2" name="Заголовок 1"/>
+          <p:cNvPr id="4098" name="Заголовок 1"/>
           <p:cNvSpPr>
             <a:spLocks noGrp="1"/>
           </p:cNvSpPr>
@@ -7408,18 +8084,13 @@
           <a:p>
             <a:pPr algn="l"/>
             <a:r>
-              <a:rPr lang="ru-RU" b="1" dirty="0" smtClean="0">
+              <a:rPr lang="ru-RU" b="1" smtClean="0">
                 <a:solidFill>
                   <a:srgbClr val="005689"/>
                 </a:solidFill>
               </a:rPr>
               <a:t>Интересы сторон</a:t>
             </a:r>
-            <a:endParaRPr lang="ru-RU" b="1" dirty="0">
-              <a:solidFill>
-                <a:srgbClr val="005689"/>
-              </a:solidFill>
-            </a:endParaRPr>
           </a:p>
         </p:txBody>
       </p:sp>
@@ -7433,15 +8104,25 @@
             <p:ph sz="half" idx="1"/>
           </p:nvPr>
         </p:nvSpPr>
-        <p:spPr/>
-        <p:txBody>
-          <a:bodyPr>
+        <p:spPr>
+          <a:xfrm>
+            <a:off x="457200" y="1600200"/>
+            <a:ext cx="4038600" cy="4525963"/>
+          </a:xfrm>
+        </p:spPr>
+        <p:txBody>
+          <a:bodyPr rtlCol="0">
             <a:normAutofit/>
           </a:bodyPr>
           <a:lstStyle/>
           <a:p>
-            <a:pPr>
+            <a:pPr marL="342835" indent="-342835" defTabSz="914226" fontAlgn="auto">
+              <a:spcAft>
+                <a:spcPts val="0"/>
+              </a:spcAft>
+              <a:buFont typeface="Arial" pitchFamily="34" charset="0"/>
               <a:buNone/>
+              <a:defRPr/>
             </a:pPr>
             <a:r>
               <a:rPr lang="ru-RU" sz="3200" b="1" dirty="0" smtClean="0">
@@ -7465,12 +8146,16 @@
             </a:endParaRPr>
           </a:p>
           <a:p>
-            <a:pPr marL="514350" indent="-514350">
+            <a:pPr marL="514350" indent="-514350" defTabSz="914226" fontAlgn="auto">
+              <a:spcAft>
+                <a:spcPts val="0"/>
+              </a:spcAft>
               <a:buClr>
                 <a:srgbClr val="EC4024"/>
               </a:buClr>
               <a:buFont typeface="+mj-lt"/>
               <a:buAutoNum type="arabicPeriod"/>
+              <a:defRPr/>
             </a:pPr>
             <a:r>
               <a:rPr lang="ru-RU" sz="2800" b="1" dirty="0" smtClean="0">
@@ -7482,12 +8167,16 @@
             </a:r>
           </a:p>
           <a:p>
-            <a:pPr marL="514350" indent="-514350">
+            <a:pPr marL="514350" indent="-514350" defTabSz="914226" fontAlgn="auto">
+              <a:spcAft>
+                <a:spcPts val="0"/>
+              </a:spcAft>
               <a:buClr>
                 <a:srgbClr val="EC4024"/>
               </a:buClr>
               <a:buFont typeface="+mj-lt"/>
               <a:buAutoNum type="arabicPeriod"/>
+              <a:defRPr/>
             </a:pPr>
             <a:r>
               <a:rPr lang="ru-RU" sz="2800" b="1" dirty="0" smtClean="0">
@@ -7499,10 +8188,15 @@
             </a:r>
           </a:p>
           <a:p>
-            <a:pPr>
+            <a:pPr marL="342835" indent="-342835" defTabSz="914226" fontAlgn="auto">
+              <a:spcAft>
+                <a:spcPts val="0"/>
+              </a:spcAft>
+              <a:buFont typeface="Arial" pitchFamily="34" charset="0"/>
               <a:buNone/>
-            </a:pPr>
-            <a:endParaRPr lang="ru-RU" sz="3200" b="1" dirty="0">
+              <a:defRPr/>
+            </a:pPr>
+            <a:endParaRPr lang="ru-RU" sz="3200" b="1" dirty="0" smtClean="0">
               <a:solidFill>
                 <a:srgbClr val="005689"/>
               </a:solidFill>
@@ -7520,15 +8214,25 @@
             <p:ph sz="half" idx="2"/>
           </p:nvPr>
         </p:nvSpPr>
-        <p:spPr/>
-        <p:txBody>
-          <a:bodyPr>
+        <p:spPr>
+          <a:xfrm>
+            <a:off x="4648200" y="1600200"/>
+            <a:ext cx="4038600" cy="4525963"/>
+          </a:xfrm>
+        </p:spPr>
+        <p:txBody>
+          <a:bodyPr rtlCol="0">
             <a:normAutofit/>
           </a:bodyPr>
           <a:lstStyle/>
           <a:p>
-            <a:pPr>
+            <a:pPr marL="342835" indent="-342835" defTabSz="914226" fontAlgn="auto">
+              <a:spcAft>
+                <a:spcPts val="0"/>
+              </a:spcAft>
+              <a:buFont typeface="Arial" pitchFamily="34" charset="0"/>
               <a:buNone/>
+              <a:defRPr/>
             </a:pPr>
             <a:r>
               <a:rPr lang="ru-RU" sz="3200" b="1" dirty="0" smtClean="0">
@@ -7552,12 +8256,16 @@
             </a:endParaRPr>
           </a:p>
           <a:p>
-            <a:pPr marL="514350" indent="-514350">
+            <a:pPr marL="514350" indent="-514350" defTabSz="914226" fontAlgn="auto">
+              <a:spcAft>
+                <a:spcPts val="0"/>
+              </a:spcAft>
               <a:buClr>
                 <a:srgbClr val="EC4024"/>
               </a:buClr>
               <a:buFont typeface="+mj-lt"/>
               <a:buAutoNum type="arabicPeriod"/>
+              <a:defRPr/>
             </a:pPr>
             <a:r>
               <a:rPr lang="ru-RU" sz="2800" b="1" dirty="0" smtClean="0">
@@ -7569,12 +8277,16 @@
             </a:r>
           </a:p>
           <a:p>
-            <a:pPr marL="514350" indent="-514350">
+            <a:pPr marL="514350" indent="-514350" defTabSz="914226" fontAlgn="auto">
+              <a:spcAft>
+                <a:spcPts val="0"/>
+              </a:spcAft>
               <a:buClr>
                 <a:srgbClr val="EC4024"/>
               </a:buClr>
               <a:buFont typeface="+mj-lt"/>
               <a:buAutoNum type="arabicPeriod"/>
+              <a:defRPr/>
             </a:pPr>
             <a:r>
               <a:rPr lang="ru-RU" sz="2800" b="1" dirty="0" smtClean="0">
@@ -7584,11 +8296,6 @@
               </a:rPr>
               <a:t>Увеличение оборота</a:t>
             </a:r>
-            <a:endParaRPr lang="ru-RU" sz="2800" b="1" dirty="0">
-              <a:solidFill>
-                <a:srgbClr val="005689"/>
-              </a:solidFill>
-            </a:endParaRPr>
           </a:p>
         </p:txBody>
       </p:sp>
@@ -7608,6 +8315,146 @@
 </file>
 
 <file path=ppt/slides/slide30.xml><?xml version="1.0" encoding="utf-8"?>
+<p:sld xmlns:a="http://schemas.openxmlformats.org/drawingml/2006/main" xmlns:r="http://schemas.openxmlformats.org/officeDocument/2006/relationships" xmlns:p="http://schemas.openxmlformats.org/presentationml/2006/main">
+  <p:cSld>
+    <p:spTree>
+      <p:nvGrpSpPr>
+        <p:cNvPr id="1" name=""/>
+        <p:cNvGrpSpPr/>
+        <p:nvPr/>
+      </p:nvGrpSpPr>
+      <p:grpSpPr>
+        <a:xfrm>
+          <a:off x="0" y="0"/>
+          <a:ext cx="0" cy="0"/>
+          <a:chOff x="0" y="0"/>
+          <a:chExt cx="0" cy="0"/>
+        </a:xfrm>
+      </p:grpSpPr>
+      <p:sp>
+        <p:nvSpPr>
+          <p:cNvPr id="28674" name="Заголовок 4"/>
+          <p:cNvSpPr>
+            <a:spLocks noGrp="1"/>
+          </p:cNvSpPr>
+          <p:nvPr>
+            <p:ph type="title"/>
+          </p:nvPr>
+        </p:nvSpPr>
+        <p:spPr/>
+        <p:txBody>
+          <a:bodyPr/>
+          <a:lstStyle/>
+          <a:p>
+            <a:pPr algn="l"/>
+            <a:r>
+              <a:rPr lang="ru-RU" b="1" smtClean="0">
+                <a:solidFill>
+                  <a:srgbClr val="005689"/>
+                </a:solidFill>
+              </a:rPr>
+              <a:t>Вариантов немного</a:t>
+            </a:r>
+          </a:p>
+        </p:txBody>
+      </p:sp>
+      <p:sp>
+        <p:nvSpPr>
+          <p:cNvPr id="28675" name="Содержимое 5"/>
+          <p:cNvSpPr>
+            <a:spLocks noGrp="1"/>
+          </p:cNvSpPr>
+          <p:nvPr>
+            <p:ph idx="1"/>
+          </p:nvPr>
+        </p:nvSpPr>
+        <p:spPr/>
+        <p:txBody>
+          <a:bodyPr/>
+          <a:lstStyle/>
+          <a:p>
+            <a:pPr marL="514350" indent="-514350">
+              <a:buClr>
+                <a:srgbClr val="EC4024"/>
+              </a:buClr>
+              <a:buFont typeface="Calibri" pitchFamily="34" charset="0"/>
+              <a:buAutoNum type="arabicPeriod"/>
+            </a:pPr>
+            <a:r>
+              <a:rPr lang="ru-RU" b="1" smtClean="0">
+                <a:solidFill>
+                  <a:srgbClr val="005689"/>
+                </a:solidFill>
+              </a:rPr>
+              <a:t>Агентство (в идеале)</a:t>
+            </a:r>
+          </a:p>
+          <a:p>
+            <a:pPr marL="514350" indent="-514350">
+              <a:buClr>
+                <a:srgbClr val="EC4024"/>
+              </a:buClr>
+              <a:buFont typeface="Calibri" pitchFamily="34" charset="0"/>
+              <a:buAutoNum type="arabicPeriod"/>
+            </a:pPr>
+            <a:r>
+              <a:rPr lang="ru-RU" b="1" smtClean="0">
+                <a:solidFill>
+                  <a:srgbClr val="005689"/>
+                </a:solidFill>
+              </a:rPr>
+              <a:t>Аналитик на стороне Заказчика</a:t>
+            </a:r>
+          </a:p>
+          <a:p>
+            <a:pPr marL="514350" indent="-514350">
+              <a:buClr>
+                <a:srgbClr val="EC4024"/>
+              </a:buClr>
+              <a:buFont typeface="Calibri" pitchFamily="34" charset="0"/>
+              <a:buAutoNum type="arabicPeriod"/>
+            </a:pPr>
+            <a:r>
+              <a:rPr lang="ru-RU" b="1" smtClean="0">
+                <a:solidFill>
+                  <a:srgbClr val="005689"/>
+                </a:solidFill>
+              </a:rPr>
+              <a:t>Третья сторона (в рамках аудита кампании)</a:t>
+            </a:r>
+          </a:p>
+          <a:p>
+            <a:pPr marL="514350" indent="-514350">
+              <a:buClr>
+                <a:srgbClr val="EC4024"/>
+              </a:buClr>
+              <a:buFont typeface="Calibri" pitchFamily="34" charset="0"/>
+              <a:buAutoNum type="arabicPeriod"/>
+            </a:pPr>
+            <a:endParaRPr lang="ru-RU" b="1" smtClean="0">
+              <a:solidFill>
+                <a:srgbClr val="005689"/>
+              </a:solidFill>
+            </a:endParaRPr>
+          </a:p>
+        </p:txBody>
+      </p:sp>
+    </p:spTree>
+  </p:cSld>
+  <p:clrMapOvr>
+    <a:masterClrMapping/>
+  </p:clrMapOvr>
+  <p:timing>
+    <p:tnLst>
+      <p:par>
+        <p:cTn id="1" dur="indefinite" restart="never" nodeType="tmRoot"/>
+      </p:par>
+    </p:tnLst>
+  </p:timing>
+</p:sld>
+</file>
+
+<file path=ppt/slides/slide31.xml><?xml version="1.0" encoding="utf-8"?>
 <p:sld xmlns:a="http://schemas.openxmlformats.org/drawingml/2006/main" xmlns:r="http://schemas.openxmlformats.org/officeDocument/2006/relationships" xmlns:p="http://schemas.openxmlformats.org/presentationml/2006/main">
   <p:cSld>
     <p:bg>
@@ -7634,7 +8481,7 @@
       </p:grpSpPr>
       <p:sp>
         <p:nvSpPr>
-          <p:cNvPr id="2" name="Заголовок 1"/>
+          <p:cNvPr id="29698" name="Заголовок 1"/>
           <p:cNvSpPr>
             <a:spLocks noGrp="1"/>
           </p:cNvSpPr>
@@ -7644,144 +8491,437 @@
         </p:nvSpPr>
         <p:spPr>
           <a:xfrm>
-            <a:off x="500034" y="4786322"/>
-            <a:ext cx="7772400" cy="1470023"/>
+            <a:off x="642938" y="1428750"/>
+            <a:ext cx="7772400" cy="1470025"/>
           </a:xfrm>
         </p:spPr>
         <p:txBody>
+          <a:bodyPr/>
+          <a:lstStyle/>
+          <a:p>
+            <a:pPr algn="l"/>
+            <a:r>
+              <a:rPr lang="ru-RU" sz="6000" b="1" smtClean="0">
+                <a:solidFill>
+                  <a:schemeClr val="bg1"/>
+                </a:solidFill>
+              </a:rPr>
+              <a:t>Как обстоят дела</a:t>
+            </a:r>
+            <a:br>
+              <a:rPr lang="ru-RU" sz="6000" b="1" smtClean="0">
+                <a:solidFill>
+                  <a:schemeClr val="bg1"/>
+                </a:solidFill>
+              </a:rPr>
+            </a:br>
+            <a:r>
+              <a:rPr lang="ru-RU" sz="6000" b="1" smtClean="0">
+                <a:solidFill>
+                  <a:schemeClr val="bg1"/>
+                </a:solidFill>
+              </a:rPr>
+              <a:t>в жизни</a:t>
+            </a:r>
+            <a:br>
+              <a:rPr lang="ru-RU" sz="6000" b="1" smtClean="0">
+                <a:solidFill>
+                  <a:schemeClr val="bg1"/>
+                </a:solidFill>
+              </a:rPr>
+            </a:br>
+            <a:r>
+              <a:rPr lang="ru-RU" sz="6000" b="1" smtClean="0">
+                <a:solidFill>
+                  <a:schemeClr val="bg1"/>
+                </a:solidFill>
+              </a:rPr>
+              <a:t>(из опыта)</a:t>
+            </a:r>
+            <a:br>
+              <a:rPr lang="ru-RU" sz="6000" b="1" smtClean="0">
+                <a:solidFill>
+                  <a:schemeClr val="bg1"/>
+                </a:solidFill>
+              </a:rPr>
+            </a:br>
+            <a:endParaRPr lang="ru-RU" sz="6000" b="1" smtClean="0">
+              <a:solidFill>
+                <a:schemeClr val="bg1"/>
+              </a:solidFill>
+            </a:endParaRPr>
+          </a:p>
+        </p:txBody>
+      </p:sp>
+      <p:sp>
+        <p:nvSpPr>
+          <p:cNvPr id="29699" name="TextBox 4"/>
+          <p:cNvSpPr txBox="1">
+            <a:spLocks noChangeArrowheads="1"/>
+          </p:cNvSpPr>
+          <p:nvPr/>
+        </p:nvSpPr>
+        <p:spPr bwMode="auto">
+          <a:xfrm>
+            <a:off x="6143625" y="1571625"/>
+            <a:ext cx="2714625" cy="6248400"/>
+          </a:xfrm>
+          <a:prstGeom prst="rect">
+            <a:avLst/>
+          </a:prstGeom>
+          <a:noFill/>
+          <a:ln w="9525">
+            <a:noFill/>
+            <a:miter lim="800000"/>
+            <a:headEnd/>
+            <a:tailEnd/>
+          </a:ln>
+        </p:spPr>
+        <p:txBody>
           <a:bodyPr>
-            <a:noAutofit/>
+            <a:spAutoFit/>
           </a:bodyPr>
           <a:lstStyle/>
           <a:p>
+            <a:r>
+              <a:rPr lang="en-US" sz="40000">
+                <a:solidFill>
+                  <a:srgbClr val="EC4024"/>
+                </a:solidFill>
+                <a:ea typeface="Tahoma" pitchFamily="34" charset="0"/>
+              </a:rPr>
+              <a:t>?</a:t>
+            </a:r>
+            <a:endParaRPr lang="ru-RU" sz="40000">
+              <a:solidFill>
+                <a:srgbClr val="EC4024"/>
+              </a:solidFill>
+              <a:ea typeface="Tahoma" pitchFamily="34" charset="0"/>
+            </a:endParaRPr>
+          </a:p>
+        </p:txBody>
+      </p:sp>
+    </p:spTree>
+  </p:cSld>
+  <p:clrMapOvr>
+    <a:masterClrMapping/>
+  </p:clrMapOvr>
+  <p:timing>
+    <p:tnLst>
+      <p:par>
+        <p:cTn id="1" dur="indefinite" restart="never" nodeType="tmRoot"/>
+      </p:par>
+    </p:tnLst>
+  </p:timing>
+</p:sld>
+</file>
+
+<file path=ppt/slides/slide32.xml><?xml version="1.0" encoding="utf-8"?>
+<p:sld xmlns:a="http://schemas.openxmlformats.org/drawingml/2006/main" xmlns:r="http://schemas.openxmlformats.org/officeDocument/2006/relationships" xmlns:p="http://schemas.openxmlformats.org/presentationml/2006/main">
+  <p:cSld>
+    <p:bg>
+      <p:bgPr>
+        <a:solidFill>
+          <a:srgbClr val="005689"/>
+        </a:solidFill>
+        <a:effectLst/>
+      </p:bgPr>
+    </p:bg>
+    <p:spTree>
+      <p:nvGrpSpPr>
+        <p:cNvPr id="1" name=""/>
+        <p:cNvGrpSpPr/>
+        <p:nvPr/>
+      </p:nvGrpSpPr>
+      <p:grpSpPr>
+        <a:xfrm>
+          <a:off x="0" y="0"/>
+          <a:ext cx="0" cy="0"/>
+          <a:chOff x="0" y="0"/>
+          <a:chExt cx="0" cy="0"/>
+        </a:xfrm>
+      </p:grpSpPr>
+      <p:pic>
+        <p:nvPicPr>
+          <p:cNvPr id="30722" name="Picture 2"/>
+          <p:cNvPicPr>
+            <a:picLocks noChangeAspect="1" noChangeArrowheads="1"/>
+          </p:cNvPicPr>
+          <p:nvPr/>
+        </p:nvPicPr>
+        <p:blipFill>
+          <a:blip r:embed="rId2"/>
+          <a:srcRect/>
+          <a:stretch>
+            <a:fillRect/>
+          </a:stretch>
+        </p:blipFill>
+        <p:spPr bwMode="auto">
+          <a:xfrm>
+            <a:off x="0" y="252413"/>
+            <a:ext cx="9144000" cy="6462712"/>
+          </a:xfrm>
+          <a:prstGeom prst="rect">
+            <a:avLst/>
+          </a:prstGeom>
+          <a:noFill/>
+          <a:ln w="9525">
+            <a:noFill/>
+            <a:miter lim="800000"/>
+            <a:headEnd/>
+            <a:tailEnd/>
+          </a:ln>
+        </p:spPr>
+      </p:pic>
+    </p:spTree>
+  </p:cSld>
+  <p:clrMapOvr>
+    <a:masterClrMapping/>
+  </p:clrMapOvr>
+  <p:timing>
+    <p:tnLst>
+      <p:par>
+        <p:cTn id="1" dur="indefinite" restart="never" nodeType="tmRoot"/>
+      </p:par>
+    </p:tnLst>
+  </p:timing>
+</p:sld>
+</file>
+
+<file path=ppt/slides/slide33.xml><?xml version="1.0" encoding="utf-8"?>
+<p:sld xmlns:a="http://schemas.openxmlformats.org/drawingml/2006/main" xmlns:r="http://schemas.openxmlformats.org/officeDocument/2006/relationships" xmlns:p="http://schemas.openxmlformats.org/presentationml/2006/main">
+  <p:cSld>
+    <p:bg>
+      <p:bgPr>
+        <a:solidFill>
+          <a:srgbClr val="005689"/>
+        </a:solidFill>
+        <a:effectLst/>
+      </p:bgPr>
+    </p:bg>
+    <p:spTree>
+      <p:nvGrpSpPr>
+        <p:cNvPr id="1" name=""/>
+        <p:cNvGrpSpPr/>
+        <p:nvPr/>
+      </p:nvGrpSpPr>
+      <p:grpSpPr>
+        <a:xfrm>
+          <a:off x="0" y="0"/>
+          <a:ext cx="0" cy="0"/>
+          <a:chOff x="0" y="0"/>
+          <a:chExt cx="0" cy="0"/>
+        </a:xfrm>
+      </p:grpSpPr>
+      <p:sp>
+        <p:nvSpPr>
+          <p:cNvPr id="31746" name="Заголовок 1"/>
+          <p:cNvSpPr>
+            <a:spLocks noGrp="1"/>
+          </p:cNvSpPr>
+          <p:nvPr>
+            <p:ph type="ctrTitle"/>
+          </p:nvPr>
+        </p:nvSpPr>
+        <p:spPr>
+          <a:xfrm>
+            <a:off x="500063" y="4786313"/>
+            <a:ext cx="7772400" cy="1470025"/>
+          </a:xfrm>
+        </p:spPr>
+        <p:txBody>
+          <a:bodyPr/>
+          <a:lstStyle/>
+          <a:p>
             <a:pPr algn="l"/>
             <a:r>
-              <a:rPr lang="ru-RU" sz="3200" b="1" dirty="0" smtClean="0">
+              <a:rPr lang="ru-RU" sz="3200" b="1" smtClean="0">
                 <a:solidFill>
                   <a:schemeClr val="bg1"/>
                 </a:solidFill>
               </a:rPr>
-              <a:t>Александр </a:t>
-            </a:r>
-            <a:r>
-              <a:rPr lang="ru-RU" sz="3200" b="1" dirty="0" err="1" smtClean="0">
+              <a:t>Александр Недзельский</a:t>
+            </a:r>
+            <a:br>
+              <a:rPr lang="ru-RU" sz="3200" b="1" smtClean="0">
                 <a:solidFill>
                   <a:schemeClr val="bg1"/>
                 </a:solidFill>
               </a:rPr>
-              <a:t>Недзельский</a:t>
-            </a:r>
-            <a:r>
-              <a:rPr lang="ru-RU" sz="3200" b="1" dirty="0">
+            </a:br>
+            <a:r>
+              <a:rPr lang="ru-RU" sz="2400" smtClean="0">
                 <a:solidFill>
                   <a:schemeClr val="bg1"/>
                 </a:solidFill>
               </a:rPr>
+              <a:t>руководитель веб-студии </a:t>
+            </a:r>
+            <a:r>
+              <a:rPr lang="en-US" sz="2400" b="1" i="1" smtClean="0">
+                <a:solidFill>
+                  <a:schemeClr val="bg1"/>
+                </a:solidFill>
+              </a:rPr>
+              <a:t>itsoft</a:t>
+            </a:r>
+            <a:br>
+              <a:rPr lang="en-US" sz="2400" b="1" i="1" smtClean="0">
+                <a:solidFill>
+                  <a:schemeClr val="bg1"/>
+                </a:solidFill>
+              </a:rPr>
+            </a:br>
+            <a:r>
+              <a:rPr lang="en-US" sz="2400" smtClean="0">
+                <a:solidFill>
+                  <a:schemeClr val="bg1"/>
+                </a:solidFill>
+              </a:rPr>
               <a:t/>
             </a:r>
             <a:br>
-              <a:rPr lang="ru-RU" sz="3200" b="1" dirty="0">
+              <a:rPr lang="en-US" sz="2400" smtClean="0">
                 <a:solidFill>
                   <a:schemeClr val="bg1"/>
                 </a:solidFill>
               </a:rPr>
             </a:br>
             <a:r>
-              <a:rPr lang="ru-RU" sz="2400" dirty="0" smtClean="0">
+              <a:rPr lang="en-US" sz="2400" smtClean="0">
                 <a:solidFill>
                   <a:schemeClr val="bg1"/>
                 </a:solidFill>
               </a:rPr>
-              <a:t>руководитель </a:t>
-            </a:r>
-            <a:r>
-              <a:rPr lang="ru-RU" sz="2400" dirty="0" err="1" smtClean="0">
+              <a:t>itsoft.ru</a:t>
+            </a:r>
+            <a:r>
+              <a:rPr lang="ru-RU" sz="6000" b="1" smtClean="0">
                 <a:solidFill>
                   <a:schemeClr val="bg1"/>
                 </a:solidFill>
               </a:rPr>
-              <a:t>веб-студии</a:t>
-            </a:r>
-            <a:r>
-              <a:rPr lang="ru-RU" sz="2400" dirty="0" smtClean="0">
+              <a:t/>
+            </a:r>
+            <a:br>
+              <a:rPr lang="ru-RU" sz="6000" b="1" smtClean="0">
                 <a:solidFill>
                   <a:schemeClr val="bg1"/>
                 </a:solidFill>
               </a:rPr>
-              <a:t> </a:t>
-            </a:r>
-            <a:r>
-              <a:rPr lang="en-US" sz="2400" b="1" i="1" dirty="0" err="1" smtClean="0">
+            </a:br>
+            <a:endParaRPr lang="ru-RU" sz="6000" b="1" smtClean="0">
+              <a:solidFill>
+                <a:schemeClr val="bg1"/>
+              </a:solidFill>
+            </a:endParaRPr>
+          </a:p>
+        </p:txBody>
+      </p:sp>
+      <p:sp>
+        <p:nvSpPr>
+          <p:cNvPr id="4" name="Заголовок 1"/>
+          <p:cNvSpPr txBox="1">
+            <a:spLocks/>
+          </p:cNvSpPr>
+          <p:nvPr/>
+        </p:nvSpPr>
+        <p:spPr>
+          <a:xfrm>
+            <a:off x="357188" y="5072063"/>
+            <a:ext cx="7772400" cy="1928812"/>
+          </a:xfrm>
+          <a:prstGeom prst="rect">
+            <a:avLst/>
+          </a:prstGeom>
+        </p:spPr>
+        <p:txBody>
+          <a:bodyPr lIns="91422" tIns="45711" rIns="91422" bIns="45711" anchor="ctr"/>
+          <a:lstStyle/>
+          <a:p>
+            <a:pPr defTabSz="914226" fontAlgn="auto">
+              <a:spcAft>
+                <a:spcPts val="0"/>
+              </a:spcAft>
+              <a:defRPr/>
+            </a:pPr>
+            <a:r>
+              <a:rPr lang="en-US" sz="2400" b="1" i="1" dirty="0">
                 <a:solidFill>
                   <a:schemeClr val="bg1"/>
                 </a:solidFill>
-              </a:rPr>
-              <a:t>itsoft</a:t>
-            </a:r>
-            <a:r>
-              <a:rPr lang="en-US" sz="2400" b="1" i="1" dirty="0" smtClean="0">
+                <a:latin typeface="+mj-lt"/>
+                <a:ea typeface="+mj-ea"/>
+                <a:cs typeface="+mj-cs"/>
+              </a:rPr>
+              <a:t/>
+            </a:r>
+            <a:br>
+              <a:rPr lang="en-US" sz="2400" b="1" i="1" dirty="0">
                 <a:solidFill>
                   <a:schemeClr val="bg1"/>
                 </a:solidFill>
+                <a:latin typeface="+mj-lt"/>
+                <a:ea typeface="+mj-ea"/>
+                <a:cs typeface="+mj-cs"/>
+              </a:rPr>
+            </a:br>
+            <a:r>
+              <a:rPr lang="en-US" sz="2400" dirty="0">
+                <a:solidFill>
+                  <a:schemeClr val="bg1"/>
+                </a:solidFill>
+                <a:latin typeface="+mj-lt"/>
+                <a:ea typeface="+mj-ea"/>
+                <a:cs typeface="+mj-cs"/>
+              </a:rPr>
+              <a:t>+7 495 988 30 40</a:t>
+            </a:r>
+            <a:br>
+              <a:rPr lang="en-US" sz="2400" dirty="0">
+                <a:solidFill>
+                  <a:schemeClr val="bg1"/>
+                </a:solidFill>
+                <a:latin typeface="+mj-lt"/>
+                <a:ea typeface="+mj-ea"/>
+                <a:cs typeface="+mj-cs"/>
+              </a:rPr>
+            </a:br>
+            <a:r>
+              <a:rPr lang="ru-RU" sz="6000" b="1" dirty="0">
+                <a:solidFill>
+                  <a:schemeClr val="bg1"/>
+                </a:solidFill>
+                <a:latin typeface="+mj-lt"/>
+                <a:ea typeface="+mj-ea"/>
+                <a:cs typeface="+mj-cs"/>
               </a:rPr>
               <a:t/>
             </a:r>
             <a:br>
-              <a:rPr lang="en-US" sz="2400" b="1" i="1" dirty="0" smtClean="0">
+              <a:rPr lang="ru-RU" sz="6000" b="1" dirty="0">
                 <a:solidFill>
                   <a:schemeClr val="bg1"/>
                 </a:solidFill>
-              </a:rPr>
-            </a:br>
-            <a:r>
-              <a:rPr lang="en-US" sz="2400" dirty="0" smtClean="0">
-                <a:solidFill>
-                  <a:schemeClr val="bg1"/>
-                </a:solidFill>
-              </a:rPr>
-              <a:t/>
-            </a:r>
-            <a:br>
-              <a:rPr lang="en-US" sz="2400" dirty="0" smtClean="0">
-                <a:solidFill>
-                  <a:schemeClr val="bg1"/>
-                </a:solidFill>
-              </a:rPr>
-            </a:br>
-            <a:r>
-              <a:rPr lang="en-US" sz="2400" dirty="0" smtClean="0">
-                <a:solidFill>
-                  <a:schemeClr val="bg1"/>
-                </a:solidFill>
-              </a:rPr>
-              <a:t>itsoft.ru</a:t>
-            </a:r>
-            <a:r>
-              <a:rPr lang="ru-RU" sz="6000" b="1" dirty="0" smtClean="0">
-                <a:solidFill>
-                  <a:schemeClr val="bg1"/>
-                </a:solidFill>
-              </a:rPr>
-              <a:t/>
-            </a:r>
-            <a:br>
-              <a:rPr lang="ru-RU" sz="6000" b="1" dirty="0" smtClean="0">
-                <a:solidFill>
-                  <a:schemeClr val="bg1"/>
-                </a:solidFill>
+                <a:latin typeface="+mj-lt"/>
+                <a:ea typeface="+mj-ea"/>
+                <a:cs typeface="+mj-cs"/>
               </a:rPr>
             </a:br>
             <a:endParaRPr lang="ru-RU" sz="6000" b="1" dirty="0">
               <a:solidFill>
                 <a:schemeClr val="bg1"/>
               </a:solidFill>
+              <a:latin typeface="+mj-lt"/>
+              <a:ea typeface="+mj-ea"/>
+              <a:cs typeface="+mj-cs"/>
             </a:endParaRPr>
           </a:p>
         </p:txBody>
       </p:sp>
       <p:sp>
         <p:nvSpPr>
-          <p:cNvPr id="4" name="Заголовок 1"/>
+          <p:cNvPr id="7" name="Заголовок 1"/>
           <p:cNvSpPr txBox="1">
             <a:spLocks/>
           </p:cNvSpPr>
@@ -7789,230 +8929,49 @@
         </p:nvSpPr>
         <p:spPr>
           <a:xfrm>
-            <a:off x="357158" y="5072074"/>
-            <a:ext cx="7772400" cy="1928825"/>
+            <a:off x="428625" y="214313"/>
+            <a:ext cx="7772400" cy="1928812"/>
           </a:xfrm>
           <a:prstGeom prst="rect">
             <a:avLst/>
           </a:prstGeom>
         </p:spPr>
         <p:txBody>
-          <a:bodyPr vert="horz" lIns="91422" tIns="45711" rIns="91422" bIns="45711" rtlCol="0" anchor="ctr">
-            <a:noAutofit/>
-          </a:bodyPr>
+          <a:bodyPr lIns="91422" tIns="45711" rIns="91422" bIns="45711" anchor="ctr"/>
           <a:lstStyle/>
           <a:p>
-            <a:pPr marL="0" marR="0" lvl="0" indent="0" algn="l" defTabSz="914226" rtl="0" eaLnBrk="1" fontAlgn="auto" latinLnBrk="0" hangingPunct="1">
-              <a:lnSpc>
-                <a:spcPct val="100000"/>
-              </a:lnSpc>
-              <a:spcBef>
-                <a:spcPct val="0"/>
-              </a:spcBef>
+            <a:pPr defTabSz="914226" fontAlgn="auto">
               <a:spcAft>
                 <a:spcPts val="0"/>
               </a:spcAft>
-              <a:buClrTx/>
-              <a:buSzTx/>
-              <a:buFontTx/>
-              <a:buNone/>
-              <a:tabLst/>
               <a:defRPr/>
             </a:pPr>
             <a:r>
-              <a:rPr kumimoji="0" lang="en-US" sz="2400" b="1" i="1" u="none" strike="noStrike" kern="1200" cap="none" spc="0" normalizeH="0" baseline="0" noProof="0" dirty="0" smtClean="0">
-                <a:ln>
-                  <a:noFill/>
-                </a:ln>
+              <a:rPr lang="en-US" sz="4800" b="1" dirty="0" err="1">
                 <a:solidFill>
                   <a:schemeClr val="bg1"/>
                 </a:solidFill>
-                <a:effectLst/>
-                <a:uLnTx/>
-                <a:uFillTx/>
                 <a:latin typeface="+mj-lt"/>
                 <a:ea typeface="+mj-ea"/>
                 <a:cs typeface="+mj-cs"/>
               </a:rPr>
-              <a:t/>
-            </a:r>
-            <a:br>
-              <a:rPr kumimoji="0" lang="en-US" sz="2400" b="1" i="1" u="none" strike="noStrike" kern="1200" cap="none" spc="0" normalizeH="0" baseline="0" noProof="0" dirty="0" smtClean="0">
-                <a:ln>
-                  <a:noFill/>
-                </a:ln>
+              <a:t>nedzelsky</a:t>
+            </a:r>
+            <a:r>
+              <a:rPr lang="en-US" sz="4800" b="1" dirty="0">
                 <a:solidFill>
                   <a:schemeClr val="bg1"/>
                 </a:solidFill>
-                <a:effectLst/>
-                <a:uLnTx/>
-                <a:uFillTx/>
                 <a:latin typeface="+mj-lt"/>
                 <a:ea typeface="+mj-ea"/>
                 <a:cs typeface="+mj-cs"/>
               </a:rPr>
-            </a:br>
-            <a:r>
-              <a:rPr kumimoji="0" lang="en-US" sz="2400" b="0" i="0" u="none" strike="noStrike" kern="1200" cap="none" spc="0" normalizeH="0" baseline="0" noProof="0" dirty="0" smtClean="0">
-                <a:ln>
-                  <a:noFill/>
-                </a:ln>
-                <a:solidFill>
-                  <a:schemeClr val="bg1"/>
-                </a:solidFill>
-                <a:effectLst/>
-                <a:uLnTx/>
-                <a:uFillTx/>
-                <a:latin typeface="+mj-lt"/>
-                <a:ea typeface="+mj-ea"/>
-                <a:cs typeface="+mj-cs"/>
-              </a:rPr>
-              <a:t>+7 495 988 30 40</a:t>
-            </a:r>
-            <a:br>
-              <a:rPr kumimoji="0" lang="en-US" sz="2400" b="0" i="0" u="none" strike="noStrike" kern="1200" cap="none" spc="0" normalizeH="0" baseline="0" noProof="0" dirty="0" smtClean="0">
-                <a:ln>
-                  <a:noFill/>
-                </a:ln>
-                <a:solidFill>
-                  <a:schemeClr val="bg1"/>
-                </a:solidFill>
-                <a:effectLst/>
-                <a:uLnTx/>
-                <a:uFillTx/>
-                <a:latin typeface="+mj-lt"/>
-                <a:ea typeface="+mj-ea"/>
-                <a:cs typeface="+mj-cs"/>
-              </a:rPr>
-            </a:br>
-            <a:r>
-              <a:rPr kumimoji="0" lang="ru-RU" sz="6000" b="1" i="0" u="none" strike="noStrike" kern="1200" cap="none" spc="0" normalizeH="0" baseline="0" noProof="0" dirty="0" smtClean="0">
-                <a:ln>
-                  <a:noFill/>
-                </a:ln>
-                <a:solidFill>
-                  <a:schemeClr val="bg1"/>
-                </a:solidFill>
-                <a:effectLst/>
-                <a:uLnTx/>
-                <a:uFillTx/>
-                <a:latin typeface="+mj-lt"/>
-                <a:ea typeface="+mj-ea"/>
-                <a:cs typeface="+mj-cs"/>
-              </a:rPr>
-              <a:t/>
-            </a:r>
-            <a:br>
-              <a:rPr kumimoji="0" lang="ru-RU" sz="6000" b="1" i="0" u="none" strike="noStrike" kern="1200" cap="none" spc="0" normalizeH="0" baseline="0" noProof="0" dirty="0" smtClean="0">
-                <a:ln>
-                  <a:noFill/>
-                </a:ln>
-                <a:solidFill>
-                  <a:schemeClr val="bg1"/>
-                </a:solidFill>
-                <a:effectLst/>
-                <a:uLnTx/>
-                <a:uFillTx/>
-                <a:latin typeface="+mj-lt"/>
-                <a:ea typeface="+mj-ea"/>
-                <a:cs typeface="+mj-cs"/>
-              </a:rPr>
-            </a:br>
-            <a:endParaRPr kumimoji="0" lang="ru-RU" sz="6000" b="1" i="0" u="none" strike="noStrike" kern="1200" cap="none" spc="0" normalizeH="0" baseline="0" noProof="0" dirty="0" smtClean="0">
-              <a:ln>
-                <a:noFill/>
-              </a:ln>
+              <a:t>.pro/ireklama.pptx</a:t>
+            </a:r>
+            <a:endParaRPr lang="ru-RU" sz="4800" b="1" dirty="0">
               <a:solidFill>
                 <a:schemeClr val="bg1"/>
               </a:solidFill>
-              <a:effectLst/>
-              <a:uLnTx/>
-              <a:uFillTx/>
-              <a:latin typeface="+mj-lt"/>
-              <a:ea typeface="+mj-ea"/>
-              <a:cs typeface="+mj-cs"/>
-            </a:endParaRPr>
-          </a:p>
-        </p:txBody>
-      </p:sp>
-      <p:sp>
-        <p:nvSpPr>
-          <p:cNvPr id="7" name="Заголовок 1"/>
-          <p:cNvSpPr txBox="1">
-            <a:spLocks/>
-          </p:cNvSpPr>
-          <p:nvPr/>
-        </p:nvSpPr>
-        <p:spPr>
-          <a:xfrm>
-            <a:off x="428596" y="214291"/>
-            <a:ext cx="7772400" cy="1928825"/>
-          </a:xfrm>
-          <a:prstGeom prst="rect">
-            <a:avLst/>
-          </a:prstGeom>
-        </p:spPr>
-        <p:txBody>
-          <a:bodyPr vert="horz" lIns="91422" tIns="45711" rIns="91422" bIns="45711" rtlCol="0" anchor="ctr">
-            <a:noAutofit/>
-          </a:bodyPr>
-          <a:lstStyle/>
-          <a:p>
-            <a:pPr marL="0" marR="0" lvl="0" indent="0" algn="l" defTabSz="914226" rtl="0" eaLnBrk="1" fontAlgn="auto" latinLnBrk="0" hangingPunct="1">
-              <a:lnSpc>
-                <a:spcPct val="100000"/>
-              </a:lnSpc>
-              <a:spcBef>
-                <a:spcPct val="0"/>
-              </a:spcBef>
-              <a:spcAft>
-                <a:spcPts val="0"/>
-              </a:spcAft>
-              <a:buClrTx/>
-              <a:buSzTx/>
-              <a:buFontTx/>
-              <a:buNone/>
-              <a:tabLst/>
-              <a:defRPr/>
-            </a:pPr>
-            <a:r>
-              <a:rPr kumimoji="0" lang="en-US" sz="4800" b="1" u="none" strike="noStrike" kern="1200" cap="none" spc="0" normalizeH="0" baseline="0" noProof="0" dirty="0" err="1" smtClean="0">
-                <a:ln>
-                  <a:noFill/>
-                </a:ln>
-                <a:solidFill>
-                  <a:schemeClr val="bg1"/>
-                </a:solidFill>
-                <a:effectLst/>
-                <a:uLnTx/>
-                <a:uFillTx/>
-                <a:latin typeface="+mj-lt"/>
-                <a:ea typeface="+mj-ea"/>
-                <a:cs typeface="+mj-cs"/>
-              </a:rPr>
-              <a:t>nedzelsky</a:t>
-            </a:r>
-            <a:r>
-              <a:rPr lang="en-US" sz="4800" b="1" dirty="0" smtClean="0">
-                <a:solidFill>
-                  <a:schemeClr val="bg1"/>
-                </a:solidFill>
-                <a:latin typeface="+mj-lt"/>
-                <a:ea typeface="+mj-ea"/>
-                <a:cs typeface="+mj-cs"/>
-              </a:rPr>
-              <a:t>.pro/ireklama.pptx</a:t>
-            </a:r>
-            <a:endParaRPr kumimoji="0" lang="ru-RU" sz="4800" b="1" u="none" strike="noStrike" kern="1200" cap="none" spc="0" normalizeH="0" baseline="0" noProof="0" dirty="0" smtClean="0">
-              <a:ln>
-                <a:noFill/>
-              </a:ln>
-              <a:solidFill>
-                <a:schemeClr val="bg1"/>
-              </a:solidFill>
-              <a:effectLst/>
-              <a:uLnTx/>
-              <a:uFillTx/>
               <a:latin typeface="+mj-lt"/>
               <a:ea typeface="+mj-ea"/>
               <a:cs typeface="+mj-cs"/>
@@ -8054,7 +9013,7 @@
       </p:grpSpPr>
       <p:sp>
         <p:nvSpPr>
-          <p:cNvPr id="5" name="Заголовок 4"/>
+          <p:cNvPr id="5122" name="Заголовок 4"/>
           <p:cNvSpPr>
             <a:spLocks noGrp="1"/>
           </p:cNvSpPr>
@@ -8069,18 +9028,13 @@
           <a:p>
             <a:pPr algn="l"/>
             <a:r>
-              <a:rPr lang="ru-RU" b="1" dirty="0" smtClean="0">
+              <a:rPr lang="ru-RU" b="1" smtClean="0">
                 <a:solidFill>
                   <a:srgbClr val="005689"/>
                 </a:solidFill>
               </a:rPr>
               <a:t>Схема процесса</a:t>
             </a:r>
-            <a:endParaRPr lang="ru-RU" b="1" dirty="0">
-              <a:solidFill>
-                <a:srgbClr val="005689"/>
-              </a:solidFill>
-            </a:endParaRPr>
           </a:p>
         </p:txBody>
       </p:sp>
@@ -8092,8 +9046,8 @@
         </p:nvSpPr>
         <p:spPr>
           <a:xfrm>
-            <a:off x="571472" y="1643050"/>
-            <a:ext cx="2214578" cy="642942"/>
+            <a:off x="571500" y="1643063"/>
+            <a:ext cx="2214563" cy="642937"/>
           </a:xfrm>
           <a:prstGeom prst="rect">
             <a:avLst/>
@@ -8121,23 +9075,26 @@
           </a:fontRef>
         </p:style>
         <p:txBody>
-          <a:bodyPr rtlCol="0" anchor="ctr"/>
+          <a:bodyPr anchor="ctr"/>
           <a:lstStyle/>
           <a:p>
-            <a:pPr algn="ctr"/>
-            <a:r>
-              <a:rPr lang="ru-RU" sz="3100" b="1" dirty="0" smtClean="0">
+            <a:pPr algn="ctr" defTabSz="914226" fontAlgn="auto">
+              <a:spcBef>
+                <a:spcPts val="0"/>
+              </a:spcBef>
+              <a:spcAft>
+                <a:spcPts val="0"/>
+              </a:spcAft>
+              <a:defRPr/>
+            </a:pPr>
+            <a:r>
+              <a:rPr lang="ru-RU" sz="3100" b="1" dirty="0">
                 <a:solidFill>
                   <a:srgbClr val="005689"/>
                 </a:solidFill>
               </a:rPr>
               <a:t>Подготовка</a:t>
             </a:r>
-            <a:endParaRPr lang="ru-RU" sz="3100" b="1" dirty="0">
-              <a:solidFill>
-                <a:srgbClr val="005689"/>
-              </a:solidFill>
-            </a:endParaRPr>
           </a:p>
         </p:txBody>
       </p:sp>
@@ -8149,8 +9106,8 @@
         </p:nvSpPr>
         <p:spPr>
           <a:xfrm>
-            <a:off x="571472" y="2714620"/>
-            <a:ext cx="2214578" cy="571504"/>
+            <a:off x="571500" y="2714625"/>
+            <a:ext cx="2214563" cy="571500"/>
           </a:xfrm>
           <a:prstGeom prst="rect">
             <a:avLst/>
@@ -8178,23 +9135,26 @@
           </a:fontRef>
         </p:style>
         <p:txBody>
-          <a:bodyPr rtlCol="0" anchor="ctr"/>
+          <a:bodyPr anchor="ctr"/>
           <a:lstStyle/>
           <a:p>
-            <a:pPr algn="ctr"/>
-            <a:r>
-              <a:rPr lang="ru-RU" sz="3100" b="1" dirty="0" smtClean="0">
+            <a:pPr algn="ctr" defTabSz="914226" fontAlgn="auto">
+              <a:spcBef>
+                <a:spcPts val="0"/>
+              </a:spcBef>
+              <a:spcAft>
+                <a:spcPts val="0"/>
+              </a:spcAft>
+              <a:defRPr/>
+            </a:pPr>
+            <a:r>
+              <a:rPr lang="ru-RU" sz="3100" b="1" dirty="0">
                 <a:solidFill>
                   <a:srgbClr val="005689"/>
                 </a:solidFill>
               </a:rPr>
               <a:t>Запуск</a:t>
             </a:r>
-            <a:endParaRPr lang="ru-RU" sz="3100" b="1" dirty="0">
-              <a:solidFill>
-                <a:srgbClr val="005689"/>
-              </a:solidFill>
-            </a:endParaRPr>
           </a:p>
         </p:txBody>
       </p:sp>
@@ -8206,8 +9166,8 @@
         </p:nvSpPr>
         <p:spPr>
           <a:xfrm>
-            <a:off x="4143372" y="2143116"/>
-            <a:ext cx="3857652" cy="642942"/>
+            <a:off x="4143375" y="2143125"/>
+            <a:ext cx="3857625" cy="642938"/>
           </a:xfrm>
           <a:prstGeom prst="rect">
             <a:avLst/>
@@ -8235,23 +9195,26 @@
           </a:fontRef>
         </p:style>
         <p:txBody>
-          <a:bodyPr rtlCol="0" anchor="ctr"/>
+          <a:bodyPr anchor="ctr"/>
           <a:lstStyle/>
           <a:p>
-            <a:pPr algn="ctr"/>
-            <a:r>
-              <a:rPr lang="ru-RU" sz="3100" b="1" dirty="0" smtClean="0">
+            <a:pPr algn="ctr" defTabSz="914226" fontAlgn="auto">
+              <a:spcBef>
+                <a:spcPts val="0"/>
+              </a:spcBef>
+              <a:spcAft>
+                <a:spcPts val="0"/>
+              </a:spcAft>
+              <a:defRPr/>
+            </a:pPr>
+            <a:r>
+              <a:rPr lang="ru-RU" sz="3100" b="1" dirty="0">
                 <a:solidFill>
                   <a:srgbClr val="005689"/>
                 </a:solidFill>
               </a:rPr>
               <a:t>Сбор статистики</a:t>
             </a:r>
-            <a:endParaRPr lang="ru-RU" sz="3100" b="1" dirty="0">
-              <a:solidFill>
-                <a:srgbClr val="005689"/>
-              </a:solidFill>
-            </a:endParaRPr>
           </a:p>
         </p:txBody>
       </p:sp>
@@ -8263,8 +9226,8 @@
         </p:nvSpPr>
         <p:spPr>
           <a:xfrm>
-            <a:off x="4143372" y="3714752"/>
-            <a:ext cx="3857652" cy="642942"/>
+            <a:off x="4143375" y="3714750"/>
+            <a:ext cx="3857625" cy="642938"/>
           </a:xfrm>
           <a:prstGeom prst="rect">
             <a:avLst/>
@@ -8292,23 +9255,26 @@
           </a:fontRef>
         </p:style>
         <p:txBody>
-          <a:bodyPr rtlCol="0" anchor="ctr"/>
+          <a:bodyPr anchor="ctr"/>
           <a:lstStyle/>
           <a:p>
-            <a:pPr algn="ctr"/>
-            <a:r>
-              <a:rPr lang="ru-RU" sz="3100" b="1" dirty="0" smtClean="0">
+            <a:pPr algn="ctr" defTabSz="914226" fontAlgn="auto">
+              <a:spcBef>
+                <a:spcPts val="0"/>
+              </a:spcBef>
+              <a:spcAft>
+                <a:spcPts val="0"/>
+              </a:spcAft>
+              <a:defRPr/>
+            </a:pPr>
+            <a:r>
+              <a:rPr lang="ru-RU" sz="3100" b="1" dirty="0">
                 <a:solidFill>
                   <a:srgbClr val="005689"/>
                 </a:solidFill>
               </a:rPr>
               <a:t>Анализ</a:t>
             </a:r>
-            <a:endParaRPr lang="ru-RU" sz="3100" b="1" dirty="0">
-              <a:solidFill>
-                <a:srgbClr val="005689"/>
-              </a:solidFill>
-            </a:endParaRPr>
           </a:p>
         </p:txBody>
       </p:sp>
@@ -8320,8 +9286,8 @@
         </p:nvSpPr>
         <p:spPr>
           <a:xfrm>
-            <a:off x="4143372" y="5143512"/>
-            <a:ext cx="3857652" cy="642942"/>
+            <a:off x="4143375" y="5143500"/>
+            <a:ext cx="3857625" cy="642938"/>
           </a:xfrm>
           <a:prstGeom prst="rect">
             <a:avLst/>
@@ -8349,23 +9315,26 @@
           </a:fontRef>
         </p:style>
         <p:txBody>
-          <a:bodyPr rtlCol="0" anchor="ctr"/>
+          <a:bodyPr anchor="ctr"/>
           <a:lstStyle/>
           <a:p>
-            <a:pPr algn="ctr"/>
-            <a:r>
-              <a:rPr lang="ru-RU" sz="3100" b="1" dirty="0" smtClean="0">
+            <a:pPr algn="ctr" defTabSz="914226" fontAlgn="auto">
+              <a:spcBef>
+                <a:spcPts val="0"/>
+              </a:spcBef>
+              <a:spcAft>
+                <a:spcPts val="0"/>
+              </a:spcAft>
+              <a:defRPr/>
+            </a:pPr>
+            <a:r>
+              <a:rPr lang="ru-RU" sz="3100" b="1" dirty="0">
                 <a:solidFill>
                   <a:srgbClr val="005689"/>
                 </a:solidFill>
               </a:rPr>
               <a:t>Внесение изменений</a:t>
             </a:r>
-            <a:endParaRPr lang="ru-RU" sz="3100" b="1" dirty="0">
-              <a:solidFill>
-                <a:srgbClr val="005689"/>
-              </a:solidFill>
-            </a:endParaRPr>
           </a:p>
         </p:txBody>
       </p:sp>
@@ -8380,8 +9349,8 @@
         </p:nvCxnSpPr>
         <p:spPr>
           <a:xfrm rot="5400000">
-            <a:off x="1464447" y="2500306"/>
-            <a:ext cx="428628" cy="1588"/>
+            <a:off x="1464469" y="2499519"/>
+            <a:ext cx="428625" cy="1587"/>
           </a:xfrm>
           <a:prstGeom prst="straightConnector1">
             <a:avLst/>
@@ -8413,8 +9382,8 @@
         </p:nvSpPr>
         <p:spPr>
           <a:xfrm>
-            <a:off x="571472" y="5929330"/>
-            <a:ext cx="2214578" cy="571504"/>
+            <a:off x="571500" y="5929313"/>
+            <a:ext cx="2214563" cy="571500"/>
           </a:xfrm>
           <a:prstGeom prst="rect">
             <a:avLst/>
@@ -8442,23 +9411,26 @@
           </a:fontRef>
         </p:style>
         <p:txBody>
-          <a:bodyPr rtlCol="0" anchor="ctr"/>
+          <a:bodyPr anchor="ctr"/>
           <a:lstStyle/>
           <a:p>
-            <a:pPr algn="ctr"/>
-            <a:r>
-              <a:rPr lang="ru-RU" sz="3100" b="1" dirty="0" smtClean="0">
+            <a:pPr algn="ctr" defTabSz="914226" fontAlgn="auto">
+              <a:spcBef>
+                <a:spcPts val="0"/>
+              </a:spcBef>
+              <a:spcAft>
+                <a:spcPts val="0"/>
+              </a:spcAft>
+              <a:defRPr/>
+            </a:pPr>
+            <a:r>
+              <a:rPr lang="ru-RU" sz="3100" b="1" dirty="0">
                 <a:solidFill>
                   <a:srgbClr val="005689"/>
                 </a:solidFill>
               </a:rPr>
               <a:t>Выводы</a:t>
             </a:r>
-            <a:endParaRPr lang="ru-RU" sz="3100" b="1" dirty="0">
-              <a:solidFill>
-                <a:srgbClr val="005689"/>
-              </a:solidFill>
-            </a:endParaRPr>
           </a:p>
         </p:txBody>
       </p:sp>
@@ -8473,8 +9445,8 @@
         </p:nvCxnSpPr>
         <p:spPr>
           <a:xfrm rot="5400000">
-            <a:off x="5607851" y="3250405"/>
-            <a:ext cx="928694" cy="1588"/>
+            <a:off x="5607844" y="3250407"/>
+            <a:ext cx="930275" cy="1587"/>
           </a:xfrm>
           <a:prstGeom prst="straightConnector1">
             <a:avLst/>
@@ -8506,8 +9478,8 @@
         </p:nvSpPr>
         <p:spPr>
           <a:xfrm>
-            <a:off x="3214678" y="1643050"/>
-            <a:ext cx="5786478" cy="4857784"/>
+            <a:off x="3214688" y="1643063"/>
+            <a:ext cx="5786437" cy="4857750"/>
           </a:xfrm>
           <a:prstGeom prst="rect">
             <a:avLst/>
@@ -8534,10 +9506,18 @@
           </a:fontRef>
         </p:style>
         <p:txBody>
-          <a:bodyPr rtlCol="0" anchor="ctr"/>
+          <a:bodyPr anchor="ctr"/>
           <a:lstStyle/>
           <a:p>
-            <a:pPr algn="ctr"/>
+            <a:pPr algn="ctr" defTabSz="914226" fontAlgn="auto">
+              <a:spcBef>
+                <a:spcPts val="0"/>
+              </a:spcBef>
+              <a:spcAft>
+                <a:spcPts val="0"/>
+              </a:spcAft>
+              <a:defRPr/>
+            </a:pPr>
             <a:endParaRPr lang="ru-RU"/>
           </a:p>
         </p:txBody>
@@ -8553,8 +9533,8 @@
         </p:nvCxnSpPr>
         <p:spPr>
           <a:xfrm rot="16200000" flipH="1">
-            <a:off x="2053810" y="2911074"/>
-            <a:ext cx="785818" cy="1535917"/>
+            <a:off x="2053431" y="2910682"/>
+            <a:ext cx="785813" cy="1536700"/>
           </a:xfrm>
           <a:prstGeom prst="bentConnector2">
             <a:avLst/>
@@ -8588,8 +9568,8 @@
         </p:nvCxnSpPr>
         <p:spPr>
           <a:xfrm rot="5400000">
-            <a:off x="1625184" y="4339836"/>
-            <a:ext cx="1643072" cy="1535917"/>
+            <a:off x="1624806" y="4339432"/>
+            <a:ext cx="1643063" cy="1536700"/>
           </a:xfrm>
           <a:prstGeom prst="bentConnector3">
             <a:avLst>
@@ -8638,25 +9618,30 @@
           </a:scene3d>
         </p:spPr>
         <p:txBody>
-          <a:bodyPr wrap="none" rtlCol="0">
+          <a:bodyPr wrap="none">
             <a:spAutoFit/>
           </a:bodyPr>
           <a:lstStyle/>
           <a:p>
-            <a:pPr algn="ctr"/>
-            <a:r>
-              <a:rPr lang="ru-RU" sz="3200" b="1" dirty="0" smtClean="0">
-                <a:solidFill>
-                  <a:srgbClr val="005689"/>
-                </a:solidFill>
+            <a:pPr algn="ctr" defTabSz="914226" fontAlgn="auto">
+              <a:spcBef>
+                <a:spcPts val="0"/>
+              </a:spcBef>
+              <a:spcAft>
+                <a:spcPts val="0"/>
+              </a:spcAft>
+              <a:defRPr/>
+            </a:pPr>
+            <a:r>
+              <a:rPr lang="ru-RU" sz="3200" b="1" dirty="0">
+                <a:solidFill>
+                  <a:srgbClr val="005689"/>
+                </a:solidFill>
+                <a:latin typeface="+mn-lt"/>
+                <a:cs typeface="+mn-cs"/>
               </a:rPr>
               <a:t>Контроль</a:t>
             </a:r>
-            <a:endParaRPr lang="ru-RU" sz="3200" b="1" dirty="0">
-              <a:solidFill>
-                <a:srgbClr val="005689"/>
-              </a:solidFill>
-            </a:endParaRPr>
           </a:p>
         </p:txBody>
       </p:sp>
@@ -8671,8 +9656,8 @@
         </p:nvCxnSpPr>
         <p:spPr>
           <a:xfrm rot="5400000">
-            <a:off x="5679289" y="4750603"/>
-            <a:ext cx="785818" cy="1588"/>
+            <a:off x="5680075" y="4751388"/>
+            <a:ext cx="785813" cy="1587"/>
           </a:xfrm>
           <a:prstGeom prst="straightConnector1">
             <a:avLst/>
@@ -8707,8 +9692,8 @@
         </p:nvCxnSpPr>
         <p:spPr>
           <a:xfrm flipV="1">
-            <a:off x="8001024" y="2464587"/>
-            <a:ext cx="1588" cy="3000396"/>
+            <a:off x="8001000" y="2463800"/>
+            <a:ext cx="1588" cy="3001963"/>
           </a:xfrm>
           <a:prstGeom prst="bentConnector3">
             <a:avLst>
@@ -8768,7 +9753,7 @@
       </p:grpSpPr>
       <p:sp>
         <p:nvSpPr>
-          <p:cNvPr id="5" name="Заголовок 4"/>
+          <p:cNvPr id="6146" name="Заголовок 4"/>
           <p:cNvSpPr>
             <a:spLocks noGrp="1"/>
           </p:cNvSpPr>
@@ -8783,18 +9768,13 @@
           <a:p>
             <a:pPr algn="l"/>
             <a:r>
-              <a:rPr lang="ru-RU" b="1" dirty="0" smtClean="0">
+              <a:rPr lang="ru-RU" b="1" smtClean="0">
                 <a:solidFill>
                   <a:srgbClr val="005689"/>
                 </a:solidFill>
               </a:rPr>
               <a:t>На самом деле</a:t>
             </a:r>
-            <a:endParaRPr lang="ru-RU" b="1" dirty="0">
-              <a:solidFill>
-                <a:srgbClr val="005689"/>
-              </a:solidFill>
-            </a:endParaRPr>
           </a:p>
         </p:txBody>
       </p:sp>
@@ -8806,8 +9786,8 @@
         </p:nvSpPr>
         <p:spPr>
           <a:xfrm>
-            <a:off x="1785918" y="1643050"/>
-            <a:ext cx="4929222" cy="642942"/>
+            <a:off x="1785938" y="1643063"/>
+            <a:ext cx="4929187" cy="642937"/>
           </a:xfrm>
           <a:prstGeom prst="rect">
             <a:avLst/>
@@ -8835,23 +9815,26 @@
           </a:fontRef>
         </p:style>
         <p:txBody>
-          <a:bodyPr rtlCol="0" anchor="ctr"/>
+          <a:bodyPr anchor="ctr"/>
           <a:lstStyle/>
           <a:p>
-            <a:pPr algn="ctr"/>
-            <a:r>
-              <a:rPr lang="ru-RU" sz="3100" b="1" dirty="0" smtClean="0">
+            <a:pPr algn="ctr" defTabSz="914226" fontAlgn="auto">
+              <a:spcBef>
+                <a:spcPts val="0"/>
+              </a:spcBef>
+              <a:spcAft>
+                <a:spcPts val="0"/>
+              </a:spcAft>
+              <a:defRPr/>
+            </a:pPr>
+            <a:r>
+              <a:rPr lang="ru-RU" sz="3100" b="1" dirty="0">
                 <a:solidFill>
                   <a:srgbClr val="005689"/>
                 </a:solidFill>
               </a:rPr>
               <a:t>Кто дешевле?</a:t>
             </a:r>
-            <a:endParaRPr lang="ru-RU" sz="3100" b="1" dirty="0">
-              <a:solidFill>
-                <a:srgbClr val="005689"/>
-              </a:solidFill>
-            </a:endParaRPr>
           </a:p>
         </p:txBody>
       </p:sp>
@@ -8863,8 +9846,8 @@
         </p:nvSpPr>
         <p:spPr>
           <a:xfrm>
-            <a:off x="1785918" y="2786058"/>
-            <a:ext cx="4929222" cy="571504"/>
+            <a:off x="1785938" y="2786063"/>
+            <a:ext cx="4929187" cy="571500"/>
           </a:xfrm>
           <a:prstGeom prst="rect">
             <a:avLst/>
@@ -8892,23 +9875,26 @@
           </a:fontRef>
         </p:style>
         <p:txBody>
-          <a:bodyPr rtlCol="0" anchor="ctr"/>
+          <a:bodyPr anchor="ctr"/>
           <a:lstStyle/>
           <a:p>
-            <a:pPr algn="ctr"/>
-            <a:r>
-              <a:rPr lang="ru-RU" sz="3100" b="1" dirty="0" smtClean="0">
+            <a:pPr algn="ctr" defTabSz="914226" fontAlgn="auto">
+              <a:spcBef>
+                <a:spcPts val="0"/>
+              </a:spcBef>
+              <a:spcAft>
+                <a:spcPts val="0"/>
+              </a:spcAft>
+              <a:defRPr/>
+            </a:pPr>
+            <a:r>
+              <a:rPr lang="ru-RU" sz="3100" b="1" dirty="0">
                 <a:solidFill>
                   <a:srgbClr val="005689"/>
                 </a:solidFill>
               </a:rPr>
               <a:t>Запуск</a:t>
             </a:r>
-            <a:endParaRPr lang="ru-RU" sz="3100" b="1" dirty="0">
-              <a:solidFill>
-                <a:srgbClr val="005689"/>
-              </a:solidFill>
-            </a:endParaRPr>
           </a:p>
         </p:txBody>
       </p:sp>
@@ -8923,8 +9909,8 @@
         </p:nvCxnSpPr>
         <p:spPr>
           <a:xfrm rot="5400000">
-            <a:off x="4000496" y="2536025"/>
-            <a:ext cx="500066" cy="1588"/>
+            <a:off x="4000500" y="2535238"/>
+            <a:ext cx="500063" cy="1587"/>
           </a:xfrm>
           <a:prstGeom prst="straightConnector1">
             <a:avLst/>
@@ -8956,8 +9942,8 @@
         </p:nvSpPr>
         <p:spPr>
           <a:xfrm>
-            <a:off x="1785918" y="5143512"/>
-            <a:ext cx="4929222" cy="571504"/>
+            <a:off x="1785938" y="5143500"/>
+            <a:ext cx="4929187" cy="571500"/>
           </a:xfrm>
           <a:prstGeom prst="rect">
             <a:avLst/>
@@ -8985,23 +9971,26 @@
           </a:fontRef>
         </p:style>
         <p:txBody>
-          <a:bodyPr rtlCol="0" anchor="ctr"/>
+          <a:bodyPr anchor="ctr"/>
           <a:lstStyle/>
           <a:p>
-            <a:pPr algn="ctr"/>
-            <a:r>
-              <a:rPr lang="ru-RU" sz="3100" b="1" dirty="0" smtClean="0">
+            <a:pPr algn="ctr" defTabSz="914226" fontAlgn="auto">
+              <a:spcBef>
+                <a:spcPts val="0"/>
+              </a:spcBef>
+              <a:spcAft>
+                <a:spcPts val="0"/>
+              </a:spcAft>
+              <a:defRPr/>
+            </a:pPr>
+            <a:r>
+              <a:rPr lang="ru-RU" sz="3100" b="1" dirty="0">
                 <a:solidFill>
                   <a:srgbClr val="005689"/>
                 </a:solidFill>
               </a:rPr>
               <a:t>Понравилось работать?</a:t>
             </a:r>
-            <a:endParaRPr lang="ru-RU" sz="3100" b="1" dirty="0">
-              <a:solidFill>
-                <a:srgbClr val="005689"/>
-              </a:solidFill>
-            </a:endParaRPr>
           </a:p>
         </p:txBody>
       </p:sp>
@@ -9016,8 +10005,8 @@
         </p:nvCxnSpPr>
         <p:spPr>
           <a:xfrm rot="5400000">
-            <a:off x="4011708" y="3596383"/>
-            <a:ext cx="477642" cy="1588"/>
+            <a:off x="4011613" y="3595688"/>
+            <a:ext cx="477837" cy="1587"/>
           </a:xfrm>
           <a:prstGeom prst="straightConnector1">
             <a:avLst/>
@@ -9049,8 +10038,8 @@
         </p:nvSpPr>
         <p:spPr>
           <a:xfrm>
-            <a:off x="1785918" y="3786190"/>
-            <a:ext cx="4929222" cy="857256"/>
+            <a:off x="1785938" y="3786188"/>
+            <a:ext cx="4929187" cy="857250"/>
           </a:xfrm>
           <a:prstGeom prst="cloud">
             <a:avLst/>
@@ -9074,10 +10063,18 @@
           </a:fontRef>
         </p:style>
         <p:txBody>
-          <a:bodyPr rtlCol="0" anchor="ctr"/>
+          <a:bodyPr anchor="ctr"/>
           <a:lstStyle/>
           <a:p>
-            <a:pPr algn="ctr"/>
+            <a:pPr algn="ctr" defTabSz="914226" fontAlgn="auto">
+              <a:spcBef>
+                <a:spcPts val="0"/>
+              </a:spcBef>
+              <a:spcAft>
+                <a:spcPts val="0"/>
+              </a:spcAft>
+              <a:defRPr/>
+            </a:pPr>
             <a:endParaRPr lang="ru-RU"/>
           </a:p>
         </p:txBody>
@@ -9093,8 +10090,8 @@
         </p:nvCxnSpPr>
         <p:spPr>
           <a:xfrm rot="5400000">
-            <a:off x="4000040" y="4893022"/>
-            <a:ext cx="500979" cy="1588"/>
+            <a:off x="3999707" y="4893469"/>
+            <a:ext cx="501650" cy="1587"/>
           </a:xfrm>
           <a:prstGeom prst="straightConnector1">
             <a:avLst/>
@@ -9120,37 +10117,48 @@
       </p:cxnSp>
       <p:sp>
         <p:nvSpPr>
-          <p:cNvPr id="45" name="TextBox 44"/>
-          <p:cNvSpPr txBox="1"/>
+          <p:cNvPr id="6154" name="TextBox 44"/>
+          <p:cNvSpPr txBox="1">
+            <a:spLocks noChangeArrowheads="1"/>
+          </p:cNvSpPr>
           <p:nvPr/>
         </p:nvSpPr>
-        <p:spPr>
+        <p:spPr bwMode="auto">
           <a:xfrm>
-            <a:off x="3571868" y="3883887"/>
-            <a:ext cx="1289135" cy="830997"/>
+            <a:off x="3571875" y="3884613"/>
+            <a:ext cx="1289050" cy="830262"/>
           </a:xfrm>
           <a:prstGeom prst="rect">
             <a:avLst/>
           </a:prstGeom>
           <a:noFill/>
+          <a:ln w="9525">
+            <a:noFill/>
+            <a:miter lim="800000"/>
+            <a:headEnd/>
+            <a:tailEnd/>
+          </a:ln>
         </p:spPr>
         <p:txBody>
-          <a:bodyPr wrap="none" rtlCol="0">
+          <a:bodyPr wrap="none">
             <a:spAutoFit/>
           </a:bodyPr>
           <a:lstStyle/>
           <a:p>
             <a:r>
-              <a:rPr lang="ru-RU" sz="3100" b="1" dirty="0" smtClean="0">
-                <a:solidFill>
-                  <a:srgbClr val="005689"/>
-                </a:solidFill>
+              <a:rPr lang="ru-RU" sz="3100" b="1">
+                <a:solidFill>
+                  <a:srgbClr val="005689"/>
+                </a:solidFill>
+                <a:latin typeface="Calibri" pitchFamily="34" charset="0"/>
               </a:rPr>
               <a:t>Магия</a:t>
             </a:r>
           </a:p>
           <a:p>
-            <a:endParaRPr lang="ru-RU" dirty="0"/>
+            <a:endParaRPr lang="ru-RU">
+              <a:latin typeface="Calibri" pitchFamily="34" charset="0"/>
+            </a:endParaRPr>
           </a:p>
         </p:txBody>
       </p:sp>
@@ -9196,7 +10204,7 @@
       </p:grpSpPr>
       <p:sp>
         <p:nvSpPr>
-          <p:cNvPr id="2" name="Заголовок 1"/>
+          <p:cNvPr id="7170" name="Заголовок 1"/>
           <p:cNvSpPr>
             <a:spLocks noGrp="1"/>
           </p:cNvSpPr>
@@ -9206,19 +10214,17 @@
         </p:nvSpPr>
         <p:spPr>
           <a:xfrm>
-            <a:off x="642910" y="1428736"/>
-            <a:ext cx="7772400" cy="1470023"/>
+            <a:off x="642938" y="1428750"/>
+            <a:ext cx="7772400" cy="1470025"/>
           </a:xfrm>
         </p:spPr>
         <p:txBody>
-          <a:bodyPr>
-            <a:noAutofit/>
-          </a:bodyPr>
+          <a:bodyPr/>
           <a:lstStyle/>
           <a:p>
             <a:pPr algn="l"/>
             <a:r>
-              <a:rPr lang="ru-RU" sz="6000" b="1" dirty="0" smtClean="0">
+              <a:rPr lang="ru-RU" sz="6000" b="1" smtClean="0">
                 <a:solidFill>
                   <a:schemeClr val="bg1"/>
                 </a:solidFill>
@@ -9226,14 +10232,14 @@
               <a:t>Что важно </a:t>
             </a:r>
             <a:br>
-              <a:rPr lang="ru-RU" sz="6000" b="1" dirty="0" smtClean="0">
+              <a:rPr lang="ru-RU" sz="6000" b="1" smtClean="0">
                 <a:solidFill>
                   <a:schemeClr val="bg1"/>
                 </a:solidFill>
               </a:rPr>
             </a:br>
             <a:r>
-              <a:rPr lang="ru-RU" sz="6000" b="1" dirty="0" smtClean="0">
+              <a:rPr lang="ru-RU" sz="6000" b="1" smtClean="0">
                 <a:solidFill>
                   <a:schemeClr val="bg1"/>
                 </a:solidFill>
@@ -9241,68 +10247,67 @@
               <a:t>на этапе</a:t>
             </a:r>
             <a:br>
-              <a:rPr lang="ru-RU" sz="6000" b="1" dirty="0" smtClean="0">
+              <a:rPr lang="ru-RU" sz="6000" b="1" smtClean="0">
                 <a:solidFill>
                   <a:schemeClr val="bg1"/>
                 </a:solidFill>
               </a:rPr>
             </a:br>
             <a:r>
-              <a:rPr lang="ru-RU" sz="6000" b="1" dirty="0" smtClean="0">
+              <a:rPr lang="ru-RU" sz="6000" b="1" smtClean="0">
                 <a:solidFill>
                   <a:schemeClr val="bg1"/>
                 </a:solidFill>
               </a:rPr>
               <a:t>планирования</a:t>
             </a:r>
-            <a:endParaRPr lang="ru-RU" sz="6000" b="1" dirty="0">
-              <a:solidFill>
-                <a:schemeClr val="bg1"/>
-              </a:solidFill>
-            </a:endParaRPr>
-          </a:p>
-        </p:txBody>
-      </p:sp>
-      <p:sp>
-        <p:nvSpPr>
-          <p:cNvPr id="5" name="TextBox 4"/>
-          <p:cNvSpPr txBox="1"/>
+          </a:p>
+        </p:txBody>
+      </p:sp>
+      <p:sp>
+        <p:nvSpPr>
+          <p:cNvPr id="7171" name="TextBox 4"/>
+          <p:cNvSpPr txBox="1">
+            <a:spLocks noChangeArrowheads="1"/>
+          </p:cNvSpPr>
           <p:nvPr/>
         </p:nvSpPr>
-        <p:spPr>
+        <p:spPr bwMode="auto">
           <a:xfrm>
-            <a:off x="6143636" y="1571612"/>
-            <a:ext cx="2714644" cy="6247864"/>
+            <a:off x="6143625" y="1571625"/>
+            <a:ext cx="2714625" cy="6248400"/>
           </a:xfrm>
           <a:prstGeom prst="rect">
             <a:avLst/>
           </a:prstGeom>
           <a:noFill/>
+          <a:ln w="9525">
+            <a:noFill/>
+            <a:miter lim="800000"/>
+            <a:headEnd/>
+            <a:tailEnd/>
+          </a:ln>
         </p:spPr>
         <p:txBody>
-          <a:bodyPr wrap="square" rtlCol="0">
+          <a:bodyPr>
             <a:spAutoFit/>
           </a:bodyPr>
           <a:lstStyle/>
           <a:p>
             <a:r>
-              <a:rPr lang="en-US" sz="40000" dirty="0" smtClean="0">
+              <a:rPr lang="en-US" sz="40000">
                 <a:solidFill>
                   <a:srgbClr val="EC4024"/>
                 </a:solidFill>
-                <a:latin typeface="Arial" pitchFamily="34" charset="0"/>
                 <a:ea typeface="Tahoma" pitchFamily="34" charset="0"/>
-                <a:cs typeface="Arial" pitchFamily="34" charset="0"/>
               </a:rPr>
               <a:t>?</a:t>
             </a:r>
-            <a:endParaRPr lang="ru-RU" sz="40000" dirty="0">
+            <a:endParaRPr lang="ru-RU" sz="40000">
               <a:solidFill>
                 <a:srgbClr val="EC4024"/>
               </a:solidFill>
-              <a:latin typeface="Arial" pitchFamily="34" charset="0"/>
               <a:ea typeface="Tahoma" pitchFamily="34" charset="0"/>
-              <a:cs typeface="Arial" pitchFamily="34" charset="0"/>
             </a:endParaRPr>
           </a:p>
         </p:txBody>
@@ -9341,7 +10346,7 @@
       </p:grpSpPr>
       <p:sp>
         <p:nvSpPr>
-          <p:cNvPr id="5" name="Заголовок 4"/>
+          <p:cNvPr id="8194" name="Заголовок 4"/>
           <p:cNvSpPr>
             <a:spLocks noGrp="1"/>
           </p:cNvSpPr>
@@ -9356,7 +10361,7 @@
           <a:p>
             <a:pPr algn="l"/>
             <a:r>
-              <a:rPr lang="ru-RU" b="1" dirty="0" smtClean="0">
+              <a:rPr lang="ru-RU" b="1" smtClean="0">
                 <a:solidFill>
                   <a:srgbClr val="005689"/>
                 </a:solidFill>
@@ -9364,14 +10369,14 @@
               <a:t>Определить </a:t>
             </a:r>
             <a:r>
-              <a:rPr lang="en-US" b="1" dirty="0" smtClean="0">
+              <a:rPr lang="en-US" b="1" smtClean="0">
                 <a:solidFill>
                   <a:srgbClr val="005689"/>
                 </a:solidFill>
               </a:rPr>
               <a:t>KPI</a:t>
             </a:r>
-            <a:endParaRPr lang="ru-RU" b="1" dirty="0">
+            <a:endParaRPr lang="ru-RU" b="1" smtClean="0">
               <a:solidFill>
                 <a:srgbClr val="005689"/>
               </a:solidFill>
@@ -9381,7 +10386,7 @@
       </p:sp>
       <p:sp>
         <p:nvSpPr>
-          <p:cNvPr id="6" name="Содержимое 5"/>
+          <p:cNvPr id="8195" name="Содержимое 5"/>
           <p:cNvSpPr>
             <a:spLocks noGrp="1"/>
           </p:cNvSpPr>
@@ -9398,11 +10403,11 @@
               <a:buClr>
                 <a:srgbClr val="EC4024"/>
               </a:buClr>
-              <a:buFont typeface="+mj-lt"/>
+              <a:buFont typeface="Calibri" pitchFamily="34" charset="0"/>
               <a:buAutoNum type="arabicPeriod"/>
             </a:pPr>
             <a:r>
-              <a:rPr lang="ru-RU" b="1" dirty="0" smtClean="0">
+              <a:rPr lang="ru-RU" b="1" smtClean="0">
                 <a:solidFill>
                   <a:srgbClr val="005689"/>
                 </a:solidFill>
@@ -9415,11 +10420,11 @@
               <a:buClr>
                 <a:srgbClr val="EC4024"/>
               </a:buClr>
-              <a:buFont typeface="+mj-lt"/>
+              <a:buFont typeface="Calibri" pitchFamily="34" charset="0"/>
               <a:buAutoNum type="arabicPeriod"/>
             </a:pPr>
             <a:r>
-              <a:rPr lang="ru-RU" b="1" dirty="0" smtClean="0">
+              <a:rPr lang="ru-RU" b="1" smtClean="0">
                 <a:solidFill>
                   <a:srgbClr val="005689"/>
                 </a:solidFill>
@@ -9432,11 +10437,11 @@
               <a:buClr>
                 <a:srgbClr val="EC4024"/>
               </a:buClr>
-              <a:buFont typeface="+mj-lt"/>
+              <a:buFont typeface="Calibri" pitchFamily="34" charset="0"/>
               <a:buAutoNum type="arabicPeriod"/>
             </a:pPr>
             <a:r>
-              <a:rPr lang="ru-RU" b="1" dirty="0" smtClean="0">
+              <a:rPr lang="ru-RU" b="1" smtClean="0">
                 <a:solidFill>
                   <a:srgbClr val="005689"/>
                 </a:solidFill>
@@ -9449,10 +10454,10 @@
               <a:buClr>
                 <a:srgbClr val="EC4024"/>
               </a:buClr>
-              <a:buFont typeface="+mj-lt"/>
+              <a:buFont typeface="Calibri" pitchFamily="34" charset="0"/>
               <a:buAutoNum type="arabicPeriod"/>
             </a:pPr>
-            <a:endParaRPr lang="ru-RU" b="1" dirty="0">
+            <a:endParaRPr lang="ru-RU" b="1" smtClean="0">
               <a:solidFill>
                 <a:srgbClr val="005689"/>
               </a:solidFill>
@@ -9494,7 +10499,7 @@
       </p:grpSpPr>
       <p:sp>
         <p:nvSpPr>
-          <p:cNvPr id="5" name="Заголовок 4"/>
+          <p:cNvPr id="9218" name="Заголовок 4"/>
           <p:cNvSpPr>
             <a:spLocks noGrp="1"/>
           </p:cNvSpPr>
@@ -9509,130 +10514,137 @@
           <a:p>
             <a:pPr algn="l"/>
             <a:r>
-              <a:rPr lang="ru-RU" b="1" dirty="0" smtClean="0">
+              <a:rPr lang="ru-RU" b="1" smtClean="0">
                 <a:solidFill>
                   <a:srgbClr val="005689"/>
                 </a:solidFill>
               </a:rPr>
               <a:t>Выбор Исполнителя</a:t>
             </a:r>
-            <a:endParaRPr lang="ru-RU" b="1" dirty="0">
+          </a:p>
+        </p:txBody>
+      </p:sp>
+      <p:sp>
+        <p:nvSpPr>
+          <p:cNvPr id="9219" name="Содержимое 5"/>
+          <p:cNvSpPr>
+            <a:spLocks noGrp="1"/>
+          </p:cNvSpPr>
+          <p:nvPr>
+            <p:ph idx="1"/>
+          </p:nvPr>
+        </p:nvSpPr>
+        <p:spPr/>
+        <p:txBody>
+          <a:bodyPr/>
+          <a:lstStyle/>
+          <a:p>
+            <a:pPr marL="514350" indent="-514350">
+              <a:buClr>
+                <a:srgbClr val="EC4024"/>
+              </a:buClr>
+              <a:buFont typeface="Calibri" pitchFamily="34" charset="0"/>
+              <a:buAutoNum type="arabicPeriod"/>
+            </a:pPr>
+            <a:r>
+              <a:rPr lang="ru-RU" b="1" smtClean="0">
+                <a:solidFill>
+                  <a:srgbClr val="005689"/>
+                </a:solidFill>
+              </a:rPr>
+              <a:t>Определяющий фактор</a:t>
+            </a:r>
+            <a:r>
+              <a:rPr lang="en-US" b="1" smtClean="0">
+                <a:solidFill>
+                  <a:srgbClr val="005689"/>
+                </a:solidFill>
+              </a:rPr>
+              <a:t> — </a:t>
+            </a:r>
+            <a:r>
+              <a:rPr lang="ru-RU" b="1" smtClean="0">
+                <a:solidFill>
+                  <a:srgbClr val="005689"/>
+                </a:solidFill>
+              </a:rPr>
+              <a:t>стоимость</a:t>
+            </a:r>
+          </a:p>
+          <a:p>
+            <a:pPr marL="514350" indent="-514350">
+              <a:buClr>
+                <a:srgbClr val="EC4024"/>
+              </a:buClr>
+              <a:buFont typeface="Calibri" pitchFamily="34" charset="0"/>
+              <a:buAutoNum type="arabicPeriod"/>
+            </a:pPr>
+            <a:r>
+              <a:rPr lang="ru-RU" b="1" smtClean="0">
+                <a:solidFill>
+                  <a:srgbClr val="005689"/>
+                </a:solidFill>
+              </a:rPr>
+              <a:t>Принцип «одного окна»</a:t>
+            </a:r>
+          </a:p>
+          <a:p>
+            <a:pPr marL="514350" indent="-514350">
+              <a:buClr>
+                <a:srgbClr val="EC4024"/>
+              </a:buClr>
+              <a:buFont typeface="Calibri" pitchFamily="34" charset="0"/>
+              <a:buAutoNum type="arabicPeriod"/>
+            </a:pPr>
+            <a:r>
+              <a:rPr lang="ru-RU" b="1" smtClean="0">
+                <a:solidFill>
+                  <a:srgbClr val="005689"/>
+                </a:solidFill>
+              </a:rPr>
+              <a:t>Узнать о процессе</a:t>
+            </a:r>
+          </a:p>
+          <a:p>
+            <a:pPr marL="514350" indent="-514350">
+              <a:buClr>
+                <a:srgbClr val="EC4024"/>
+              </a:buClr>
+              <a:buFont typeface="Calibri" pitchFamily="34" charset="0"/>
+              <a:buAutoNum type="arabicPeriod"/>
+            </a:pPr>
+            <a:r>
+              <a:rPr lang="ru-RU" b="1" smtClean="0">
+                <a:solidFill>
+                  <a:srgbClr val="005689"/>
+                </a:solidFill>
+              </a:rPr>
+              <a:t>Попросить примеры отчетов</a:t>
+            </a:r>
+          </a:p>
+          <a:p>
+            <a:pPr marL="514350" indent="-514350">
+              <a:buClr>
+                <a:srgbClr val="EC4024"/>
+              </a:buClr>
+              <a:buFont typeface="Calibri" pitchFamily="34" charset="0"/>
+              <a:buAutoNum type="arabicPeriod"/>
+            </a:pPr>
+            <a:endParaRPr lang="ru-RU" b="1" smtClean="0">
               <a:solidFill>
                 <a:srgbClr val="005689"/>
               </a:solidFill>
             </a:endParaRPr>
           </a:p>
-        </p:txBody>
-      </p:sp>
-      <p:sp>
-        <p:nvSpPr>
-          <p:cNvPr id="6" name="Содержимое 5"/>
-          <p:cNvSpPr>
-            <a:spLocks noGrp="1"/>
-          </p:cNvSpPr>
-          <p:nvPr>
-            <p:ph idx="1"/>
-          </p:nvPr>
-        </p:nvSpPr>
-        <p:spPr/>
-        <p:txBody>
-          <a:bodyPr>
-            <a:normAutofit/>
-          </a:bodyPr>
-          <a:lstStyle/>
           <a:p>
             <a:pPr marL="514350" indent="-514350">
               <a:buClr>
                 <a:srgbClr val="EC4024"/>
               </a:buClr>
-              <a:buFont typeface="+mj-lt"/>
+              <a:buFont typeface="Calibri" pitchFamily="34" charset="0"/>
               <a:buAutoNum type="arabicPeriod"/>
             </a:pPr>
-            <a:r>
-              <a:rPr lang="ru-RU" b="1" dirty="0" smtClean="0">
-                <a:solidFill>
-                  <a:srgbClr val="005689"/>
-                </a:solidFill>
-              </a:rPr>
-              <a:t>Определяющий фактор</a:t>
-            </a:r>
-            <a:r>
-              <a:rPr lang="en-US" b="1" dirty="0" smtClean="0">
-                <a:solidFill>
-                  <a:srgbClr val="005689"/>
-                </a:solidFill>
-              </a:rPr>
-              <a:t> — </a:t>
-            </a:r>
-            <a:r>
-              <a:rPr lang="ru-RU" b="1" dirty="0" smtClean="0">
-                <a:solidFill>
-                  <a:srgbClr val="005689"/>
-                </a:solidFill>
-              </a:rPr>
-              <a:t>стоимость</a:t>
-            </a:r>
-          </a:p>
-          <a:p>
-            <a:pPr marL="514350" indent="-514350">
-              <a:buClr>
-                <a:srgbClr val="EC4024"/>
-              </a:buClr>
-              <a:buFont typeface="+mj-lt"/>
-              <a:buAutoNum type="arabicPeriod"/>
-            </a:pPr>
-            <a:r>
-              <a:rPr lang="ru-RU" b="1" dirty="0" smtClean="0">
-                <a:solidFill>
-                  <a:srgbClr val="005689"/>
-                </a:solidFill>
-              </a:rPr>
-              <a:t>Принцип «одного окна»</a:t>
-            </a:r>
-          </a:p>
-          <a:p>
-            <a:pPr marL="514350" indent="-514350">
-              <a:buClr>
-                <a:srgbClr val="EC4024"/>
-              </a:buClr>
-              <a:buFont typeface="+mj-lt"/>
-              <a:buAutoNum type="arabicPeriod"/>
-            </a:pPr>
-            <a:r>
-              <a:rPr lang="ru-RU" b="1" dirty="0" smtClean="0">
-                <a:solidFill>
-                  <a:srgbClr val="005689"/>
-                </a:solidFill>
-              </a:rPr>
-              <a:t>Узнать о процессе</a:t>
-            </a:r>
-          </a:p>
-          <a:p>
-            <a:pPr marL="514350" indent="-514350">
-              <a:buClr>
-                <a:srgbClr val="EC4024"/>
-              </a:buClr>
-              <a:buFont typeface="+mj-lt"/>
-              <a:buAutoNum type="arabicPeriod"/>
-            </a:pPr>
-            <a:r>
-              <a:rPr lang="ru-RU" b="1" dirty="0" smtClean="0">
-                <a:solidFill>
-                  <a:srgbClr val="005689"/>
-                </a:solidFill>
-              </a:rPr>
-              <a:t>Попросить примеры отчетов</a:t>
-            </a:r>
-          </a:p>
-          <a:p>
-            <a:pPr marL="514350" indent="-514350">
-              <a:buClr>
-                <a:srgbClr val="EC4024"/>
-              </a:buClr>
-              <a:buFont typeface="+mj-lt"/>
-              <a:buAutoNum type="arabicPeriod"/>
-            </a:pPr>
-            <a:endParaRPr lang="ru-RU" b="1" dirty="0" smtClean="0">
+            <a:endParaRPr lang="ru-RU" b="1" smtClean="0">
               <a:solidFill>
                 <a:srgbClr val="005689"/>
               </a:solidFill>
@@ -9643,10 +10655,10 @@
               <a:buClr>
                 <a:srgbClr val="EC4024"/>
               </a:buClr>
-              <a:buFont typeface="+mj-lt"/>
+              <a:buFont typeface="Calibri" pitchFamily="34" charset="0"/>
               <a:buAutoNum type="arabicPeriod"/>
             </a:pPr>
-            <a:endParaRPr lang="ru-RU" b="1" dirty="0" smtClean="0">
+            <a:endParaRPr lang="ru-RU" b="1" smtClean="0">
               <a:solidFill>
                 <a:srgbClr val="005689"/>
               </a:solidFill>
@@ -9657,10 +10669,10 @@
               <a:buClr>
                 <a:srgbClr val="EC4024"/>
               </a:buClr>
-              <a:buFont typeface="+mj-lt"/>
+              <a:buFont typeface="Calibri" pitchFamily="34" charset="0"/>
               <a:buAutoNum type="arabicPeriod"/>
             </a:pPr>
-            <a:endParaRPr lang="ru-RU" b="1" dirty="0" smtClean="0">
+            <a:endParaRPr lang="ru-RU" b="1" smtClean="0">
               <a:solidFill>
                 <a:srgbClr val="005689"/>
               </a:solidFill>
@@ -9671,24 +10683,10 @@
               <a:buClr>
                 <a:srgbClr val="EC4024"/>
               </a:buClr>
-              <a:buFont typeface="+mj-lt"/>
+              <a:buFont typeface="Calibri" pitchFamily="34" charset="0"/>
               <a:buAutoNum type="arabicPeriod"/>
             </a:pPr>
-            <a:endParaRPr lang="ru-RU" b="1" dirty="0" smtClean="0">
-              <a:solidFill>
-                <a:srgbClr val="005689"/>
-              </a:solidFill>
-            </a:endParaRPr>
-          </a:p>
-          <a:p>
-            <a:pPr marL="514350" indent="-514350">
-              <a:buClr>
-                <a:srgbClr val="EC4024"/>
-              </a:buClr>
-              <a:buFont typeface="+mj-lt"/>
-              <a:buAutoNum type="arabicPeriod"/>
-            </a:pPr>
-            <a:endParaRPr lang="ru-RU" b="1" dirty="0">
+            <a:endParaRPr lang="ru-RU" b="1" smtClean="0">
               <a:solidFill>
                 <a:srgbClr val="005689"/>
               </a:solidFill>
@@ -9730,7 +10728,7 @@
       </p:grpSpPr>
       <p:sp>
         <p:nvSpPr>
-          <p:cNvPr id="5" name="Заголовок 4"/>
+          <p:cNvPr id="10242" name="Заголовок 4"/>
           <p:cNvSpPr>
             <a:spLocks noGrp="1"/>
           </p:cNvSpPr>
@@ -9745,113 +10743,112 @@
           <a:p>
             <a:pPr algn="l"/>
             <a:r>
-              <a:rPr lang="ru-RU" b="1" dirty="0" smtClean="0">
+              <a:rPr lang="ru-RU" b="1" smtClean="0">
                 <a:solidFill>
                   <a:srgbClr val="005689"/>
                 </a:solidFill>
               </a:rPr>
               <a:t>Стоимость</a:t>
             </a:r>
-            <a:endParaRPr lang="ru-RU" b="1" dirty="0">
+          </a:p>
+        </p:txBody>
+      </p:sp>
+      <p:sp>
+        <p:nvSpPr>
+          <p:cNvPr id="10243" name="Содержимое 5"/>
+          <p:cNvSpPr>
+            <a:spLocks noGrp="1"/>
+          </p:cNvSpPr>
+          <p:nvPr>
+            <p:ph idx="1"/>
+          </p:nvPr>
+        </p:nvSpPr>
+        <p:spPr/>
+        <p:txBody>
+          <a:bodyPr/>
+          <a:lstStyle/>
+          <a:p>
+            <a:pPr marL="514350" indent="-514350">
+              <a:buClr>
+                <a:srgbClr val="EC4024"/>
+              </a:buClr>
+              <a:buFont typeface="Calibri" pitchFamily="34" charset="0"/>
+              <a:buAutoNum type="arabicPeriod"/>
+            </a:pPr>
+            <a:r>
+              <a:rPr lang="ru-RU" b="1" smtClean="0">
+                <a:solidFill>
+                  <a:srgbClr val="005689"/>
+                </a:solidFill>
+              </a:rPr>
+              <a:t>Стоит ли доверять «скидкам»?</a:t>
+            </a:r>
+          </a:p>
+          <a:p>
+            <a:pPr marL="514350" indent="-514350">
+              <a:buClr>
+                <a:srgbClr val="EC4024"/>
+              </a:buClr>
+              <a:buFont typeface="Calibri" pitchFamily="34" charset="0"/>
+              <a:buAutoNum type="arabicPeriod"/>
+            </a:pPr>
+            <a:r>
+              <a:rPr lang="ru-RU" b="1" smtClean="0">
+                <a:solidFill>
+                  <a:srgbClr val="005689"/>
+                </a:solidFill>
+              </a:rPr>
+              <a:t>Проверить цены и условия напрямую</a:t>
+            </a:r>
+          </a:p>
+          <a:p>
+            <a:pPr marL="514350" indent="-514350">
+              <a:buClr>
+                <a:srgbClr val="EC4024"/>
+              </a:buClr>
+              <a:buFont typeface="Calibri" pitchFamily="34" charset="0"/>
+              <a:buAutoNum type="arabicPeriod"/>
+            </a:pPr>
+            <a:r>
+              <a:rPr lang="ru-RU" b="1" smtClean="0">
+                <a:solidFill>
+                  <a:srgbClr val="005689"/>
+                </a:solidFill>
+              </a:rPr>
+              <a:t>Структура расходов</a:t>
+            </a:r>
+          </a:p>
+          <a:p>
+            <a:pPr marL="514350" indent="-514350">
+              <a:buClr>
+                <a:srgbClr val="EC4024"/>
+              </a:buClr>
+              <a:buFont typeface="Calibri" pitchFamily="34" charset="0"/>
+              <a:buAutoNum type="arabicPeriod"/>
+            </a:pPr>
+            <a:r>
+              <a:rPr lang="ru-RU" b="1" smtClean="0">
+                <a:solidFill>
+                  <a:srgbClr val="005689"/>
+                </a:solidFill>
+              </a:rPr>
+              <a:t>Комиссия агентства</a:t>
+            </a:r>
+            <a:endParaRPr lang="en-US" b="1" smtClean="0">
               <a:solidFill>
                 <a:srgbClr val="005689"/>
               </a:solidFill>
             </a:endParaRPr>
           </a:p>
-        </p:txBody>
-      </p:sp>
-      <p:sp>
-        <p:nvSpPr>
-          <p:cNvPr id="6" name="Содержимое 5"/>
-          <p:cNvSpPr>
-            <a:spLocks noGrp="1"/>
-          </p:cNvSpPr>
-          <p:nvPr>
-            <p:ph idx="1"/>
-          </p:nvPr>
-        </p:nvSpPr>
-        <p:spPr/>
-        <p:txBody>
-          <a:bodyPr>
-            <a:normAutofit/>
-          </a:bodyPr>
-          <a:lstStyle/>
           <a:p>
             <a:pPr marL="514350" indent="-514350">
               <a:buClr>
                 <a:srgbClr val="EC4024"/>
               </a:buClr>
-              <a:buFont typeface="+mj-lt"/>
+              <a:buFont typeface="Calibri" pitchFamily="34" charset="0"/>
               <a:buAutoNum type="arabicPeriod"/>
             </a:pPr>
-            <a:r>
-              <a:rPr lang="ru-RU" b="1" dirty="0" smtClean="0">
-                <a:solidFill>
-                  <a:srgbClr val="005689"/>
-                </a:solidFill>
-              </a:rPr>
-              <a:t>Стоит ли доверять «скидкам»?</a:t>
-            </a:r>
-          </a:p>
-          <a:p>
-            <a:pPr marL="514350" indent="-514350">
-              <a:buClr>
-                <a:srgbClr val="EC4024"/>
-              </a:buClr>
-              <a:buFont typeface="+mj-lt"/>
-              <a:buAutoNum type="arabicPeriod"/>
-            </a:pPr>
-            <a:r>
-              <a:rPr lang="ru-RU" b="1" dirty="0" smtClean="0">
-                <a:solidFill>
-                  <a:srgbClr val="005689"/>
-                </a:solidFill>
-              </a:rPr>
-              <a:t>Проверить цены и условия напряму</a:t>
-            </a:r>
-            <a:r>
-              <a:rPr lang="ru-RU" b="1" dirty="0" smtClean="0">
-                <a:solidFill>
-                  <a:srgbClr val="005689"/>
-                </a:solidFill>
-              </a:rPr>
-              <a:t>ю</a:t>
-            </a:r>
-          </a:p>
-          <a:p>
-            <a:pPr marL="514350" indent="-514350">
-              <a:buClr>
-                <a:srgbClr val="EC4024"/>
-              </a:buClr>
-              <a:buFont typeface="+mj-lt"/>
-              <a:buAutoNum type="arabicPeriod"/>
-            </a:pPr>
-            <a:r>
-              <a:rPr lang="ru-RU" b="1" dirty="0" smtClean="0">
-                <a:solidFill>
-                  <a:srgbClr val="005689"/>
-                </a:solidFill>
-              </a:rPr>
-              <a:t>Структура расходов</a:t>
-            </a:r>
-          </a:p>
-          <a:p>
-            <a:pPr marL="514350" indent="-514350">
-              <a:buClr>
-                <a:srgbClr val="EC4024"/>
-              </a:buClr>
-              <a:buFont typeface="+mj-lt"/>
-              <a:buAutoNum type="arabicPeriod"/>
-            </a:pPr>
-            <a:r>
-              <a:rPr lang="ru-RU" b="1" dirty="0" smtClean="0">
-                <a:solidFill>
-                  <a:srgbClr val="005689"/>
-                </a:solidFill>
-              </a:rPr>
-              <a:t>Комиссия агентства</a:t>
-            </a:r>
-            <a:endParaRPr lang="en-US" b="1" dirty="0" smtClean="0">
+            <a:endParaRPr lang="ru-RU" b="1" smtClean="0">
               <a:solidFill>
                 <a:srgbClr val="005689"/>
               </a:solidFill>
@@ -9862,10 +10859,10 @@
               <a:buClr>
                 <a:srgbClr val="EC4024"/>
               </a:buClr>
-              <a:buFont typeface="+mj-lt"/>
+              <a:buFont typeface="Calibri" pitchFamily="34" charset="0"/>
               <a:buAutoNum type="arabicPeriod"/>
             </a:pPr>
-            <a:endParaRPr lang="ru-RU" b="1" dirty="0" smtClean="0">
+            <a:endParaRPr lang="ru-RU" b="1" smtClean="0">
               <a:solidFill>
                 <a:srgbClr val="005689"/>
               </a:solidFill>
@@ -9876,10 +10873,10 @@
               <a:buClr>
                 <a:srgbClr val="EC4024"/>
               </a:buClr>
-              <a:buFont typeface="+mj-lt"/>
+              <a:buFont typeface="Calibri" pitchFamily="34" charset="0"/>
               <a:buAutoNum type="arabicPeriod"/>
             </a:pPr>
-            <a:endParaRPr lang="ru-RU" b="1" dirty="0" smtClean="0">
+            <a:endParaRPr lang="ru-RU" b="1" smtClean="0">
               <a:solidFill>
                 <a:srgbClr val="005689"/>
               </a:solidFill>
@@ -9890,10 +10887,10 @@
               <a:buClr>
                 <a:srgbClr val="EC4024"/>
               </a:buClr>
-              <a:buFont typeface="+mj-lt"/>
+              <a:buFont typeface="Calibri" pitchFamily="34" charset="0"/>
               <a:buAutoNum type="arabicPeriod"/>
             </a:pPr>
-            <a:endParaRPr lang="ru-RU" b="1" dirty="0" smtClean="0">
+            <a:endParaRPr lang="ru-RU" b="1" smtClean="0">
               <a:solidFill>
                 <a:srgbClr val="005689"/>
               </a:solidFill>
@@ -9904,24 +10901,10 @@
               <a:buClr>
                 <a:srgbClr val="EC4024"/>
               </a:buClr>
-              <a:buFont typeface="+mj-lt"/>
+              <a:buFont typeface="Calibri" pitchFamily="34" charset="0"/>
               <a:buAutoNum type="arabicPeriod"/>
             </a:pPr>
-            <a:endParaRPr lang="ru-RU" b="1" dirty="0" smtClean="0">
-              <a:solidFill>
-                <a:srgbClr val="005689"/>
-              </a:solidFill>
-            </a:endParaRPr>
-          </a:p>
-          <a:p>
-            <a:pPr marL="514350" indent="-514350">
-              <a:buClr>
-                <a:srgbClr val="EC4024"/>
-              </a:buClr>
-              <a:buFont typeface="+mj-lt"/>
-              <a:buAutoNum type="arabicPeriod"/>
-            </a:pPr>
-            <a:endParaRPr lang="ru-RU" b="1" dirty="0">
+            <a:endParaRPr lang="ru-RU" b="1" smtClean="0">
               <a:solidFill>
                 <a:srgbClr val="005689"/>
               </a:solidFill>
